--- a/Sitemap ect.pptx
+++ b/Sitemap ect.pptx
@@ -7,8 +7,12 @@
   <p:sldIdLst>
     <p:sldId id="256" r:id="rId2"/>
     <p:sldId id="257" r:id="rId3"/>
-    <p:sldId id="258" r:id="rId4"/>
-    <p:sldId id="259" r:id="rId5"/>
+    <p:sldId id="260" r:id="rId4"/>
+    <p:sldId id="261" r:id="rId5"/>
+    <p:sldId id="258" r:id="rId6"/>
+    <p:sldId id="262" r:id="rId7"/>
+    <p:sldId id="263" r:id="rId8"/>
+    <p:sldId id="259" r:id="rId9"/>
   </p:sldIdLst>
   <p:sldSz cx="12192000" cy="6858000"/>
   <p:notesSz cx="6858000" cy="9144000"/>
@@ -107,7 +111,39 @@
       </a:defRPr>
     </a:lvl9pPr>
   </p:defaultTextStyle>
+  <p:extLst>
+    <p:ext uri="{EFAFB233-063F-42B5-8137-9DF3F51BA10A}">
+      <p15:sldGuideLst xmlns:p15="http://schemas.microsoft.com/office/powerpoint/2012/main"/>
+    </p:ext>
+  </p:extLst>
 </p:presentation>
+</file>
+
+<file path=ppt/authors.xml><?xml version="1.0" encoding="utf-8"?>
+<p188:authorLst xmlns:a="http://schemas.openxmlformats.org/drawingml/2006/main" xmlns:r="http://schemas.openxmlformats.org/officeDocument/2006/relationships" xmlns:p188="http://schemas.microsoft.com/office/powerpoint/2018/8/main">
+  <p188:author id="{BB7389FC-CB56-CF4D-E353-3D15BF3C4A46}" name="Jacob Cohen" initials="JC" userId="814070ed6ec7b047" providerId="Windows Live"/>
+</p188:authorLst>
+</file>
+
+<file path=ppt/comments/modernComment_106_C1C5D8B0.xml><?xml version="1.0" encoding="utf-8"?>
+<p188:cmLst xmlns:a="http://schemas.openxmlformats.org/drawingml/2006/main" xmlns:r="http://schemas.openxmlformats.org/officeDocument/2006/relationships" xmlns:p188="http://schemas.microsoft.com/office/powerpoint/2018/8/main">
+  <p188:cm id="{3744583B-E967-4253-BE85-DE65EC2AF986}" authorId="{BB7389FC-CB56-CF4D-E353-3D15BF3C4A46}" created="2023-10-18T05:03:40.805">
+    <pc:sldMkLst xmlns:pc="http://schemas.microsoft.com/office/powerpoint/2013/main/command">
+      <pc:docMk/>
+      <pc:sldMk cId="3250968752" sldId="262"/>
+    </pc:sldMkLst>
+    <p188:txBody>
+      <a:bodyPr/>
+      <a:lstStyle/>
+      <a:p>
+        <a:r>
+          <a:rPr lang="en-US"/>
+          <a:t>Login page</a:t>
+        </a:r>
+      </a:p>
+    </p188:txBody>
+  </p188:cm>
+</p188:cmLst>
 </file>
 
 <file path=ppt/slideLayouts/slideLayout1.xml><?xml version="1.0" encoding="utf-8"?>
@@ -4325,10 +4361,65 @@
       </p:grpSpPr>
       <p:sp>
         <p:nvSpPr>
-          <p:cNvPr id="2" name="TextBox 1">
-            <a:extLst>
-              <a:ext uri="{FF2B5EF4-FFF2-40B4-BE49-F238E27FC236}">
-                <a16:creationId xmlns:a16="http://schemas.microsoft.com/office/drawing/2014/main" id="{63BA6D3A-786C-BD34-61AD-6115AC669181}"/>
+          <p:cNvPr id="3" name="Rectangle: Rounded Corners 2">
+            <a:extLst>
+              <a:ext uri="{FF2B5EF4-FFF2-40B4-BE49-F238E27FC236}">
+                <a16:creationId xmlns:a16="http://schemas.microsoft.com/office/drawing/2014/main" id="{B9D6ED37-DFEF-2051-B86E-C06826BDAD94}"/>
+              </a:ext>
+            </a:extLst>
+          </p:cNvPr>
+          <p:cNvSpPr/>
+          <p:nvPr/>
+        </p:nvSpPr>
+        <p:spPr>
+          <a:xfrm>
+            <a:off x="1604396" y="140711"/>
+            <a:ext cx="1266738" cy="969349"/>
+          </a:xfrm>
+          <a:prstGeom prst="roundRect">
+            <a:avLst/>
+          </a:prstGeom>
+          <a:solidFill>
+            <a:srgbClr val="AB0520"/>
+          </a:solidFill>
+          <a:ln>
+            <a:noFill/>
+          </a:ln>
+        </p:spPr>
+        <p:style>
+          <a:lnRef idx="2">
+            <a:schemeClr val="accent1">
+              <a:shade val="15000"/>
+            </a:schemeClr>
+          </a:lnRef>
+          <a:fillRef idx="1">
+            <a:schemeClr val="accent1"/>
+          </a:fillRef>
+          <a:effectRef idx="0">
+            <a:schemeClr val="accent1"/>
+          </a:effectRef>
+          <a:fontRef idx="minor">
+            <a:schemeClr val="lt1"/>
+          </a:fontRef>
+        </p:style>
+        <p:txBody>
+          <a:bodyPr rtlCol="0" anchor="ctr"/>
+          <a:lstStyle/>
+          <a:p>
+            <a:pPr algn="ctr"/>
+            <a:r>
+              <a:rPr lang="en-US" dirty="0"/>
+              <a:t>UA Red</a:t>
+            </a:r>
+          </a:p>
+        </p:txBody>
+      </p:sp>
+      <p:sp>
+        <p:nvSpPr>
+          <p:cNvPr id="4" name="TextBox 3">
+            <a:extLst>
+              <a:ext uri="{FF2B5EF4-FFF2-40B4-BE49-F238E27FC236}">
+                <a16:creationId xmlns:a16="http://schemas.microsoft.com/office/drawing/2014/main" id="{36E66A64-5791-D308-B126-9BD8EF0A2061}"/>
               </a:ext>
             </a:extLst>
           </p:cNvPr>
@@ -4337,8 +4428,8 @@
         </p:nvSpPr>
         <p:spPr>
           <a:xfrm>
-            <a:off x="4379495" y="425298"/>
-            <a:ext cx="3320716" cy="646331"/>
+            <a:off x="0" y="310393"/>
+            <a:ext cx="1501629" cy="646331"/>
           </a:xfrm>
           <a:prstGeom prst="rect">
             <a:avLst/>
@@ -4351,11 +4442,1893 @@
           </a:bodyPr>
           <a:lstStyle/>
           <a:p>
+            <a:r>
+              <a:rPr lang="en-US" dirty="0"/>
+              <a:t>Primary color palette</a:t>
+            </a:r>
+          </a:p>
+        </p:txBody>
+      </p:sp>
+      <p:sp>
+        <p:nvSpPr>
+          <p:cNvPr id="5" name="Rectangle: Rounded Corners 4">
+            <a:extLst>
+              <a:ext uri="{FF2B5EF4-FFF2-40B4-BE49-F238E27FC236}">
+                <a16:creationId xmlns:a16="http://schemas.microsoft.com/office/drawing/2014/main" id="{EA3D6C8B-F424-07C6-4F71-402DE1184069}"/>
+              </a:ext>
+            </a:extLst>
+          </p:cNvPr>
+          <p:cNvSpPr/>
+          <p:nvPr/>
+        </p:nvSpPr>
+        <p:spPr>
+          <a:xfrm>
+            <a:off x="3064081" y="138592"/>
+            <a:ext cx="1266738" cy="969349"/>
+          </a:xfrm>
+          <a:prstGeom prst="roundRect">
+            <a:avLst/>
+          </a:prstGeom>
+          <a:solidFill>
+            <a:srgbClr val="0C234B"/>
+          </a:solidFill>
+          <a:ln>
+            <a:noFill/>
+          </a:ln>
+        </p:spPr>
+        <p:style>
+          <a:lnRef idx="2">
+            <a:schemeClr val="accent1">
+              <a:shade val="15000"/>
+            </a:schemeClr>
+          </a:lnRef>
+          <a:fillRef idx="1">
+            <a:schemeClr val="accent1"/>
+          </a:fillRef>
+          <a:effectRef idx="0">
+            <a:schemeClr val="accent1"/>
+          </a:effectRef>
+          <a:fontRef idx="minor">
+            <a:schemeClr val="lt1"/>
+          </a:fontRef>
+        </p:style>
+        <p:txBody>
+          <a:bodyPr rtlCol="0" anchor="ctr"/>
+          <a:lstStyle/>
+          <a:p>
             <a:pPr algn="ctr"/>
             <a:r>
-              <a:rPr lang="en-US" sz="3600" b="1" dirty="0"/>
+              <a:rPr lang="en-US" dirty="0"/>
+              <a:t>Arizona Blue</a:t>
+            </a:r>
+          </a:p>
+        </p:txBody>
+      </p:sp>
+      <p:sp>
+        <p:nvSpPr>
+          <p:cNvPr id="6" name="TextBox 5">
+            <a:extLst>
+              <a:ext uri="{FF2B5EF4-FFF2-40B4-BE49-F238E27FC236}">
+                <a16:creationId xmlns:a16="http://schemas.microsoft.com/office/drawing/2014/main" id="{32C651D3-02F8-CEA9-E832-BA1C25D7CDB3}"/>
+              </a:ext>
+            </a:extLst>
+          </p:cNvPr>
+          <p:cNvSpPr txBox="1"/>
+          <p:nvPr/>
+        </p:nvSpPr>
+        <p:spPr>
+          <a:xfrm>
+            <a:off x="1459685" y="1231280"/>
+            <a:ext cx="1556158" cy="369332"/>
+          </a:xfrm>
+          <a:prstGeom prst="rect">
+            <a:avLst/>
+          </a:prstGeom>
+          <a:noFill/>
+        </p:spPr>
+        <p:txBody>
+          <a:bodyPr wrap="square" rtlCol="0">
+            <a:spAutoFit/>
+          </a:bodyPr>
+          <a:lstStyle/>
+          <a:p>
+            <a:pPr algn="ctr"/>
+            <a:r>
+              <a:rPr lang="en-US" dirty="0"/>
+              <a:t>Hex: #AB0520</a:t>
+            </a:r>
+          </a:p>
+        </p:txBody>
+      </p:sp>
+      <p:sp>
+        <p:nvSpPr>
+          <p:cNvPr id="7" name="TextBox 6">
+            <a:extLst>
+              <a:ext uri="{FF2B5EF4-FFF2-40B4-BE49-F238E27FC236}">
+                <a16:creationId xmlns:a16="http://schemas.microsoft.com/office/drawing/2014/main" id="{372D564B-ED10-E658-6DEB-F95C5B0D89F3}"/>
+              </a:ext>
+            </a:extLst>
+          </p:cNvPr>
+          <p:cNvSpPr txBox="1"/>
+          <p:nvPr/>
+        </p:nvSpPr>
+        <p:spPr>
+          <a:xfrm>
+            <a:off x="2988579" y="1244052"/>
+            <a:ext cx="1535187" cy="369332"/>
+          </a:xfrm>
+          <a:prstGeom prst="rect">
+            <a:avLst/>
+          </a:prstGeom>
+          <a:noFill/>
+        </p:spPr>
+        <p:txBody>
+          <a:bodyPr wrap="square" rtlCol="0">
+            <a:spAutoFit/>
+          </a:bodyPr>
+          <a:lstStyle/>
+          <a:p>
+            <a:pPr algn="ctr"/>
+            <a:r>
+              <a:rPr lang="en-US" dirty="0"/>
+              <a:t>Hex: #0C234B</a:t>
+            </a:r>
+          </a:p>
+        </p:txBody>
+      </p:sp>
+      <p:sp>
+        <p:nvSpPr>
+          <p:cNvPr id="8" name="Rectangle: Rounded Corners 7">
+            <a:extLst>
+              <a:ext uri="{FF2B5EF4-FFF2-40B4-BE49-F238E27FC236}">
+                <a16:creationId xmlns:a16="http://schemas.microsoft.com/office/drawing/2014/main" id="{2C4B7111-DDCA-5A4B-4FC5-2774CC2693C3}"/>
+              </a:ext>
+            </a:extLst>
+          </p:cNvPr>
+          <p:cNvSpPr/>
+          <p:nvPr/>
+        </p:nvSpPr>
+        <p:spPr>
+          <a:xfrm>
+            <a:off x="1604396" y="1751614"/>
+            <a:ext cx="1266738" cy="969349"/>
+          </a:xfrm>
+          <a:prstGeom prst="roundRect">
+            <a:avLst/>
+          </a:prstGeom>
+          <a:solidFill>
+            <a:srgbClr val="EF4056"/>
+          </a:solidFill>
+          <a:ln>
+            <a:noFill/>
+          </a:ln>
+        </p:spPr>
+        <p:style>
+          <a:lnRef idx="2">
+            <a:schemeClr val="accent1">
+              <a:shade val="15000"/>
+            </a:schemeClr>
+          </a:lnRef>
+          <a:fillRef idx="1">
+            <a:schemeClr val="accent1"/>
+          </a:fillRef>
+          <a:effectRef idx="0">
+            <a:schemeClr val="accent1"/>
+          </a:effectRef>
+          <a:fontRef idx="minor">
+            <a:schemeClr val="lt1"/>
+          </a:fontRef>
+        </p:style>
+        <p:txBody>
+          <a:bodyPr rtlCol="0" anchor="ctr"/>
+          <a:lstStyle/>
+          <a:p>
+            <a:pPr algn="ctr"/>
+            <a:r>
+              <a:rPr lang="en-US" dirty="0"/>
+              <a:t>Bloom</a:t>
+            </a:r>
+          </a:p>
+        </p:txBody>
+      </p:sp>
+      <p:sp>
+        <p:nvSpPr>
+          <p:cNvPr id="9" name="TextBox 8">
+            <a:extLst>
+              <a:ext uri="{FF2B5EF4-FFF2-40B4-BE49-F238E27FC236}">
+                <a16:creationId xmlns:a16="http://schemas.microsoft.com/office/drawing/2014/main" id="{CEC8F372-54E2-6F6B-3255-C5CB9880A797}"/>
+              </a:ext>
+            </a:extLst>
+          </p:cNvPr>
+          <p:cNvSpPr txBox="1"/>
+          <p:nvPr/>
+        </p:nvSpPr>
+        <p:spPr>
+          <a:xfrm>
+            <a:off x="0" y="1921296"/>
+            <a:ext cx="1694576" cy="2031325"/>
+          </a:xfrm>
+          <a:prstGeom prst="rect">
+            <a:avLst/>
+          </a:prstGeom>
+          <a:noFill/>
+        </p:spPr>
+        <p:txBody>
+          <a:bodyPr wrap="square" rtlCol="0">
+            <a:spAutoFit/>
+          </a:bodyPr>
+          <a:lstStyle/>
+          <a:p>
+            <a:r>
+              <a:rPr lang="en-US" dirty="0">
+                <a:latin typeface="MiloWeb"/>
+              </a:rPr>
+              <a:t>C</a:t>
+            </a:r>
+            <a:r>
+              <a:rPr lang="en-US" b="0" i="0" dirty="0">
+                <a:effectLst/>
+                <a:latin typeface="MiloWeb"/>
+              </a:rPr>
+              <a:t>omplimentary highlight and shadow accent colors for both </a:t>
+            </a:r>
+            <a:r>
+              <a:rPr lang="en-US" b="0" i="0" dirty="0" err="1">
+                <a:effectLst/>
+                <a:latin typeface="MiloWeb"/>
+              </a:rPr>
+              <a:t>UArizona</a:t>
+            </a:r>
+            <a:r>
+              <a:rPr lang="en-US" b="0" i="0" dirty="0">
+                <a:effectLst/>
+                <a:latin typeface="MiloWeb"/>
+              </a:rPr>
+              <a:t> Red and Arizona Blue</a:t>
+            </a:r>
+            <a:endParaRPr lang="en-US" dirty="0"/>
+          </a:p>
+        </p:txBody>
+      </p:sp>
+      <p:sp>
+        <p:nvSpPr>
+          <p:cNvPr id="10" name="Rectangle: Rounded Corners 9">
+            <a:extLst>
+              <a:ext uri="{FF2B5EF4-FFF2-40B4-BE49-F238E27FC236}">
+                <a16:creationId xmlns:a16="http://schemas.microsoft.com/office/drawing/2014/main" id="{DEF9DA14-991F-0E46-8EB7-D989E3346EB2}"/>
+              </a:ext>
+            </a:extLst>
+          </p:cNvPr>
+          <p:cNvSpPr/>
+          <p:nvPr/>
+        </p:nvSpPr>
+        <p:spPr>
+          <a:xfrm>
+            <a:off x="3064081" y="1749495"/>
+            <a:ext cx="1266738" cy="969349"/>
+          </a:xfrm>
+          <a:prstGeom prst="roundRect">
+            <a:avLst/>
+          </a:prstGeom>
+          <a:solidFill>
+            <a:srgbClr val="AB0520"/>
+          </a:solidFill>
+          <a:ln>
+            <a:noFill/>
+          </a:ln>
+        </p:spPr>
+        <p:style>
+          <a:lnRef idx="2">
+            <a:schemeClr val="accent1">
+              <a:shade val="15000"/>
+            </a:schemeClr>
+          </a:lnRef>
+          <a:fillRef idx="1">
+            <a:schemeClr val="accent1"/>
+          </a:fillRef>
+          <a:effectRef idx="0">
+            <a:schemeClr val="accent1"/>
+          </a:effectRef>
+          <a:fontRef idx="minor">
+            <a:schemeClr val="lt1"/>
+          </a:fontRef>
+        </p:style>
+        <p:txBody>
+          <a:bodyPr rtlCol="0" anchor="ctr"/>
+          <a:lstStyle/>
+          <a:p>
+            <a:pPr algn="ctr"/>
+            <a:r>
+              <a:rPr lang="en-US" dirty="0"/>
+              <a:t>UA Red</a:t>
+            </a:r>
+          </a:p>
+        </p:txBody>
+      </p:sp>
+      <p:sp>
+        <p:nvSpPr>
+          <p:cNvPr id="11" name="TextBox 10">
+            <a:extLst>
+              <a:ext uri="{FF2B5EF4-FFF2-40B4-BE49-F238E27FC236}">
+                <a16:creationId xmlns:a16="http://schemas.microsoft.com/office/drawing/2014/main" id="{8AD5CF9B-3DC5-24BA-9882-E69E4D176E1C}"/>
+              </a:ext>
+            </a:extLst>
+          </p:cNvPr>
+          <p:cNvSpPr txBox="1"/>
+          <p:nvPr/>
+        </p:nvSpPr>
+        <p:spPr>
+          <a:xfrm>
+            <a:off x="1507921" y="2842183"/>
+            <a:ext cx="1459685" cy="369332"/>
+          </a:xfrm>
+          <a:prstGeom prst="rect">
+            <a:avLst/>
+          </a:prstGeom>
+          <a:noFill/>
+        </p:spPr>
+        <p:txBody>
+          <a:bodyPr wrap="square" rtlCol="0">
+            <a:spAutoFit/>
+          </a:bodyPr>
+          <a:lstStyle/>
+          <a:p>
+            <a:pPr algn="ctr"/>
+            <a:r>
+              <a:rPr lang="en-US" dirty="0"/>
+              <a:t>Hex: #EF4056</a:t>
+            </a:r>
+          </a:p>
+        </p:txBody>
+      </p:sp>
+      <p:sp>
+        <p:nvSpPr>
+          <p:cNvPr id="12" name="TextBox 11">
+            <a:extLst>
+              <a:ext uri="{FF2B5EF4-FFF2-40B4-BE49-F238E27FC236}">
+                <a16:creationId xmlns:a16="http://schemas.microsoft.com/office/drawing/2014/main" id="{1D467095-93A9-54A9-291B-FA6339BC16A7}"/>
+              </a:ext>
+            </a:extLst>
+          </p:cNvPr>
+          <p:cNvSpPr txBox="1"/>
+          <p:nvPr/>
+        </p:nvSpPr>
+        <p:spPr>
+          <a:xfrm>
+            <a:off x="2925664" y="2842183"/>
+            <a:ext cx="1598102" cy="369332"/>
+          </a:xfrm>
+          <a:prstGeom prst="rect">
+            <a:avLst/>
+          </a:prstGeom>
+          <a:noFill/>
+        </p:spPr>
+        <p:txBody>
+          <a:bodyPr wrap="square" rtlCol="0">
+            <a:spAutoFit/>
+          </a:bodyPr>
+          <a:lstStyle/>
+          <a:p>
+            <a:pPr algn="ctr"/>
+            <a:r>
+              <a:rPr lang="en-US" dirty="0"/>
+              <a:t>Hex: #AB0520</a:t>
+            </a:r>
+          </a:p>
+        </p:txBody>
+      </p:sp>
+      <p:sp>
+        <p:nvSpPr>
+          <p:cNvPr id="13" name="Rectangle: Rounded Corners 12">
+            <a:extLst>
+              <a:ext uri="{FF2B5EF4-FFF2-40B4-BE49-F238E27FC236}">
+                <a16:creationId xmlns:a16="http://schemas.microsoft.com/office/drawing/2014/main" id="{19F327F9-AD8E-2566-957C-3691F8A91959}"/>
+              </a:ext>
+            </a:extLst>
+          </p:cNvPr>
+          <p:cNvSpPr/>
+          <p:nvPr/>
+        </p:nvSpPr>
+        <p:spPr>
+          <a:xfrm>
+            <a:off x="4523766" y="1751614"/>
+            <a:ext cx="1266738" cy="969349"/>
+          </a:xfrm>
+          <a:prstGeom prst="roundRect">
+            <a:avLst/>
+          </a:prstGeom>
+          <a:solidFill>
+            <a:srgbClr val="EF4056"/>
+          </a:solidFill>
+          <a:ln>
+            <a:noFill/>
+          </a:ln>
+        </p:spPr>
+        <p:style>
+          <a:lnRef idx="2">
+            <a:schemeClr val="accent1">
+              <a:shade val="15000"/>
+            </a:schemeClr>
+          </a:lnRef>
+          <a:fillRef idx="1">
+            <a:schemeClr val="accent1"/>
+          </a:fillRef>
+          <a:effectRef idx="0">
+            <a:schemeClr val="accent1"/>
+          </a:effectRef>
+          <a:fontRef idx="minor">
+            <a:schemeClr val="lt1"/>
+          </a:fontRef>
+        </p:style>
+        <p:txBody>
+          <a:bodyPr rtlCol="0" anchor="ctr"/>
+          <a:lstStyle/>
+          <a:p>
+            <a:pPr algn="ctr"/>
+            <a:r>
+              <a:rPr lang="en-US" dirty="0"/>
+              <a:t>Chili</a:t>
+            </a:r>
+          </a:p>
+        </p:txBody>
+      </p:sp>
+      <p:sp>
+        <p:nvSpPr>
+          <p:cNvPr id="14" name="Rectangle: Rounded Corners 13">
+            <a:extLst>
+              <a:ext uri="{FF2B5EF4-FFF2-40B4-BE49-F238E27FC236}">
+                <a16:creationId xmlns:a16="http://schemas.microsoft.com/office/drawing/2014/main" id="{1A22B384-4824-23E4-929B-3E156BF45F70}"/>
+              </a:ext>
+            </a:extLst>
+          </p:cNvPr>
+          <p:cNvSpPr/>
+          <p:nvPr/>
+        </p:nvSpPr>
+        <p:spPr>
+          <a:xfrm>
+            <a:off x="1587970" y="3332735"/>
+            <a:ext cx="1266738" cy="969349"/>
+          </a:xfrm>
+          <a:prstGeom prst="roundRect">
+            <a:avLst/>
+          </a:prstGeom>
+          <a:solidFill>
+            <a:srgbClr val="81D3EB"/>
+          </a:solidFill>
+          <a:ln>
+            <a:noFill/>
+          </a:ln>
+        </p:spPr>
+        <p:style>
+          <a:lnRef idx="2">
+            <a:schemeClr val="accent1">
+              <a:shade val="15000"/>
+            </a:schemeClr>
+          </a:lnRef>
+          <a:fillRef idx="1">
+            <a:schemeClr val="accent1"/>
+          </a:fillRef>
+          <a:effectRef idx="0">
+            <a:schemeClr val="accent1"/>
+          </a:effectRef>
+          <a:fontRef idx="minor">
+            <a:schemeClr val="lt1"/>
+          </a:fontRef>
+        </p:style>
+        <p:txBody>
+          <a:bodyPr rtlCol="0" anchor="ctr"/>
+          <a:lstStyle/>
+          <a:p>
+            <a:pPr algn="ctr"/>
+            <a:r>
+              <a:rPr lang="en-US" dirty="0"/>
+              <a:t>Sky</a:t>
+            </a:r>
+          </a:p>
+        </p:txBody>
+      </p:sp>
+      <p:sp>
+        <p:nvSpPr>
+          <p:cNvPr id="15" name="TextBox 14">
+            <a:extLst>
+              <a:ext uri="{FF2B5EF4-FFF2-40B4-BE49-F238E27FC236}">
+                <a16:creationId xmlns:a16="http://schemas.microsoft.com/office/drawing/2014/main" id="{8D8DBDB9-4C38-95AF-20A2-383F87203EA8}"/>
+              </a:ext>
+            </a:extLst>
+          </p:cNvPr>
+          <p:cNvSpPr txBox="1"/>
+          <p:nvPr/>
+        </p:nvSpPr>
+        <p:spPr>
+          <a:xfrm>
+            <a:off x="4385349" y="2842183"/>
+            <a:ext cx="1459685" cy="369332"/>
+          </a:xfrm>
+          <a:prstGeom prst="rect">
+            <a:avLst/>
+          </a:prstGeom>
+          <a:noFill/>
+        </p:spPr>
+        <p:txBody>
+          <a:bodyPr wrap="square" rtlCol="0">
+            <a:spAutoFit/>
+          </a:bodyPr>
+          <a:lstStyle/>
+          <a:p>
+            <a:pPr algn="ctr"/>
+            <a:r>
+              <a:rPr lang="en-US" dirty="0"/>
+              <a:t>Hex: #EF4056</a:t>
+            </a:r>
+          </a:p>
+        </p:txBody>
+      </p:sp>
+      <p:sp>
+        <p:nvSpPr>
+          <p:cNvPr id="16" name="TextBox 15">
+            <a:extLst>
+              <a:ext uri="{FF2B5EF4-FFF2-40B4-BE49-F238E27FC236}">
+                <a16:creationId xmlns:a16="http://schemas.microsoft.com/office/drawing/2014/main" id="{AA4731B3-E01E-18ED-88D9-0F6D2ACFF7FD}"/>
+              </a:ext>
+            </a:extLst>
+          </p:cNvPr>
+          <p:cNvSpPr txBox="1"/>
+          <p:nvPr/>
+        </p:nvSpPr>
+        <p:spPr>
+          <a:xfrm>
+            <a:off x="1449553" y="4425423"/>
+            <a:ext cx="1598102" cy="369332"/>
+          </a:xfrm>
+          <a:prstGeom prst="rect">
+            <a:avLst/>
+          </a:prstGeom>
+          <a:noFill/>
+        </p:spPr>
+        <p:txBody>
+          <a:bodyPr wrap="square" rtlCol="0">
+            <a:spAutoFit/>
+          </a:bodyPr>
+          <a:lstStyle/>
+          <a:p>
+            <a:pPr algn="ctr"/>
+            <a:r>
+              <a:rPr lang="en-US" dirty="0"/>
+              <a:t>Hex: #81D3EB</a:t>
+            </a:r>
+          </a:p>
+        </p:txBody>
+      </p:sp>
+      <p:sp>
+        <p:nvSpPr>
+          <p:cNvPr id="17" name="Rectangle: Rounded Corners 16">
+            <a:extLst>
+              <a:ext uri="{FF2B5EF4-FFF2-40B4-BE49-F238E27FC236}">
+                <a16:creationId xmlns:a16="http://schemas.microsoft.com/office/drawing/2014/main" id="{6ED01CED-983E-3E16-41C5-1402A7983752}"/>
+              </a:ext>
+            </a:extLst>
+          </p:cNvPr>
+          <p:cNvSpPr/>
+          <p:nvPr/>
+        </p:nvSpPr>
+        <p:spPr>
+          <a:xfrm>
+            <a:off x="5983451" y="3332735"/>
+            <a:ext cx="1266738" cy="969349"/>
+          </a:xfrm>
+          <a:prstGeom prst="roundRect">
+            <a:avLst/>
+          </a:prstGeom>
+          <a:solidFill>
+            <a:srgbClr val="0C234B"/>
+          </a:solidFill>
+          <a:ln>
+            <a:noFill/>
+          </a:ln>
+        </p:spPr>
+        <p:style>
+          <a:lnRef idx="2">
+            <a:schemeClr val="accent1">
+              <a:shade val="15000"/>
+            </a:schemeClr>
+          </a:lnRef>
+          <a:fillRef idx="1">
+            <a:schemeClr val="accent1"/>
+          </a:fillRef>
+          <a:effectRef idx="0">
+            <a:schemeClr val="accent1"/>
+          </a:effectRef>
+          <a:fontRef idx="minor">
+            <a:schemeClr val="lt1"/>
+          </a:fontRef>
+        </p:style>
+        <p:txBody>
+          <a:bodyPr rtlCol="0" anchor="ctr"/>
+          <a:lstStyle/>
+          <a:p>
+            <a:pPr algn="ctr"/>
+            <a:r>
+              <a:rPr lang="en-US" dirty="0"/>
+              <a:t>Arizona Blue</a:t>
+            </a:r>
+          </a:p>
+        </p:txBody>
+      </p:sp>
+      <p:sp>
+        <p:nvSpPr>
+          <p:cNvPr id="18" name="TextBox 17">
+            <a:extLst>
+              <a:ext uri="{FF2B5EF4-FFF2-40B4-BE49-F238E27FC236}">
+                <a16:creationId xmlns:a16="http://schemas.microsoft.com/office/drawing/2014/main" id="{676AE635-1A8B-F633-DA1C-368D35DD0DC4}"/>
+              </a:ext>
+            </a:extLst>
+          </p:cNvPr>
+          <p:cNvSpPr txBox="1"/>
+          <p:nvPr/>
+        </p:nvSpPr>
+        <p:spPr>
+          <a:xfrm>
+            <a:off x="5845034" y="4425423"/>
+            <a:ext cx="1598102" cy="369332"/>
+          </a:xfrm>
+          <a:prstGeom prst="rect">
+            <a:avLst/>
+          </a:prstGeom>
+          <a:noFill/>
+        </p:spPr>
+        <p:txBody>
+          <a:bodyPr wrap="square" rtlCol="0">
+            <a:spAutoFit/>
+          </a:bodyPr>
+          <a:lstStyle/>
+          <a:p>
+            <a:pPr algn="ctr"/>
+            <a:r>
+              <a:rPr lang="en-US" dirty="0"/>
+              <a:t>Hex: #0C234B</a:t>
+            </a:r>
+          </a:p>
+        </p:txBody>
+      </p:sp>
+      <p:sp>
+        <p:nvSpPr>
+          <p:cNvPr id="19" name="Rectangle: Rounded Corners 18">
+            <a:extLst>
+              <a:ext uri="{FF2B5EF4-FFF2-40B4-BE49-F238E27FC236}">
+                <a16:creationId xmlns:a16="http://schemas.microsoft.com/office/drawing/2014/main" id="{2A99DC78-AB71-CA39-238E-0C1EEB9F3636}"/>
+              </a:ext>
+            </a:extLst>
+          </p:cNvPr>
+          <p:cNvSpPr/>
+          <p:nvPr/>
+        </p:nvSpPr>
+        <p:spPr>
+          <a:xfrm>
+            <a:off x="7443136" y="3332735"/>
+            <a:ext cx="1266738" cy="969349"/>
+          </a:xfrm>
+          <a:prstGeom prst="roundRect">
+            <a:avLst/>
+          </a:prstGeom>
+          <a:solidFill>
+            <a:srgbClr val="001C48"/>
+          </a:solidFill>
+          <a:ln>
+            <a:noFill/>
+          </a:ln>
+        </p:spPr>
+        <p:style>
+          <a:lnRef idx="2">
+            <a:schemeClr val="accent1">
+              <a:shade val="15000"/>
+            </a:schemeClr>
+          </a:lnRef>
+          <a:fillRef idx="1">
+            <a:schemeClr val="accent1"/>
+          </a:fillRef>
+          <a:effectRef idx="0">
+            <a:schemeClr val="accent1"/>
+          </a:effectRef>
+          <a:fontRef idx="minor">
+            <a:schemeClr val="lt1"/>
+          </a:fontRef>
+        </p:style>
+        <p:txBody>
+          <a:bodyPr rtlCol="0" anchor="ctr"/>
+          <a:lstStyle/>
+          <a:p>
+            <a:pPr algn="ctr"/>
+            <a:r>
+              <a:rPr lang="en-US" dirty="0"/>
+              <a:t>Midnight</a:t>
+            </a:r>
+          </a:p>
+        </p:txBody>
+      </p:sp>
+      <p:sp>
+        <p:nvSpPr>
+          <p:cNvPr id="20" name="TextBox 19">
+            <a:extLst>
+              <a:ext uri="{FF2B5EF4-FFF2-40B4-BE49-F238E27FC236}">
+                <a16:creationId xmlns:a16="http://schemas.microsoft.com/office/drawing/2014/main" id="{1B7771A0-2755-A131-02EA-C8512D0D267D}"/>
+              </a:ext>
+            </a:extLst>
+          </p:cNvPr>
+          <p:cNvSpPr txBox="1"/>
+          <p:nvPr/>
+        </p:nvSpPr>
+        <p:spPr>
+          <a:xfrm>
+            <a:off x="7304719" y="4425423"/>
+            <a:ext cx="1598102" cy="369332"/>
+          </a:xfrm>
+          <a:prstGeom prst="rect">
+            <a:avLst/>
+          </a:prstGeom>
+          <a:noFill/>
+        </p:spPr>
+        <p:txBody>
+          <a:bodyPr wrap="square" rtlCol="0">
+            <a:spAutoFit/>
+          </a:bodyPr>
+          <a:lstStyle/>
+          <a:p>
+            <a:pPr algn="ctr"/>
+            <a:r>
+              <a:rPr lang="en-US" dirty="0"/>
+              <a:t>Hex: #001C48</a:t>
+            </a:r>
+          </a:p>
+        </p:txBody>
+      </p:sp>
+      <p:sp>
+        <p:nvSpPr>
+          <p:cNvPr id="21" name="Rectangle: Rounded Corners 20">
+            <a:extLst>
+              <a:ext uri="{FF2B5EF4-FFF2-40B4-BE49-F238E27FC236}">
+                <a16:creationId xmlns:a16="http://schemas.microsoft.com/office/drawing/2014/main" id="{CA1CF8D5-D36A-76DD-A8B5-3F42D8F391AE}"/>
+              </a:ext>
+            </a:extLst>
+          </p:cNvPr>
+          <p:cNvSpPr/>
+          <p:nvPr/>
+        </p:nvSpPr>
+        <p:spPr>
+          <a:xfrm>
+            <a:off x="3036816" y="3332735"/>
+            <a:ext cx="1266738" cy="969349"/>
+          </a:xfrm>
+          <a:prstGeom prst="roundRect">
+            <a:avLst/>
+          </a:prstGeom>
+          <a:solidFill>
+            <a:srgbClr val="378DBD"/>
+          </a:solidFill>
+          <a:ln>
+            <a:noFill/>
+          </a:ln>
+        </p:spPr>
+        <p:style>
+          <a:lnRef idx="2">
+            <a:schemeClr val="accent1">
+              <a:shade val="15000"/>
+            </a:schemeClr>
+          </a:lnRef>
+          <a:fillRef idx="1">
+            <a:schemeClr val="accent1"/>
+          </a:fillRef>
+          <a:effectRef idx="0">
+            <a:schemeClr val="accent1"/>
+          </a:effectRef>
+          <a:fontRef idx="minor">
+            <a:schemeClr val="lt1"/>
+          </a:fontRef>
+        </p:style>
+        <p:txBody>
+          <a:bodyPr rtlCol="0" anchor="ctr"/>
+          <a:lstStyle/>
+          <a:p>
+            <a:pPr algn="ctr"/>
+            <a:r>
+              <a:rPr lang="en-US" dirty="0"/>
+              <a:t>Oasis</a:t>
+            </a:r>
+          </a:p>
+        </p:txBody>
+      </p:sp>
+      <p:sp>
+        <p:nvSpPr>
+          <p:cNvPr id="22" name="Rectangle: Rounded Corners 21">
+            <a:extLst>
+              <a:ext uri="{FF2B5EF4-FFF2-40B4-BE49-F238E27FC236}">
+                <a16:creationId xmlns:a16="http://schemas.microsoft.com/office/drawing/2014/main" id="{4F78E6F3-A590-5B13-88DB-BE9DCDF951EC}"/>
+              </a:ext>
+            </a:extLst>
+          </p:cNvPr>
+          <p:cNvSpPr/>
+          <p:nvPr/>
+        </p:nvSpPr>
+        <p:spPr>
+          <a:xfrm>
+            <a:off x="4496501" y="3332735"/>
+            <a:ext cx="1266738" cy="969349"/>
+          </a:xfrm>
+          <a:prstGeom prst="roundRect">
+            <a:avLst/>
+          </a:prstGeom>
+          <a:solidFill>
+            <a:srgbClr val="1E5288"/>
+          </a:solidFill>
+          <a:ln>
+            <a:noFill/>
+          </a:ln>
+        </p:spPr>
+        <p:style>
+          <a:lnRef idx="2">
+            <a:schemeClr val="accent1">
+              <a:shade val="15000"/>
+            </a:schemeClr>
+          </a:lnRef>
+          <a:fillRef idx="1">
+            <a:schemeClr val="accent1"/>
+          </a:fillRef>
+          <a:effectRef idx="0">
+            <a:schemeClr val="accent1"/>
+          </a:effectRef>
+          <a:fontRef idx="minor">
+            <a:schemeClr val="lt1"/>
+          </a:fontRef>
+        </p:style>
+        <p:txBody>
+          <a:bodyPr rtlCol="0" anchor="ctr"/>
+          <a:lstStyle/>
+          <a:p>
+            <a:pPr algn="ctr"/>
+            <a:r>
+              <a:rPr lang="en-US" dirty="0"/>
+              <a:t>Azurite</a:t>
+            </a:r>
+          </a:p>
+        </p:txBody>
+      </p:sp>
+      <p:sp>
+        <p:nvSpPr>
+          <p:cNvPr id="23" name="TextBox 22">
+            <a:extLst>
+              <a:ext uri="{FF2B5EF4-FFF2-40B4-BE49-F238E27FC236}">
+                <a16:creationId xmlns:a16="http://schemas.microsoft.com/office/drawing/2014/main" id="{5E5AB12C-FC82-0497-AAEA-87A9EAE6922F}"/>
+              </a:ext>
+            </a:extLst>
+          </p:cNvPr>
+          <p:cNvSpPr txBox="1"/>
+          <p:nvPr/>
+        </p:nvSpPr>
+        <p:spPr>
+          <a:xfrm>
+            <a:off x="4400027" y="4425423"/>
+            <a:ext cx="1459685" cy="369332"/>
+          </a:xfrm>
+          <a:prstGeom prst="rect">
+            <a:avLst/>
+          </a:prstGeom>
+          <a:noFill/>
+        </p:spPr>
+        <p:txBody>
+          <a:bodyPr wrap="square" rtlCol="0">
+            <a:spAutoFit/>
+          </a:bodyPr>
+          <a:lstStyle/>
+          <a:p>
+            <a:pPr algn="ctr"/>
+            <a:r>
+              <a:rPr lang="en-US" dirty="0"/>
+              <a:t>Hex: #1E5288</a:t>
+            </a:r>
+          </a:p>
+        </p:txBody>
+      </p:sp>
+      <p:sp>
+        <p:nvSpPr>
+          <p:cNvPr id="24" name="TextBox 23">
+            <a:extLst>
+              <a:ext uri="{FF2B5EF4-FFF2-40B4-BE49-F238E27FC236}">
+                <a16:creationId xmlns:a16="http://schemas.microsoft.com/office/drawing/2014/main" id="{BF25B41D-8D55-7642-DFA6-8BBD4938C91B}"/>
+              </a:ext>
+            </a:extLst>
+          </p:cNvPr>
+          <p:cNvSpPr txBox="1"/>
+          <p:nvPr/>
+        </p:nvSpPr>
+        <p:spPr>
+          <a:xfrm>
+            <a:off x="2898399" y="4425423"/>
+            <a:ext cx="1598102" cy="369332"/>
+          </a:xfrm>
+          <a:prstGeom prst="rect">
+            <a:avLst/>
+          </a:prstGeom>
+          <a:noFill/>
+        </p:spPr>
+        <p:txBody>
+          <a:bodyPr wrap="square" rtlCol="0">
+            <a:spAutoFit/>
+          </a:bodyPr>
+          <a:lstStyle/>
+          <a:p>
+            <a:pPr algn="ctr"/>
+            <a:r>
+              <a:rPr lang="en-US" dirty="0"/>
+              <a:t>Hex: #378DBD</a:t>
+            </a:r>
+          </a:p>
+        </p:txBody>
+      </p:sp>
+      <p:sp>
+        <p:nvSpPr>
+          <p:cNvPr id="25" name="TextBox 24">
+            <a:extLst>
+              <a:ext uri="{FF2B5EF4-FFF2-40B4-BE49-F238E27FC236}">
+                <a16:creationId xmlns:a16="http://schemas.microsoft.com/office/drawing/2014/main" id="{45FC0BE4-2B1D-0BDF-17A0-F7DD0C7B12AB}"/>
+              </a:ext>
+            </a:extLst>
+          </p:cNvPr>
+          <p:cNvSpPr txBox="1"/>
+          <p:nvPr/>
+        </p:nvSpPr>
+        <p:spPr>
+          <a:xfrm>
+            <a:off x="0" y="5442054"/>
+            <a:ext cx="1694576" cy="369332"/>
+          </a:xfrm>
+          <a:prstGeom prst="rect">
+            <a:avLst/>
+          </a:prstGeom>
+          <a:noFill/>
+        </p:spPr>
+        <p:txBody>
+          <a:bodyPr wrap="square" rtlCol="0">
+            <a:spAutoFit/>
+          </a:bodyPr>
+          <a:lstStyle/>
+          <a:p>
+            <a:r>
+              <a:rPr lang="en-US" dirty="0">
+                <a:latin typeface="MiloWeb"/>
+              </a:rPr>
+              <a:t>Neutral Colors</a:t>
+            </a:r>
+            <a:endParaRPr lang="en-US" dirty="0"/>
+          </a:p>
+        </p:txBody>
+      </p:sp>
+      <p:sp>
+        <p:nvSpPr>
+          <p:cNvPr id="26" name="Rectangle: Rounded Corners 25">
+            <a:extLst>
+              <a:ext uri="{FF2B5EF4-FFF2-40B4-BE49-F238E27FC236}">
+                <a16:creationId xmlns:a16="http://schemas.microsoft.com/office/drawing/2014/main" id="{CFF703CD-F49F-DC37-2ED1-937F3CB0D2AF}"/>
+              </a:ext>
+            </a:extLst>
+          </p:cNvPr>
+          <p:cNvSpPr/>
+          <p:nvPr/>
+        </p:nvSpPr>
+        <p:spPr>
+          <a:xfrm>
+            <a:off x="1587970" y="5031317"/>
+            <a:ext cx="1266738" cy="969349"/>
+          </a:xfrm>
+          <a:prstGeom prst="roundRect">
+            <a:avLst/>
+          </a:prstGeom>
+          <a:solidFill>
+            <a:srgbClr val="E2E9EB"/>
+          </a:solidFill>
+          <a:ln>
+            <a:noFill/>
+          </a:ln>
+        </p:spPr>
+        <p:style>
+          <a:lnRef idx="2">
+            <a:schemeClr val="accent1">
+              <a:shade val="15000"/>
+            </a:schemeClr>
+          </a:lnRef>
+          <a:fillRef idx="1">
+            <a:schemeClr val="accent1"/>
+          </a:fillRef>
+          <a:effectRef idx="0">
+            <a:schemeClr val="accent1"/>
+          </a:effectRef>
+          <a:fontRef idx="minor">
+            <a:schemeClr val="lt1"/>
+          </a:fontRef>
+        </p:style>
+        <p:txBody>
+          <a:bodyPr rtlCol="0" anchor="ctr"/>
+          <a:lstStyle/>
+          <a:p>
+            <a:pPr algn="ctr"/>
+            <a:r>
+              <a:rPr lang="en-US" dirty="0">
+                <a:solidFill>
+                  <a:srgbClr val="0C234B"/>
+                </a:solidFill>
+              </a:rPr>
+              <a:t>Cool Gray</a:t>
+            </a:r>
+          </a:p>
+        </p:txBody>
+      </p:sp>
+      <p:sp>
+        <p:nvSpPr>
+          <p:cNvPr id="27" name="TextBox 26">
+            <a:extLst>
+              <a:ext uri="{FF2B5EF4-FFF2-40B4-BE49-F238E27FC236}">
+                <a16:creationId xmlns:a16="http://schemas.microsoft.com/office/drawing/2014/main" id="{456FD0A2-BFC7-6A5E-76BF-0493FFA7B4E9}"/>
+              </a:ext>
+            </a:extLst>
+          </p:cNvPr>
+          <p:cNvSpPr txBox="1"/>
+          <p:nvPr/>
+        </p:nvSpPr>
+        <p:spPr>
+          <a:xfrm>
+            <a:off x="1449553" y="6124005"/>
+            <a:ext cx="1598102" cy="369332"/>
+          </a:xfrm>
+          <a:prstGeom prst="rect">
+            <a:avLst/>
+          </a:prstGeom>
+          <a:noFill/>
+        </p:spPr>
+        <p:txBody>
+          <a:bodyPr wrap="square" rtlCol="0">
+            <a:spAutoFit/>
+          </a:bodyPr>
+          <a:lstStyle/>
+          <a:p>
+            <a:pPr algn="ctr"/>
+            <a:r>
+              <a:rPr lang="en-US" dirty="0"/>
+              <a:t>Hex: #E2E9EB</a:t>
+            </a:r>
+          </a:p>
+        </p:txBody>
+      </p:sp>
+      <p:sp>
+        <p:nvSpPr>
+          <p:cNvPr id="28" name="Rectangle: Rounded Corners 27">
+            <a:extLst>
+              <a:ext uri="{FF2B5EF4-FFF2-40B4-BE49-F238E27FC236}">
+                <a16:creationId xmlns:a16="http://schemas.microsoft.com/office/drawing/2014/main" id="{7B2F6FC1-7603-41A4-032E-4E6DFC82B1F2}"/>
+              </a:ext>
+            </a:extLst>
+          </p:cNvPr>
+          <p:cNvSpPr/>
+          <p:nvPr/>
+        </p:nvSpPr>
+        <p:spPr>
+          <a:xfrm>
+            <a:off x="3047655" y="5031317"/>
+            <a:ext cx="1266738" cy="969349"/>
+          </a:xfrm>
+          <a:prstGeom prst="roundRect">
+            <a:avLst/>
+          </a:prstGeom>
+          <a:solidFill>
+            <a:srgbClr val="F4EDE5"/>
+          </a:solidFill>
+          <a:ln>
+            <a:noFill/>
+          </a:ln>
+        </p:spPr>
+        <p:style>
+          <a:lnRef idx="2">
+            <a:schemeClr val="accent1">
+              <a:shade val="15000"/>
+            </a:schemeClr>
+          </a:lnRef>
+          <a:fillRef idx="1">
+            <a:schemeClr val="accent1"/>
+          </a:fillRef>
+          <a:effectRef idx="0">
+            <a:schemeClr val="accent1"/>
+          </a:effectRef>
+          <a:fontRef idx="minor">
+            <a:schemeClr val="lt1"/>
+          </a:fontRef>
+        </p:style>
+        <p:txBody>
+          <a:bodyPr rtlCol="0" anchor="ctr"/>
+          <a:lstStyle/>
+          <a:p>
+            <a:pPr algn="ctr"/>
+            <a:r>
+              <a:rPr lang="en-US" dirty="0">
+                <a:solidFill>
+                  <a:srgbClr val="AB0520"/>
+                </a:solidFill>
+              </a:rPr>
+              <a:t>Warm Gray</a:t>
+            </a:r>
+          </a:p>
+        </p:txBody>
+      </p:sp>
+      <p:sp>
+        <p:nvSpPr>
+          <p:cNvPr id="29" name="TextBox 28">
+            <a:extLst>
+              <a:ext uri="{FF2B5EF4-FFF2-40B4-BE49-F238E27FC236}">
+                <a16:creationId xmlns:a16="http://schemas.microsoft.com/office/drawing/2014/main" id="{DE82289A-6894-05CE-9604-4BFF3F4D27B7}"/>
+              </a:ext>
+            </a:extLst>
+          </p:cNvPr>
+          <p:cNvSpPr txBox="1"/>
+          <p:nvPr/>
+        </p:nvSpPr>
+        <p:spPr>
+          <a:xfrm>
+            <a:off x="2909238" y="6124005"/>
+            <a:ext cx="1598102" cy="369332"/>
+          </a:xfrm>
+          <a:prstGeom prst="rect">
+            <a:avLst/>
+          </a:prstGeom>
+          <a:noFill/>
+        </p:spPr>
+        <p:txBody>
+          <a:bodyPr wrap="square" rtlCol="0">
+            <a:spAutoFit/>
+          </a:bodyPr>
+          <a:lstStyle/>
+          <a:p>
+            <a:pPr algn="ctr"/>
+            <a:r>
+              <a:rPr lang="en-US" dirty="0"/>
+              <a:t>Hex: #F4EDE5</a:t>
+            </a:r>
+          </a:p>
+        </p:txBody>
+      </p:sp>
+      <p:sp>
+        <p:nvSpPr>
+          <p:cNvPr id="30" name="TextBox 29">
+            <a:extLst>
+              <a:ext uri="{FF2B5EF4-FFF2-40B4-BE49-F238E27FC236}">
+                <a16:creationId xmlns:a16="http://schemas.microsoft.com/office/drawing/2014/main" id="{FFFBDC13-8A51-0A93-DD75-FB00815B6333}"/>
+              </a:ext>
+            </a:extLst>
+          </p:cNvPr>
+          <p:cNvSpPr txBox="1"/>
+          <p:nvPr/>
+        </p:nvSpPr>
+        <p:spPr>
+          <a:xfrm>
+            <a:off x="4496501" y="5031317"/>
+            <a:ext cx="1459685" cy="1200329"/>
+          </a:xfrm>
+          <a:prstGeom prst="rect">
+            <a:avLst/>
+          </a:prstGeom>
+          <a:noFill/>
+        </p:spPr>
+        <p:txBody>
+          <a:bodyPr wrap="square" rtlCol="0">
+            <a:spAutoFit/>
+          </a:bodyPr>
+          <a:lstStyle/>
+          <a:p>
+            <a:r>
+              <a:rPr lang="en-US" dirty="0">
+                <a:latin typeface="MiloWeb"/>
+              </a:rPr>
+              <a:t>Secondary Color </a:t>
+            </a:r>
+          </a:p>
+          <a:p>
+            <a:r>
+              <a:rPr lang="en-US" dirty="0">
+                <a:latin typeface="MiloWeb"/>
+              </a:rPr>
+              <a:t>Palette</a:t>
+            </a:r>
+          </a:p>
+          <a:p>
+            <a:endParaRPr lang="en-US" dirty="0">
+              <a:latin typeface="MiloWeb"/>
+            </a:endParaRPr>
+          </a:p>
+        </p:txBody>
+      </p:sp>
+      <p:sp>
+        <p:nvSpPr>
+          <p:cNvPr id="31" name="Rectangle: Rounded Corners 30">
+            <a:extLst>
+              <a:ext uri="{FF2B5EF4-FFF2-40B4-BE49-F238E27FC236}">
+                <a16:creationId xmlns:a16="http://schemas.microsoft.com/office/drawing/2014/main" id="{30DCEFFB-1B69-59DB-5E9B-7F4B28090014}"/>
+              </a:ext>
+            </a:extLst>
+          </p:cNvPr>
+          <p:cNvSpPr/>
+          <p:nvPr/>
+        </p:nvSpPr>
+        <p:spPr>
+          <a:xfrm>
+            <a:off x="8614132" y="5031317"/>
+            <a:ext cx="1266738" cy="969349"/>
+          </a:xfrm>
+          <a:prstGeom prst="roundRect">
+            <a:avLst/>
+          </a:prstGeom>
+          <a:solidFill>
+            <a:srgbClr val="9EABAE"/>
+          </a:solidFill>
+          <a:ln>
+            <a:noFill/>
+          </a:ln>
+        </p:spPr>
+        <p:style>
+          <a:lnRef idx="2">
+            <a:schemeClr val="accent1">
+              <a:shade val="15000"/>
+            </a:schemeClr>
+          </a:lnRef>
+          <a:fillRef idx="1">
+            <a:schemeClr val="accent1"/>
+          </a:fillRef>
+          <a:effectRef idx="0">
+            <a:schemeClr val="accent1"/>
+          </a:effectRef>
+          <a:fontRef idx="minor">
+            <a:schemeClr val="lt1"/>
+          </a:fontRef>
+        </p:style>
+        <p:txBody>
+          <a:bodyPr rtlCol="0" anchor="ctr"/>
+          <a:lstStyle/>
+          <a:p>
+            <a:pPr algn="ctr"/>
+            <a:r>
+              <a:rPr lang="en-US" dirty="0"/>
+              <a:t>Silver</a:t>
+            </a:r>
+          </a:p>
+        </p:txBody>
+      </p:sp>
+      <p:sp>
+        <p:nvSpPr>
+          <p:cNvPr id="32" name="TextBox 31">
+            <a:extLst>
+              <a:ext uri="{FF2B5EF4-FFF2-40B4-BE49-F238E27FC236}">
+                <a16:creationId xmlns:a16="http://schemas.microsoft.com/office/drawing/2014/main" id="{A9A4C02F-FF0F-0072-A7B0-0F008B75891F}"/>
+              </a:ext>
+            </a:extLst>
+          </p:cNvPr>
+          <p:cNvSpPr txBox="1"/>
+          <p:nvPr/>
+        </p:nvSpPr>
+        <p:spPr>
+          <a:xfrm>
+            <a:off x="8475715" y="6124005"/>
+            <a:ext cx="1598102" cy="369332"/>
+          </a:xfrm>
+          <a:prstGeom prst="rect">
+            <a:avLst/>
+          </a:prstGeom>
+          <a:noFill/>
+        </p:spPr>
+        <p:txBody>
+          <a:bodyPr wrap="square" rtlCol="0">
+            <a:spAutoFit/>
+          </a:bodyPr>
+          <a:lstStyle/>
+          <a:p>
+            <a:pPr algn="ctr"/>
+            <a:r>
+              <a:rPr lang="en-US" dirty="0"/>
+              <a:t>Hex: #9EABAE</a:t>
+            </a:r>
+          </a:p>
+        </p:txBody>
+      </p:sp>
+      <p:sp>
+        <p:nvSpPr>
+          <p:cNvPr id="33" name="Rectangle: Rounded Corners 32">
+            <a:extLst>
+              <a:ext uri="{FF2B5EF4-FFF2-40B4-BE49-F238E27FC236}">
+                <a16:creationId xmlns:a16="http://schemas.microsoft.com/office/drawing/2014/main" id="{0692DEDD-9FB2-D945-86B4-52F16F811A1A}"/>
+              </a:ext>
+            </a:extLst>
+          </p:cNvPr>
+          <p:cNvSpPr/>
+          <p:nvPr/>
+        </p:nvSpPr>
+        <p:spPr>
+          <a:xfrm>
+            <a:off x="10073817" y="5031317"/>
+            <a:ext cx="1266738" cy="969349"/>
+          </a:xfrm>
+          <a:prstGeom prst="roundRect">
+            <a:avLst/>
+          </a:prstGeom>
+          <a:solidFill>
+            <a:srgbClr val="A95C42"/>
+          </a:solidFill>
+          <a:ln>
+            <a:noFill/>
+          </a:ln>
+        </p:spPr>
+        <p:style>
+          <a:lnRef idx="2">
+            <a:schemeClr val="accent1">
+              <a:shade val="15000"/>
+            </a:schemeClr>
+          </a:lnRef>
+          <a:fillRef idx="1">
+            <a:schemeClr val="accent1"/>
+          </a:fillRef>
+          <a:effectRef idx="0">
+            <a:schemeClr val="accent1"/>
+          </a:effectRef>
+          <a:fontRef idx="minor">
+            <a:schemeClr val="lt1"/>
+          </a:fontRef>
+        </p:style>
+        <p:txBody>
+          <a:bodyPr rtlCol="0" anchor="ctr"/>
+          <a:lstStyle/>
+          <a:p>
+            <a:pPr algn="ctr"/>
+            <a:r>
+              <a:rPr lang="en-US" dirty="0"/>
+              <a:t>Mesa</a:t>
+            </a:r>
+          </a:p>
+        </p:txBody>
+      </p:sp>
+      <p:sp>
+        <p:nvSpPr>
+          <p:cNvPr id="34" name="TextBox 33">
+            <a:extLst>
+              <a:ext uri="{FF2B5EF4-FFF2-40B4-BE49-F238E27FC236}">
+                <a16:creationId xmlns:a16="http://schemas.microsoft.com/office/drawing/2014/main" id="{74670ADC-FE2F-B18D-230D-5EEC2C85CC25}"/>
+              </a:ext>
+            </a:extLst>
+          </p:cNvPr>
+          <p:cNvSpPr txBox="1"/>
+          <p:nvPr/>
+        </p:nvSpPr>
+        <p:spPr>
+          <a:xfrm>
+            <a:off x="9935400" y="6124005"/>
+            <a:ext cx="1598102" cy="369332"/>
+          </a:xfrm>
+          <a:prstGeom prst="rect">
+            <a:avLst/>
+          </a:prstGeom>
+          <a:noFill/>
+        </p:spPr>
+        <p:txBody>
+          <a:bodyPr wrap="square" rtlCol="0">
+            <a:spAutoFit/>
+          </a:bodyPr>
+          <a:lstStyle/>
+          <a:p>
+            <a:pPr algn="ctr"/>
+            <a:r>
+              <a:rPr lang="en-US" dirty="0"/>
+              <a:t>Hex: #A95C42</a:t>
+            </a:r>
+          </a:p>
+        </p:txBody>
+      </p:sp>
+      <p:sp>
+        <p:nvSpPr>
+          <p:cNvPr id="35" name="Rectangle: Rounded Corners 34">
+            <a:extLst>
+              <a:ext uri="{FF2B5EF4-FFF2-40B4-BE49-F238E27FC236}">
+                <a16:creationId xmlns:a16="http://schemas.microsoft.com/office/drawing/2014/main" id="{F61ABF37-10DD-F881-8C8B-F87AC86721BE}"/>
+              </a:ext>
+            </a:extLst>
+          </p:cNvPr>
+          <p:cNvSpPr/>
+          <p:nvPr/>
+        </p:nvSpPr>
+        <p:spPr>
+          <a:xfrm>
+            <a:off x="5667497" y="5031317"/>
+            <a:ext cx="1266738" cy="969349"/>
+          </a:xfrm>
+          <a:prstGeom prst="roundRect">
+            <a:avLst/>
+          </a:prstGeom>
+          <a:solidFill>
+            <a:srgbClr val="70B865"/>
+          </a:solidFill>
+          <a:ln>
+            <a:noFill/>
+          </a:ln>
+        </p:spPr>
+        <p:style>
+          <a:lnRef idx="2">
+            <a:schemeClr val="accent1">
+              <a:shade val="15000"/>
+            </a:schemeClr>
+          </a:lnRef>
+          <a:fillRef idx="1">
+            <a:schemeClr val="accent1"/>
+          </a:fillRef>
+          <a:effectRef idx="0">
+            <a:schemeClr val="accent1"/>
+          </a:effectRef>
+          <a:fontRef idx="minor">
+            <a:schemeClr val="lt1"/>
+          </a:fontRef>
+        </p:style>
+        <p:txBody>
+          <a:bodyPr rtlCol="0" anchor="ctr"/>
+          <a:lstStyle/>
+          <a:p>
+            <a:pPr algn="ctr"/>
+            <a:r>
+              <a:rPr lang="en-US" dirty="0"/>
+              <a:t>Leaf</a:t>
+            </a:r>
+          </a:p>
+        </p:txBody>
+      </p:sp>
+      <p:sp>
+        <p:nvSpPr>
+          <p:cNvPr id="36" name="Rectangle: Rounded Corners 35">
+            <a:extLst>
+              <a:ext uri="{FF2B5EF4-FFF2-40B4-BE49-F238E27FC236}">
+                <a16:creationId xmlns:a16="http://schemas.microsoft.com/office/drawing/2014/main" id="{019A57EF-79F9-BABC-9FFF-690B593A26FF}"/>
+              </a:ext>
+            </a:extLst>
+          </p:cNvPr>
+          <p:cNvSpPr/>
+          <p:nvPr/>
+        </p:nvSpPr>
+        <p:spPr>
+          <a:xfrm>
+            <a:off x="7127182" y="5031317"/>
+            <a:ext cx="1266738" cy="969349"/>
+          </a:xfrm>
+          <a:prstGeom prst="roundRect">
+            <a:avLst/>
+          </a:prstGeom>
+          <a:solidFill>
+            <a:srgbClr val="007D84"/>
+          </a:solidFill>
+          <a:ln>
+            <a:noFill/>
+          </a:ln>
+        </p:spPr>
+        <p:style>
+          <a:lnRef idx="2">
+            <a:schemeClr val="accent1">
+              <a:shade val="15000"/>
+            </a:schemeClr>
+          </a:lnRef>
+          <a:fillRef idx="1">
+            <a:schemeClr val="accent1"/>
+          </a:fillRef>
+          <a:effectRef idx="0">
+            <a:schemeClr val="accent1"/>
+          </a:effectRef>
+          <a:fontRef idx="minor">
+            <a:schemeClr val="lt1"/>
+          </a:fontRef>
+        </p:style>
+        <p:txBody>
+          <a:bodyPr rtlCol="0" anchor="ctr"/>
+          <a:lstStyle/>
+          <a:p>
+            <a:pPr algn="ctr"/>
+            <a:r>
+              <a:rPr lang="en-US" dirty="0"/>
+              <a:t>River</a:t>
+            </a:r>
+          </a:p>
+        </p:txBody>
+      </p:sp>
+      <p:sp>
+        <p:nvSpPr>
+          <p:cNvPr id="37" name="TextBox 36">
+            <a:extLst>
+              <a:ext uri="{FF2B5EF4-FFF2-40B4-BE49-F238E27FC236}">
+                <a16:creationId xmlns:a16="http://schemas.microsoft.com/office/drawing/2014/main" id="{677759F4-18F8-DA71-BD72-CAC12EB1B97D}"/>
+              </a:ext>
+            </a:extLst>
+          </p:cNvPr>
+          <p:cNvSpPr txBox="1"/>
+          <p:nvPr/>
+        </p:nvSpPr>
+        <p:spPr>
+          <a:xfrm>
+            <a:off x="7030708" y="6124005"/>
+            <a:ext cx="1556159" cy="369332"/>
+          </a:xfrm>
+          <a:prstGeom prst="rect">
+            <a:avLst/>
+          </a:prstGeom>
+          <a:noFill/>
+        </p:spPr>
+        <p:txBody>
+          <a:bodyPr wrap="square" rtlCol="0">
+            <a:spAutoFit/>
+          </a:bodyPr>
+          <a:lstStyle/>
+          <a:p>
+            <a:pPr algn="ctr"/>
+            <a:r>
+              <a:rPr lang="en-US" dirty="0"/>
+              <a:t>Hex: #007D84</a:t>
+            </a:r>
+          </a:p>
+        </p:txBody>
+      </p:sp>
+      <p:sp>
+        <p:nvSpPr>
+          <p:cNvPr id="38" name="TextBox 37">
+            <a:extLst>
+              <a:ext uri="{FF2B5EF4-FFF2-40B4-BE49-F238E27FC236}">
+                <a16:creationId xmlns:a16="http://schemas.microsoft.com/office/drawing/2014/main" id="{0D71AD4E-BBC2-CAF3-6679-E4003C548D94}"/>
+              </a:ext>
+            </a:extLst>
+          </p:cNvPr>
+          <p:cNvSpPr txBox="1"/>
+          <p:nvPr/>
+        </p:nvSpPr>
+        <p:spPr>
+          <a:xfrm>
+            <a:off x="5529080" y="6124005"/>
+            <a:ext cx="1598102" cy="369332"/>
+          </a:xfrm>
+          <a:prstGeom prst="rect">
+            <a:avLst/>
+          </a:prstGeom>
+          <a:noFill/>
+        </p:spPr>
+        <p:txBody>
+          <a:bodyPr wrap="square" rtlCol="0">
+            <a:spAutoFit/>
+          </a:bodyPr>
+          <a:lstStyle/>
+          <a:p>
+            <a:pPr algn="ctr"/>
+            <a:r>
+              <a:rPr lang="en-US" dirty="0"/>
+              <a:t>Hex: #70B865</a:t>
+            </a:r>
+          </a:p>
+        </p:txBody>
+      </p:sp>
+    </p:spTree>
+    <p:extLst>
+      <p:ext uri="{BB962C8B-B14F-4D97-AF65-F5344CB8AC3E}">
+        <p14:creationId xmlns:p14="http://schemas.microsoft.com/office/powerpoint/2010/main" val="181858090"/>
+      </p:ext>
+    </p:extLst>
+  </p:cSld>
+  <p:clrMapOvr>
+    <a:masterClrMapping/>
+  </p:clrMapOvr>
+</p:sld>
+</file>
+
+<file path=ppt/slides/slide4.xml><?xml version="1.0" encoding="utf-8"?>
+<p:sld xmlns:a="http://schemas.openxmlformats.org/drawingml/2006/main" xmlns:r="http://schemas.openxmlformats.org/officeDocument/2006/relationships" xmlns:p="http://schemas.openxmlformats.org/presentationml/2006/main">
+  <p:cSld>
+    <p:bg>
+      <p:bgPr>
+        <a:solidFill>
+          <a:schemeClr val="bg1"/>
+        </a:solidFill>
+        <a:effectLst/>
+      </p:bgPr>
+    </p:bg>
+    <p:spTree>
+      <p:nvGrpSpPr>
+        <p:cNvPr id="1" name=""/>
+        <p:cNvGrpSpPr/>
+        <p:nvPr/>
+      </p:nvGrpSpPr>
+      <p:grpSpPr>
+        <a:xfrm>
+          <a:off x="0" y="0"/>
+          <a:ext cx="0" cy="0"/>
+          <a:chOff x="0" y="0"/>
+          <a:chExt cx="0" cy="0"/>
+        </a:xfrm>
+      </p:grpSpPr>
+      <p:sp>
+        <p:nvSpPr>
+          <p:cNvPr id="26" name="Rectangle 25">
+            <a:extLst>
+              <a:ext uri="{FF2B5EF4-FFF2-40B4-BE49-F238E27FC236}">
+                <a16:creationId xmlns:a16="http://schemas.microsoft.com/office/drawing/2014/main" id="{6753252F-4873-4F63-801D-CC719279A7D5}"/>
+              </a:ext>
+              <a:ext uri="{C183D7F6-B498-43B3-948B-1728B52AA6E4}">
+                <adec:decorative xmlns:adec="http://schemas.microsoft.com/office/drawing/2017/decorative" val="1"/>
+              </a:ext>
+            </a:extLst>
+          </p:cNvPr>
+          <p:cNvSpPr>
+            <a:spLocks noGrp="1" noRot="1" noChangeAspect="1" noMove="1" noResize="1" noEditPoints="1" noAdjustHandles="1" noChangeArrowheads="1" noChangeShapeType="1" noTextEdit="1"/>
+          </p:cNvSpPr>
+          <p:nvPr>
+            <p:extLst>
+              <p:ext uri="{386F3935-93C4-4BCD-93E2-E3B085C9AB24}">
+                <p16:designElem xmlns:p16="http://schemas.microsoft.com/office/powerpoint/2015/main" val="1"/>
+              </p:ext>
+            </p:extLst>
+          </p:nvPr>
+        </p:nvSpPr>
+        <p:spPr>
+          <a:xfrm>
+            <a:off x="0" y="0"/>
+            <a:ext cx="12192000" cy="6858000"/>
+          </a:xfrm>
+          <a:prstGeom prst="rect">
+            <a:avLst/>
+          </a:prstGeom>
+          <a:solidFill>
+            <a:srgbClr val="FFFFFF"/>
+          </a:solidFill>
+          <a:ln>
+            <a:noFill/>
+          </a:ln>
+        </p:spPr>
+        <p:style>
+          <a:lnRef idx="2">
+            <a:schemeClr val="accent1">
+              <a:shade val="50000"/>
+            </a:schemeClr>
+          </a:lnRef>
+          <a:fillRef idx="1">
+            <a:schemeClr val="accent1"/>
+          </a:fillRef>
+          <a:effectRef idx="0">
+            <a:schemeClr val="accent1"/>
+          </a:effectRef>
+          <a:fontRef idx="minor">
+            <a:schemeClr val="lt1"/>
+          </a:fontRef>
+        </p:style>
+        <p:txBody>
+          <a:bodyPr rtlCol="0" anchor="ctr"/>
+          <a:lstStyle/>
+          <a:p>
+            <a:pPr algn="ctr"/>
+            <a:endParaRPr lang="en-US"/>
+          </a:p>
+        </p:txBody>
+      </p:sp>
+      <p:sp>
+        <p:nvSpPr>
+          <p:cNvPr id="27" name="Rectangle 26">
+            <a:extLst>
+              <a:ext uri="{FF2B5EF4-FFF2-40B4-BE49-F238E27FC236}">
+                <a16:creationId xmlns:a16="http://schemas.microsoft.com/office/drawing/2014/main" id="{047C8CCB-F95D-4249-92DD-651249D3535A}"/>
+              </a:ext>
+              <a:ext uri="{C183D7F6-B498-43B3-948B-1728B52AA6E4}">
+                <adec:decorative xmlns:adec="http://schemas.microsoft.com/office/drawing/2017/decorative" val="1"/>
+              </a:ext>
+            </a:extLst>
+          </p:cNvPr>
+          <p:cNvSpPr>
+            <a:spLocks noGrp="1" noRot="1" noChangeAspect="1" noMove="1" noResize="1" noEditPoints="1" noAdjustHandles="1" noChangeArrowheads="1" noChangeShapeType="1" noTextEdit="1"/>
+          </p:cNvSpPr>
+          <p:nvPr>
+            <p:extLst>
+              <p:ext uri="{386F3935-93C4-4BCD-93E2-E3B085C9AB24}">
+                <p16:designElem xmlns:p16="http://schemas.microsoft.com/office/powerpoint/2015/main" val="1"/>
+              </p:ext>
+            </p:extLst>
+          </p:nvPr>
+        </p:nvSpPr>
+        <p:spPr>
+          <a:xfrm>
+            <a:off x="0" y="0"/>
+            <a:ext cx="2013557" cy="6858000"/>
+          </a:xfrm>
+          <a:prstGeom prst="rect">
+            <a:avLst/>
+          </a:prstGeom>
+          <a:solidFill>
+            <a:srgbClr val="2E465E"/>
+          </a:solidFill>
+          <a:ln>
+            <a:noFill/>
+          </a:ln>
+        </p:spPr>
+        <p:style>
+          <a:lnRef idx="2">
+            <a:schemeClr val="accent1">
+              <a:shade val="50000"/>
+            </a:schemeClr>
+          </a:lnRef>
+          <a:fillRef idx="1">
+            <a:schemeClr val="accent1"/>
+          </a:fillRef>
+          <a:effectRef idx="0">
+            <a:schemeClr val="accent1"/>
+          </a:effectRef>
+          <a:fontRef idx="minor">
+            <a:schemeClr val="lt1"/>
+          </a:fontRef>
+        </p:style>
+        <p:txBody>
+          <a:bodyPr rtlCol="0" anchor="ctr"/>
+          <a:lstStyle/>
+          <a:p>
+            <a:pPr algn="ctr"/>
+            <a:endParaRPr lang="en-US"/>
+          </a:p>
+        </p:txBody>
+      </p:sp>
+      <p:sp>
+        <p:nvSpPr>
+          <p:cNvPr id="2" name="TextBox 1">
+            <a:extLst>
+              <a:ext uri="{FF2B5EF4-FFF2-40B4-BE49-F238E27FC236}">
+                <a16:creationId xmlns:a16="http://schemas.microsoft.com/office/drawing/2014/main" id="{6402B460-8930-8447-0749-F1DB2F95218D}"/>
+              </a:ext>
+            </a:extLst>
+          </p:cNvPr>
+          <p:cNvSpPr txBox="1"/>
+          <p:nvPr/>
+        </p:nvSpPr>
+        <p:spPr>
+          <a:xfrm>
+            <a:off x="640080" y="2074363"/>
+            <a:ext cx="2752354" cy="2709275"/>
+          </a:xfrm>
+          <a:prstGeom prst="ellipse">
+            <a:avLst/>
+          </a:prstGeom>
+          <a:solidFill>
+            <a:srgbClr val="262626"/>
+          </a:solidFill>
+          <a:ln w="174625" cmpd="thinThick">
+            <a:solidFill>
+              <a:srgbClr val="262626"/>
+            </a:solidFill>
+          </a:ln>
+        </p:spPr>
+        <p:txBody>
+          <a:bodyPr vert="horz" lIns="91440" tIns="45720" rIns="91440" bIns="45720" rtlCol="0" anchor="ctr">
+            <a:normAutofit/>
+          </a:bodyPr>
+          <a:lstStyle/>
+          <a:p>
+            <a:pPr algn="ctr">
+              <a:lnSpc>
+                <a:spcPct val="90000"/>
+              </a:lnSpc>
+              <a:spcBef>
+                <a:spcPct val="0"/>
+              </a:spcBef>
+              <a:spcAft>
+                <a:spcPts val="600"/>
+              </a:spcAft>
+            </a:pPr>
+            <a:r>
+              <a:rPr lang="en-US" sz="2600" kern="1200">
+                <a:solidFill>
+                  <a:srgbClr val="FFFFFF"/>
+                </a:solidFill>
+                <a:latin typeface="+mj-lt"/>
+                <a:ea typeface="+mj-ea"/>
+                <a:cs typeface="+mj-cs"/>
+              </a:rPr>
+              <a:t>Website Logo?</a:t>
+            </a:r>
+          </a:p>
+        </p:txBody>
+      </p:sp>
+      <p:pic>
+        <p:nvPicPr>
+          <p:cNvPr id="7" name="Picture 6" descr="A computer with a logo on it&#10;&#10;Description automatically generated">
+            <a:extLst>
+              <a:ext uri="{FF2B5EF4-FFF2-40B4-BE49-F238E27FC236}">
+                <a16:creationId xmlns:a16="http://schemas.microsoft.com/office/drawing/2014/main" id="{2154CF33-0080-8906-A114-1B5B5D3C5AFF}"/>
+              </a:ext>
+            </a:extLst>
+          </p:cNvPr>
+          <p:cNvPicPr>
+            <a:picLocks noChangeAspect="1"/>
+          </p:cNvPicPr>
+          <p:nvPr/>
+        </p:nvPicPr>
+        <p:blipFill>
+          <a:blip r:embed="rId2">
+            <a:extLst>
+              <a:ext uri="{28A0092B-C50C-407E-A947-70E740481C1C}">
+                <a14:useLocalDpi xmlns:a14="http://schemas.microsoft.com/office/drawing/2010/main" val="0"/>
+              </a:ext>
+            </a:extLst>
+          </a:blip>
+          <a:stretch>
+            <a:fillRect/>
+          </a:stretch>
+        </p:blipFill>
+        <p:spPr>
+          <a:xfrm>
+            <a:off x="5110935" y="963506"/>
+            <a:ext cx="4930987" cy="4930987"/>
+          </a:xfrm>
+          <a:prstGeom prst="rect">
+            <a:avLst/>
+          </a:prstGeom>
+        </p:spPr>
+      </p:pic>
+    </p:spTree>
+    <p:extLst>
+      <p:ext uri="{BB962C8B-B14F-4D97-AF65-F5344CB8AC3E}">
+        <p14:creationId xmlns:p14="http://schemas.microsoft.com/office/powerpoint/2010/main" val="2595209643"/>
+      </p:ext>
+    </p:extLst>
+  </p:cSld>
+  <p:clrMapOvr>
+    <a:masterClrMapping/>
+  </p:clrMapOvr>
+</p:sld>
+</file>
+
+<file path=ppt/slides/slide5.xml><?xml version="1.0" encoding="utf-8"?>
+<p:sld xmlns:a="http://schemas.openxmlformats.org/drawingml/2006/main" xmlns:r="http://schemas.openxmlformats.org/officeDocument/2006/relationships" xmlns:p="http://schemas.openxmlformats.org/presentationml/2006/main">
+  <p:cSld>
+    <p:spTree>
+      <p:nvGrpSpPr>
+        <p:cNvPr id="1" name=""/>
+        <p:cNvGrpSpPr/>
+        <p:nvPr/>
+      </p:nvGrpSpPr>
+      <p:grpSpPr>
+        <a:xfrm>
+          <a:off x="0" y="0"/>
+          <a:ext cx="0" cy="0"/>
+          <a:chOff x="0" y="0"/>
+          <a:chExt cx="0" cy="0"/>
+        </a:xfrm>
+      </p:grpSpPr>
+      <p:sp>
+        <p:nvSpPr>
+          <p:cNvPr id="2" name="TextBox 1">
+            <a:extLst>
+              <a:ext uri="{FF2B5EF4-FFF2-40B4-BE49-F238E27FC236}">
+                <a16:creationId xmlns:a16="http://schemas.microsoft.com/office/drawing/2014/main" id="{63BA6D3A-786C-BD34-61AD-6115AC669181}"/>
+              </a:ext>
+            </a:extLst>
+          </p:cNvPr>
+          <p:cNvSpPr txBox="1"/>
+          <p:nvPr/>
+        </p:nvSpPr>
+        <p:spPr>
+          <a:xfrm>
+            <a:off x="4379495" y="425298"/>
+            <a:ext cx="3320716" cy="646331"/>
+          </a:xfrm>
+          <a:prstGeom prst="rect">
+            <a:avLst/>
+          </a:prstGeom>
+          <a:noFill/>
+        </p:spPr>
+        <p:txBody>
+          <a:bodyPr wrap="square" rtlCol="0">
+            <a:spAutoFit/>
+          </a:bodyPr>
+          <a:lstStyle/>
+          <a:p>
+            <a:pPr algn="ctr"/>
+            <a:r>
+              <a:rPr lang="en-US" sz="3600" b="1"/>
               <a:t>Sitemap</a:t>
             </a:r>
+            <a:endParaRPr lang="en-US" sz="3600" b="1" dirty="0"/>
           </a:p>
         </p:txBody>
       </p:sp>
@@ -4402,9 +6375,10 @@
           <a:p>
             <a:pPr algn="ctr"/>
             <a:r>
-              <a:rPr lang="en-US" dirty="0"/>
+              <a:rPr lang="en-US"/>
               <a:t>Login Page</a:t>
             </a:r>
+            <a:endParaRPr lang="en-US" dirty="0"/>
           </a:p>
         </p:txBody>
       </p:sp>
@@ -4451,9 +6425,10 @@
           <a:p>
             <a:pPr algn="ctr"/>
             <a:r>
-              <a:rPr lang="en-US" dirty="0"/>
+              <a:rPr lang="en-US"/>
               <a:t>Home Page</a:t>
             </a:r>
+            <a:endParaRPr lang="en-US" dirty="0"/>
           </a:p>
         </p:txBody>
       </p:sp>
@@ -4500,9 +6475,10 @@
           <a:p>
             <a:pPr algn="ctr"/>
             <a:r>
-              <a:rPr lang="en-US" dirty="0"/>
+              <a:rPr lang="en-US"/>
               <a:t>About Us page</a:t>
             </a:r>
+            <a:endParaRPr lang="en-US" dirty="0"/>
           </a:p>
         </p:txBody>
       </p:sp>
@@ -4549,9 +6525,10 @@
           <a:p>
             <a:pPr algn="ctr"/>
             <a:r>
-              <a:rPr lang="en-US" dirty="0"/>
+              <a:rPr lang="en-US"/>
               <a:t>Features page</a:t>
             </a:r>
+            <a:endParaRPr lang="en-US" dirty="0"/>
           </a:p>
         </p:txBody>
       </p:sp>
@@ -4724,9 +6701,10 @@
           <a:p>
             <a:pPr algn="ctr"/>
             <a:r>
-              <a:rPr lang="en-US" dirty="0"/>
+              <a:rPr lang="en-US"/>
               <a:t>New Project Page</a:t>
             </a:r>
+            <a:endParaRPr lang="en-US" dirty="0"/>
           </a:p>
         </p:txBody>
       </p:sp>
@@ -4773,9 +6751,10 @@
           <a:p>
             <a:pPr algn="ctr"/>
             <a:r>
-              <a:rPr lang="en-US" dirty="0"/>
+              <a:rPr lang="en-US"/>
               <a:t>User Setting Page</a:t>
             </a:r>
+            <a:endParaRPr lang="en-US" dirty="0"/>
           </a:p>
         </p:txBody>
       </p:sp>
@@ -4906,9 +6885,10 @@
           <a:p>
             <a:pPr algn="ctr"/>
             <a:r>
-              <a:rPr lang="en-US" dirty="0"/>
+              <a:rPr lang="en-US"/>
               <a:t>How to use page</a:t>
             </a:r>
+            <a:endParaRPr lang="en-US" dirty="0"/>
           </a:p>
         </p:txBody>
       </p:sp>
@@ -4967,7 +6947,3477 @@
 </p:sld>
 </file>
 
-<file path=ppt/slides/slide4.xml><?xml version="1.0" encoding="utf-8"?>
+<file path=ppt/slides/slide6.xml><?xml version="1.0" encoding="utf-8"?>
+<p:sld xmlns:a="http://schemas.openxmlformats.org/drawingml/2006/main" xmlns:r="http://schemas.openxmlformats.org/officeDocument/2006/relationships" xmlns:p="http://schemas.openxmlformats.org/presentationml/2006/main">
+  <p:cSld>
+    <p:spTree>
+      <p:nvGrpSpPr>
+        <p:cNvPr id="1" name=""/>
+        <p:cNvGrpSpPr/>
+        <p:nvPr/>
+      </p:nvGrpSpPr>
+      <p:grpSpPr>
+        <a:xfrm>
+          <a:off x="0" y="0"/>
+          <a:ext cx="0" cy="0"/>
+          <a:chOff x="0" y="0"/>
+          <a:chExt cx="0" cy="0"/>
+        </a:xfrm>
+      </p:grpSpPr>
+      <p:sp>
+        <p:nvSpPr>
+          <p:cNvPr id="3" name="Rectangle 2">
+            <a:extLst>
+              <a:ext uri="{FF2B5EF4-FFF2-40B4-BE49-F238E27FC236}">
+                <a16:creationId xmlns:a16="http://schemas.microsoft.com/office/drawing/2014/main" id="{3043328D-ED78-5AEE-43CA-ABE2F9414E64}"/>
+              </a:ext>
+            </a:extLst>
+          </p:cNvPr>
+          <p:cNvSpPr>
+            <a:spLocks noGrp="1" noRot="1" noMove="1" noResize="1" noEditPoints="1" noAdjustHandles="1" noChangeArrowheads="1" noChangeShapeType="1"/>
+          </p:cNvSpPr>
+          <p:nvPr/>
+        </p:nvSpPr>
+        <p:spPr>
+          <a:xfrm>
+            <a:off x="0" y="0"/>
+            <a:ext cx="12192000" cy="6858000"/>
+          </a:xfrm>
+          <a:prstGeom prst="rect">
+            <a:avLst/>
+          </a:prstGeom>
+          <a:solidFill>
+            <a:srgbClr val="0C234B"/>
+          </a:solidFill>
+          <a:ln>
+            <a:noFill/>
+          </a:ln>
+        </p:spPr>
+        <p:style>
+          <a:lnRef idx="2">
+            <a:schemeClr val="accent1">
+              <a:shade val="15000"/>
+            </a:schemeClr>
+          </a:lnRef>
+          <a:fillRef idx="1">
+            <a:schemeClr val="accent1"/>
+          </a:fillRef>
+          <a:effectRef idx="0">
+            <a:schemeClr val="accent1"/>
+          </a:effectRef>
+          <a:fontRef idx="minor">
+            <a:schemeClr val="lt1"/>
+          </a:fontRef>
+        </p:style>
+        <p:txBody>
+          <a:bodyPr rtlCol="0" anchor="ctr"/>
+          <a:lstStyle/>
+          <a:p>
+            <a:pPr algn="ctr"/>
+            <a:endParaRPr lang="en-US"/>
+          </a:p>
+        </p:txBody>
+      </p:sp>
+      <p:sp>
+        <p:nvSpPr>
+          <p:cNvPr id="4" name="Rectangle 3">
+            <a:extLst>
+              <a:ext uri="{FF2B5EF4-FFF2-40B4-BE49-F238E27FC236}">
+                <a16:creationId xmlns:a16="http://schemas.microsoft.com/office/drawing/2014/main" id="{827B2978-FFB4-0010-EFC3-05EAE4A4CE2D}"/>
+              </a:ext>
+            </a:extLst>
+          </p:cNvPr>
+          <p:cNvSpPr/>
+          <p:nvPr/>
+        </p:nvSpPr>
+        <p:spPr>
+          <a:xfrm>
+            <a:off x="0" y="6400800"/>
+            <a:ext cx="12192000" cy="457200"/>
+          </a:xfrm>
+          <a:prstGeom prst="rect">
+            <a:avLst/>
+          </a:prstGeom>
+          <a:solidFill>
+            <a:srgbClr val="AB0520"/>
+          </a:solidFill>
+          <a:ln>
+            <a:noFill/>
+          </a:ln>
+        </p:spPr>
+        <p:style>
+          <a:lnRef idx="2">
+            <a:schemeClr val="accent1">
+              <a:shade val="15000"/>
+            </a:schemeClr>
+          </a:lnRef>
+          <a:fillRef idx="1">
+            <a:schemeClr val="accent1"/>
+          </a:fillRef>
+          <a:effectRef idx="0">
+            <a:schemeClr val="accent1"/>
+          </a:effectRef>
+          <a:fontRef idx="minor">
+            <a:schemeClr val="lt1"/>
+          </a:fontRef>
+        </p:style>
+        <p:txBody>
+          <a:bodyPr rtlCol="0" anchor="ctr"/>
+          <a:lstStyle/>
+          <a:p>
+            <a:pPr algn="ctr"/>
+            <a:endParaRPr lang="en-US"/>
+          </a:p>
+        </p:txBody>
+      </p:sp>
+      <p:sp>
+        <p:nvSpPr>
+          <p:cNvPr id="8" name="Rectangle: Rounded Corners 7">
+            <a:extLst>
+              <a:ext uri="{FF2B5EF4-FFF2-40B4-BE49-F238E27FC236}">
+                <a16:creationId xmlns:a16="http://schemas.microsoft.com/office/drawing/2014/main" id="{5807A744-1FDE-7CA9-CFC1-B7BB8FB6F829}"/>
+              </a:ext>
+            </a:extLst>
+          </p:cNvPr>
+          <p:cNvSpPr/>
+          <p:nvPr/>
+        </p:nvSpPr>
+        <p:spPr>
+          <a:xfrm>
+            <a:off x="8454683" y="6467621"/>
+            <a:ext cx="1463040" cy="323557"/>
+          </a:xfrm>
+          <a:prstGeom prst="roundRect">
+            <a:avLst/>
+          </a:prstGeom>
+          <a:solidFill>
+            <a:srgbClr val="0C234B"/>
+          </a:solidFill>
+          <a:ln>
+            <a:noFill/>
+          </a:ln>
+          <a:effectLst>
+            <a:outerShdw blurRad="63500" sx="102000" sy="102000" algn="ctr" rotWithShape="0">
+              <a:prstClr val="black">
+                <a:alpha val="40000"/>
+              </a:prstClr>
+            </a:outerShdw>
+          </a:effectLst>
+        </p:spPr>
+        <p:style>
+          <a:lnRef idx="2">
+            <a:schemeClr val="accent1">
+              <a:shade val="15000"/>
+            </a:schemeClr>
+          </a:lnRef>
+          <a:fillRef idx="1">
+            <a:schemeClr val="accent1"/>
+          </a:fillRef>
+          <a:effectRef idx="0">
+            <a:schemeClr val="accent1"/>
+          </a:effectRef>
+          <a:fontRef idx="minor">
+            <a:schemeClr val="lt1"/>
+          </a:fontRef>
+        </p:style>
+        <p:txBody>
+          <a:bodyPr rtlCol="0" anchor="ctr"/>
+          <a:lstStyle/>
+          <a:p>
+            <a:pPr algn="ctr"/>
+            <a:r>
+              <a:rPr lang="en-US" dirty="0"/>
+              <a:t>About Us</a:t>
+            </a:r>
+          </a:p>
+        </p:txBody>
+      </p:sp>
+      <p:sp>
+        <p:nvSpPr>
+          <p:cNvPr id="9" name="Rectangle: Rounded Corners 8">
+            <a:extLst>
+              <a:ext uri="{FF2B5EF4-FFF2-40B4-BE49-F238E27FC236}">
+                <a16:creationId xmlns:a16="http://schemas.microsoft.com/office/drawing/2014/main" id="{62B6AC95-0381-F1D6-6C32-1EACD1DAA849}"/>
+              </a:ext>
+            </a:extLst>
+          </p:cNvPr>
+          <p:cNvSpPr/>
+          <p:nvPr/>
+        </p:nvSpPr>
+        <p:spPr>
+          <a:xfrm>
+            <a:off x="10323341" y="6467621"/>
+            <a:ext cx="1463040" cy="323557"/>
+          </a:xfrm>
+          <a:prstGeom prst="roundRect">
+            <a:avLst/>
+          </a:prstGeom>
+          <a:solidFill>
+            <a:srgbClr val="0C234B"/>
+          </a:solidFill>
+          <a:ln>
+            <a:noFill/>
+          </a:ln>
+          <a:effectLst>
+            <a:outerShdw blurRad="63500" sx="102000" sy="102000" algn="ctr" rotWithShape="0">
+              <a:prstClr val="black">
+                <a:alpha val="40000"/>
+              </a:prstClr>
+            </a:outerShdw>
+          </a:effectLst>
+        </p:spPr>
+        <p:style>
+          <a:lnRef idx="2">
+            <a:schemeClr val="accent1">
+              <a:shade val="15000"/>
+            </a:schemeClr>
+          </a:lnRef>
+          <a:fillRef idx="1">
+            <a:schemeClr val="accent1"/>
+          </a:fillRef>
+          <a:effectRef idx="0">
+            <a:schemeClr val="accent1"/>
+          </a:effectRef>
+          <a:fontRef idx="minor">
+            <a:schemeClr val="lt1"/>
+          </a:fontRef>
+        </p:style>
+        <p:txBody>
+          <a:bodyPr rtlCol="0" anchor="ctr"/>
+          <a:lstStyle/>
+          <a:p>
+            <a:pPr algn="ctr"/>
+            <a:r>
+              <a:rPr lang="en-US" dirty="0"/>
+              <a:t>Features</a:t>
+            </a:r>
+          </a:p>
+        </p:txBody>
+      </p:sp>
+      <p:sp>
+        <p:nvSpPr>
+          <p:cNvPr id="10" name="TextBox 9">
+            <a:extLst>
+              <a:ext uri="{FF2B5EF4-FFF2-40B4-BE49-F238E27FC236}">
+                <a16:creationId xmlns:a16="http://schemas.microsoft.com/office/drawing/2014/main" id="{F0FA70AC-EDE5-E142-2DFB-B6BA98711BC0}"/>
+              </a:ext>
+            </a:extLst>
+          </p:cNvPr>
+          <p:cNvSpPr txBox="1"/>
+          <p:nvPr/>
+        </p:nvSpPr>
+        <p:spPr>
+          <a:xfrm>
+            <a:off x="318782" y="6444733"/>
+            <a:ext cx="1208014" cy="369332"/>
+          </a:xfrm>
+          <a:prstGeom prst="rect">
+            <a:avLst/>
+          </a:prstGeom>
+          <a:noFill/>
+        </p:spPr>
+        <p:txBody>
+          <a:bodyPr wrap="square" rtlCol="0">
+            <a:spAutoFit/>
+          </a:bodyPr>
+          <a:lstStyle/>
+          <a:p>
+            <a:r>
+              <a:rPr lang="en-US" dirty="0">
+                <a:solidFill>
+                  <a:schemeClr val="bg1"/>
+                </a:solidFill>
+              </a:rPr>
+              <a:t>Copyright?</a:t>
+            </a:r>
+          </a:p>
+        </p:txBody>
+      </p:sp>
+      <p:sp>
+        <p:nvSpPr>
+          <p:cNvPr id="11" name="Rectangle: Rounded Corners 10">
+            <a:extLst>
+              <a:ext uri="{FF2B5EF4-FFF2-40B4-BE49-F238E27FC236}">
+                <a16:creationId xmlns:a16="http://schemas.microsoft.com/office/drawing/2014/main" id="{55571071-2005-A451-CB3A-71DAFF1D0D5B}"/>
+              </a:ext>
+            </a:extLst>
+          </p:cNvPr>
+          <p:cNvSpPr>
+            <a:spLocks noGrp="1" noRot="1" noMove="1" noResize="1" noEditPoints="1" noAdjustHandles="1" noChangeArrowheads="1" noChangeShapeType="1"/>
+          </p:cNvSpPr>
+          <p:nvPr/>
+        </p:nvSpPr>
+        <p:spPr>
+          <a:xfrm>
+            <a:off x="1526796" y="444617"/>
+            <a:ext cx="9144000" cy="5486400"/>
+          </a:xfrm>
+          <a:prstGeom prst="roundRect">
+            <a:avLst>
+              <a:gd name="adj" fmla="val 5747"/>
+            </a:avLst>
+          </a:prstGeom>
+          <a:solidFill>
+            <a:srgbClr val="9EABAE"/>
+          </a:solidFill>
+          <a:effectLst>
+            <a:outerShdw blurRad="63500" sx="102000" sy="102000" algn="ctr" rotWithShape="0">
+              <a:prstClr val="black">
+                <a:alpha val="40000"/>
+              </a:prstClr>
+            </a:outerShdw>
+          </a:effectLst>
+        </p:spPr>
+        <p:style>
+          <a:lnRef idx="2">
+            <a:schemeClr val="accent1">
+              <a:shade val="15000"/>
+            </a:schemeClr>
+          </a:lnRef>
+          <a:fillRef idx="1">
+            <a:schemeClr val="accent1"/>
+          </a:fillRef>
+          <a:effectRef idx="0">
+            <a:schemeClr val="accent1"/>
+          </a:effectRef>
+          <a:fontRef idx="minor">
+            <a:schemeClr val="lt1"/>
+          </a:fontRef>
+        </p:style>
+        <p:txBody>
+          <a:bodyPr rtlCol="0" anchor="ctr"/>
+          <a:lstStyle/>
+          <a:p>
+            <a:pPr algn="ctr"/>
+            <a:endParaRPr lang="en-US" dirty="0"/>
+          </a:p>
+        </p:txBody>
+      </p:sp>
+      <p:grpSp>
+        <p:nvGrpSpPr>
+          <p:cNvPr id="46" name="Group 45">
+            <a:extLst>
+              <a:ext uri="{FF2B5EF4-FFF2-40B4-BE49-F238E27FC236}">
+                <a16:creationId xmlns:a16="http://schemas.microsoft.com/office/drawing/2014/main" id="{5EE0F434-343F-FC63-16CB-1A2DCF329C58}"/>
+              </a:ext>
+            </a:extLst>
+          </p:cNvPr>
+          <p:cNvGrpSpPr/>
+          <p:nvPr/>
+        </p:nvGrpSpPr>
+        <p:grpSpPr>
+          <a:xfrm>
+            <a:off x="7021897" y="1302059"/>
+            <a:ext cx="3322040" cy="3742453"/>
+            <a:chOff x="0" y="2053130"/>
+            <a:chExt cx="3322040" cy="3742453"/>
+          </a:xfrm>
+        </p:grpSpPr>
+        <p:grpSp>
+          <p:nvGrpSpPr>
+            <p:cNvPr id="32" name="Group 31">
+              <a:extLst>
+                <a:ext uri="{FF2B5EF4-FFF2-40B4-BE49-F238E27FC236}">
+                  <a16:creationId xmlns:a16="http://schemas.microsoft.com/office/drawing/2014/main" id="{DE760957-FB01-2A81-AD98-7231CEB86DEC}"/>
+                </a:ext>
+              </a:extLst>
+            </p:cNvPr>
+            <p:cNvGrpSpPr/>
+            <p:nvPr/>
+          </p:nvGrpSpPr>
+          <p:grpSpPr>
+            <a:xfrm>
+              <a:off x="0" y="2053130"/>
+              <a:ext cx="3322040" cy="3742453"/>
+              <a:chOff x="2633652" y="1887721"/>
+              <a:chExt cx="3322040" cy="3742453"/>
+            </a:xfrm>
+          </p:grpSpPr>
+          <p:sp>
+            <p:nvSpPr>
+              <p:cNvPr id="15" name="TextBox 14">
+                <a:extLst>
+                  <a:ext uri="{FF2B5EF4-FFF2-40B4-BE49-F238E27FC236}">
+                    <a16:creationId xmlns:a16="http://schemas.microsoft.com/office/drawing/2014/main" id="{31C55ADB-8B2D-8C4C-4BFC-E9AEA95C0D15}"/>
+                  </a:ext>
+                </a:extLst>
+              </p:cNvPr>
+              <p:cNvSpPr txBox="1"/>
+              <p:nvPr/>
+            </p:nvSpPr>
+            <p:spPr>
+              <a:xfrm>
+                <a:off x="2633652" y="1887721"/>
+                <a:ext cx="3322040" cy="369332"/>
+              </a:xfrm>
+              <a:prstGeom prst="rect">
+                <a:avLst/>
+              </a:prstGeom>
+              <a:noFill/>
+            </p:spPr>
+            <p:txBody>
+              <a:bodyPr wrap="square" rtlCol="0">
+                <a:spAutoFit/>
+              </a:bodyPr>
+              <a:lstStyle/>
+              <a:p>
+                <a:pPr algn="ctr"/>
+                <a:r>
+                  <a:rPr lang="en-US" b="1" dirty="0">
+                    <a:latin typeface="Arial Black" panose="020B0A04020102020204" pitchFamily="34" charset="0"/>
+                    <a:ea typeface="Artifakt Element Black" panose="020B0A03050000020004" pitchFamily="34" charset="0"/>
+                  </a:rPr>
+                  <a:t>Sign Up to Website name</a:t>
+                </a:r>
+              </a:p>
+            </p:txBody>
+          </p:sp>
+          <p:sp>
+            <p:nvSpPr>
+              <p:cNvPr id="16" name="Oval 15">
+                <a:extLst>
+                  <a:ext uri="{FF2B5EF4-FFF2-40B4-BE49-F238E27FC236}">
+                    <a16:creationId xmlns:a16="http://schemas.microsoft.com/office/drawing/2014/main" id="{5D9BCF83-7985-8072-6162-B01254F74089}"/>
+                  </a:ext>
+                </a:extLst>
+              </p:cNvPr>
+              <p:cNvSpPr/>
+              <p:nvPr/>
+            </p:nvSpPr>
+            <p:spPr>
+              <a:xfrm>
+                <a:off x="3732569" y="2274398"/>
+                <a:ext cx="444616" cy="457200"/>
+              </a:xfrm>
+              <a:prstGeom prst="ellipse">
+                <a:avLst/>
+              </a:prstGeom>
+              <a:solidFill>
+                <a:schemeClr val="bg1"/>
+              </a:solidFill>
+              <a:ln w="3175">
+                <a:solidFill>
+                  <a:schemeClr val="tx1"/>
+                </a:solidFill>
+              </a:ln>
+            </p:spPr>
+            <p:style>
+              <a:lnRef idx="2">
+                <a:schemeClr val="accent1">
+                  <a:shade val="15000"/>
+                </a:schemeClr>
+              </a:lnRef>
+              <a:fillRef idx="1">
+                <a:schemeClr val="accent1"/>
+              </a:fillRef>
+              <a:effectRef idx="0">
+                <a:schemeClr val="accent1"/>
+              </a:effectRef>
+              <a:fontRef idx="minor">
+                <a:schemeClr val="lt1"/>
+              </a:fontRef>
+            </p:style>
+            <p:txBody>
+              <a:bodyPr rtlCol="0" anchor="ctr"/>
+              <a:lstStyle/>
+              <a:p>
+                <a:pPr algn="ctr"/>
+                <a:endParaRPr lang="en-US" sz="1000" b="1" dirty="0">
+                  <a:solidFill>
+                    <a:schemeClr val="tx1"/>
+                  </a:solidFill>
+                </a:endParaRPr>
+              </a:p>
+            </p:txBody>
+          </p:sp>
+          <p:sp>
+            <p:nvSpPr>
+              <p:cNvPr id="17" name="TextBox 16">
+                <a:extLst>
+                  <a:ext uri="{FF2B5EF4-FFF2-40B4-BE49-F238E27FC236}">
+                    <a16:creationId xmlns:a16="http://schemas.microsoft.com/office/drawing/2014/main" id="{B56A2C34-8B36-29B6-47F4-2F9C2424E48F}"/>
+                  </a:ext>
+                </a:extLst>
+              </p:cNvPr>
+              <p:cNvSpPr txBox="1"/>
+              <p:nvPr/>
+            </p:nvSpPr>
+            <p:spPr>
+              <a:xfrm>
+                <a:off x="3732569" y="2312040"/>
+                <a:ext cx="520117" cy="369332"/>
+              </a:xfrm>
+              <a:prstGeom prst="rect">
+                <a:avLst/>
+              </a:prstGeom>
+              <a:noFill/>
+            </p:spPr>
+            <p:txBody>
+              <a:bodyPr wrap="square" rtlCol="0">
+                <a:spAutoFit/>
+              </a:bodyPr>
+              <a:lstStyle/>
+              <a:p>
+                <a:r>
+                  <a:rPr lang="en-US" dirty="0"/>
+                  <a:t>G+</a:t>
+                </a:r>
+              </a:p>
+            </p:txBody>
+          </p:sp>
+          <p:sp>
+            <p:nvSpPr>
+              <p:cNvPr id="18" name="Oval 17">
+                <a:extLst>
+                  <a:ext uri="{FF2B5EF4-FFF2-40B4-BE49-F238E27FC236}">
+                    <a16:creationId xmlns:a16="http://schemas.microsoft.com/office/drawing/2014/main" id="{D1DFC090-2358-2F04-4B8D-B71789EA20F4}"/>
+                  </a:ext>
+                </a:extLst>
+              </p:cNvPr>
+              <p:cNvSpPr/>
+              <p:nvPr/>
+            </p:nvSpPr>
+            <p:spPr>
+              <a:xfrm>
+                <a:off x="4416272" y="2274398"/>
+                <a:ext cx="444616" cy="463068"/>
+              </a:xfrm>
+              <a:prstGeom prst="ellipse">
+                <a:avLst/>
+              </a:prstGeom>
+              <a:solidFill>
+                <a:schemeClr val="bg1"/>
+              </a:solidFill>
+              <a:ln w="3175">
+                <a:solidFill>
+                  <a:schemeClr val="tx1"/>
+                </a:solidFill>
+              </a:ln>
+            </p:spPr>
+            <p:style>
+              <a:lnRef idx="2">
+                <a:schemeClr val="accent1">
+                  <a:shade val="15000"/>
+                </a:schemeClr>
+              </a:lnRef>
+              <a:fillRef idx="1">
+                <a:schemeClr val="accent1"/>
+              </a:fillRef>
+              <a:effectRef idx="0">
+                <a:schemeClr val="accent1"/>
+              </a:effectRef>
+              <a:fontRef idx="minor">
+                <a:schemeClr val="lt1"/>
+              </a:fontRef>
+            </p:style>
+            <p:txBody>
+              <a:bodyPr rtlCol="0" anchor="ctr"/>
+              <a:lstStyle/>
+              <a:p>
+                <a:pPr algn="ctr"/>
+                <a:endParaRPr lang="en-US"/>
+              </a:p>
+            </p:txBody>
+          </p:sp>
+          <p:sp>
+            <p:nvSpPr>
+              <p:cNvPr id="19" name="TextBox 18">
+                <a:extLst>
+                  <a:ext uri="{FF2B5EF4-FFF2-40B4-BE49-F238E27FC236}">
+                    <a16:creationId xmlns:a16="http://schemas.microsoft.com/office/drawing/2014/main" id="{EB5AF3AD-FDCB-042A-5BE8-69CCD90E4CA9}"/>
+                  </a:ext>
+                </a:extLst>
+              </p:cNvPr>
+              <p:cNvSpPr txBox="1"/>
+              <p:nvPr/>
+            </p:nvSpPr>
+            <p:spPr>
+              <a:xfrm>
+                <a:off x="4470830" y="2312040"/>
+                <a:ext cx="406400" cy="369332"/>
+              </a:xfrm>
+              <a:prstGeom prst="rect">
+                <a:avLst/>
+              </a:prstGeom>
+              <a:noFill/>
+            </p:spPr>
+            <p:txBody>
+              <a:bodyPr wrap="square" rtlCol="0">
+                <a:spAutoFit/>
+              </a:bodyPr>
+              <a:lstStyle/>
+              <a:p>
+                <a:r>
+                  <a:rPr lang="en-US" b="1" dirty="0"/>
+                  <a:t>in</a:t>
+                </a:r>
+              </a:p>
+            </p:txBody>
+          </p:sp>
+          <p:sp>
+            <p:nvSpPr>
+              <p:cNvPr id="20" name="TextBox 19">
+                <a:extLst>
+                  <a:ext uri="{FF2B5EF4-FFF2-40B4-BE49-F238E27FC236}">
+                    <a16:creationId xmlns:a16="http://schemas.microsoft.com/office/drawing/2014/main" id="{189D8ABC-FB6C-29F9-7027-67364520CFF9}"/>
+                  </a:ext>
+                </a:extLst>
+              </p:cNvPr>
+              <p:cNvSpPr txBox="1"/>
+              <p:nvPr/>
+            </p:nvSpPr>
+            <p:spPr>
+              <a:xfrm>
+                <a:off x="3255111" y="2774416"/>
+                <a:ext cx="1986813" cy="276999"/>
+              </a:xfrm>
+              <a:prstGeom prst="rect">
+                <a:avLst/>
+              </a:prstGeom>
+              <a:noFill/>
+            </p:spPr>
+            <p:txBody>
+              <a:bodyPr wrap="square" rtlCol="0">
+                <a:spAutoFit/>
+              </a:bodyPr>
+              <a:lstStyle/>
+              <a:p>
+                <a:pPr algn="ctr"/>
+                <a:r>
+                  <a:rPr lang="en-US" sz="1200" dirty="0">
+                    <a:latin typeface="Arial" panose="020B0604020202020204" pitchFamily="34" charset="0"/>
+                    <a:cs typeface="Arial" panose="020B0604020202020204" pitchFamily="34" charset="0"/>
+                  </a:rPr>
+                  <a:t>Or use your email account</a:t>
+                </a:r>
+              </a:p>
+            </p:txBody>
+          </p:sp>
+          <p:sp>
+            <p:nvSpPr>
+              <p:cNvPr id="21" name="TextBox 20">
+                <a:extLst>
+                  <a:ext uri="{FF2B5EF4-FFF2-40B4-BE49-F238E27FC236}">
+                    <a16:creationId xmlns:a16="http://schemas.microsoft.com/office/drawing/2014/main" id="{E08E07BA-5638-BC50-D060-54C6361D7018}"/>
+                  </a:ext>
+                </a:extLst>
+              </p:cNvPr>
+              <p:cNvSpPr txBox="1"/>
+              <p:nvPr/>
+            </p:nvSpPr>
+            <p:spPr>
+              <a:xfrm>
+                <a:off x="2881099" y="3125989"/>
+                <a:ext cx="2734841" cy="369332"/>
+              </a:xfrm>
+              <a:prstGeom prst="rect">
+                <a:avLst/>
+              </a:prstGeom>
+              <a:solidFill>
+                <a:srgbClr val="F4EDE5">
+                  <a:alpha val="30196"/>
+                </a:srgbClr>
+              </a:solidFill>
+            </p:spPr>
+            <p:txBody>
+              <a:bodyPr wrap="square" rtlCol="0">
+                <a:spAutoFit/>
+              </a:bodyPr>
+              <a:lstStyle/>
+              <a:p>
+                <a:r>
+                  <a:rPr lang="en-US" dirty="0">
+                    <a:latin typeface="Arial" panose="020B0604020202020204" pitchFamily="34" charset="0"/>
+                    <a:cs typeface="Arial" panose="020B0604020202020204" pitchFamily="34" charset="0"/>
+                  </a:rPr>
+                  <a:t>Name</a:t>
+                </a:r>
+              </a:p>
+            </p:txBody>
+          </p:sp>
+          <p:sp>
+            <p:nvSpPr>
+              <p:cNvPr id="22" name="TextBox 21">
+                <a:extLst>
+                  <a:ext uri="{FF2B5EF4-FFF2-40B4-BE49-F238E27FC236}">
+                    <a16:creationId xmlns:a16="http://schemas.microsoft.com/office/drawing/2014/main" id="{56C786F3-F96B-67C4-72E8-02E66FC68E55}"/>
+                  </a:ext>
+                </a:extLst>
+              </p:cNvPr>
+              <p:cNvSpPr txBox="1"/>
+              <p:nvPr/>
+            </p:nvSpPr>
+            <p:spPr>
+              <a:xfrm>
+                <a:off x="2881099" y="3720888"/>
+                <a:ext cx="2734841" cy="369332"/>
+              </a:xfrm>
+              <a:prstGeom prst="rect">
+                <a:avLst/>
+              </a:prstGeom>
+              <a:solidFill>
+                <a:srgbClr val="F4EDE5">
+                  <a:alpha val="30196"/>
+                </a:srgbClr>
+              </a:solidFill>
+            </p:spPr>
+            <p:txBody>
+              <a:bodyPr wrap="square" rtlCol="0">
+                <a:spAutoFit/>
+              </a:bodyPr>
+              <a:lstStyle/>
+              <a:p>
+                <a:r>
+                  <a:rPr lang="en-US" dirty="0">
+                    <a:latin typeface="Arial" panose="020B0604020202020204" pitchFamily="34" charset="0"/>
+                    <a:cs typeface="Arial" panose="020B0604020202020204" pitchFamily="34" charset="0"/>
+                  </a:rPr>
+                  <a:t>Email</a:t>
+                </a:r>
+              </a:p>
+            </p:txBody>
+          </p:sp>
+          <p:sp>
+            <p:nvSpPr>
+              <p:cNvPr id="27" name="Flowchart: Terminator 26">
+                <a:extLst>
+                  <a:ext uri="{FF2B5EF4-FFF2-40B4-BE49-F238E27FC236}">
+                    <a16:creationId xmlns:a16="http://schemas.microsoft.com/office/drawing/2014/main" id="{193F509C-D6EA-2D5C-1B7E-67AF5B4D5C11}"/>
+                  </a:ext>
+                </a:extLst>
+              </p:cNvPr>
+              <p:cNvSpPr/>
+              <p:nvPr/>
+            </p:nvSpPr>
+            <p:spPr>
+              <a:xfrm>
+                <a:off x="3435222" y="5284731"/>
+                <a:ext cx="1425666" cy="345443"/>
+              </a:xfrm>
+              <a:prstGeom prst="flowChartTerminator">
+                <a:avLst/>
+              </a:prstGeom>
+              <a:solidFill>
+                <a:srgbClr val="0C234B"/>
+              </a:solidFill>
+            </p:spPr>
+            <p:style>
+              <a:lnRef idx="2">
+                <a:schemeClr val="accent1">
+                  <a:shade val="15000"/>
+                </a:schemeClr>
+              </a:lnRef>
+              <a:fillRef idx="1">
+                <a:schemeClr val="accent1"/>
+              </a:fillRef>
+              <a:effectRef idx="0">
+                <a:schemeClr val="accent1"/>
+              </a:effectRef>
+              <a:fontRef idx="minor">
+                <a:schemeClr val="lt1"/>
+              </a:fontRef>
+            </p:style>
+            <p:txBody>
+              <a:bodyPr rtlCol="0" anchor="ctr"/>
+              <a:lstStyle/>
+              <a:p>
+                <a:pPr algn="ctr"/>
+                <a:r>
+                  <a:rPr lang="en-US" dirty="0">
+                    <a:latin typeface="Arial" panose="020B0604020202020204" pitchFamily="34" charset="0"/>
+                    <a:cs typeface="Arial" panose="020B0604020202020204" pitchFamily="34" charset="0"/>
+                  </a:rPr>
+                  <a:t>Sign Up</a:t>
+                </a:r>
+              </a:p>
+            </p:txBody>
+          </p:sp>
+        </p:grpSp>
+        <p:sp>
+          <p:nvSpPr>
+            <p:cNvPr id="45" name="TextBox 44">
+              <a:extLst>
+                <a:ext uri="{FF2B5EF4-FFF2-40B4-BE49-F238E27FC236}">
+                  <a16:creationId xmlns:a16="http://schemas.microsoft.com/office/drawing/2014/main" id="{21C512EE-0517-990D-4332-E29D144BC801}"/>
+                </a:ext>
+              </a:extLst>
+            </p:cNvPr>
+            <p:cNvSpPr txBox="1"/>
+            <p:nvPr/>
+          </p:nvSpPr>
+          <p:spPr>
+            <a:xfrm>
+              <a:off x="251999" y="4475591"/>
+              <a:ext cx="2734841" cy="369332"/>
+            </a:xfrm>
+            <a:prstGeom prst="rect">
+              <a:avLst/>
+            </a:prstGeom>
+            <a:solidFill>
+              <a:srgbClr val="F4EDE5">
+                <a:alpha val="30196"/>
+              </a:srgbClr>
+            </a:solidFill>
+          </p:spPr>
+          <p:txBody>
+            <a:bodyPr wrap="square" rtlCol="0">
+              <a:spAutoFit/>
+            </a:bodyPr>
+            <a:lstStyle/>
+            <a:p>
+              <a:r>
+                <a:rPr lang="en-US" dirty="0">
+                  <a:latin typeface="Arial" panose="020B0604020202020204" pitchFamily="34" charset="0"/>
+                  <a:cs typeface="Arial" panose="020B0604020202020204" pitchFamily="34" charset="0"/>
+                </a:rPr>
+                <a:t>Password</a:t>
+              </a:r>
+            </a:p>
+          </p:txBody>
+        </p:sp>
+      </p:grpSp>
+      <p:grpSp>
+        <p:nvGrpSpPr>
+          <p:cNvPr id="34" name="Group 33">
+            <a:extLst>
+              <a:ext uri="{FF2B5EF4-FFF2-40B4-BE49-F238E27FC236}">
+                <a16:creationId xmlns:a16="http://schemas.microsoft.com/office/drawing/2014/main" id="{C99EFBA1-C9C3-3336-A6BB-E9DBDA4E5F45}"/>
+              </a:ext>
+            </a:extLst>
+          </p:cNvPr>
+          <p:cNvGrpSpPr/>
+          <p:nvPr/>
+        </p:nvGrpSpPr>
+        <p:grpSpPr>
+          <a:xfrm>
+            <a:off x="2427641" y="1884744"/>
+            <a:ext cx="3229733" cy="3159768"/>
+            <a:chOff x="2633652" y="1905066"/>
+            <a:chExt cx="3229733" cy="3159768"/>
+          </a:xfrm>
+        </p:grpSpPr>
+        <p:sp>
+          <p:nvSpPr>
+            <p:cNvPr id="35" name="TextBox 34">
+              <a:extLst>
+                <a:ext uri="{FF2B5EF4-FFF2-40B4-BE49-F238E27FC236}">
+                  <a16:creationId xmlns:a16="http://schemas.microsoft.com/office/drawing/2014/main" id="{86A7DDAD-AAE2-7276-F721-B44607FE49FE}"/>
+                </a:ext>
+              </a:extLst>
+            </p:cNvPr>
+            <p:cNvSpPr txBox="1"/>
+            <p:nvPr/>
+          </p:nvSpPr>
+          <p:spPr>
+            <a:xfrm>
+              <a:off x="2633652" y="1905066"/>
+              <a:ext cx="3229733" cy="369332"/>
+            </a:xfrm>
+            <a:prstGeom prst="rect">
+              <a:avLst/>
+            </a:prstGeom>
+            <a:noFill/>
+          </p:spPr>
+          <p:txBody>
+            <a:bodyPr wrap="square" rtlCol="0">
+              <a:spAutoFit/>
+            </a:bodyPr>
+            <a:lstStyle/>
+            <a:p>
+              <a:pPr algn="ctr"/>
+              <a:r>
+                <a:rPr lang="en-US" b="1" dirty="0">
+                  <a:latin typeface="Arial Black" panose="020B0A04020102020204" pitchFamily="34" charset="0"/>
+                  <a:ea typeface="Artifakt Element Black" panose="020B0A03050000020004" pitchFamily="34" charset="0"/>
+                </a:rPr>
+                <a:t>Sign into Website name</a:t>
+              </a:r>
+            </a:p>
+          </p:txBody>
+        </p:sp>
+        <p:sp>
+          <p:nvSpPr>
+            <p:cNvPr id="36" name="Oval 35">
+              <a:extLst>
+                <a:ext uri="{FF2B5EF4-FFF2-40B4-BE49-F238E27FC236}">
+                  <a16:creationId xmlns:a16="http://schemas.microsoft.com/office/drawing/2014/main" id="{F99F9A3E-A67D-14B7-641A-366C8BC74D1A}"/>
+                </a:ext>
+              </a:extLst>
+            </p:cNvPr>
+            <p:cNvSpPr/>
+            <p:nvPr/>
+          </p:nvSpPr>
+          <p:spPr>
+            <a:xfrm>
+              <a:off x="3732569" y="2274398"/>
+              <a:ext cx="444616" cy="457200"/>
+            </a:xfrm>
+            <a:prstGeom prst="ellipse">
+              <a:avLst/>
+            </a:prstGeom>
+            <a:solidFill>
+              <a:schemeClr val="bg1"/>
+            </a:solidFill>
+            <a:ln w="3175">
+              <a:solidFill>
+                <a:schemeClr val="tx1"/>
+              </a:solidFill>
+            </a:ln>
+          </p:spPr>
+          <p:style>
+            <a:lnRef idx="2">
+              <a:schemeClr val="accent1">
+                <a:shade val="15000"/>
+              </a:schemeClr>
+            </a:lnRef>
+            <a:fillRef idx="1">
+              <a:schemeClr val="accent1"/>
+            </a:fillRef>
+            <a:effectRef idx="0">
+              <a:schemeClr val="accent1"/>
+            </a:effectRef>
+            <a:fontRef idx="minor">
+              <a:schemeClr val="lt1"/>
+            </a:fontRef>
+          </p:style>
+          <p:txBody>
+            <a:bodyPr rtlCol="0" anchor="ctr"/>
+            <a:lstStyle/>
+            <a:p>
+              <a:pPr algn="ctr"/>
+              <a:endParaRPr lang="en-US" sz="1000" b="1" dirty="0">
+                <a:solidFill>
+                  <a:schemeClr val="tx1"/>
+                </a:solidFill>
+              </a:endParaRPr>
+            </a:p>
+          </p:txBody>
+        </p:sp>
+        <p:sp>
+          <p:nvSpPr>
+            <p:cNvPr id="37" name="TextBox 36">
+              <a:extLst>
+                <a:ext uri="{FF2B5EF4-FFF2-40B4-BE49-F238E27FC236}">
+                  <a16:creationId xmlns:a16="http://schemas.microsoft.com/office/drawing/2014/main" id="{7B91459D-E38E-3CA7-927D-8B46DB368A85}"/>
+                </a:ext>
+              </a:extLst>
+            </p:cNvPr>
+            <p:cNvSpPr txBox="1"/>
+            <p:nvPr/>
+          </p:nvSpPr>
+          <p:spPr>
+            <a:xfrm>
+              <a:off x="3732569" y="2312040"/>
+              <a:ext cx="520117" cy="369332"/>
+            </a:xfrm>
+            <a:prstGeom prst="rect">
+              <a:avLst/>
+            </a:prstGeom>
+            <a:noFill/>
+          </p:spPr>
+          <p:txBody>
+            <a:bodyPr wrap="square" rtlCol="0">
+              <a:spAutoFit/>
+            </a:bodyPr>
+            <a:lstStyle/>
+            <a:p>
+              <a:r>
+                <a:rPr lang="en-US" dirty="0"/>
+                <a:t>G+</a:t>
+              </a:r>
+            </a:p>
+          </p:txBody>
+        </p:sp>
+        <p:sp>
+          <p:nvSpPr>
+            <p:cNvPr id="38" name="Oval 37">
+              <a:extLst>
+                <a:ext uri="{FF2B5EF4-FFF2-40B4-BE49-F238E27FC236}">
+                  <a16:creationId xmlns:a16="http://schemas.microsoft.com/office/drawing/2014/main" id="{BCE21E1B-415A-F610-0024-3CAA2D91FCE8}"/>
+                </a:ext>
+              </a:extLst>
+            </p:cNvPr>
+            <p:cNvSpPr/>
+            <p:nvPr/>
+          </p:nvSpPr>
+          <p:spPr>
+            <a:xfrm>
+              <a:off x="4416272" y="2274398"/>
+              <a:ext cx="444616" cy="463068"/>
+            </a:xfrm>
+            <a:prstGeom prst="ellipse">
+              <a:avLst/>
+            </a:prstGeom>
+            <a:solidFill>
+              <a:schemeClr val="bg1"/>
+            </a:solidFill>
+            <a:ln w="3175">
+              <a:solidFill>
+                <a:schemeClr val="tx1"/>
+              </a:solidFill>
+            </a:ln>
+          </p:spPr>
+          <p:style>
+            <a:lnRef idx="2">
+              <a:schemeClr val="accent1">
+                <a:shade val="15000"/>
+              </a:schemeClr>
+            </a:lnRef>
+            <a:fillRef idx="1">
+              <a:schemeClr val="accent1"/>
+            </a:fillRef>
+            <a:effectRef idx="0">
+              <a:schemeClr val="accent1"/>
+            </a:effectRef>
+            <a:fontRef idx="minor">
+              <a:schemeClr val="lt1"/>
+            </a:fontRef>
+          </p:style>
+          <p:txBody>
+            <a:bodyPr rtlCol="0" anchor="ctr"/>
+            <a:lstStyle/>
+            <a:p>
+              <a:pPr algn="ctr"/>
+              <a:endParaRPr lang="en-US"/>
+            </a:p>
+          </p:txBody>
+        </p:sp>
+        <p:sp>
+          <p:nvSpPr>
+            <p:cNvPr id="39" name="TextBox 38">
+              <a:extLst>
+                <a:ext uri="{FF2B5EF4-FFF2-40B4-BE49-F238E27FC236}">
+                  <a16:creationId xmlns:a16="http://schemas.microsoft.com/office/drawing/2014/main" id="{D0F6F61C-C8FB-C7C9-3975-578906DA3C06}"/>
+                </a:ext>
+              </a:extLst>
+            </p:cNvPr>
+            <p:cNvSpPr txBox="1"/>
+            <p:nvPr/>
+          </p:nvSpPr>
+          <p:spPr>
+            <a:xfrm>
+              <a:off x="4470830" y="2312040"/>
+              <a:ext cx="406400" cy="369332"/>
+            </a:xfrm>
+            <a:prstGeom prst="rect">
+              <a:avLst/>
+            </a:prstGeom>
+            <a:noFill/>
+          </p:spPr>
+          <p:txBody>
+            <a:bodyPr wrap="square" rtlCol="0">
+              <a:spAutoFit/>
+            </a:bodyPr>
+            <a:lstStyle/>
+            <a:p>
+              <a:r>
+                <a:rPr lang="en-US" b="1" dirty="0"/>
+                <a:t>in</a:t>
+              </a:r>
+            </a:p>
+          </p:txBody>
+        </p:sp>
+        <p:sp>
+          <p:nvSpPr>
+            <p:cNvPr id="40" name="TextBox 39">
+              <a:extLst>
+                <a:ext uri="{FF2B5EF4-FFF2-40B4-BE49-F238E27FC236}">
+                  <a16:creationId xmlns:a16="http://schemas.microsoft.com/office/drawing/2014/main" id="{01C40120-ECCF-51BB-2CDF-DE398582A7C5}"/>
+                </a:ext>
+              </a:extLst>
+            </p:cNvPr>
+            <p:cNvSpPr txBox="1"/>
+            <p:nvPr/>
+          </p:nvSpPr>
+          <p:spPr>
+            <a:xfrm>
+              <a:off x="3255111" y="2774416"/>
+              <a:ext cx="1986813" cy="276999"/>
+            </a:xfrm>
+            <a:prstGeom prst="rect">
+              <a:avLst/>
+            </a:prstGeom>
+            <a:noFill/>
+          </p:spPr>
+          <p:txBody>
+            <a:bodyPr wrap="square" rtlCol="0">
+              <a:spAutoFit/>
+            </a:bodyPr>
+            <a:lstStyle/>
+            <a:p>
+              <a:pPr algn="ctr"/>
+              <a:r>
+                <a:rPr lang="en-US" sz="1200" dirty="0">
+                  <a:latin typeface="Arial" panose="020B0604020202020204" pitchFamily="34" charset="0"/>
+                  <a:cs typeface="Arial" panose="020B0604020202020204" pitchFamily="34" charset="0"/>
+                </a:rPr>
+                <a:t>Or use your email account</a:t>
+              </a:r>
+            </a:p>
+          </p:txBody>
+        </p:sp>
+        <p:sp>
+          <p:nvSpPr>
+            <p:cNvPr id="41" name="TextBox 40">
+              <a:extLst>
+                <a:ext uri="{FF2B5EF4-FFF2-40B4-BE49-F238E27FC236}">
+                  <a16:creationId xmlns:a16="http://schemas.microsoft.com/office/drawing/2014/main" id="{A03D613E-4E84-394A-5F40-B710B1974EDA}"/>
+                </a:ext>
+              </a:extLst>
+            </p:cNvPr>
+            <p:cNvSpPr txBox="1"/>
+            <p:nvPr/>
+          </p:nvSpPr>
+          <p:spPr>
+            <a:xfrm>
+              <a:off x="2881099" y="3125989"/>
+              <a:ext cx="2734841" cy="369332"/>
+            </a:xfrm>
+            <a:prstGeom prst="rect">
+              <a:avLst/>
+            </a:prstGeom>
+            <a:solidFill>
+              <a:srgbClr val="F4EDE5">
+                <a:alpha val="30196"/>
+              </a:srgbClr>
+            </a:solidFill>
+          </p:spPr>
+          <p:txBody>
+            <a:bodyPr wrap="square" rtlCol="0">
+              <a:spAutoFit/>
+            </a:bodyPr>
+            <a:lstStyle/>
+            <a:p>
+              <a:r>
+                <a:rPr lang="en-US" dirty="0">
+                  <a:latin typeface="Arial" panose="020B0604020202020204" pitchFamily="34" charset="0"/>
+                  <a:cs typeface="Arial" panose="020B0604020202020204" pitchFamily="34" charset="0"/>
+                </a:rPr>
+                <a:t>Email</a:t>
+              </a:r>
+            </a:p>
+          </p:txBody>
+        </p:sp>
+        <p:sp>
+          <p:nvSpPr>
+            <p:cNvPr id="42" name="TextBox 41">
+              <a:extLst>
+                <a:ext uri="{FF2B5EF4-FFF2-40B4-BE49-F238E27FC236}">
+                  <a16:creationId xmlns:a16="http://schemas.microsoft.com/office/drawing/2014/main" id="{AB371149-8393-0C00-C76D-06503D862E72}"/>
+                </a:ext>
+              </a:extLst>
+            </p:cNvPr>
+            <p:cNvSpPr txBox="1"/>
+            <p:nvPr/>
+          </p:nvSpPr>
+          <p:spPr>
+            <a:xfrm>
+              <a:off x="2881099" y="3720888"/>
+              <a:ext cx="2734841" cy="369332"/>
+            </a:xfrm>
+            <a:prstGeom prst="rect">
+              <a:avLst/>
+            </a:prstGeom>
+            <a:solidFill>
+              <a:srgbClr val="F4EDE5">
+                <a:alpha val="30196"/>
+              </a:srgbClr>
+            </a:solidFill>
+          </p:spPr>
+          <p:txBody>
+            <a:bodyPr wrap="square" rtlCol="0">
+              <a:spAutoFit/>
+            </a:bodyPr>
+            <a:lstStyle/>
+            <a:p>
+              <a:r>
+                <a:rPr lang="en-US" dirty="0">
+                  <a:latin typeface="Arial" panose="020B0604020202020204" pitchFamily="34" charset="0"/>
+                  <a:cs typeface="Arial" panose="020B0604020202020204" pitchFamily="34" charset="0"/>
+                </a:rPr>
+                <a:t>Password</a:t>
+              </a:r>
+            </a:p>
+          </p:txBody>
+        </p:sp>
+        <p:sp>
+          <p:nvSpPr>
+            <p:cNvPr id="43" name="TextBox 42">
+              <a:extLst>
+                <a:ext uri="{FF2B5EF4-FFF2-40B4-BE49-F238E27FC236}">
+                  <a16:creationId xmlns:a16="http://schemas.microsoft.com/office/drawing/2014/main" id="{BAD871FA-4867-5C62-84FC-869A1E7355BC}"/>
+                </a:ext>
+              </a:extLst>
+            </p:cNvPr>
+            <p:cNvSpPr txBox="1"/>
+            <p:nvPr/>
+          </p:nvSpPr>
+          <p:spPr>
+            <a:xfrm>
+              <a:off x="3315237" y="4208412"/>
+              <a:ext cx="1866567" cy="276999"/>
+            </a:xfrm>
+            <a:prstGeom prst="rect">
+              <a:avLst/>
+            </a:prstGeom>
+            <a:noFill/>
+          </p:spPr>
+          <p:txBody>
+            <a:bodyPr wrap="square" rtlCol="0">
+              <a:spAutoFit/>
+            </a:bodyPr>
+            <a:lstStyle/>
+            <a:p>
+              <a:pPr algn="ctr"/>
+              <a:r>
+                <a:rPr lang="en-US" sz="1200" u="sng" dirty="0">
+                  <a:latin typeface="Arial" panose="020B0604020202020204" pitchFamily="34" charset="0"/>
+                  <a:cs typeface="Arial" panose="020B0604020202020204" pitchFamily="34" charset="0"/>
+                </a:rPr>
+                <a:t>Forgot your password?</a:t>
+              </a:r>
+            </a:p>
+          </p:txBody>
+        </p:sp>
+        <p:sp>
+          <p:nvSpPr>
+            <p:cNvPr id="44" name="Flowchart: Terminator 43">
+              <a:extLst>
+                <a:ext uri="{FF2B5EF4-FFF2-40B4-BE49-F238E27FC236}">
+                  <a16:creationId xmlns:a16="http://schemas.microsoft.com/office/drawing/2014/main" id="{CC2E4A97-F217-D81F-F061-48004E37A70D}"/>
+                </a:ext>
+              </a:extLst>
+            </p:cNvPr>
+            <p:cNvSpPr/>
+            <p:nvPr/>
+          </p:nvSpPr>
+          <p:spPr>
+            <a:xfrm>
+              <a:off x="3539853" y="4719391"/>
+              <a:ext cx="1425666" cy="345443"/>
+            </a:xfrm>
+            <a:prstGeom prst="flowChartTerminator">
+              <a:avLst/>
+            </a:prstGeom>
+            <a:solidFill>
+              <a:srgbClr val="0C234B"/>
+            </a:solidFill>
+          </p:spPr>
+          <p:style>
+            <a:lnRef idx="2">
+              <a:schemeClr val="accent1">
+                <a:shade val="15000"/>
+              </a:schemeClr>
+            </a:lnRef>
+            <a:fillRef idx="1">
+              <a:schemeClr val="accent1"/>
+            </a:fillRef>
+            <a:effectRef idx="0">
+              <a:schemeClr val="accent1"/>
+            </a:effectRef>
+            <a:fontRef idx="minor">
+              <a:schemeClr val="lt1"/>
+            </a:fontRef>
+          </p:style>
+          <p:txBody>
+            <a:bodyPr rtlCol="0" anchor="ctr"/>
+            <a:lstStyle/>
+            <a:p>
+              <a:pPr algn="ctr"/>
+              <a:r>
+                <a:rPr lang="en-US" dirty="0">
+                  <a:latin typeface="Arial" panose="020B0604020202020204" pitchFamily="34" charset="0"/>
+                  <a:cs typeface="Arial" panose="020B0604020202020204" pitchFamily="34" charset="0"/>
+                </a:rPr>
+                <a:t>Sign In</a:t>
+              </a:r>
+            </a:p>
+          </p:txBody>
+        </p:sp>
+      </p:grpSp>
+      <p:grpSp>
+        <p:nvGrpSpPr>
+          <p:cNvPr id="31" name="Group 30">
+            <a:extLst>
+              <a:ext uri="{FF2B5EF4-FFF2-40B4-BE49-F238E27FC236}">
+                <a16:creationId xmlns:a16="http://schemas.microsoft.com/office/drawing/2014/main" id="{14A9B1B1-9E17-C447-5538-01A7F387E3E8}"/>
+              </a:ext>
+            </a:extLst>
+          </p:cNvPr>
+          <p:cNvGrpSpPr/>
+          <p:nvPr/>
+        </p:nvGrpSpPr>
+        <p:grpSpPr>
+          <a:xfrm>
+            <a:off x="6404177" y="444617"/>
+            <a:ext cx="4257622" cy="5473816"/>
+            <a:chOff x="6392083" y="463492"/>
+            <a:chExt cx="4257622" cy="5473816"/>
+          </a:xfrm>
+        </p:grpSpPr>
+        <p:sp>
+          <p:nvSpPr>
+            <p:cNvPr id="28" name="Rectangle: Rounded Corners 27">
+              <a:extLst>
+                <a:ext uri="{FF2B5EF4-FFF2-40B4-BE49-F238E27FC236}">
+                  <a16:creationId xmlns:a16="http://schemas.microsoft.com/office/drawing/2014/main" id="{EAD7F6C0-8BEB-FFAA-AD05-47FA23F1243C}"/>
+                </a:ext>
+              </a:extLst>
+            </p:cNvPr>
+            <p:cNvSpPr/>
+            <p:nvPr/>
+          </p:nvSpPr>
+          <p:spPr>
+            <a:xfrm>
+              <a:off x="6392083" y="463492"/>
+              <a:ext cx="4257622" cy="5473816"/>
+            </a:xfrm>
+            <a:prstGeom prst="roundRect">
+              <a:avLst>
+                <a:gd name="adj" fmla="val 6722"/>
+              </a:avLst>
+            </a:prstGeom>
+            <a:solidFill>
+              <a:srgbClr val="AB0520"/>
+            </a:solidFill>
+            <a:ln w="38100">
+              <a:solidFill>
+                <a:srgbClr val="0C234B"/>
+              </a:solidFill>
+            </a:ln>
+          </p:spPr>
+          <p:style>
+            <a:lnRef idx="2">
+              <a:schemeClr val="accent1">
+                <a:shade val="15000"/>
+              </a:schemeClr>
+            </a:lnRef>
+            <a:fillRef idx="1">
+              <a:schemeClr val="accent1"/>
+            </a:fillRef>
+            <a:effectRef idx="0">
+              <a:schemeClr val="accent1"/>
+            </a:effectRef>
+            <a:fontRef idx="minor">
+              <a:schemeClr val="lt1"/>
+            </a:fontRef>
+          </p:style>
+          <p:txBody>
+            <a:bodyPr rtlCol="0" anchor="ctr"/>
+            <a:lstStyle/>
+            <a:p>
+              <a:pPr algn="ctr"/>
+              <a:endParaRPr lang="en-US" dirty="0"/>
+            </a:p>
+          </p:txBody>
+        </p:sp>
+        <p:sp>
+          <p:nvSpPr>
+            <p:cNvPr id="29" name="TextBox 28">
+              <a:extLst>
+                <a:ext uri="{FF2B5EF4-FFF2-40B4-BE49-F238E27FC236}">
+                  <a16:creationId xmlns:a16="http://schemas.microsoft.com/office/drawing/2014/main" id="{672A4FFA-6CCA-7D7B-E96A-5ECAF81E2354}"/>
+                </a:ext>
+              </a:extLst>
+            </p:cNvPr>
+            <p:cNvSpPr txBox="1"/>
+            <p:nvPr/>
+          </p:nvSpPr>
+          <p:spPr>
+            <a:xfrm>
+              <a:off x="6735463" y="1905066"/>
+              <a:ext cx="3692220" cy="646331"/>
+            </a:xfrm>
+            <a:prstGeom prst="rect">
+              <a:avLst/>
+            </a:prstGeom>
+            <a:noFill/>
+          </p:spPr>
+          <p:txBody>
+            <a:bodyPr wrap="square" rtlCol="0">
+              <a:spAutoFit/>
+            </a:bodyPr>
+            <a:lstStyle/>
+            <a:p>
+              <a:pPr algn="ctr"/>
+              <a:r>
+                <a:rPr lang="en-US" b="1" dirty="0">
+                  <a:latin typeface="Arial Black" panose="020B0A04020102020204" pitchFamily="34" charset="0"/>
+                </a:rPr>
+                <a:t>Don’t have an account? Create your account today!</a:t>
+              </a:r>
+            </a:p>
+          </p:txBody>
+        </p:sp>
+        <p:sp>
+          <p:nvSpPr>
+            <p:cNvPr id="30" name="Flowchart: Terminator 29">
+              <a:extLst>
+                <a:ext uri="{FF2B5EF4-FFF2-40B4-BE49-F238E27FC236}">
+                  <a16:creationId xmlns:a16="http://schemas.microsoft.com/office/drawing/2014/main" id="{29CB422A-75D0-08E5-B95D-93409A2DA52A}"/>
+                </a:ext>
+              </a:extLst>
+            </p:cNvPr>
+            <p:cNvSpPr/>
+            <p:nvPr/>
+          </p:nvSpPr>
+          <p:spPr>
+            <a:xfrm>
+              <a:off x="7808061" y="4719390"/>
+              <a:ext cx="1425666" cy="345443"/>
+            </a:xfrm>
+            <a:prstGeom prst="flowChartTerminator">
+              <a:avLst/>
+            </a:prstGeom>
+            <a:solidFill>
+              <a:srgbClr val="0C234B"/>
+            </a:solidFill>
+          </p:spPr>
+          <p:style>
+            <a:lnRef idx="2">
+              <a:schemeClr val="accent1">
+                <a:shade val="15000"/>
+              </a:schemeClr>
+            </a:lnRef>
+            <a:fillRef idx="1">
+              <a:schemeClr val="accent1"/>
+            </a:fillRef>
+            <a:effectRef idx="0">
+              <a:schemeClr val="accent1"/>
+            </a:effectRef>
+            <a:fontRef idx="minor">
+              <a:schemeClr val="lt1"/>
+            </a:fontRef>
+          </p:style>
+          <p:txBody>
+            <a:bodyPr rtlCol="0" anchor="ctr"/>
+            <a:lstStyle/>
+            <a:p>
+              <a:pPr algn="ctr"/>
+              <a:r>
+                <a:rPr lang="en-US" dirty="0">
+                  <a:latin typeface="Arial" panose="020B0604020202020204" pitchFamily="34" charset="0"/>
+                  <a:cs typeface="Arial" panose="020B0604020202020204" pitchFamily="34" charset="0"/>
+                </a:rPr>
+                <a:t>Sign Up</a:t>
+              </a:r>
+            </a:p>
+          </p:txBody>
+        </p:sp>
+      </p:grpSp>
+      <p:grpSp>
+        <p:nvGrpSpPr>
+          <p:cNvPr id="33" name="Group 32">
+            <a:extLst>
+              <a:ext uri="{FF2B5EF4-FFF2-40B4-BE49-F238E27FC236}">
+                <a16:creationId xmlns:a16="http://schemas.microsoft.com/office/drawing/2014/main" id="{1B683EBA-2121-B2DC-AE69-651C32921E0C}"/>
+              </a:ext>
+            </a:extLst>
+          </p:cNvPr>
+          <p:cNvGrpSpPr>
+            <a:grpSpLocks noGrp="1" noUngrp="1" noRot="1" noMove="1" noResize="1"/>
+          </p:cNvGrpSpPr>
+          <p:nvPr/>
+        </p:nvGrpSpPr>
+        <p:grpSpPr>
+          <a:xfrm>
+            <a:off x="1760224" y="444617"/>
+            <a:ext cx="2006432" cy="990666"/>
+            <a:chOff x="1760224" y="444617"/>
+            <a:chExt cx="2006432" cy="990666"/>
+          </a:xfrm>
+        </p:grpSpPr>
+        <p:pic>
+          <p:nvPicPr>
+            <p:cNvPr id="13" name="Picture 12" descr="A computer with a logo on it&#10;&#10;Description automatically generated">
+              <a:extLst>
+                <a:ext uri="{FF2B5EF4-FFF2-40B4-BE49-F238E27FC236}">
+                  <a16:creationId xmlns:a16="http://schemas.microsoft.com/office/drawing/2014/main" id="{8E563F7F-2D9B-35B5-1540-D19396D7481B}"/>
+                </a:ext>
+              </a:extLst>
+            </p:cNvPr>
+            <p:cNvPicPr>
+              <a:picLocks noGrp="1" noRot="1" noChangeAspect="1" noMove="1" noResize="1" noEditPoints="1" noAdjustHandles="1" noChangeArrowheads="1" noChangeShapeType="1" noCrop="1"/>
+            </p:cNvPicPr>
+            <p:nvPr/>
+          </p:nvPicPr>
+          <p:blipFill>
+            <a:blip r:embed="rId3">
+              <a:extLst>
+                <a:ext uri="{28A0092B-C50C-407E-A947-70E740481C1C}">
+                  <a14:useLocalDpi xmlns:a14="http://schemas.microsoft.com/office/drawing/2010/main" val="0"/>
+                </a:ext>
+              </a:extLst>
+            </a:blip>
+            <a:stretch>
+              <a:fillRect/>
+            </a:stretch>
+          </p:blipFill>
+          <p:spPr>
+            <a:xfrm>
+              <a:off x="1760224" y="444617"/>
+              <a:ext cx="990666" cy="990666"/>
+            </a:xfrm>
+            <a:prstGeom prst="rect">
+              <a:avLst/>
+            </a:prstGeom>
+          </p:spPr>
+        </p:pic>
+        <p:sp>
+          <p:nvSpPr>
+            <p:cNvPr id="14" name="TextBox 13">
+              <a:extLst>
+                <a:ext uri="{FF2B5EF4-FFF2-40B4-BE49-F238E27FC236}">
+                  <a16:creationId xmlns:a16="http://schemas.microsoft.com/office/drawing/2014/main" id="{F247D51D-3700-98D0-097F-B8A426C469A7}"/>
+                </a:ext>
+              </a:extLst>
+            </p:cNvPr>
+            <p:cNvSpPr txBox="1">
+              <a:spLocks noGrp="1" noRot="1" noMove="1" noResize="1" noEditPoints="1" noAdjustHandles="1" noChangeArrowheads="1" noChangeShapeType="1"/>
+            </p:cNvSpPr>
+            <p:nvPr/>
+          </p:nvSpPr>
+          <p:spPr>
+            <a:xfrm>
+              <a:off x="2374084" y="616784"/>
+              <a:ext cx="1392572" cy="646331"/>
+            </a:xfrm>
+            <a:prstGeom prst="rect">
+              <a:avLst/>
+            </a:prstGeom>
+            <a:noFill/>
+          </p:spPr>
+          <p:txBody>
+            <a:bodyPr wrap="square" rtlCol="0">
+              <a:spAutoFit/>
+            </a:bodyPr>
+            <a:lstStyle/>
+            <a:p>
+              <a:pPr algn="ctr"/>
+              <a:r>
+                <a:rPr lang="en-US" dirty="0">
+                  <a:solidFill>
+                    <a:schemeClr val="bg1"/>
+                  </a:solidFill>
+                </a:rPr>
+                <a:t>Website name</a:t>
+              </a:r>
+            </a:p>
+          </p:txBody>
+        </p:sp>
+      </p:grpSp>
+      <p:sp>
+        <p:nvSpPr>
+          <p:cNvPr id="48" name="Action Button: Blank 47">
+            <a:hlinkClick r:id="" action="ppaction://noaction" highlightClick="1"/>
+            <a:extLst>
+              <a:ext uri="{FF2B5EF4-FFF2-40B4-BE49-F238E27FC236}">
+                <a16:creationId xmlns:a16="http://schemas.microsoft.com/office/drawing/2014/main" id="{211ACCAC-65D7-011F-B727-41D17453A4F8}"/>
+              </a:ext>
+            </a:extLst>
+          </p:cNvPr>
+          <p:cNvSpPr/>
+          <p:nvPr/>
+        </p:nvSpPr>
+        <p:spPr>
+          <a:xfrm>
+            <a:off x="11980984" y="0"/>
+            <a:ext cx="211016" cy="179363"/>
+          </a:xfrm>
+          <a:prstGeom prst="actionButtonBlank">
+            <a:avLst/>
+          </a:prstGeom>
+        </p:spPr>
+        <p:style>
+          <a:lnRef idx="2">
+            <a:schemeClr val="accent1">
+              <a:shade val="15000"/>
+            </a:schemeClr>
+          </a:lnRef>
+          <a:fillRef idx="1">
+            <a:schemeClr val="accent1"/>
+          </a:fillRef>
+          <a:effectRef idx="0">
+            <a:schemeClr val="accent1"/>
+          </a:effectRef>
+          <a:fontRef idx="minor">
+            <a:schemeClr val="lt1"/>
+          </a:fontRef>
+        </p:style>
+        <p:txBody>
+          <a:bodyPr rtlCol="0" anchor="ctr"/>
+          <a:lstStyle/>
+          <a:p>
+            <a:pPr algn="ctr"/>
+            <a:endParaRPr lang="en-US"/>
+          </a:p>
+        </p:txBody>
+      </p:sp>
+    </p:spTree>
+    <p:extLst>
+      <p:ext uri="{BB962C8B-B14F-4D97-AF65-F5344CB8AC3E}">
+        <p14:creationId xmlns:p14="http://schemas.microsoft.com/office/powerpoint/2010/main" val="3250968752"/>
+      </p:ext>
+    </p:extLst>
+  </p:cSld>
+  <p:clrMapOvr>
+    <a:masterClrMapping/>
+  </p:clrMapOvr>
+  <p:timing>
+    <p:tnLst>
+      <p:par>
+        <p:cTn id="1" dur="indefinite" restart="never" nodeType="tmRoot">
+          <p:childTnLst>
+            <p:seq concurrent="1" nextAc="seek">
+              <p:cTn id="2" restart="whenNotActive" fill="hold" evtFilter="cancelBubble" nodeType="interactiveSeq">
+                <p:stCondLst>
+                  <p:cond evt="onClick" delay="0">
+                    <p:tgtEl>
+                      <p:spTgt spid="48"/>
+                    </p:tgtEl>
+                  </p:cond>
+                </p:stCondLst>
+                <p:endSync evt="end" delay="0">
+                  <p:rtn val="all"/>
+                </p:endSync>
+                <p:childTnLst>
+                  <p:par>
+                    <p:cTn id="3" fill="hold">
+                      <p:stCondLst>
+                        <p:cond delay="0"/>
+                      </p:stCondLst>
+                      <p:childTnLst>
+                        <p:par>
+                          <p:cTn id="4" fill="hold">
+                            <p:stCondLst>
+                              <p:cond delay="0"/>
+                            </p:stCondLst>
+                            <p:childTnLst>
+                              <p:par>
+                                <p:cTn id="5" presetID="35" presetClass="path" presetSubtype="0" accel="50000" decel="50000" autoRev="1" fill="hold" nodeType="clickEffect">
+                                  <p:stCondLst>
+                                    <p:cond delay="0"/>
+                                  </p:stCondLst>
+                                  <p:childTnLst>
+                                    <p:animMotion origin="layout" path="M 2.08333E-7 1.11111E-6 L -0.40273 1.11111E-6 " pathEditMode="relative" rAng="0" ptsTypes="AA">
+                                      <p:cBhvr>
+                                        <p:cTn id="6" dur="2000" fill="hold"/>
+                                        <p:tgtEl>
+                                          <p:spTgt spid="31"/>
+                                        </p:tgtEl>
+                                        <p:attrNameLst>
+                                          <p:attrName>ppt_x</p:attrName>
+                                          <p:attrName>ppt_y</p:attrName>
+                                        </p:attrNameLst>
+                                      </p:cBhvr>
+                                      <p:rCtr x="-20143" y="0"/>
+                                    </p:animMotion>
+                                  </p:childTnLst>
+                                </p:cTn>
+                              </p:par>
+                            </p:childTnLst>
+                          </p:cTn>
+                        </p:par>
+                      </p:childTnLst>
+                    </p:cTn>
+                  </p:par>
+                </p:childTnLst>
+              </p:cTn>
+              <p:nextCondLst>
+                <p:cond evt="onClick" delay="0">
+                  <p:tgtEl>
+                    <p:spTgt spid="48"/>
+                  </p:tgtEl>
+                </p:cond>
+              </p:nextCondLst>
+            </p:seq>
+          </p:childTnLst>
+        </p:cTn>
+      </p:par>
+    </p:tnLst>
+  </p:timing>
+  <p:extLst>
+    <p:ext uri="{6950BFC3-D8DA-4A85-94F7-54DA5524770B}">
+      <p188:commentRel xmlns:p188="http://schemas.microsoft.com/office/powerpoint/2018/8/main" r:id="rId2"/>
+    </p:ext>
+  </p:extLst>
+</p:sld>
+</file>
+
+<file path=ppt/slides/slide7.xml><?xml version="1.0" encoding="utf-8"?>
+<p:sld xmlns:a="http://schemas.openxmlformats.org/drawingml/2006/main" xmlns:r="http://schemas.openxmlformats.org/officeDocument/2006/relationships" xmlns:p="http://schemas.openxmlformats.org/presentationml/2006/main">
+  <p:cSld>
+    <p:spTree>
+      <p:nvGrpSpPr>
+        <p:cNvPr id="1" name=""/>
+        <p:cNvGrpSpPr/>
+        <p:nvPr/>
+      </p:nvGrpSpPr>
+      <p:grpSpPr>
+        <a:xfrm>
+          <a:off x="0" y="0"/>
+          <a:ext cx="0" cy="0"/>
+          <a:chOff x="0" y="0"/>
+          <a:chExt cx="0" cy="0"/>
+        </a:xfrm>
+      </p:grpSpPr>
+      <p:grpSp>
+        <p:nvGrpSpPr>
+          <p:cNvPr id="11" name="Group 10">
+            <a:extLst>
+              <a:ext uri="{FF2B5EF4-FFF2-40B4-BE49-F238E27FC236}">
+                <a16:creationId xmlns:a16="http://schemas.microsoft.com/office/drawing/2014/main" id="{A988A46B-9DCA-3506-BD1E-070D55765489}"/>
+              </a:ext>
+            </a:extLst>
+          </p:cNvPr>
+          <p:cNvGrpSpPr/>
+          <p:nvPr/>
+        </p:nvGrpSpPr>
+        <p:grpSpPr>
+          <a:xfrm>
+            <a:off x="3821165" y="1485420"/>
+            <a:ext cx="1505846" cy="1526228"/>
+            <a:chOff x="5079512" y="2458543"/>
+            <a:chExt cx="2286000" cy="2286000"/>
+          </a:xfrm>
+        </p:grpSpPr>
+        <p:sp>
+          <p:nvSpPr>
+            <p:cNvPr id="2" name="Rectangle: Rounded Corners 1">
+              <a:extLst>
+                <a:ext uri="{FF2B5EF4-FFF2-40B4-BE49-F238E27FC236}">
+                  <a16:creationId xmlns:a16="http://schemas.microsoft.com/office/drawing/2014/main" id="{B4263B2A-3AC3-0F56-67AE-BFC90D77039A}"/>
+                </a:ext>
+              </a:extLst>
+            </p:cNvPr>
+            <p:cNvSpPr/>
+            <p:nvPr/>
+          </p:nvSpPr>
+          <p:spPr>
+            <a:xfrm>
+              <a:off x="5079512" y="2458543"/>
+              <a:ext cx="2286000" cy="2286000"/>
+            </a:xfrm>
+            <a:prstGeom prst="roundRect">
+              <a:avLst/>
+            </a:prstGeom>
+            <a:solidFill>
+              <a:srgbClr val="001C48"/>
+            </a:solidFill>
+            <a:ln w="28575">
+              <a:solidFill>
+                <a:srgbClr val="001C48"/>
+              </a:solidFill>
+            </a:ln>
+            <a:effectLst>
+              <a:outerShdw blurRad="63500" sx="105000" sy="105000" algn="ctr" rotWithShape="0">
+                <a:prstClr val="black">
+                  <a:alpha val="44000"/>
+                </a:prstClr>
+              </a:outerShdw>
+            </a:effectLst>
+          </p:spPr>
+          <p:style>
+            <a:lnRef idx="2">
+              <a:schemeClr val="accent1">
+                <a:shade val="15000"/>
+              </a:schemeClr>
+            </a:lnRef>
+            <a:fillRef idx="1">
+              <a:schemeClr val="accent1"/>
+            </a:fillRef>
+            <a:effectRef idx="0">
+              <a:schemeClr val="accent1"/>
+            </a:effectRef>
+            <a:fontRef idx="minor">
+              <a:schemeClr val="lt1"/>
+            </a:fontRef>
+          </p:style>
+          <p:txBody>
+            <a:bodyPr rtlCol="0" anchor="ctr"/>
+            <a:lstStyle/>
+            <a:p>
+              <a:pPr algn="ctr"/>
+              <a:endParaRPr lang="en-US" dirty="0"/>
+            </a:p>
+          </p:txBody>
+        </p:sp>
+        <p:sp>
+          <p:nvSpPr>
+            <p:cNvPr id="3" name="TextBox 2">
+              <a:extLst>
+                <a:ext uri="{FF2B5EF4-FFF2-40B4-BE49-F238E27FC236}">
+                  <a16:creationId xmlns:a16="http://schemas.microsoft.com/office/drawing/2014/main" id="{AB46FC64-1E8F-4387-D716-0A327E006990}"/>
+                </a:ext>
+              </a:extLst>
+            </p:cNvPr>
+            <p:cNvSpPr txBox="1"/>
+            <p:nvPr/>
+          </p:nvSpPr>
+          <p:spPr>
+            <a:xfrm>
+              <a:off x="5484575" y="4114613"/>
+              <a:ext cx="1475875" cy="430887"/>
+            </a:xfrm>
+            <a:prstGeom prst="rect">
+              <a:avLst/>
+            </a:prstGeom>
+            <a:noFill/>
+          </p:spPr>
+          <p:txBody>
+            <a:bodyPr wrap="square" rtlCol="0">
+              <a:spAutoFit/>
+            </a:bodyPr>
+            <a:lstStyle/>
+            <a:p>
+              <a:pPr algn="ctr"/>
+              <a:r>
+                <a:rPr lang="en-US" sz="1050" dirty="0">
+                  <a:solidFill>
+                    <a:srgbClr val="E2E9EB"/>
+                  </a:solidFill>
+                </a:rPr>
+                <a:t>Project name</a:t>
+              </a:r>
+            </a:p>
+            <a:p>
+              <a:pPr algn="ctr"/>
+              <a:r>
+                <a:rPr lang="en-US" sz="1050" dirty="0">
+                  <a:solidFill>
+                    <a:srgbClr val="E2E9EB"/>
+                  </a:solidFill>
+                </a:rPr>
+                <a:t>Last edit</a:t>
+              </a:r>
+            </a:p>
+          </p:txBody>
+        </p:sp>
+        <p:sp>
+          <p:nvSpPr>
+            <p:cNvPr id="4" name="Rectangle: Rounded Corners 3">
+              <a:extLst>
+                <a:ext uri="{FF2B5EF4-FFF2-40B4-BE49-F238E27FC236}">
+                  <a16:creationId xmlns:a16="http://schemas.microsoft.com/office/drawing/2014/main" id="{55C663EF-E4BB-8389-9287-E52D73D84453}"/>
+                </a:ext>
+              </a:extLst>
+            </p:cNvPr>
+            <p:cNvSpPr/>
+            <p:nvPr/>
+          </p:nvSpPr>
+          <p:spPr>
+            <a:xfrm>
+              <a:off x="5379390" y="2625483"/>
+              <a:ext cx="1686245" cy="1463040"/>
+            </a:xfrm>
+            <a:prstGeom prst="roundRect">
+              <a:avLst/>
+            </a:prstGeom>
+            <a:solidFill>
+              <a:srgbClr val="C00000"/>
+            </a:solidFill>
+          </p:spPr>
+          <p:style>
+            <a:lnRef idx="2">
+              <a:schemeClr val="accent1">
+                <a:shade val="15000"/>
+              </a:schemeClr>
+            </a:lnRef>
+            <a:fillRef idx="1">
+              <a:schemeClr val="accent1"/>
+            </a:fillRef>
+            <a:effectRef idx="0">
+              <a:schemeClr val="accent1"/>
+            </a:effectRef>
+            <a:fontRef idx="minor">
+              <a:schemeClr val="lt1"/>
+            </a:fontRef>
+          </p:style>
+          <p:txBody>
+            <a:bodyPr rtlCol="0" anchor="ctr"/>
+            <a:lstStyle/>
+            <a:p>
+              <a:pPr algn="ctr"/>
+              <a:r>
+                <a:rPr lang="en-US" sz="1000" dirty="0"/>
+                <a:t>Compressed image of project</a:t>
+              </a:r>
+            </a:p>
+          </p:txBody>
+        </p:sp>
+      </p:grpSp>
+      <p:grpSp>
+        <p:nvGrpSpPr>
+          <p:cNvPr id="16" name="Group 15">
+            <a:extLst>
+              <a:ext uri="{FF2B5EF4-FFF2-40B4-BE49-F238E27FC236}">
+                <a16:creationId xmlns:a16="http://schemas.microsoft.com/office/drawing/2014/main" id="{7FA1ECDF-EB41-9B07-33C0-603D5BBED64C}"/>
+              </a:ext>
+            </a:extLst>
+          </p:cNvPr>
+          <p:cNvGrpSpPr/>
+          <p:nvPr/>
+        </p:nvGrpSpPr>
+        <p:grpSpPr>
+          <a:xfrm>
+            <a:off x="5700820" y="1485420"/>
+            <a:ext cx="1505846" cy="1526228"/>
+            <a:chOff x="5079512" y="2458543"/>
+            <a:chExt cx="2286000" cy="2286000"/>
+          </a:xfrm>
+        </p:grpSpPr>
+        <p:sp>
+          <p:nvSpPr>
+            <p:cNvPr id="17" name="Rectangle: Rounded Corners 16">
+              <a:extLst>
+                <a:ext uri="{FF2B5EF4-FFF2-40B4-BE49-F238E27FC236}">
+                  <a16:creationId xmlns:a16="http://schemas.microsoft.com/office/drawing/2014/main" id="{B6FBB725-7CB8-A442-725B-088D4AA2F9C2}"/>
+                </a:ext>
+              </a:extLst>
+            </p:cNvPr>
+            <p:cNvSpPr/>
+            <p:nvPr/>
+          </p:nvSpPr>
+          <p:spPr>
+            <a:xfrm>
+              <a:off x="5079512" y="2458543"/>
+              <a:ext cx="2286000" cy="2286000"/>
+            </a:xfrm>
+            <a:prstGeom prst="roundRect">
+              <a:avLst/>
+            </a:prstGeom>
+            <a:solidFill>
+              <a:srgbClr val="001C48"/>
+            </a:solidFill>
+            <a:ln w="28575">
+              <a:solidFill>
+                <a:srgbClr val="001C48"/>
+              </a:solidFill>
+            </a:ln>
+            <a:effectLst>
+              <a:outerShdw blurRad="63500" sx="105000" sy="105000" algn="ctr" rotWithShape="0">
+                <a:prstClr val="black">
+                  <a:alpha val="44000"/>
+                </a:prstClr>
+              </a:outerShdw>
+            </a:effectLst>
+          </p:spPr>
+          <p:style>
+            <a:lnRef idx="2">
+              <a:schemeClr val="accent1">
+                <a:shade val="15000"/>
+              </a:schemeClr>
+            </a:lnRef>
+            <a:fillRef idx="1">
+              <a:schemeClr val="accent1"/>
+            </a:fillRef>
+            <a:effectRef idx="0">
+              <a:schemeClr val="accent1"/>
+            </a:effectRef>
+            <a:fontRef idx="minor">
+              <a:schemeClr val="lt1"/>
+            </a:fontRef>
+          </p:style>
+          <p:txBody>
+            <a:bodyPr rtlCol="0" anchor="ctr"/>
+            <a:lstStyle/>
+            <a:p>
+              <a:pPr algn="ctr"/>
+              <a:endParaRPr lang="en-US" dirty="0"/>
+            </a:p>
+          </p:txBody>
+        </p:sp>
+        <p:sp>
+          <p:nvSpPr>
+            <p:cNvPr id="18" name="TextBox 17">
+              <a:extLst>
+                <a:ext uri="{FF2B5EF4-FFF2-40B4-BE49-F238E27FC236}">
+                  <a16:creationId xmlns:a16="http://schemas.microsoft.com/office/drawing/2014/main" id="{4E31F522-D096-8F2F-E83B-305949904862}"/>
+                </a:ext>
+              </a:extLst>
+            </p:cNvPr>
+            <p:cNvSpPr txBox="1"/>
+            <p:nvPr/>
+          </p:nvSpPr>
+          <p:spPr>
+            <a:xfrm>
+              <a:off x="5484575" y="4114613"/>
+              <a:ext cx="1475875" cy="430887"/>
+            </a:xfrm>
+            <a:prstGeom prst="rect">
+              <a:avLst/>
+            </a:prstGeom>
+            <a:noFill/>
+          </p:spPr>
+          <p:txBody>
+            <a:bodyPr wrap="square" rtlCol="0">
+              <a:spAutoFit/>
+            </a:bodyPr>
+            <a:lstStyle/>
+            <a:p>
+              <a:pPr algn="ctr"/>
+              <a:r>
+                <a:rPr lang="en-US" sz="1050" dirty="0">
+                  <a:solidFill>
+                    <a:srgbClr val="E2E9EB"/>
+                  </a:solidFill>
+                </a:rPr>
+                <a:t>Project name</a:t>
+              </a:r>
+            </a:p>
+            <a:p>
+              <a:pPr algn="ctr"/>
+              <a:r>
+                <a:rPr lang="en-US" sz="1050" dirty="0">
+                  <a:solidFill>
+                    <a:srgbClr val="E2E9EB"/>
+                  </a:solidFill>
+                </a:rPr>
+                <a:t>Last edit</a:t>
+              </a:r>
+            </a:p>
+          </p:txBody>
+        </p:sp>
+        <p:sp>
+          <p:nvSpPr>
+            <p:cNvPr id="19" name="Rectangle: Rounded Corners 18">
+              <a:extLst>
+                <a:ext uri="{FF2B5EF4-FFF2-40B4-BE49-F238E27FC236}">
+                  <a16:creationId xmlns:a16="http://schemas.microsoft.com/office/drawing/2014/main" id="{A23758F8-C749-488A-7933-51752BFB0170}"/>
+                </a:ext>
+              </a:extLst>
+            </p:cNvPr>
+            <p:cNvSpPr/>
+            <p:nvPr/>
+          </p:nvSpPr>
+          <p:spPr>
+            <a:xfrm>
+              <a:off x="5379390" y="2625483"/>
+              <a:ext cx="1686245" cy="1463040"/>
+            </a:xfrm>
+            <a:prstGeom prst="roundRect">
+              <a:avLst/>
+            </a:prstGeom>
+            <a:solidFill>
+              <a:srgbClr val="C00000"/>
+            </a:solidFill>
+          </p:spPr>
+          <p:style>
+            <a:lnRef idx="2">
+              <a:schemeClr val="accent1">
+                <a:shade val="15000"/>
+              </a:schemeClr>
+            </a:lnRef>
+            <a:fillRef idx="1">
+              <a:schemeClr val="accent1"/>
+            </a:fillRef>
+            <a:effectRef idx="0">
+              <a:schemeClr val="accent1"/>
+            </a:effectRef>
+            <a:fontRef idx="minor">
+              <a:schemeClr val="lt1"/>
+            </a:fontRef>
+          </p:style>
+          <p:txBody>
+            <a:bodyPr rtlCol="0" anchor="ctr"/>
+            <a:lstStyle/>
+            <a:p>
+              <a:pPr algn="ctr"/>
+              <a:r>
+                <a:rPr lang="en-US" sz="1000" dirty="0"/>
+                <a:t>Compressed image of project</a:t>
+              </a:r>
+            </a:p>
+          </p:txBody>
+        </p:sp>
+      </p:grpSp>
+      <p:grpSp>
+        <p:nvGrpSpPr>
+          <p:cNvPr id="24" name="Group 23">
+            <a:extLst>
+              <a:ext uri="{FF2B5EF4-FFF2-40B4-BE49-F238E27FC236}">
+                <a16:creationId xmlns:a16="http://schemas.microsoft.com/office/drawing/2014/main" id="{3929E4EF-5BED-78DB-E3A0-54C19306545C}"/>
+              </a:ext>
+            </a:extLst>
+          </p:cNvPr>
+          <p:cNvGrpSpPr/>
+          <p:nvPr/>
+        </p:nvGrpSpPr>
+        <p:grpSpPr>
+          <a:xfrm>
+            <a:off x="3821165" y="3248507"/>
+            <a:ext cx="1505846" cy="1526228"/>
+            <a:chOff x="5079512" y="2458543"/>
+            <a:chExt cx="2286000" cy="2286000"/>
+          </a:xfrm>
+        </p:grpSpPr>
+        <p:sp>
+          <p:nvSpPr>
+            <p:cNvPr id="25" name="Rectangle: Rounded Corners 24">
+              <a:extLst>
+                <a:ext uri="{FF2B5EF4-FFF2-40B4-BE49-F238E27FC236}">
+                  <a16:creationId xmlns:a16="http://schemas.microsoft.com/office/drawing/2014/main" id="{E0B6872C-CDA2-B89F-B994-410DDE285678}"/>
+                </a:ext>
+              </a:extLst>
+            </p:cNvPr>
+            <p:cNvSpPr/>
+            <p:nvPr/>
+          </p:nvSpPr>
+          <p:spPr>
+            <a:xfrm>
+              <a:off x="5079512" y="2458543"/>
+              <a:ext cx="2286000" cy="2286000"/>
+            </a:xfrm>
+            <a:prstGeom prst="roundRect">
+              <a:avLst/>
+            </a:prstGeom>
+            <a:solidFill>
+              <a:srgbClr val="001C48"/>
+            </a:solidFill>
+            <a:ln w="28575">
+              <a:solidFill>
+                <a:srgbClr val="001C48"/>
+              </a:solidFill>
+            </a:ln>
+            <a:effectLst>
+              <a:outerShdw blurRad="63500" sx="105000" sy="105000" algn="ctr" rotWithShape="0">
+                <a:prstClr val="black">
+                  <a:alpha val="44000"/>
+                </a:prstClr>
+              </a:outerShdw>
+            </a:effectLst>
+          </p:spPr>
+          <p:style>
+            <a:lnRef idx="2">
+              <a:schemeClr val="accent1">
+                <a:shade val="15000"/>
+              </a:schemeClr>
+            </a:lnRef>
+            <a:fillRef idx="1">
+              <a:schemeClr val="accent1"/>
+            </a:fillRef>
+            <a:effectRef idx="0">
+              <a:schemeClr val="accent1"/>
+            </a:effectRef>
+            <a:fontRef idx="minor">
+              <a:schemeClr val="lt1"/>
+            </a:fontRef>
+          </p:style>
+          <p:txBody>
+            <a:bodyPr rtlCol="0" anchor="ctr"/>
+            <a:lstStyle/>
+            <a:p>
+              <a:pPr algn="ctr"/>
+              <a:endParaRPr lang="en-US" dirty="0"/>
+            </a:p>
+          </p:txBody>
+        </p:sp>
+        <p:sp>
+          <p:nvSpPr>
+            <p:cNvPr id="26" name="TextBox 25">
+              <a:extLst>
+                <a:ext uri="{FF2B5EF4-FFF2-40B4-BE49-F238E27FC236}">
+                  <a16:creationId xmlns:a16="http://schemas.microsoft.com/office/drawing/2014/main" id="{C11A258A-8FF9-65F8-F3E4-07788246CC07}"/>
+                </a:ext>
+              </a:extLst>
+            </p:cNvPr>
+            <p:cNvSpPr txBox="1"/>
+            <p:nvPr/>
+          </p:nvSpPr>
+          <p:spPr>
+            <a:xfrm>
+              <a:off x="5484575" y="4114613"/>
+              <a:ext cx="1475875" cy="430887"/>
+            </a:xfrm>
+            <a:prstGeom prst="rect">
+              <a:avLst/>
+            </a:prstGeom>
+            <a:noFill/>
+          </p:spPr>
+          <p:txBody>
+            <a:bodyPr wrap="square" rtlCol="0">
+              <a:spAutoFit/>
+            </a:bodyPr>
+            <a:lstStyle/>
+            <a:p>
+              <a:pPr algn="ctr"/>
+              <a:r>
+                <a:rPr lang="en-US" sz="1050" dirty="0">
+                  <a:solidFill>
+                    <a:srgbClr val="E2E9EB"/>
+                  </a:solidFill>
+                </a:rPr>
+                <a:t>Project name</a:t>
+              </a:r>
+            </a:p>
+            <a:p>
+              <a:pPr algn="ctr"/>
+              <a:r>
+                <a:rPr lang="en-US" sz="1050" dirty="0">
+                  <a:solidFill>
+                    <a:srgbClr val="E2E9EB"/>
+                  </a:solidFill>
+                </a:rPr>
+                <a:t>Last edit</a:t>
+              </a:r>
+            </a:p>
+          </p:txBody>
+        </p:sp>
+        <p:sp>
+          <p:nvSpPr>
+            <p:cNvPr id="27" name="Rectangle: Rounded Corners 26">
+              <a:extLst>
+                <a:ext uri="{FF2B5EF4-FFF2-40B4-BE49-F238E27FC236}">
+                  <a16:creationId xmlns:a16="http://schemas.microsoft.com/office/drawing/2014/main" id="{B0E43AFA-069A-6A3D-7160-0CBA4B66A95C}"/>
+                </a:ext>
+              </a:extLst>
+            </p:cNvPr>
+            <p:cNvSpPr/>
+            <p:nvPr/>
+          </p:nvSpPr>
+          <p:spPr>
+            <a:xfrm>
+              <a:off x="5379390" y="2625483"/>
+              <a:ext cx="1686245" cy="1463040"/>
+            </a:xfrm>
+            <a:prstGeom prst="roundRect">
+              <a:avLst/>
+            </a:prstGeom>
+            <a:solidFill>
+              <a:srgbClr val="C00000"/>
+            </a:solidFill>
+          </p:spPr>
+          <p:style>
+            <a:lnRef idx="2">
+              <a:schemeClr val="accent1">
+                <a:shade val="15000"/>
+              </a:schemeClr>
+            </a:lnRef>
+            <a:fillRef idx="1">
+              <a:schemeClr val="accent1"/>
+            </a:fillRef>
+            <a:effectRef idx="0">
+              <a:schemeClr val="accent1"/>
+            </a:effectRef>
+            <a:fontRef idx="minor">
+              <a:schemeClr val="lt1"/>
+            </a:fontRef>
+          </p:style>
+          <p:txBody>
+            <a:bodyPr rtlCol="0" anchor="ctr"/>
+            <a:lstStyle/>
+            <a:p>
+              <a:pPr algn="ctr"/>
+              <a:r>
+                <a:rPr lang="en-US" sz="1000" dirty="0"/>
+                <a:t>Compressed image of project</a:t>
+              </a:r>
+            </a:p>
+          </p:txBody>
+        </p:sp>
+      </p:grpSp>
+      <p:grpSp>
+        <p:nvGrpSpPr>
+          <p:cNvPr id="28" name="Group 27">
+            <a:extLst>
+              <a:ext uri="{FF2B5EF4-FFF2-40B4-BE49-F238E27FC236}">
+                <a16:creationId xmlns:a16="http://schemas.microsoft.com/office/drawing/2014/main" id="{1CCDB571-2036-A1F7-0645-64CAE4A568ED}"/>
+              </a:ext>
+            </a:extLst>
+          </p:cNvPr>
+          <p:cNvGrpSpPr/>
+          <p:nvPr/>
+        </p:nvGrpSpPr>
+        <p:grpSpPr>
+          <a:xfrm>
+            <a:off x="5700820" y="3248507"/>
+            <a:ext cx="1505846" cy="1526228"/>
+            <a:chOff x="5079512" y="2458543"/>
+            <a:chExt cx="2286000" cy="2286000"/>
+          </a:xfrm>
+        </p:grpSpPr>
+        <p:sp>
+          <p:nvSpPr>
+            <p:cNvPr id="29" name="Rectangle: Rounded Corners 28">
+              <a:extLst>
+                <a:ext uri="{FF2B5EF4-FFF2-40B4-BE49-F238E27FC236}">
+                  <a16:creationId xmlns:a16="http://schemas.microsoft.com/office/drawing/2014/main" id="{D310B496-1DD1-70F9-9AE7-70D480EC90F9}"/>
+                </a:ext>
+              </a:extLst>
+            </p:cNvPr>
+            <p:cNvSpPr/>
+            <p:nvPr/>
+          </p:nvSpPr>
+          <p:spPr>
+            <a:xfrm>
+              <a:off x="5079512" y="2458543"/>
+              <a:ext cx="2286000" cy="2286000"/>
+            </a:xfrm>
+            <a:prstGeom prst="roundRect">
+              <a:avLst/>
+            </a:prstGeom>
+            <a:solidFill>
+              <a:srgbClr val="001C48"/>
+            </a:solidFill>
+            <a:ln w="28575">
+              <a:solidFill>
+                <a:srgbClr val="001C48"/>
+              </a:solidFill>
+            </a:ln>
+            <a:effectLst>
+              <a:outerShdw blurRad="63500" sx="105000" sy="105000" algn="ctr" rotWithShape="0">
+                <a:prstClr val="black">
+                  <a:alpha val="44000"/>
+                </a:prstClr>
+              </a:outerShdw>
+            </a:effectLst>
+          </p:spPr>
+          <p:style>
+            <a:lnRef idx="2">
+              <a:schemeClr val="accent1">
+                <a:shade val="15000"/>
+              </a:schemeClr>
+            </a:lnRef>
+            <a:fillRef idx="1">
+              <a:schemeClr val="accent1"/>
+            </a:fillRef>
+            <a:effectRef idx="0">
+              <a:schemeClr val="accent1"/>
+            </a:effectRef>
+            <a:fontRef idx="minor">
+              <a:schemeClr val="lt1"/>
+            </a:fontRef>
+          </p:style>
+          <p:txBody>
+            <a:bodyPr rtlCol="0" anchor="ctr"/>
+            <a:lstStyle/>
+            <a:p>
+              <a:pPr algn="ctr"/>
+              <a:endParaRPr lang="en-US" dirty="0"/>
+            </a:p>
+          </p:txBody>
+        </p:sp>
+        <p:sp>
+          <p:nvSpPr>
+            <p:cNvPr id="30" name="TextBox 29">
+              <a:extLst>
+                <a:ext uri="{FF2B5EF4-FFF2-40B4-BE49-F238E27FC236}">
+                  <a16:creationId xmlns:a16="http://schemas.microsoft.com/office/drawing/2014/main" id="{3F01F5D3-70AA-9D68-57CE-51B353B2E487}"/>
+                </a:ext>
+              </a:extLst>
+            </p:cNvPr>
+            <p:cNvSpPr txBox="1"/>
+            <p:nvPr/>
+          </p:nvSpPr>
+          <p:spPr>
+            <a:xfrm>
+              <a:off x="5484575" y="4114613"/>
+              <a:ext cx="1475875" cy="430887"/>
+            </a:xfrm>
+            <a:prstGeom prst="rect">
+              <a:avLst/>
+            </a:prstGeom>
+            <a:noFill/>
+          </p:spPr>
+          <p:txBody>
+            <a:bodyPr wrap="square" rtlCol="0">
+              <a:spAutoFit/>
+            </a:bodyPr>
+            <a:lstStyle/>
+            <a:p>
+              <a:pPr algn="ctr"/>
+              <a:r>
+                <a:rPr lang="en-US" sz="1050" dirty="0">
+                  <a:solidFill>
+                    <a:srgbClr val="E2E9EB"/>
+                  </a:solidFill>
+                </a:rPr>
+                <a:t>Project name</a:t>
+              </a:r>
+            </a:p>
+            <a:p>
+              <a:pPr algn="ctr"/>
+              <a:r>
+                <a:rPr lang="en-US" sz="1050" dirty="0">
+                  <a:solidFill>
+                    <a:srgbClr val="E2E9EB"/>
+                  </a:solidFill>
+                </a:rPr>
+                <a:t>Last edit</a:t>
+              </a:r>
+            </a:p>
+          </p:txBody>
+        </p:sp>
+        <p:sp>
+          <p:nvSpPr>
+            <p:cNvPr id="31" name="Rectangle: Rounded Corners 30">
+              <a:extLst>
+                <a:ext uri="{FF2B5EF4-FFF2-40B4-BE49-F238E27FC236}">
+                  <a16:creationId xmlns:a16="http://schemas.microsoft.com/office/drawing/2014/main" id="{B224DAD2-132F-2B72-52AE-229AB7483345}"/>
+                </a:ext>
+              </a:extLst>
+            </p:cNvPr>
+            <p:cNvSpPr/>
+            <p:nvPr/>
+          </p:nvSpPr>
+          <p:spPr>
+            <a:xfrm>
+              <a:off x="5379390" y="2625483"/>
+              <a:ext cx="1686245" cy="1463040"/>
+            </a:xfrm>
+            <a:prstGeom prst="roundRect">
+              <a:avLst/>
+            </a:prstGeom>
+            <a:solidFill>
+              <a:srgbClr val="C00000"/>
+            </a:solidFill>
+          </p:spPr>
+          <p:style>
+            <a:lnRef idx="2">
+              <a:schemeClr val="accent1">
+                <a:shade val="15000"/>
+              </a:schemeClr>
+            </a:lnRef>
+            <a:fillRef idx="1">
+              <a:schemeClr val="accent1"/>
+            </a:fillRef>
+            <a:effectRef idx="0">
+              <a:schemeClr val="accent1"/>
+            </a:effectRef>
+            <a:fontRef idx="minor">
+              <a:schemeClr val="lt1"/>
+            </a:fontRef>
+          </p:style>
+          <p:txBody>
+            <a:bodyPr rtlCol="0" anchor="ctr"/>
+            <a:lstStyle/>
+            <a:p>
+              <a:pPr algn="ctr"/>
+              <a:r>
+                <a:rPr lang="en-US" sz="1000" dirty="0"/>
+                <a:t>Compressed image of project</a:t>
+              </a:r>
+            </a:p>
+          </p:txBody>
+        </p:sp>
+      </p:grpSp>
+      <p:grpSp>
+        <p:nvGrpSpPr>
+          <p:cNvPr id="32" name="Group 31">
+            <a:extLst>
+              <a:ext uri="{FF2B5EF4-FFF2-40B4-BE49-F238E27FC236}">
+                <a16:creationId xmlns:a16="http://schemas.microsoft.com/office/drawing/2014/main" id="{5A7B8EA3-B4C8-5641-2F61-272704CCBDC5}"/>
+              </a:ext>
+            </a:extLst>
+          </p:cNvPr>
+          <p:cNvGrpSpPr/>
+          <p:nvPr/>
+        </p:nvGrpSpPr>
+        <p:grpSpPr>
+          <a:xfrm>
+            <a:off x="7580475" y="1485420"/>
+            <a:ext cx="1505846" cy="1526228"/>
+            <a:chOff x="5079512" y="2458543"/>
+            <a:chExt cx="2286000" cy="2286000"/>
+          </a:xfrm>
+        </p:grpSpPr>
+        <p:sp>
+          <p:nvSpPr>
+            <p:cNvPr id="33" name="Rectangle: Rounded Corners 32">
+              <a:extLst>
+                <a:ext uri="{FF2B5EF4-FFF2-40B4-BE49-F238E27FC236}">
+                  <a16:creationId xmlns:a16="http://schemas.microsoft.com/office/drawing/2014/main" id="{84F1C902-7EEF-01E6-F819-D6D1F385DCD4}"/>
+                </a:ext>
+              </a:extLst>
+            </p:cNvPr>
+            <p:cNvSpPr/>
+            <p:nvPr/>
+          </p:nvSpPr>
+          <p:spPr>
+            <a:xfrm>
+              <a:off x="5079512" y="2458543"/>
+              <a:ext cx="2286000" cy="2286000"/>
+            </a:xfrm>
+            <a:prstGeom prst="roundRect">
+              <a:avLst/>
+            </a:prstGeom>
+            <a:solidFill>
+              <a:srgbClr val="001C48"/>
+            </a:solidFill>
+            <a:ln w="28575">
+              <a:solidFill>
+                <a:srgbClr val="001C48"/>
+              </a:solidFill>
+            </a:ln>
+            <a:effectLst>
+              <a:outerShdw blurRad="63500" sx="105000" sy="105000" algn="ctr" rotWithShape="0">
+                <a:prstClr val="black">
+                  <a:alpha val="44000"/>
+                </a:prstClr>
+              </a:outerShdw>
+            </a:effectLst>
+          </p:spPr>
+          <p:style>
+            <a:lnRef idx="2">
+              <a:schemeClr val="accent1">
+                <a:shade val="15000"/>
+              </a:schemeClr>
+            </a:lnRef>
+            <a:fillRef idx="1">
+              <a:schemeClr val="accent1"/>
+            </a:fillRef>
+            <a:effectRef idx="0">
+              <a:schemeClr val="accent1"/>
+            </a:effectRef>
+            <a:fontRef idx="minor">
+              <a:schemeClr val="lt1"/>
+            </a:fontRef>
+          </p:style>
+          <p:txBody>
+            <a:bodyPr rtlCol="0" anchor="ctr"/>
+            <a:lstStyle/>
+            <a:p>
+              <a:pPr algn="ctr"/>
+              <a:endParaRPr lang="en-US" dirty="0"/>
+            </a:p>
+          </p:txBody>
+        </p:sp>
+        <p:sp>
+          <p:nvSpPr>
+            <p:cNvPr id="34" name="TextBox 33">
+              <a:extLst>
+                <a:ext uri="{FF2B5EF4-FFF2-40B4-BE49-F238E27FC236}">
+                  <a16:creationId xmlns:a16="http://schemas.microsoft.com/office/drawing/2014/main" id="{FAB06B2C-532D-F230-9412-5E483C70CE2F}"/>
+                </a:ext>
+              </a:extLst>
+            </p:cNvPr>
+            <p:cNvSpPr txBox="1"/>
+            <p:nvPr/>
+          </p:nvSpPr>
+          <p:spPr>
+            <a:xfrm>
+              <a:off x="5484575" y="4114613"/>
+              <a:ext cx="1475875" cy="430887"/>
+            </a:xfrm>
+            <a:prstGeom prst="rect">
+              <a:avLst/>
+            </a:prstGeom>
+            <a:noFill/>
+          </p:spPr>
+          <p:txBody>
+            <a:bodyPr wrap="square" rtlCol="0">
+              <a:spAutoFit/>
+            </a:bodyPr>
+            <a:lstStyle/>
+            <a:p>
+              <a:pPr algn="ctr"/>
+              <a:r>
+                <a:rPr lang="en-US" sz="1050" dirty="0">
+                  <a:solidFill>
+                    <a:srgbClr val="E2E9EB"/>
+                  </a:solidFill>
+                </a:rPr>
+                <a:t>Project name</a:t>
+              </a:r>
+            </a:p>
+            <a:p>
+              <a:pPr algn="ctr"/>
+              <a:r>
+                <a:rPr lang="en-US" sz="1050" dirty="0">
+                  <a:solidFill>
+                    <a:srgbClr val="E2E9EB"/>
+                  </a:solidFill>
+                </a:rPr>
+                <a:t>Last edit</a:t>
+              </a:r>
+            </a:p>
+          </p:txBody>
+        </p:sp>
+        <p:sp>
+          <p:nvSpPr>
+            <p:cNvPr id="35" name="Rectangle: Rounded Corners 34">
+              <a:extLst>
+                <a:ext uri="{FF2B5EF4-FFF2-40B4-BE49-F238E27FC236}">
+                  <a16:creationId xmlns:a16="http://schemas.microsoft.com/office/drawing/2014/main" id="{D519ECCD-E2C7-B992-0B59-7E6C91F01534}"/>
+                </a:ext>
+              </a:extLst>
+            </p:cNvPr>
+            <p:cNvSpPr/>
+            <p:nvPr/>
+          </p:nvSpPr>
+          <p:spPr>
+            <a:xfrm>
+              <a:off x="5379390" y="2625483"/>
+              <a:ext cx="1686245" cy="1463040"/>
+            </a:xfrm>
+            <a:prstGeom prst="roundRect">
+              <a:avLst/>
+            </a:prstGeom>
+            <a:solidFill>
+              <a:srgbClr val="C00000"/>
+            </a:solidFill>
+          </p:spPr>
+          <p:style>
+            <a:lnRef idx="2">
+              <a:schemeClr val="accent1">
+                <a:shade val="15000"/>
+              </a:schemeClr>
+            </a:lnRef>
+            <a:fillRef idx="1">
+              <a:schemeClr val="accent1"/>
+            </a:fillRef>
+            <a:effectRef idx="0">
+              <a:schemeClr val="accent1"/>
+            </a:effectRef>
+            <a:fontRef idx="minor">
+              <a:schemeClr val="lt1"/>
+            </a:fontRef>
+          </p:style>
+          <p:txBody>
+            <a:bodyPr rtlCol="0" anchor="ctr"/>
+            <a:lstStyle/>
+            <a:p>
+              <a:pPr algn="ctr"/>
+              <a:r>
+                <a:rPr lang="en-US" sz="1000" dirty="0"/>
+                <a:t>Compressed image of project</a:t>
+              </a:r>
+            </a:p>
+          </p:txBody>
+        </p:sp>
+      </p:grpSp>
+      <p:grpSp>
+        <p:nvGrpSpPr>
+          <p:cNvPr id="36" name="Group 35">
+            <a:extLst>
+              <a:ext uri="{FF2B5EF4-FFF2-40B4-BE49-F238E27FC236}">
+                <a16:creationId xmlns:a16="http://schemas.microsoft.com/office/drawing/2014/main" id="{8098DD85-A4CA-6ED6-BBE7-7D923DC505FE}"/>
+              </a:ext>
+            </a:extLst>
+          </p:cNvPr>
+          <p:cNvGrpSpPr/>
+          <p:nvPr/>
+        </p:nvGrpSpPr>
+        <p:grpSpPr>
+          <a:xfrm>
+            <a:off x="7580475" y="3248507"/>
+            <a:ext cx="1505846" cy="1526228"/>
+            <a:chOff x="5079512" y="2458543"/>
+            <a:chExt cx="2286000" cy="2286000"/>
+          </a:xfrm>
+        </p:grpSpPr>
+        <p:sp>
+          <p:nvSpPr>
+            <p:cNvPr id="37" name="Rectangle: Rounded Corners 36">
+              <a:extLst>
+                <a:ext uri="{FF2B5EF4-FFF2-40B4-BE49-F238E27FC236}">
+                  <a16:creationId xmlns:a16="http://schemas.microsoft.com/office/drawing/2014/main" id="{AF9C1C0A-436A-7C86-DF56-7A5CFE6B5902}"/>
+                </a:ext>
+              </a:extLst>
+            </p:cNvPr>
+            <p:cNvSpPr/>
+            <p:nvPr/>
+          </p:nvSpPr>
+          <p:spPr>
+            <a:xfrm>
+              <a:off x="5079512" y="2458543"/>
+              <a:ext cx="2286000" cy="2286000"/>
+            </a:xfrm>
+            <a:prstGeom prst="roundRect">
+              <a:avLst/>
+            </a:prstGeom>
+            <a:solidFill>
+              <a:srgbClr val="001C48"/>
+            </a:solidFill>
+            <a:ln w="28575">
+              <a:solidFill>
+                <a:srgbClr val="001C48"/>
+              </a:solidFill>
+            </a:ln>
+            <a:effectLst>
+              <a:outerShdw blurRad="63500" sx="105000" sy="105000" algn="ctr" rotWithShape="0">
+                <a:prstClr val="black">
+                  <a:alpha val="44000"/>
+                </a:prstClr>
+              </a:outerShdw>
+            </a:effectLst>
+          </p:spPr>
+          <p:style>
+            <a:lnRef idx="2">
+              <a:schemeClr val="accent1">
+                <a:shade val="15000"/>
+              </a:schemeClr>
+            </a:lnRef>
+            <a:fillRef idx="1">
+              <a:schemeClr val="accent1"/>
+            </a:fillRef>
+            <a:effectRef idx="0">
+              <a:schemeClr val="accent1"/>
+            </a:effectRef>
+            <a:fontRef idx="minor">
+              <a:schemeClr val="lt1"/>
+            </a:fontRef>
+          </p:style>
+          <p:txBody>
+            <a:bodyPr rtlCol="0" anchor="ctr"/>
+            <a:lstStyle/>
+            <a:p>
+              <a:pPr algn="ctr"/>
+              <a:endParaRPr lang="en-US" dirty="0"/>
+            </a:p>
+          </p:txBody>
+        </p:sp>
+        <p:sp>
+          <p:nvSpPr>
+            <p:cNvPr id="38" name="TextBox 37">
+              <a:extLst>
+                <a:ext uri="{FF2B5EF4-FFF2-40B4-BE49-F238E27FC236}">
+                  <a16:creationId xmlns:a16="http://schemas.microsoft.com/office/drawing/2014/main" id="{3A895562-2B15-9EBE-6DE2-D5722B703A7A}"/>
+                </a:ext>
+              </a:extLst>
+            </p:cNvPr>
+            <p:cNvSpPr txBox="1"/>
+            <p:nvPr/>
+          </p:nvSpPr>
+          <p:spPr>
+            <a:xfrm>
+              <a:off x="5484575" y="4114613"/>
+              <a:ext cx="1475875" cy="430887"/>
+            </a:xfrm>
+            <a:prstGeom prst="rect">
+              <a:avLst/>
+            </a:prstGeom>
+            <a:noFill/>
+          </p:spPr>
+          <p:txBody>
+            <a:bodyPr wrap="square" rtlCol="0">
+              <a:spAutoFit/>
+            </a:bodyPr>
+            <a:lstStyle/>
+            <a:p>
+              <a:pPr algn="ctr"/>
+              <a:r>
+                <a:rPr lang="en-US" sz="1050" dirty="0">
+                  <a:solidFill>
+                    <a:srgbClr val="E2E9EB"/>
+                  </a:solidFill>
+                </a:rPr>
+                <a:t>Project name</a:t>
+              </a:r>
+            </a:p>
+            <a:p>
+              <a:pPr algn="ctr"/>
+              <a:r>
+                <a:rPr lang="en-US" sz="1050" dirty="0">
+                  <a:solidFill>
+                    <a:srgbClr val="E2E9EB"/>
+                  </a:solidFill>
+                </a:rPr>
+                <a:t>Last edit</a:t>
+              </a:r>
+            </a:p>
+          </p:txBody>
+        </p:sp>
+        <p:sp>
+          <p:nvSpPr>
+            <p:cNvPr id="39" name="Rectangle: Rounded Corners 38">
+              <a:extLst>
+                <a:ext uri="{FF2B5EF4-FFF2-40B4-BE49-F238E27FC236}">
+                  <a16:creationId xmlns:a16="http://schemas.microsoft.com/office/drawing/2014/main" id="{73BF8F16-CEF5-E850-5341-99E3E4881B5F}"/>
+                </a:ext>
+              </a:extLst>
+            </p:cNvPr>
+            <p:cNvSpPr/>
+            <p:nvPr/>
+          </p:nvSpPr>
+          <p:spPr>
+            <a:xfrm>
+              <a:off x="5379390" y="2625483"/>
+              <a:ext cx="1686245" cy="1463040"/>
+            </a:xfrm>
+            <a:prstGeom prst="roundRect">
+              <a:avLst/>
+            </a:prstGeom>
+            <a:solidFill>
+              <a:srgbClr val="C00000"/>
+            </a:solidFill>
+          </p:spPr>
+          <p:style>
+            <a:lnRef idx="2">
+              <a:schemeClr val="accent1">
+                <a:shade val="15000"/>
+              </a:schemeClr>
+            </a:lnRef>
+            <a:fillRef idx="1">
+              <a:schemeClr val="accent1"/>
+            </a:fillRef>
+            <a:effectRef idx="0">
+              <a:schemeClr val="accent1"/>
+            </a:effectRef>
+            <a:fontRef idx="minor">
+              <a:schemeClr val="lt1"/>
+            </a:fontRef>
+          </p:style>
+          <p:txBody>
+            <a:bodyPr rtlCol="0" anchor="ctr"/>
+            <a:lstStyle/>
+            <a:p>
+              <a:pPr algn="ctr"/>
+              <a:r>
+                <a:rPr lang="en-US" sz="1000" dirty="0"/>
+                <a:t>Compressed image of project</a:t>
+              </a:r>
+            </a:p>
+          </p:txBody>
+        </p:sp>
+      </p:grpSp>
+      <p:grpSp>
+        <p:nvGrpSpPr>
+          <p:cNvPr id="40" name="Group 39">
+            <a:extLst>
+              <a:ext uri="{FF2B5EF4-FFF2-40B4-BE49-F238E27FC236}">
+                <a16:creationId xmlns:a16="http://schemas.microsoft.com/office/drawing/2014/main" id="{4FBC9771-19D7-F1C8-7D5B-672B6E4D8139}"/>
+              </a:ext>
+            </a:extLst>
+          </p:cNvPr>
+          <p:cNvGrpSpPr/>
+          <p:nvPr/>
+        </p:nvGrpSpPr>
+        <p:grpSpPr>
+          <a:xfrm>
+            <a:off x="3821165" y="5006931"/>
+            <a:ext cx="1505846" cy="1526228"/>
+            <a:chOff x="5079512" y="2458543"/>
+            <a:chExt cx="2286000" cy="2286000"/>
+          </a:xfrm>
+        </p:grpSpPr>
+        <p:sp>
+          <p:nvSpPr>
+            <p:cNvPr id="41" name="Rectangle: Rounded Corners 40">
+              <a:extLst>
+                <a:ext uri="{FF2B5EF4-FFF2-40B4-BE49-F238E27FC236}">
+                  <a16:creationId xmlns:a16="http://schemas.microsoft.com/office/drawing/2014/main" id="{2F870180-CFCD-82EB-A527-013C6A9F25D2}"/>
+                </a:ext>
+              </a:extLst>
+            </p:cNvPr>
+            <p:cNvSpPr/>
+            <p:nvPr/>
+          </p:nvSpPr>
+          <p:spPr>
+            <a:xfrm>
+              <a:off x="5079512" y="2458543"/>
+              <a:ext cx="2286000" cy="2286000"/>
+            </a:xfrm>
+            <a:prstGeom prst="roundRect">
+              <a:avLst/>
+            </a:prstGeom>
+            <a:solidFill>
+              <a:srgbClr val="001C48"/>
+            </a:solidFill>
+            <a:ln w="28575">
+              <a:solidFill>
+                <a:srgbClr val="001C48"/>
+              </a:solidFill>
+            </a:ln>
+            <a:effectLst>
+              <a:outerShdw blurRad="63500" sx="105000" sy="105000" algn="ctr" rotWithShape="0">
+                <a:prstClr val="black">
+                  <a:alpha val="44000"/>
+                </a:prstClr>
+              </a:outerShdw>
+            </a:effectLst>
+          </p:spPr>
+          <p:style>
+            <a:lnRef idx="2">
+              <a:schemeClr val="accent1">
+                <a:shade val="15000"/>
+              </a:schemeClr>
+            </a:lnRef>
+            <a:fillRef idx="1">
+              <a:schemeClr val="accent1"/>
+            </a:fillRef>
+            <a:effectRef idx="0">
+              <a:schemeClr val="accent1"/>
+            </a:effectRef>
+            <a:fontRef idx="minor">
+              <a:schemeClr val="lt1"/>
+            </a:fontRef>
+          </p:style>
+          <p:txBody>
+            <a:bodyPr rtlCol="0" anchor="ctr"/>
+            <a:lstStyle/>
+            <a:p>
+              <a:pPr algn="ctr"/>
+              <a:endParaRPr lang="en-US" dirty="0"/>
+            </a:p>
+          </p:txBody>
+        </p:sp>
+        <p:sp>
+          <p:nvSpPr>
+            <p:cNvPr id="42" name="TextBox 41">
+              <a:extLst>
+                <a:ext uri="{FF2B5EF4-FFF2-40B4-BE49-F238E27FC236}">
+                  <a16:creationId xmlns:a16="http://schemas.microsoft.com/office/drawing/2014/main" id="{EAECB50D-E79A-5D0E-5C90-C2AF3B480D11}"/>
+                </a:ext>
+              </a:extLst>
+            </p:cNvPr>
+            <p:cNvSpPr txBox="1"/>
+            <p:nvPr/>
+          </p:nvSpPr>
+          <p:spPr>
+            <a:xfrm>
+              <a:off x="5484575" y="4114613"/>
+              <a:ext cx="1475875" cy="430887"/>
+            </a:xfrm>
+            <a:prstGeom prst="rect">
+              <a:avLst/>
+            </a:prstGeom>
+            <a:noFill/>
+          </p:spPr>
+          <p:txBody>
+            <a:bodyPr wrap="square" rtlCol="0">
+              <a:spAutoFit/>
+            </a:bodyPr>
+            <a:lstStyle/>
+            <a:p>
+              <a:pPr algn="ctr"/>
+              <a:r>
+                <a:rPr lang="en-US" sz="1050" dirty="0">
+                  <a:solidFill>
+                    <a:srgbClr val="E2E9EB"/>
+                  </a:solidFill>
+                </a:rPr>
+                <a:t>Project name</a:t>
+              </a:r>
+            </a:p>
+            <a:p>
+              <a:pPr algn="ctr"/>
+              <a:r>
+                <a:rPr lang="en-US" sz="1050" dirty="0">
+                  <a:solidFill>
+                    <a:srgbClr val="E2E9EB"/>
+                  </a:solidFill>
+                </a:rPr>
+                <a:t>Last edit</a:t>
+              </a:r>
+            </a:p>
+          </p:txBody>
+        </p:sp>
+        <p:sp>
+          <p:nvSpPr>
+            <p:cNvPr id="43" name="Rectangle: Rounded Corners 42">
+              <a:extLst>
+                <a:ext uri="{FF2B5EF4-FFF2-40B4-BE49-F238E27FC236}">
+                  <a16:creationId xmlns:a16="http://schemas.microsoft.com/office/drawing/2014/main" id="{6750F8AA-7D00-1B88-CA27-B3B2DEC669A5}"/>
+                </a:ext>
+              </a:extLst>
+            </p:cNvPr>
+            <p:cNvSpPr/>
+            <p:nvPr/>
+          </p:nvSpPr>
+          <p:spPr>
+            <a:xfrm>
+              <a:off x="5379390" y="2625483"/>
+              <a:ext cx="1686245" cy="1463040"/>
+            </a:xfrm>
+            <a:prstGeom prst="roundRect">
+              <a:avLst/>
+            </a:prstGeom>
+            <a:solidFill>
+              <a:srgbClr val="C00000"/>
+            </a:solidFill>
+          </p:spPr>
+          <p:style>
+            <a:lnRef idx="2">
+              <a:schemeClr val="accent1">
+                <a:shade val="15000"/>
+              </a:schemeClr>
+            </a:lnRef>
+            <a:fillRef idx="1">
+              <a:schemeClr val="accent1"/>
+            </a:fillRef>
+            <a:effectRef idx="0">
+              <a:schemeClr val="accent1"/>
+            </a:effectRef>
+            <a:fontRef idx="minor">
+              <a:schemeClr val="lt1"/>
+            </a:fontRef>
+          </p:style>
+          <p:txBody>
+            <a:bodyPr rtlCol="0" anchor="ctr"/>
+            <a:lstStyle/>
+            <a:p>
+              <a:pPr algn="ctr"/>
+              <a:r>
+                <a:rPr lang="en-US" sz="1000" dirty="0"/>
+                <a:t>Compressed image of project</a:t>
+              </a:r>
+            </a:p>
+          </p:txBody>
+        </p:sp>
+      </p:grpSp>
+      <p:grpSp>
+        <p:nvGrpSpPr>
+          <p:cNvPr id="44" name="Group 43">
+            <a:extLst>
+              <a:ext uri="{FF2B5EF4-FFF2-40B4-BE49-F238E27FC236}">
+                <a16:creationId xmlns:a16="http://schemas.microsoft.com/office/drawing/2014/main" id="{FA273262-EE2C-5A96-7F53-99226D15F3B3}"/>
+              </a:ext>
+            </a:extLst>
+          </p:cNvPr>
+          <p:cNvGrpSpPr/>
+          <p:nvPr/>
+        </p:nvGrpSpPr>
+        <p:grpSpPr>
+          <a:xfrm>
+            <a:off x="5700820" y="5006931"/>
+            <a:ext cx="1505846" cy="1526228"/>
+            <a:chOff x="5079512" y="2458543"/>
+            <a:chExt cx="2286000" cy="2286000"/>
+          </a:xfrm>
+        </p:grpSpPr>
+        <p:sp>
+          <p:nvSpPr>
+            <p:cNvPr id="45" name="Rectangle: Rounded Corners 44">
+              <a:extLst>
+                <a:ext uri="{FF2B5EF4-FFF2-40B4-BE49-F238E27FC236}">
+                  <a16:creationId xmlns:a16="http://schemas.microsoft.com/office/drawing/2014/main" id="{72AEA583-8161-94BE-4A28-6A5150DE59E0}"/>
+                </a:ext>
+              </a:extLst>
+            </p:cNvPr>
+            <p:cNvSpPr/>
+            <p:nvPr/>
+          </p:nvSpPr>
+          <p:spPr>
+            <a:xfrm>
+              <a:off x="5079512" y="2458543"/>
+              <a:ext cx="2286000" cy="2286000"/>
+            </a:xfrm>
+            <a:prstGeom prst="roundRect">
+              <a:avLst/>
+            </a:prstGeom>
+            <a:solidFill>
+              <a:srgbClr val="001C48"/>
+            </a:solidFill>
+            <a:ln w="28575">
+              <a:solidFill>
+                <a:srgbClr val="001C48"/>
+              </a:solidFill>
+            </a:ln>
+            <a:effectLst>
+              <a:outerShdw blurRad="63500" sx="105000" sy="105000" algn="ctr" rotWithShape="0">
+                <a:prstClr val="black">
+                  <a:alpha val="44000"/>
+                </a:prstClr>
+              </a:outerShdw>
+            </a:effectLst>
+          </p:spPr>
+          <p:style>
+            <a:lnRef idx="2">
+              <a:schemeClr val="accent1">
+                <a:shade val="15000"/>
+              </a:schemeClr>
+            </a:lnRef>
+            <a:fillRef idx="1">
+              <a:schemeClr val="accent1"/>
+            </a:fillRef>
+            <a:effectRef idx="0">
+              <a:schemeClr val="accent1"/>
+            </a:effectRef>
+            <a:fontRef idx="minor">
+              <a:schemeClr val="lt1"/>
+            </a:fontRef>
+          </p:style>
+          <p:txBody>
+            <a:bodyPr rtlCol="0" anchor="ctr"/>
+            <a:lstStyle/>
+            <a:p>
+              <a:pPr algn="ctr"/>
+              <a:endParaRPr lang="en-US" dirty="0"/>
+            </a:p>
+          </p:txBody>
+        </p:sp>
+        <p:sp>
+          <p:nvSpPr>
+            <p:cNvPr id="46" name="TextBox 45">
+              <a:extLst>
+                <a:ext uri="{FF2B5EF4-FFF2-40B4-BE49-F238E27FC236}">
+                  <a16:creationId xmlns:a16="http://schemas.microsoft.com/office/drawing/2014/main" id="{65F5354A-895D-50A3-B12D-5F1D5960BB71}"/>
+                </a:ext>
+              </a:extLst>
+            </p:cNvPr>
+            <p:cNvSpPr txBox="1"/>
+            <p:nvPr/>
+          </p:nvSpPr>
+          <p:spPr>
+            <a:xfrm>
+              <a:off x="5484575" y="4114613"/>
+              <a:ext cx="1475875" cy="430887"/>
+            </a:xfrm>
+            <a:prstGeom prst="rect">
+              <a:avLst/>
+            </a:prstGeom>
+            <a:noFill/>
+          </p:spPr>
+          <p:txBody>
+            <a:bodyPr wrap="square" rtlCol="0">
+              <a:spAutoFit/>
+            </a:bodyPr>
+            <a:lstStyle/>
+            <a:p>
+              <a:pPr algn="ctr"/>
+              <a:r>
+                <a:rPr lang="en-US" sz="1050" dirty="0">
+                  <a:solidFill>
+                    <a:srgbClr val="E2E9EB"/>
+                  </a:solidFill>
+                </a:rPr>
+                <a:t>Project name</a:t>
+              </a:r>
+            </a:p>
+            <a:p>
+              <a:pPr algn="ctr"/>
+              <a:r>
+                <a:rPr lang="en-US" sz="1050" dirty="0">
+                  <a:solidFill>
+                    <a:srgbClr val="E2E9EB"/>
+                  </a:solidFill>
+                </a:rPr>
+                <a:t>Last edit</a:t>
+              </a:r>
+            </a:p>
+          </p:txBody>
+        </p:sp>
+        <p:sp>
+          <p:nvSpPr>
+            <p:cNvPr id="47" name="Rectangle: Rounded Corners 46">
+              <a:extLst>
+                <a:ext uri="{FF2B5EF4-FFF2-40B4-BE49-F238E27FC236}">
+                  <a16:creationId xmlns:a16="http://schemas.microsoft.com/office/drawing/2014/main" id="{59D09D2D-B2D7-0923-ADE8-36BD5FF164A6}"/>
+                </a:ext>
+              </a:extLst>
+            </p:cNvPr>
+            <p:cNvSpPr/>
+            <p:nvPr/>
+          </p:nvSpPr>
+          <p:spPr>
+            <a:xfrm>
+              <a:off x="5379390" y="2625483"/>
+              <a:ext cx="1686245" cy="1463040"/>
+            </a:xfrm>
+            <a:prstGeom prst="roundRect">
+              <a:avLst/>
+            </a:prstGeom>
+            <a:solidFill>
+              <a:srgbClr val="C00000"/>
+            </a:solidFill>
+          </p:spPr>
+          <p:style>
+            <a:lnRef idx="2">
+              <a:schemeClr val="accent1">
+                <a:shade val="15000"/>
+              </a:schemeClr>
+            </a:lnRef>
+            <a:fillRef idx="1">
+              <a:schemeClr val="accent1"/>
+            </a:fillRef>
+            <a:effectRef idx="0">
+              <a:schemeClr val="accent1"/>
+            </a:effectRef>
+            <a:fontRef idx="minor">
+              <a:schemeClr val="lt1"/>
+            </a:fontRef>
+          </p:style>
+          <p:txBody>
+            <a:bodyPr rtlCol="0" anchor="ctr"/>
+            <a:lstStyle/>
+            <a:p>
+              <a:pPr algn="ctr"/>
+              <a:r>
+                <a:rPr lang="en-US" sz="1000" dirty="0"/>
+                <a:t>Compressed image of project</a:t>
+              </a:r>
+            </a:p>
+          </p:txBody>
+        </p:sp>
+      </p:grpSp>
+      <p:grpSp>
+        <p:nvGrpSpPr>
+          <p:cNvPr id="48" name="Group 47">
+            <a:extLst>
+              <a:ext uri="{FF2B5EF4-FFF2-40B4-BE49-F238E27FC236}">
+                <a16:creationId xmlns:a16="http://schemas.microsoft.com/office/drawing/2014/main" id="{59E801F1-09A5-6F5E-A0D2-7B64DC72D8CE}"/>
+              </a:ext>
+            </a:extLst>
+          </p:cNvPr>
+          <p:cNvGrpSpPr/>
+          <p:nvPr/>
+        </p:nvGrpSpPr>
+        <p:grpSpPr>
+          <a:xfrm>
+            <a:off x="7580475" y="5006931"/>
+            <a:ext cx="1505846" cy="1526228"/>
+            <a:chOff x="5079512" y="2458543"/>
+            <a:chExt cx="2286000" cy="2286000"/>
+          </a:xfrm>
+        </p:grpSpPr>
+        <p:sp>
+          <p:nvSpPr>
+            <p:cNvPr id="49" name="Rectangle: Rounded Corners 48">
+              <a:extLst>
+                <a:ext uri="{FF2B5EF4-FFF2-40B4-BE49-F238E27FC236}">
+                  <a16:creationId xmlns:a16="http://schemas.microsoft.com/office/drawing/2014/main" id="{38C51CAF-E5EB-5F63-0126-7D8873731310}"/>
+                </a:ext>
+              </a:extLst>
+            </p:cNvPr>
+            <p:cNvSpPr/>
+            <p:nvPr/>
+          </p:nvSpPr>
+          <p:spPr>
+            <a:xfrm>
+              <a:off x="5079512" y="2458543"/>
+              <a:ext cx="2286000" cy="2286000"/>
+            </a:xfrm>
+            <a:prstGeom prst="roundRect">
+              <a:avLst/>
+            </a:prstGeom>
+            <a:solidFill>
+              <a:srgbClr val="001C48"/>
+            </a:solidFill>
+            <a:ln w="28575">
+              <a:solidFill>
+                <a:srgbClr val="001C48"/>
+              </a:solidFill>
+            </a:ln>
+            <a:effectLst>
+              <a:outerShdw blurRad="63500" sx="105000" sy="105000" algn="ctr" rotWithShape="0">
+                <a:prstClr val="black">
+                  <a:alpha val="44000"/>
+                </a:prstClr>
+              </a:outerShdw>
+            </a:effectLst>
+          </p:spPr>
+          <p:style>
+            <a:lnRef idx="2">
+              <a:schemeClr val="accent1">
+                <a:shade val="15000"/>
+              </a:schemeClr>
+            </a:lnRef>
+            <a:fillRef idx="1">
+              <a:schemeClr val="accent1"/>
+            </a:fillRef>
+            <a:effectRef idx="0">
+              <a:schemeClr val="accent1"/>
+            </a:effectRef>
+            <a:fontRef idx="minor">
+              <a:schemeClr val="lt1"/>
+            </a:fontRef>
+          </p:style>
+          <p:txBody>
+            <a:bodyPr rtlCol="0" anchor="ctr"/>
+            <a:lstStyle/>
+            <a:p>
+              <a:pPr algn="ctr"/>
+              <a:endParaRPr lang="en-US" dirty="0"/>
+            </a:p>
+          </p:txBody>
+        </p:sp>
+        <p:sp>
+          <p:nvSpPr>
+            <p:cNvPr id="50" name="TextBox 49">
+              <a:extLst>
+                <a:ext uri="{FF2B5EF4-FFF2-40B4-BE49-F238E27FC236}">
+                  <a16:creationId xmlns:a16="http://schemas.microsoft.com/office/drawing/2014/main" id="{B48AD174-F7B6-827C-25E4-6A5D28270BE3}"/>
+                </a:ext>
+              </a:extLst>
+            </p:cNvPr>
+            <p:cNvSpPr txBox="1"/>
+            <p:nvPr/>
+          </p:nvSpPr>
+          <p:spPr>
+            <a:xfrm>
+              <a:off x="5484575" y="4114613"/>
+              <a:ext cx="1475875" cy="430887"/>
+            </a:xfrm>
+            <a:prstGeom prst="rect">
+              <a:avLst/>
+            </a:prstGeom>
+            <a:noFill/>
+          </p:spPr>
+          <p:txBody>
+            <a:bodyPr wrap="square" rtlCol="0">
+              <a:spAutoFit/>
+            </a:bodyPr>
+            <a:lstStyle/>
+            <a:p>
+              <a:pPr algn="ctr"/>
+              <a:r>
+                <a:rPr lang="en-US" sz="1050" dirty="0">
+                  <a:solidFill>
+                    <a:srgbClr val="E2E9EB"/>
+                  </a:solidFill>
+                </a:rPr>
+                <a:t>Project name</a:t>
+              </a:r>
+            </a:p>
+            <a:p>
+              <a:pPr algn="ctr"/>
+              <a:r>
+                <a:rPr lang="en-US" sz="1050" dirty="0">
+                  <a:solidFill>
+                    <a:srgbClr val="E2E9EB"/>
+                  </a:solidFill>
+                </a:rPr>
+                <a:t>Last edit</a:t>
+              </a:r>
+            </a:p>
+          </p:txBody>
+        </p:sp>
+        <p:sp>
+          <p:nvSpPr>
+            <p:cNvPr id="51" name="Rectangle: Rounded Corners 50">
+              <a:extLst>
+                <a:ext uri="{FF2B5EF4-FFF2-40B4-BE49-F238E27FC236}">
+                  <a16:creationId xmlns:a16="http://schemas.microsoft.com/office/drawing/2014/main" id="{59C7A3CF-F98B-6B33-532B-FD18977FA814}"/>
+                </a:ext>
+              </a:extLst>
+            </p:cNvPr>
+            <p:cNvSpPr/>
+            <p:nvPr/>
+          </p:nvSpPr>
+          <p:spPr>
+            <a:xfrm>
+              <a:off x="5379390" y="2625483"/>
+              <a:ext cx="1686245" cy="1463040"/>
+            </a:xfrm>
+            <a:prstGeom prst="roundRect">
+              <a:avLst/>
+            </a:prstGeom>
+            <a:solidFill>
+              <a:srgbClr val="C00000"/>
+            </a:solidFill>
+          </p:spPr>
+          <p:style>
+            <a:lnRef idx="2">
+              <a:schemeClr val="accent1">
+                <a:shade val="15000"/>
+              </a:schemeClr>
+            </a:lnRef>
+            <a:fillRef idx="1">
+              <a:schemeClr val="accent1"/>
+            </a:fillRef>
+            <a:effectRef idx="0">
+              <a:schemeClr val="accent1"/>
+            </a:effectRef>
+            <a:fontRef idx="minor">
+              <a:schemeClr val="lt1"/>
+            </a:fontRef>
+          </p:style>
+          <p:txBody>
+            <a:bodyPr rtlCol="0" anchor="ctr"/>
+            <a:lstStyle/>
+            <a:p>
+              <a:pPr algn="ctr"/>
+              <a:r>
+                <a:rPr lang="en-US" sz="1000" dirty="0"/>
+                <a:t>Compressed image of project</a:t>
+              </a:r>
+            </a:p>
+          </p:txBody>
+        </p:sp>
+      </p:grpSp>
+      <p:pic>
+        <p:nvPicPr>
+          <p:cNvPr id="53" name="Graphic 52" descr="Table with solid fill">
+            <a:extLst>
+              <a:ext uri="{FF2B5EF4-FFF2-40B4-BE49-F238E27FC236}">
+                <a16:creationId xmlns:a16="http://schemas.microsoft.com/office/drawing/2014/main" id="{4F2AF4F3-925B-08FC-B8A7-703AC4D97E54}"/>
+              </a:ext>
+            </a:extLst>
+          </p:cNvPr>
+          <p:cNvPicPr>
+            <a:picLocks noChangeAspect="1"/>
+          </p:cNvPicPr>
+          <p:nvPr/>
+        </p:nvPicPr>
+        <p:blipFill>
+          <a:blip r:embed="rId2">
+            <a:extLst>
+              <a:ext uri="{28A0092B-C50C-407E-A947-70E740481C1C}">
+                <a14:useLocalDpi xmlns:a14="http://schemas.microsoft.com/office/drawing/2010/main" val="0"/>
+              </a:ext>
+              <a:ext uri="{96DAC541-7B7A-43D3-8B79-37D633B846F1}">
+                <asvg:svgBlip xmlns:asvg="http://schemas.microsoft.com/office/drawing/2016/SVG/main" r:embed="rId3"/>
+              </a:ext>
+            </a:extLst>
+          </a:blip>
+          <a:stretch>
+            <a:fillRect/>
+          </a:stretch>
+        </p:blipFill>
+        <p:spPr>
+          <a:xfrm>
+            <a:off x="9460130" y="991490"/>
+            <a:ext cx="493930" cy="493930"/>
+          </a:xfrm>
+          <a:prstGeom prst="rect">
+            <a:avLst/>
+          </a:prstGeom>
+        </p:spPr>
+      </p:pic>
+      <p:pic>
+        <p:nvPicPr>
+          <p:cNvPr id="55" name="Graphic 54" descr="List with solid fill">
+            <a:extLst>
+              <a:ext uri="{FF2B5EF4-FFF2-40B4-BE49-F238E27FC236}">
+                <a16:creationId xmlns:a16="http://schemas.microsoft.com/office/drawing/2014/main" id="{0D795619-1214-26A3-3F06-98D178A3FB1B}"/>
+              </a:ext>
+            </a:extLst>
+          </p:cNvPr>
+          <p:cNvPicPr>
+            <a:picLocks noChangeAspect="1"/>
+          </p:cNvPicPr>
+          <p:nvPr/>
+        </p:nvPicPr>
+        <p:blipFill>
+          <a:blip r:embed="rId4">
+            <a:extLst>
+              <a:ext uri="{28A0092B-C50C-407E-A947-70E740481C1C}">
+                <a14:useLocalDpi xmlns:a14="http://schemas.microsoft.com/office/drawing/2010/main" val="0"/>
+              </a:ext>
+              <a:ext uri="{96DAC541-7B7A-43D3-8B79-37D633B846F1}">
+                <asvg:svgBlip xmlns:asvg="http://schemas.microsoft.com/office/drawing/2016/SVG/main" r:embed="rId5"/>
+              </a:ext>
+            </a:extLst>
+          </a:blip>
+          <a:stretch>
+            <a:fillRect/>
+          </a:stretch>
+        </p:blipFill>
+        <p:spPr>
+          <a:xfrm>
+            <a:off x="10152965" y="991490"/>
+            <a:ext cx="493930" cy="493930"/>
+          </a:xfrm>
+          <a:prstGeom prst="rect">
+            <a:avLst/>
+          </a:prstGeom>
+        </p:spPr>
+      </p:pic>
+    </p:spTree>
+    <p:extLst>
+      <p:ext uri="{BB962C8B-B14F-4D97-AF65-F5344CB8AC3E}">
+        <p14:creationId xmlns:p14="http://schemas.microsoft.com/office/powerpoint/2010/main" val="4077832261"/>
+      </p:ext>
+    </p:extLst>
+  </p:cSld>
+  <p:clrMapOvr>
+    <a:masterClrMapping/>
+  </p:clrMapOvr>
+</p:sld>
+</file>
+
+<file path=ppt/slides/slide8.xml><?xml version="1.0" encoding="utf-8"?>
 <p:sld xmlns:a="http://schemas.openxmlformats.org/drawingml/2006/main" xmlns:r="http://schemas.openxmlformats.org/officeDocument/2006/relationships" xmlns:p="http://schemas.openxmlformats.org/presentationml/2006/main">
   <p:cSld>
     <p:spTree>

--- a/Sitemap ect.pptx
+++ b/Sitemap ect.pptx
@@ -12,7 +12,8 @@
     <p:sldId id="258" r:id="rId6"/>
     <p:sldId id="262" r:id="rId7"/>
     <p:sldId id="263" r:id="rId8"/>
-    <p:sldId id="259" r:id="rId9"/>
+    <p:sldId id="264" r:id="rId9"/>
+    <p:sldId id="259" r:id="rId10"/>
   </p:sldIdLst>
   <p:sldSz cx="12192000" cy="6858000"/>
   <p:notesSz cx="6858000" cy="9144000"/>
@@ -146,6 +147,45 @@
 </p188:cmLst>
 </file>
 
+<file path=ppt/comments/modernComment_107_F30EC845.xml><?xml version="1.0" encoding="utf-8"?>
+<p188:cmLst xmlns:a="http://schemas.openxmlformats.org/drawingml/2006/main" xmlns:r="http://schemas.openxmlformats.org/officeDocument/2006/relationships" xmlns:p188="http://schemas.microsoft.com/office/powerpoint/2018/8/main">
+  <p188:cm id="{93D8F943-D0F1-4151-98DB-38D3E91C6EB7}" authorId="{BB7389FC-CB56-CF4D-E353-3D15BF3C4A46}" created="2023-10-18T21:44:40.207">
+    <ac:deMkLst xmlns:ac="http://schemas.microsoft.com/office/drawing/2013/main/command">
+      <pc:docMk xmlns:pc="http://schemas.microsoft.com/office/powerpoint/2013/main/command"/>
+      <pc:sldMk xmlns:pc="http://schemas.microsoft.com/office/powerpoint/2013/main/command" cId="4077832261" sldId="263"/>
+      <ac:spMk id="9" creationId="{85044166-FDD0-93AA-ECE7-8265896A7607}"/>
+    </ac:deMkLst>
+    <p188:txBody>
+      <a:bodyPr/>
+      <a:lstStyle/>
+      <a:p>
+        <a:r>
+          <a:rPr lang="en-US"/>
+          <a:t>User profile pic</a:t>
+        </a:r>
+      </a:p>
+    </p188:txBody>
+  </p188:cm>
+  <p188:cm id="{A36BE283-E3D4-4F60-8AC9-79824B82CDF2}" authorId="{BB7389FC-CB56-CF4D-E353-3D15BF3C4A46}" created="2023-10-18T22:15:48.808">
+    <ac:deMkLst xmlns:ac="http://schemas.microsoft.com/office/drawing/2013/main/command">
+      <pc:docMk xmlns:pc="http://schemas.microsoft.com/office/powerpoint/2013/main/command"/>
+      <pc:sldMk xmlns:pc="http://schemas.microsoft.com/office/powerpoint/2013/main/command" cId="4077832261" sldId="263"/>
+      <ac:picMk id="85" creationId="{63B68706-CBE0-595F-6FF3-993A6DF62081}"/>
+    </ac:deMkLst>
+    <p188:txBody>
+      <a:bodyPr/>
+      <a:lstStyle/>
+      <a:p>
+        <a:r>
+          <a:rPr lang="en-US"/>
+          <a:t>We can have this question mark by each diagram to give a quick explanation of it so the user can either hover or click it</a:t>
+        </a:r>
+      </a:p>
+    </p188:txBody>
+  </p188:cm>
+</p188:cmLst>
+</file>
+
 <file path=ppt/slideLayouts/slideLayout1.xml><?xml version="1.0" encoding="utf-8"?>
 <p:sldLayout xmlns:a="http://schemas.openxmlformats.org/drawingml/2006/main" xmlns:r="http://schemas.openxmlformats.org/officeDocument/2006/relationships" xmlns:p="http://schemas.openxmlformats.org/presentationml/2006/main" type="title" preserve="1">
   <p:cSld name="Title Slide">
@@ -293,7 +333,7 @@
           <a:p>
             <a:fld id="{4DAFBDD3-A15C-4955-8CA3-3D8B5691D9F0}" type="datetimeFigureOut">
               <a:rPr lang="en-US" smtClean="0"/>
-              <a:t>10/17/2023</a:t>
+              <a:t>10/18/2023</a:t>
             </a:fld>
             <a:endParaRPr lang="en-US"/>
           </a:p>
@@ -491,7 +531,7 @@
           <a:p>
             <a:fld id="{4DAFBDD3-A15C-4955-8CA3-3D8B5691D9F0}" type="datetimeFigureOut">
               <a:rPr lang="en-US" smtClean="0"/>
-              <a:t>10/17/2023</a:t>
+              <a:t>10/18/2023</a:t>
             </a:fld>
             <a:endParaRPr lang="en-US"/>
           </a:p>
@@ -699,7 +739,7 @@
           <a:p>
             <a:fld id="{4DAFBDD3-A15C-4955-8CA3-3D8B5691D9F0}" type="datetimeFigureOut">
               <a:rPr lang="en-US" smtClean="0"/>
-              <a:t>10/17/2023</a:t>
+              <a:t>10/18/2023</a:t>
             </a:fld>
             <a:endParaRPr lang="en-US"/>
           </a:p>
@@ -897,7 +937,7 @@
           <a:p>
             <a:fld id="{4DAFBDD3-A15C-4955-8CA3-3D8B5691D9F0}" type="datetimeFigureOut">
               <a:rPr lang="en-US" smtClean="0"/>
-              <a:t>10/17/2023</a:t>
+              <a:t>10/18/2023</a:t>
             </a:fld>
             <a:endParaRPr lang="en-US"/>
           </a:p>
@@ -1172,7 +1212,7 @@
           <a:p>
             <a:fld id="{4DAFBDD3-A15C-4955-8CA3-3D8B5691D9F0}" type="datetimeFigureOut">
               <a:rPr lang="en-US" smtClean="0"/>
-              <a:t>10/17/2023</a:t>
+              <a:t>10/18/2023</a:t>
             </a:fld>
             <a:endParaRPr lang="en-US"/>
           </a:p>
@@ -1437,7 +1477,7 @@
           <a:p>
             <a:fld id="{4DAFBDD3-A15C-4955-8CA3-3D8B5691D9F0}" type="datetimeFigureOut">
               <a:rPr lang="en-US" smtClean="0"/>
-              <a:t>10/17/2023</a:t>
+              <a:t>10/18/2023</a:t>
             </a:fld>
             <a:endParaRPr lang="en-US"/>
           </a:p>
@@ -1849,7 +1889,7 @@
           <a:p>
             <a:fld id="{4DAFBDD3-A15C-4955-8CA3-3D8B5691D9F0}" type="datetimeFigureOut">
               <a:rPr lang="en-US" smtClean="0"/>
-              <a:t>10/17/2023</a:t>
+              <a:t>10/18/2023</a:t>
             </a:fld>
             <a:endParaRPr lang="en-US"/>
           </a:p>
@@ -1990,7 +2030,7 @@
           <a:p>
             <a:fld id="{4DAFBDD3-A15C-4955-8CA3-3D8B5691D9F0}" type="datetimeFigureOut">
               <a:rPr lang="en-US" smtClean="0"/>
-              <a:t>10/17/2023</a:t>
+              <a:t>10/18/2023</a:t>
             </a:fld>
             <a:endParaRPr lang="en-US"/>
           </a:p>
@@ -2103,7 +2143,7 @@
           <a:p>
             <a:fld id="{4DAFBDD3-A15C-4955-8CA3-3D8B5691D9F0}" type="datetimeFigureOut">
               <a:rPr lang="en-US" smtClean="0"/>
-              <a:t>10/17/2023</a:t>
+              <a:t>10/18/2023</a:t>
             </a:fld>
             <a:endParaRPr lang="en-US"/>
           </a:p>
@@ -2414,7 +2454,7 @@
           <a:p>
             <a:fld id="{4DAFBDD3-A15C-4955-8CA3-3D8B5691D9F0}" type="datetimeFigureOut">
               <a:rPr lang="en-US" smtClean="0"/>
-              <a:t>10/17/2023</a:t>
+              <a:t>10/18/2023</a:t>
             </a:fld>
             <a:endParaRPr lang="en-US"/>
           </a:p>
@@ -2702,7 +2742,7 @@
           <a:p>
             <a:fld id="{4DAFBDD3-A15C-4955-8CA3-3D8B5691D9F0}" type="datetimeFigureOut">
               <a:rPr lang="en-US" smtClean="0"/>
-              <a:t>10/17/2023</a:t>
+              <a:t>10/18/2023</a:t>
             </a:fld>
             <a:endParaRPr lang="en-US"/>
           </a:p>
@@ -2943,7 +2983,7 @@
           <a:p>
             <a:fld id="{4DAFBDD3-A15C-4955-8CA3-3D8B5691D9F0}" type="datetimeFigureOut">
               <a:rPr lang="en-US" smtClean="0"/>
-              <a:t>10/17/2023</a:t>
+              <a:t>10/18/2023</a:t>
             </a:fld>
             <a:endParaRPr lang="en-US"/>
           </a:p>
@@ -6216,7 +6256,7 @@
               </a:spcAft>
             </a:pPr>
             <a:r>
-              <a:rPr lang="en-US" sz="2600" kern="1200">
+              <a:rPr lang="en-US" sz="2600" kern="1200" dirty="0">
                 <a:solidFill>
                   <a:srgbClr val="FFFFFF"/>
                 </a:solidFill>
@@ -8661,6 +8701,60 @@
           <a:chExt cx="0" cy="0"/>
         </a:xfrm>
       </p:grpSpPr>
+      <p:sp>
+        <p:nvSpPr>
+          <p:cNvPr id="5" name="Rectangle 4">
+            <a:extLst>
+              <a:ext uri="{FF2B5EF4-FFF2-40B4-BE49-F238E27FC236}">
+                <a16:creationId xmlns:a16="http://schemas.microsoft.com/office/drawing/2014/main" id="{56AFF878-8A16-FB81-3CA2-022256BFC2F5}"/>
+              </a:ext>
+            </a:extLst>
+          </p:cNvPr>
+          <p:cNvSpPr>
+            <a:spLocks noGrp="1" noRot="1" noMove="1" noResize="1" noEditPoints="1" noAdjustHandles="1" noChangeArrowheads="1" noChangeShapeType="1"/>
+          </p:cNvSpPr>
+          <p:nvPr/>
+        </p:nvSpPr>
+        <p:spPr>
+          <a:xfrm>
+            <a:off x="2061204" y="635667"/>
+            <a:ext cx="10130796" cy="6246708"/>
+          </a:xfrm>
+          <a:prstGeom prst="rect">
+            <a:avLst/>
+          </a:prstGeom>
+          <a:solidFill>
+            <a:srgbClr val="F4EDE5"/>
+          </a:solidFill>
+          <a:ln>
+            <a:noFill/>
+          </a:ln>
+        </p:spPr>
+        <p:style>
+          <a:lnRef idx="2">
+            <a:schemeClr val="accent1">
+              <a:shade val="15000"/>
+            </a:schemeClr>
+          </a:lnRef>
+          <a:fillRef idx="1">
+            <a:schemeClr val="accent1"/>
+          </a:fillRef>
+          <a:effectRef idx="0">
+            <a:schemeClr val="accent1"/>
+          </a:effectRef>
+          <a:fontRef idx="minor">
+            <a:schemeClr val="lt1"/>
+          </a:fontRef>
+        </p:style>
+        <p:txBody>
+          <a:bodyPr rtlCol="0" anchor="ctr"/>
+          <a:lstStyle/>
+          <a:p>
+            <a:pPr algn="ctr"/>
+            <a:endParaRPr lang="en-US"/>
+          </a:p>
+        </p:txBody>
+      </p:sp>
       <p:grpSp>
         <p:nvGrpSpPr>
           <p:cNvPr id="11" name="Group 10">
@@ -10326,6 +10420,60 @@
           </p:txBody>
         </p:sp>
       </p:grpSp>
+      <p:sp>
+        <p:nvSpPr>
+          <p:cNvPr id="12" name="Rectangle 11">
+            <a:extLst>
+              <a:ext uri="{FF2B5EF4-FFF2-40B4-BE49-F238E27FC236}">
+                <a16:creationId xmlns:a16="http://schemas.microsoft.com/office/drawing/2014/main" id="{290EAA64-967E-816C-4A9F-45E69984C144}"/>
+              </a:ext>
+            </a:extLst>
+          </p:cNvPr>
+          <p:cNvSpPr/>
+          <p:nvPr/>
+        </p:nvSpPr>
+        <p:spPr>
+          <a:xfrm>
+            <a:off x="9258300" y="991490"/>
+            <a:ext cx="1505846" cy="493930"/>
+          </a:xfrm>
+          <a:prstGeom prst="rect">
+            <a:avLst/>
+          </a:prstGeom>
+          <a:solidFill>
+            <a:srgbClr val="9EABAE"/>
+          </a:solidFill>
+          <a:ln w="12700">
+            <a:solidFill>
+              <a:schemeClr val="tx1"/>
+            </a:solidFill>
+          </a:ln>
+        </p:spPr>
+        <p:style>
+          <a:lnRef idx="2">
+            <a:schemeClr val="accent1">
+              <a:shade val="15000"/>
+            </a:schemeClr>
+          </a:lnRef>
+          <a:fillRef idx="1">
+            <a:schemeClr val="accent1"/>
+          </a:fillRef>
+          <a:effectRef idx="0">
+            <a:schemeClr val="accent1"/>
+          </a:effectRef>
+          <a:fontRef idx="minor">
+            <a:schemeClr val="lt1"/>
+          </a:fontRef>
+        </p:style>
+        <p:txBody>
+          <a:bodyPr rtlCol="0" anchor="ctr"/>
+          <a:lstStyle/>
+          <a:p>
+            <a:pPr algn="ctr"/>
+            <a:endParaRPr lang="en-US"/>
+          </a:p>
+        </p:txBody>
+      </p:sp>
       <p:pic>
         <p:nvPicPr>
           <p:cNvPr id="53" name="Graphic 52" descr="Table with solid fill">
@@ -10341,13 +10489,13 @@
           <p:nvPr/>
         </p:nvPicPr>
         <p:blipFill>
-          <a:blip r:embed="rId2">
+          <a:blip r:embed="rId3">
             <a:extLst>
               <a:ext uri="{28A0092B-C50C-407E-A947-70E740481C1C}">
                 <a14:useLocalDpi xmlns:a14="http://schemas.microsoft.com/office/drawing/2010/main" val="0"/>
               </a:ext>
               <a:ext uri="{96DAC541-7B7A-43D3-8B79-37D633B846F1}">
-                <asvg:svgBlip xmlns:asvg="http://schemas.microsoft.com/office/drawing/2016/SVG/main" r:embed="rId3"/>
+                <asvg:svgBlip xmlns:asvg="http://schemas.microsoft.com/office/drawing/2016/SVG/main" r:embed="rId4"/>
               </a:ext>
             </a:extLst>
           </a:blip>
@@ -10357,7 +10505,7 @@
         </p:blipFill>
         <p:spPr>
           <a:xfrm>
-            <a:off x="9460130" y="991490"/>
+            <a:off x="9402967" y="991490"/>
             <a:ext cx="493930" cy="493930"/>
           </a:xfrm>
           <a:prstGeom prst="rect">
@@ -10380,13 +10528,13 @@
           <p:nvPr/>
         </p:nvPicPr>
         <p:blipFill>
-          <a:blip r:embed="rId4">
+          <a:blip r:embed="rId5">
             <a:extLst>
               <a:ext uri="{28A0092B-C50C-407E-A947-70E740481C1C}">
                 <a14:useLocalDpi xmlns:a14="http://schemas.microsoft.com/office/drawing/2010/main" val="0"/>
               </a:ext>
               <a:ext uri="{96DAC541-7B7A-43D3-8B79-37D633B846F1}">
-                <asvg:svgBlip xmlns:asvg="http://schemas.microsoft.com/office/drawing/2016/SVG/main" r:embed="rId5"/>
+                <asvg:svgBlip xmlns:asvg="http://schemas.microsoft.com/office/drawing/2016/SVG/main" r:embed="rId6"/>
               </a:ext>
             </a:extLst>
           </a:blip>
@@ -10404,6 +10552,2265 @@
           </a:prstGeom>
         </p:spPr>
       </p:pic>
+      <p:sp>
+        <p:nvSpPr>
+          <p:cNvPr id="6" name="Rectangle 5">
+            <a:extLst>
+              <a:ext uri="{FF2B5EF4-FFF2-40B4-BE49-F238E27FC236}">
+                <a16:creationId xmlns:a16="http://schemas.microsoft.com/office/drawing/2014/main" id="{88C4220B-6311-27F4-17C2-CB420F77C803}"/>
+              </a:ext>
+            </a:extLst>
+          </p:cNvPr>
+          <p:cNvSpPr>
+            <a:spLocks noGrp="1" noRot="1" noMove="1" noResize="1" noEditPoints="1" noAdjustHandles="1" noChangeArrowheads="1" noChangeShapeType="1"/>
+          </p:cNvSpPr>
+          <p:nvPr/>
+        </p:nvSpPr>
+        <p:spPr>
+          <a:xfrm>
+            <a:off x="0" y="573015"/>
+            <a:ext cx="2061204" cy="6309360"/>
+          </a:xfrm>
+          <a:prstGeom prst="rect">
+            <a:avLst/>
+          </a:prstGeom>
+          <a:solidFill>
+            <a:srgbClr val="0C234B"/>
+          </a:solidFill>
+          <a:ln>
+            <a:noFill/>
+          </a:ln>
+          <a:effectLst>
+            <a:outerShdw blurRad="50800" dist="38100" dir="18900000" algn="bl" rotWithShape="0">
+              <a:prstClr val="black">
+                <a:alpha val="40000"/>
+              </a:prstClr>
+            </a:outerShdw>
+          </a:effectLst>
+        </p:spPr>
+        <p:style>
+          <a:lnRef idx="2">
+            <a:schemeClr val="accent1">
+              <a:shade val="15000"/>
+            </a:schemeClr>
+          </a:lnRef>
+          <a:fillRef idx="1">
+            <a:schemeClr val="accent1"/>
+          </a:fillRef>
+          <a:effectRef idx="0">
+            <a:schemeClr val="accent1"/>
+          </a:effectRef>
+          <a:fontRef idx="minor">
+            <a:schemeClr val="lt1"/>
+          </a:fontRef>
+        </p:style>
+        <p:txBody>
+          <a:bodyPr rtlCol="0" anchor="ctr"/>
+          <a:lstStyle/>
+          <a:p>
+            <a:pPr algn="ctr"/>
+            <a:endParaRPr lang="en-US"/>
+          </a:p>
+        </p:txBody>
+      </p:sp>
+      <p:sp>
+        <p:nvSpPr>
+          <p:cNvPr id="7" name="Rectangle 6">
+            <a:extLst>
+              <a:ext uri="{FF2B5EF4-FFF2-40B4-BE49-F238E27FC236}">
+                <a16:creationId xmlns:a16="http://schemas.microsoft.com/office/drawing/2014/main" id="{973281D7-EA37-9427-7224-C4ACF56F79EF}"/>
+              </a:ext>
+            </a:extLst>
+          </p:cNvPr>
+          <p:cNvSpPr>
+            <a:spLocks noGrp="1" noRot="1" noMove="1" noResize="1" noEditPoints="1" noAdjustHandles="1" noChangeArrowheads="1" noChangeShapeType="1"/>
+          </p:cNvSpPr>
+          <p:nvPr/>
+        </p:nvSpPr>
+        <p:spPr>
+          <a:xfrm>
+            <a:off x="116202" y="742169"/>
+            <a:ext cx="1828800" cy="5971051"/>
+          </a:xfrm>
+          <a:prstGeom prst="rect">
+            <a:avLst/>
+          </a:prstGeom>
+          <a:solidFill>
+            <a:srgbClr val="AB0520"/>
+          </a:solidFill>
+          <a:effectLst>
+            <a:outerShdw blurRad="63500" sx="102000" sy="102000" algn="ctr" rotWithShape="0">
+              <a:prstClr val="black">
+                <a:alpha val="40000"/>
+              </a:prstClr>
+            </a:outerShdw>
+          </a:effectLst>
+        </p:spPr>
+        <p:style>
+          <a:lnRef idx="2">
+            <a:schemeClr val="accent1">
+              <a:shade val="15000"/>
+            </a:schemeClr>
+          </a:lnRef>
+          <a:fillRef idx="1">
+            <a:schemeClr val="accent1"/>
+          </a:fillRef>
+          <a:effectRef idx="0">
+            <a:schemeClr val="accent1"/>
+          </a:effectRef>
+          <a:fontRef idx="minor">
+            <a:schemeClr val="lt1"/>
+          </a:fontRef>
+        </p:style>
+        <p:txBody>
+          <a:bodyPr rtlCol="0" anchor="ctr"/>
+          <a:lstStyle/>
+          <a:p>
+            <a:pPr algn="ctr"/>
+            <a:endParaRPr lang="en-US"/>
+          </a:p>
+        </p:txBody>
+      </p:sp>
+      <p:sp>
+        <p:nvSpPr>
+          <p:cNvPr id="8" name="Rectangle 7">
+            <a:extLst>
+              <a:ext uri="{FF2B5EF4-FFF2-40B4-BE49-F238E27FC236}">
+                <a16:creationId xmlns:a16="http://schemas.microsoft.com/office/drawing/2014/main" id="{F408EA15-C68A-F5AF-28FE-8F7CB510FE91}"/>
+              </a:ext>
+            </a:extLst>
+          </p:cNvPr>
+          <p:cNvSpPr>
+            <a:spLocks noGrp="1" noRot="1" noMove="1" noResize="1" noEditPoints="1" noAdjustHandles="1" noChangeArrowheads="1" noChangeShapeType="1"/>
+          </p:cNvSpPr>
+          <p:nvPr/>
+        </p:nvSpPr>
+        <p:spPr>
+          <a:xfrm>
+            <a:off x="0" y="0"/>
+            <a:ext cx="12192000" cy="610416"/>
+          </a:xfrm>
+          <a:prstGeom prst="rect">
+            <a:avLst/>
+          </a:prstGeom>
+          <a:solidFill>
+            <a:srgbClr val="9EABAE"/>
+          </a:solidFill>
+          <a:ln>
+            <a:noFill/>
+          </a:ln>
+          <a:effectLst>
+            <a:outerShdw blurRad="50800" dist="38100" dir="2700000" algn="tl" rotWithShape="0">
+              <a:prstClr val="black">
+                <a:alpha val="40000"/>
+              </a:prstClr>
+            </a:outerShdw>
+          </a:effectLst>
+        </p:spPr>
+        <p:style>
+          <a:lnRef idx="2">
+            <a:schemeClr val="accent1">
+              <a:shade val="15000"/>
+            </a:schemeClr>
+          </a:lnRef>
+          <a:fillRef idx="1">
+            <a:schemeClr val="accent1"/>
+          </a:fillRef>
+          <a:effectRef idx="0">
+            <a:schemeClr val="accent1"/>
+          </a:effectRef>
+          <a:fontRef idx="minor">
+            <a:schemeClr val="lt1"/>
+          </a:fontRef>
+        </p:style>
+        <p:txBody>
+          <a:bodyPr rtlCol="0" anchor="ctr"/>
+          <a:lstStyle/>
+          <a:p>
+            <a:pPr algn="ctr"/>
+            <a:endParaRPr lang="en-US"/>
+          </a:p>
+        </p:txBody>
+      </p:sp>
+      <p:sp>
+        <p:nvSpPr>
+          <p:cNvPr id="9" name="Oval 8">
+            <a:extLst>
+              <a:ext uri="{FF2B5EF4-FFF2-40B4-BE49-F238E27FC236}">
+                <a16:creationId xmlns:a16="http://schemas.microsoft.com/office/drawing/2014/main" id="{85044166-FDD0-93AA-ECE7-8265896A7607}"/>
+              </a:ext>
+            </a:extLst>
+          </p:cNvPr>
+          <p:cNvSpPr/>
+          <p:nvPr/>
+        </p:nvSpPr>
+        <p:spPr>
+          <a:xfrm>
+            <a:off x="11329987" y="59268"/>
+            <a:ext cx="502920" cy="502920"/>
+          </a:xfrm>
+          <a:prstGeom prst="ellipse">
+            <a:avLst/>
+          </a:prstGeom>
+        </p:spPr>
+        <p:style>
+          <a:lnRef idx="2">
+            <a:schemeClr val="accent1">
+              <a:shade val="15000"/>
+            </a:schemeClr>
+          </a:lnRef>
+          <a:fillRef idx="1">
+            <a:schemeClr val="accent1"/>
+          </a:fillRef>
+          <a:effectRef idx="0">
+            <a:schemeClr val="accent1"/>
+          </a:effectRef>
+          <a:fontRef idx="minor">
+            <a:schemeClr val="lt1"/>
+          </a:fontRef>
+        </p:style>
+        <p:txBody>
+          <a:bodyPr rtlCol="0" anchor="ctr"/>
+          <a:lstStyle/>
+          <a:p>
+            <a:pPr algn="ctr"/>
+            <a:endParaRPr lang="en-US"/>
+          </a:p>
+        </p:txBody>
+      </p:sp>
+      <p:sp>
+        <p:nvSpPr>
+          <p:cNvPr id="10" name="TextBox 9">
+            <a:extLst>
+              <a:ext uri="{FF2B5EF4-FFF2-40B4-BE49-F238E27FC236}">
+                <a16:creationId xmlns:a16="http://schemas.microsoft.com/office/drawing/2014/main" id="{B61226EA-281F-936B-C814-C552B868043F}"/>
+              </a:ext>
+            </a:extLst>
+          </p:cNvPr>
+          <p:cNvSpPr txBox="1"/>
+          <p:nvPr/>
+        </p:nvSpPr>
+        <p:spPr>
+          <a:xfrm>
+            <a:off x="10044797" y="121543"/>
+            <a:ext cx="1285190" cy="369332"/>
+          </a:xfrm>
+          <a:prstGeom prst="rect">
+            <a:avLst/>
+          </a:prstGeom>
+          <a:noFill/>
+        </p:spPr>
+        <p:txBody>
+          <a:bodyPr wrap="square" rtlCol="0">
+            <a:spAutoFit/>
+          </a:bodyPr>
+          <a:lstStyle/>
+          <a:p>
+            <a:pPr algn="ctr"/>
+            <a:r>
+              <a:rPr lang="en-US" dirty="0"/>
+              <a:t>Username</a:t>
+            </a:r>
+          </a:p>
+        </p:txBody>
+      </p:sp>
+      <p:cxnSp>
+        <p:nvCxnSpPr>
+          <p:cNvPr id="14" name="Straight Connector 13">
+            <a:extLst>
+              <a:ext uri="{FF2B5EF4-FFF2-40B4-BE49-F238E27FC236}">
+                <a16:creationId xmlns:a16="http://schemas.microsoft.com/office/drawing/2014/main" id="{AC5DE34A-1A61-022F-83F1-DA02FE4E9CDF}"/>
+              </a:ext>
+            </a:extLst>
+          </p:cNvPr>
+          <p:cNvCxnSpPr>
+            <a:cxnSpLocks/>
+            <a:stCxn id="12" idx="0"/>
+            <a:endCxn id="12" idx="2"/>
+          </p:cNvCxnSpPr>
+          <p:nvPr/>
+        </p:nvCxnSpPr>
+        <p:spPr>
+          <a:xfrm>
+            <a:off x="10011223" y="991490"/>
+            <a:ext cx="0" cy="493930"/>
+          </a:xfrm>
+          <a:prstGeom prst="line">
+            <a:avLst/>
+          </a:prstGeom>
+          <a:ln w="38100"/>
+        </p:spPr>
+        <p:style>
+          <a:lnRef idx="1">
+            <a:schemeClr val="dk1"/>
+          </a:lnRef>
+          <a:fillRef idx="0">
+            <a:schemeClr val="dk1"/>
+          </a:fillRef>
+          <a:effectRef idx="0">
+            <a:schemeClr val="dk1"/>
+          </a:effectRef>
+          <a:fontRef idx="minor">
+            <a:schemeClr val="tx1"/>
+          </a:fontRef>
+        </p:style>
+      </p:cxnSp>
+      <p:sp>
+        <p:nvSpPr>
+          <p:cNvPr id="23" name="Rectangle 22">
+            <a:extLst>
+              <a:ext uri="{FF2B5EF4-FFF2-40B4-BE49-F238E27FC236}">
+                <a16:creationId xmlns:a16="http://schemas.microsoft.com/office/drawing/2014/main" id="{7903464C-0D80-A53C-DBEB-1BC6E2CCDFF9}"/>
+              </a:ext>
+            </a:extLst>
+          </p:cNvPr>
+          <p:cNvSpPr/>
+          <p:nvPr/>
+        </p:nvSpPr>
+        <p:spPr>
+          <a:xfrm>
+            <a:off x="11991977" y="656213"/>
+            <a:ext cx="200023" cy="6226162"/>
+          </a:xfrm>
+          <a:prstGeom prst="rect">
+            <a:avLst/>
+          </a:prstGeom>
+          <a:solidFill>
+            <a:schemeClr val="bg1">
+              <a:lumMod val="50000"/>
+            </a:schemeClr>
+          </a:solidFill>
+          <a:ln>
+            <a:noFill/>
+          </a:ln>
+        </p:spPr>
+        <p:style>
+          <a:lnRef idx="2">
+            <a:schemeClr val="accent1">
+              <a:shade val="15000"/>
+            </a:schemeClr>
+          </a:lnRef>
+          <a:fillRef idx="1">
+            <a:schemeClr val="accent1"/>
+          </a:fillRef>
+          <a:effectRef idx="0">
+            <a:schemeClr val="accent1"/>
+          </a:effectRef>
+          <a:fontRef idx="minor">
+            <a:schemeClr val="lt1"/>
+          </a:fontRef>
+        </p:style>
+        <p:txBody>
+          <a:bodyPr rtlCol="0" anchor="ctr"/>
+          <a:lstStyle/>
+          <a:p>
+            <a:pPr algn="ctr"/>
+            <a:endParaRPr lang="en-US"/>
+          </a:p>
+        </p:txBody>
+      </p:sp>
+      <p:sp>
+        <p:nvSpPr>
+          <p:cNvPr id="52" name="Rectangle 51">
+            <a:extLst>
+              <a:ext uri="{FF2B5EF4-FFF2-40B4-BE49-F238E27FC236}">
+                <a16:creationId xmlns:a16="http://schemas.microsoft.com/office/drawing/2014/main" id="{54E2C8EB-CDB9-1789-A54D-40E7D8D81913}"/>
+              </a:ext>
+            </a:extLst>
+          </p:cNvPr>
+          <p:cNvSpPr/>
+          <p:nvPr/>
+        </p:nvSpPr>
+        <p:spPr>
+          <a:xfrm>
+            <a:off x="11991978" y="1220832"/>
+            <a:ext cx="200022" cy="2027675"/>
+          </a:xfrm>
+          <a:prstGeom prst="rect">
+            <a:avLst/>
+          </a:prstGeom>
+          <a:solidFill>
+            <a:schemeClr val="bg1">
+              <a:lumMod val="75000"/>
+            </a:schemeClr>
+          </a:solidFill>
+          <a:ln>
+            <a:noFill/>
+          </a:ln>
+        </p:spPr>
+        <p:style>
+          <a:lnRef idx="2">
+            <a:schemeClr val="accent1">
+              <a:shade val="15000"/>
+            </a:schemeClr>
+          </a:lnRef>
+          <a:fillRef idx="1">
+            <a:schemeClr val="accent1"/>
+          </a:fillRef>
+          <a:effectRef idx="0">
+            <a:schemeClr val="accent1"/>
+          </a:effectRef>
+          <a:fontRef idx="minor">
+            <a:schemeClr val="lt1"/>
+          </a:fontRef>
+        </p:style>
+        <p:txBody>
+          <a:bodyPr rtlCol="0" anchor="ctr"/>
+          <a:lstStyle/>
+          <a:p>
+            <a:pPr algn="ctr"/>
+            <a:endParaRPr lang="en-US"/>
+          </a:p>
+        </p:txBody>
+      </p:sp>
+      <p:grpSp>
+        <p:nvGrpSpPr>
+          <p:cNvPr id="57" name="Group 56">
+            <a:extLst>
+              <a:ext uri="{FF2B5EF4-FFF2-40B4-BE49-F238E27FC236}">
+                <a16:creationId xmlns:a16="http://schemas.microsoft.com/office/drawing/2014/main" id="{F9D78735-FE5D-383A-5BE0-6CC40ABA5360}"/>
+              </a:ext>
+            </a:extLst>
+          </p:cNvPr>
+          <p:cNvGrpSpPr/>
+          <p:nvPr/>
+        </p:nvGrpSpPr>
+        <p:grpSpPr>
+          <a:xfrm>
+            <a:off x="11994463" y="610416"/>
+            <a:ext cx="197537" cy="225276"/>
+            <a:chOff x="2862612" y="1773144"/>
+            <a:chExt cx="197537" cy="225276"/>
+          </a:xfrm>
+        </p:grpSpPr>
+        <p:sp>
+          <p:nvSpPr>
+            <p:cNvPr id="54" name="Rectangle 53">
+              <a:extLst>
+                <a:ext uri="{FF2B5EF4-FFF2-40B4-BE49-F238E27FC236}">
+                  <a16:creationId xmlns:a16="http://schemas.microsoft.com/office/drawing/2014/main" id="{4CB062A1-72CE-9BF4-3086-84D7AB217525}"/>
+                </a:ext>
+              </a:extLst>
+            </p:cNvPr>
+            <p:cNvSpPr/>
+            <p:nvPr/>
+          </p:nvSpPr>
+          <p:spPr>
+            <a:xfrm>
+              <a:off x="2862612" y="1773144"/>
+              <a:ext cx="197537" cy="225276"/>
+            </a:xfrm>
+            <a:prstGeom prst="rect">
+              <a:avLst/>
+            </a:prstGeom>
+            <a:solidFill>
+              <a:schemeClr val="bg1">
+                <a:lumMod val="50000"/>
+              </a:schemeClr>
+            </a:solidFill>
+            <a:ln>
+              <a:solidFill>
+                <a:schemeClr val="tx1"/>
+              </a:solidFill>
+            </a:ln>
+          </p:spPr>
+          <p:style>
+            <a:lnRef idx="2">
+              <a:schemeClr val="accent1">
+                <a:shade val="15000"/>
+              </a:schemeClr>
+            </a:lnRef>
+            <a:fillRef idx="1">
+              <a:schemeClr val="accent1"/>
+            </a:fillRef>
+            <a:effectRef idx="0">
+              <a:schemeClr val="accent1"/>
+            </a:effectRef>
+            <a:fontRef idx="minor">
+              <a:schemeClr val="lt1"/>
+            </a:fontRef>
+          </p:style>
+          <p:txBody>
+            <a:bodyPr rtlCol="0" anchor="ctr"/>
+            <a:lstStyle/>
+            <a:p>
+              <a:pPr algn="ctr"/>
+              <a:endParaRPr lang="en-US"/>
+            </a:p>
+          </p:txBody>
+        </p:sp>
+        <p:sp>
+          <p:nvSpPr>
+            <p:cNvPr id="56" name="Arrow: Right 55">
+              <a:extLst>
+                <a:ext uri="{FF2B5EF4-FFF2-40B4-BE49-F238E27FC236}">
+                  <a16:creationId xmlns:a16="http://schemas.microsoft.com/office/drawing/2014/main" id="{8C29BD31-8CF5-3728-D5D4-9DA1905109CA}"/>
+                </a:ext>
+              </a:extLst>
+            </p:cNvPr>
+            <p:cNvSpPr/>
+            <p:nvPr/>
+          </p:nvSpPr>
+          <p:spPr>
+            <a:xfrm rot="16200000">
+              <a:off x="2891169" y="1824036"/>
+              <a:ext cx="133682" cy="123493"/>
+            </a:xfrm>
+            <a:prstGeom prst="rightArrow">
+              <a:avLst/>
+            </a:prstGeom>
+            <a:solidFill>
+              <a:schemeClr val="bg1">
+                <a:lumMod val="50000"/>
+              </a:schemeClr>
+            </a:solidFill>
+            <a:ln w="19050">
+              <a:solidFill>
+                <a:schemeClr val="tx1"/>
+              </a:solidFill>
+            </a:ln>
+          </p:spPr>
+          <p:style>
+            <a:lnRef idx="2">
+              <a:schemeClr val="accent1">
+                <a:shade val="15000"/>
+              </a:schemeClr>
+            </a:lnRef>
+            <a:fillRef idx="1">
+              <a:schemeClr val="accent1"/>
+            </a:fillRef>
+            <a:effectRef idx="0">
+              <a:schemeClr val="accent1"/>
+            </a:effectRef>
+            <a:fontRef idx="minor">
+              <a:schemeClr val="lt1"/>
+            </a:fontRef>
+          </p:style>
+          <p:txBody>
+            <a:bodyPr rtlCol="0" anchor="ctr"/>
+            <a:lstStyle/>
+            <a:p>
+              <a:pPr algn="ctr"/>
+              <a:endParaRPr lang="en-US"/>
+            </a:p>
+          </p:txBody>
+        </p:sp>
+      </p:grpSp>
+      <p:grpSp>
+        <p:nvGrpSpPr>
+          <p:cNvPr id="58" name="Group 57">
+            <a:extLst>
+              <a:ext uri="{FF2B5EF4-FFF2-40B4-BE49-F238E27FC236}">
+                <a16:creationId xmlns:a16="http://schemas.microsoft.com/office/drawing/2014/main" id="{3671ED0B-A4E6-3F4C-8149-4F59D3F1B5E9}"/>
+              </a:ext>
+            </a:extLst>
+          </p:cNvPr>
+          <p:cNvGrpSpPr/>
+          <p:nvPr/>
+        </p:nvGrpSpPr>
+        <p:grpSpPr>
+          <a:xfrm rot="10800000">
+            <a:off x="11994463" y="6657099"/>
+            <a:ext cx="197537" cy="225276"/>
+            <a:chOff x="2862612" y="1773144"/>
+            <a:chExt cx="197537" cy="225276"/>
+          </a:xfrm>
+        </p:grpSpPr>
+        <p:sp>
+          <p:nvSpPr>
+            <p:cNvPr id="59" name="Rectangle 58">
+              <a:extLst>
+                <a:ext uri="{FF2B5EF4-FFF2-40B4-BE49-F238E27FC236}">
+                  <a16:creationId xmlns:a16="http://schemas.microsoft.com/office/drawing/2014/main" id="{BD47F4B1-6A44-6E2D-4A49-F59CEBD4E682}"/>
+                </a:ext>
+              </a:extLst>
+            </p:cNvPr>
+            <p:cNvSpPr/>
+            <p:nvPr/>
+          </p:nvSpPr>
+          <p:spPr>
+            <a:xfrm>
+              <a:off x="2862612" y="1773144"/>
+              <a:ext cx="197537" cy="225276"/>
+            </a:xfrm>
+            <a:prstGeom prst="rect">
+              <a:avLst/>
+            </a:prstGeom>
+            <a:solidFill>
+              <a:schemeClr val="bg1">
+                <a:lumMod val="50000"/>
+              </a:schemeClr>
+            </a:solidFill>
+            <a:ln>
+              <a:solidFill>
+                <a:schemeClr val="tx1"/>
+              </a:solidFill>
+            </a:ln>
+          </p:spPr>
+          <p:style>
+            <a:lnRef idx="2">
+              <a:schemeClr val="accent1">
+                <a:shade val="15000"/>
+              </a:schemeClr>
+            </a:lnRef>
+            <a:fillRef idx="1">
+              <a:schemeClr val="accent1"/>
+            </a:fillRef>
+            <a:effectRef idx="0">
+              <a:schemeClr val="accent1"/>
+            </a:effectRef>
+            <a:fontRef idx="minor">
+              <a:schemeClr val="lt1"/>
+            </a:fontRef>
+          </p:style>
+          <p:txBody>
+            <a:bodyPr rtlCol="0" anchor="ctr"/>
+            <a:lstStyle/>
+            <a:p>
+              <a:pPr algn="ctr"/>
+              <a:endParaRPr lang="en-US"/>
+            </a:p>
+          </p:txBody>
+        </p:sp>
+        <p:sp>
+          <p:nvSpPr>
+            <p:cNvPr id="60" name="Arrow: Right 59">
+              <a:extLst>
+                <a:ext uri="{FF2B5EF4-FFF2-40B4-BE49-F238E27FC236}">
+                  <a16:creationId xmlns:a16="http://schemas.microsoft.com/office/drawing/2014/main" id="{508E2F9A-900D-F01F-1A9C-87203D45AFEE}"/>
+                </a:ext>
+              </a:extLst>
+            </p:cNvPr>
+            <p:cNvSpPr/>
+            <p:nvPr/>
+          </p:nvSpPr>
+          <p:spPr>
+            <a:xfrm rot="16200000">
+              <a:off x="2891169" y="1824036"/>
+              <a:ext cx="133682" cy="123493"/>
+            </a:xfrm>
+            <a:prstGeom prst="rightArrow">
+              <a:avLst/>
+            </a:prstGeom>
+            <a:solidFill>
+              <a:schemeClr val="bg1">
+                <a:lumMod val="50000"/>
+              </a:schemeClr>
+            </a:solidFill>
+            <a:ln w="19050">
+              <a:solidFill>
+                <a:schemeClr val="tx1"/>
+              </a:solidFill>
+            </a:ln>
+          </p:spPr>
+          <p:style>
+            <a:lnRef idx="2">
+              <a:schemeClr val="accent1">
+                <a:shade val="15000"/>
+              </a:schemeClr>
+            </a:lnRef>
+            <a:fillRef idx="1">
+              <a:schemeClr val="accent1"/>
+            </a:fillRef>
+            <a:effectRef idx="0">
+              <a:schemeClr val="accent1"/>
+            </a:effectRef>
+            <a:fontRef idx="minor">
+              <a:schemeClr val="lt1"/>
+            </a:fontRef>
+          </p:style>
+          <p:txBody>
+            <a:bodyPr rtlCol="0" anchor="ctr"/>
+            <a:lstStyle/>
+            <a:p>
+              <a:pPr algn="ctr"/>
+              <a:endParaRPr lang="en-US"/>
+            </a:p>
+          </p:txBody>
+        </p:sp>
+      </p:grpSp>
+      <p:grpSp>
+        <p:nvGrpSpPr>
+          <p:cNvPr id="65" name="Group 64">
+            <a:extLst>
+              <a:ext uri="{FF2B5EF4-FFF2-40B4-BE49-F238E27FC236}">
+                <a16:creationId xmlns:a16="http://schemas.microsoft.com/office/drawing/2014/main" id="{B2DA1760-1232-993E-D85A-EB6055CC15DE}"/>
+              </a:ext>
+            </a:extLst>
+          </p:cNvPr>
+          <p:cNvGrpSpPr/>
+          <p:nvPr/>
+        </p:nvGrpSpPr>
+        <p:grpSpPr>
+          <a:xfrm>
+            <a:off x="88971" y="1183431"/>
+            <a:ext cx="1766550" cy="369332"/>
+            <a:chOff x="2272751" y="832169"/>
+            <a:chExt cx="1766550" cy="369332"/>
+          </a:xfrm>
+        </p:grpSpPr>
+        <p:sp>
+          <p:nvSpPr>
+            <p:cNvPr id="61" name="TextBox 60">
+              <a:extLst>
+                <a:ext uri="{FF2B5EF4-FFF2-40B4-BE49-F238E27FC236}">
+                  <a16:creationId xmlns:a16="http://schemas.microsoft.com/office/drawing/2014/main" id="{6A508007-7846-D104-8EAA-B3E24ED0B01D}"/>
+                </a:ext>
+              </a:extLst>
+            </p:cNvPr>
+            <p:cNvSpPr txBox="1"/>
+            <p:nvPr/>
+          </p:nvSpPr>
+          <p:spPr>
+            <a:xfrm>
+              <a:off x="2272751" y="832169"/>
+              <a:ext cx="1530854" cy="369332"/>
+            </a:xfrm>
+            <a:prstGeom prst="rect">
+              <a:avLst/>
+            </a:prstGeom>
+            <a:noFill/>
+          </p:spPr>
+          <p:txBody>
+            <a:bodyPr wrap="square" rtlCol="0">
+              <a:spAutoFit/>
+            </a:bodyPr>
+            <a:lstStyle/>
+            <a:p>
+              <a:r>
+                <a:rPr lang="en-US" b="1" dirty="0">
+                  <a:latin typeface="Arial" panose="020B0604020202020204" pitchFamily="34" charset="0"/>
+                  <a:cs typeface="Arial" panose="020B0604020202020204" pitchFamily="34" charset="0"/>
+                </a:rPr>
+                <a:t>New Project</a:t>
+              </a:r>
+            </a:p>
+          </p:txBody>
+        </p:sp>
+        <p:sp>
+          <p:nvSpPr>
+            <p:cNvPr id="64" name="Oval 63">
+              <a:extLst>
+                <a:ext uri="{FF2B5EF4-FFF2-40B4-BE49-F238E27FC236}">
+                  <a16:creationId xmlns:a16="http://schemas.microsoft.com/office/drawing/2014/main" id="{8BD9DB1F-8890-0212-5407-DE21974B45DB}"/>
+                </a:ext>
+              </a:extLst>
+            </p:cNvPr>
+            <p:cNvSpPr/>
+            <p:nvPr/>
+          </p:nvSpPr>
+          <p:spPr>
+            <a:xfrm>
+              <a:off x="3717007" y="889574"/>
+              <a:ext cx="322294" cy="267109"/>
+            </a:xfrm>
+            <a:prstGeom prst="ellipse">
+              <a:avLst/>
+            </a:prstGeom>
+            <a:solidFill>
+              <a:srgbClr val="F4EDE5"/>
+            </a:solidFill>
+            <a:ln>
+              <a:noFill/>
+            </a:ln>
+          </p:spPr>
+          <p:style>
+            <a:lnRef idx="2">
+              <a:schemeClr val="accent1">
+                <a:shade val="15000"/>
+              </a:schemeClr>
+            </a:lnRef>
+            <a:fillRef idx="1">
+              <a:schemeClr val="accent1"/>
+            </a:fillRef>
+            <a:effectRef idx="0">
+              <a:schemeClr val="accent1"/>
+            </a:effectRef>
+            <a:fontRef idx="minor">
+              <a:schemeClr val="lt1"/>
+            </a:fontRef>
+          </p:style>
+          <p:txBody>
+            <a:bodyPr rtlCol="0" anchor="ctr"/>
+            <a:lstStyle/>
+            <a:p>
+              <a:pPr algn="ctr"/>
+              <a:endParaRPr lang="en-US"/>
+            </a:p>
+          </p:txBody>
+        </p:sp>
+        <p:sp>
+          <p:nvSpPr>
+            <p:cNvPr id="63" name="Plus Sign 62">
+              <a:extLst>
+                <a:ext uri="{FF2B5EF4-FFF2-40B4-BE49-F238E27FC236}">
+                  <a16:creationId xmlns:a16="http://schemas.microsoft.com/office/drawing/2014/main" id="{E3B14ECB-B434-F17F-5FA2-E7F53D3F9890}"/>
+                </a:ext>
+              </a:extLst>
+            </p:cNvPr>
+            <p:cNvSpPr/>
+            <p:nvPr/>
+          </p:nvSpPr>
+          <p:spPr>
+            <a:xfrm>
+              <a:off x="3740042" y="887193"/>
+              <a:ext cx="276225" cy="269490"/>
+            </a:xfrm>
+            <a:prstGeom prst="mathPlus">
+              <a:avLst/>
+            </a:prstGeom>
+            <a:solidFill>
+              <a:schemeClr val="tx1"/>
+            </a:solidFill>
+            <a:ln>
+              <a:noFill/>
+            </a:ln>
+          </p:spPr>
+          <p:style>
+            <a:lnRef idx="2">
+              <a:schemeClr val="accent1">
+                <a:shade val="15000"/>
+              </a:schemeClr>
+            </a:lnRef>
+            <a:fillRef idx="1">
+              <a:schemeClr val="accent1"/>
+            </a:fillRef>
+            <a:effectRef idx="0">
+              <a:schemeClr val="accent1"/>
+            </a:effectRef>
+            <a:fontRef idx="minor">
+              <a:schemeClr val="lt1"/>
+            </a:fontRef>
+          </p:style>
+          <p:txBody>
+            <a:bodyPr rtlCol="0" anchor="ctr"/>
+            <a:lstStyle/>
+            <a:p>
+              <a:pPr algn="ctr"/>
+              <a:endParaRPr lang="en-US" dirty="0"/>
+            </a:p>
+          </p:txBody>
+        </p:sp>
+      </p:grpSp>
+      <p:sp>
+        <p:nvSpPr>
+          <p:cNvPr id="66" name="TextBox 65">
+            <a:extLst>
+              <a:ext uri="{FF2B5EF4-FFF2-40B4-BE49-F238E27FC236}">
+                <a16:creationId xmlns:a16="http://schemas.microsoft.com/office/drawing/2014/main" id="{A0C68395-DA4E-EB49-4BAE-DCC93C2FD74A}"/>
+              </a:ext>
+            </a:extLst>
+          </p:cNvPr>
+          <p:cNvSpPr txBox="1"/>
+          <p:nvPr/>
+        </p:nvSpPr>
+        <p:spPr>
+          <a:xfrm>
+            <a:off x="102571" y="1604463"/>
+            <a:ext cx="1641987" cy="276999"/>
+          </a:xfrm>
+          <a:prstGeom prst="rect">
+            <a:avLst/>
+          </a:prstGeom>
+          <a:noFill/>
+        </p:spPr>
+        <p:txBody>
+          <a:bodyPr wrap="square" rtlCol="0">
+            <a:spAutoFit/>
+          </a:bodyPr>
+          <a:lstStyle/>
+          <a:p>
+            <a:r>
+              <a:rPr lang="en-US" sz="1200" dirty="0">
+                <a:latin typeface="Arial" panose="020B0604020202020204" pitchFamily="34" charset="0"/>
+                <a:cs typeface="Arial" panose="020B0604020202020204" pitchFamily="34" charset="0"/>
+              </a:rPr>
+              <a:t>Software Engineering</a:t>
+            </a:r>
+          </a:p>
+        </p:txBody>
+      </p:sp>
+      <p:sp>
+        <p:nvSpPr>
+          <p:cNvPr id="67" name="Oval 66">
+            <a:extLst>
+              <a:ext uri="{FF2B5EF4-FFF2-40B4-BE49-F238E27FC236}">
+                <a16:creationId xmlns:a16="http://schemas.microsoft.com/office/drawing/2014/main" id="{8492EC9B-ABEB-2D1A-E8A2-F7629FB83910}"/>
+              </a:ext>
+            </a:extLst>
+          </p:cNvPr>
+          <p:cNvSpPr/>
+          <p:nvPr/>
+        </p:nvSpPr>
+        <p:spPr>
+          <a:xfrm>
+            <a:off x="354657" y="1920319"/>
+            <a:ext cx="89350" cy="91440"/>
+          </a:xfrm>
+          <a:prstGeom prst="ellipse">
+            <a:avLst/>
+          </a:prstGeom>
+          <a:solidFill>
+            <a:schemeClr val="tx1"/>
+          </a:solidFill>
+          <a:ln>
+            <a:noFill/>
+          </a:ln>
+        </p:spPr>
+        <p:style>
+          <a:lnRef idx="2">
+            <a:schemeClr val="accent1">
+              <a:shade val="15000"/>
+            </a:schemeClr>
+          </a:lnRef>
+          <a:fillRef idx="1">
+            <a:schemeClr val="accent1"/>
+          </a:fillRef>
+          <a:effectRef idx="0">
+            <a:schemeClr val="accent1"/>
+          </a:effectRef>
+          <a:fontRef idx="minor">
+            <a:schemeClr val="lt1"/>
+          </a:fontRef>
+        </p:style>
+        <p:txBody>
+          <a:bodyPr rtlCol="0" anchor="ctr"/>
+          <a:lstStyle/>
+          <a:p>
+            <a:pPr algn="ctr"/>
+            <a:endParaRPr lang="en-US"/>
+          </a:p>
+        </p:txBody>
+      </p:sp>
+      <p:sp>
+        <p:nvSpPr>
+          <p:cNvPr id="68" name="TextBox 67">
+            <a:extLst>
+              <a:ext uri="{FF2B5EF4-FFF2-40B4-BE49-F238E27FC236}">
+                <a16:creationId xmlns:a16="http://schemas.microsoft.com/office/drawing/2014/main" id="{15CC5C3A-290A-D5D8-6D1C-7878B2E329C3}"/>
+              </a:ext>
+            </a:extLst>
+          </p:cNvPr>
+          <p:cNvSpPr txBox="1"/>
+          <p:nvPr/>
+        </p:nvSpPr>
+        <p:spPr>
+          <a:xfrm>
+            <a:off x="438968" y="1835235"/>
+            <a:ext cx="1056124" cy="261610"/>
+          </a:xfrm>
+          <a:prstGeom prst="rect">
+            <a:avLst/>
+          </a:prstGeom>
+          <a:noFill/>
+        </p:spPr>
+        <p:txBody>
+          <a:bodyPr wrap="square" rtlCol="0">
+            <a:spAutoFit/>
+          </a:bodyPr>
+          <a:lstStyle/>
+          <a:p>
+            <a:r>
+              <a:rPr lang="en-US" sz="1050" dirty="0">
+                <a:latin typeface="Arial" panose="020B0604020202020204" pitchFamily="34" charset="0"/>
+                <a:cs typeface="Arial" panose="020B0604020202020204" pitchFamily="34" charset="0"/>
+              </a:rPr>
+              <a:t>UML Diagram</a:t>
+            </a:r>
+          </a:p>
+        </p:txBody>
+      </p:sp>
+      <p:sp>
+        <p:nvSpPr>
+          <p:cNvPr id="72" name="TextBox 71">
+            <a:extLst>
+              <a:ext uri="{FF2B5EF4-FFF2-40B4-BE49-F238E27FC236}">
+                <a16:creationId xmlns:a16="http://schemas.microsoft.com/office/drawing/2014/main" id="{233674F2-1ECA-0477-F176-CD0C859E2555}"/>
+              </a:ext>
+            </a:extLst>
+          </p:cNvPr>
+          <p:cNvSpPr txBox="1"/>
+          <p:nvPr/>
+        </p:nvSpPr>
+        <p:spPr>
+          <a:xfrm>
+            <a:off x="94515" y="2112234"/>
+            <a:ext cx="1641987" cy="276999"/>
+          </a:xfrm>
+          <a:prstGeom prst="rect">
+            <a:avLst/>
+          </a:prstGeom>
+          <a:noFill/>
+        </p:spPr>
+        <p:txBody>
+          <a:bodyPr wrap="square" rtlCol="0">
+            <a:spAutoFit/>
+          </a:bodyPr>
+          <a:lstStyle/>
+          <a:p>
+            <a:r>
+              <a:rPr lang="en-US" sz="1200" dirty="0">
+                <a:latin typeface="Arial" panose="020B0604020202020204" pitchFamily="34" charset="0"/>
+                <a:cs typeface="Arial" panose="020B0604020202020204" pitchFamily="34" charset="0"/>
+              </a:rPr>
+              <a:t>Cyber Security</a:t>
+            </a:r>
+          </a:p>
+        </p:txBody>
+      </p:sp>
+      <p:sp>
+        <p:nvSpPr>
+          <p:cNvPr id="73" name="Oval 72">
+            <a:extLst>
+              <a:ext uri="{FF2B5EF4-FFF2-40B4-BE49-F238E27FC236}">
+                <a16:creationId xmlns:a16="http://schemas.microsoft.com/office/drawing/2014/main" id="{60557BBC-7190-2ED2-76E4-E0E3E894C534}"/>
+              </a:ext>
+            </a:extLst>
+          </p:cNvPr>
+          <p:cNvSpPr/>
+          <p:nvPr/>
+        </p:nvSpPr>
+        <p:spPr>
+          <a:xfrm>
+            <a:off x="346601" y="2428090"/>
+            <a:ext cx="89350" cy="91440"/>
+          </a:xfrm>
+          <a:prstGeom prst="ellipse">
+            <a:avLst/>
+          </a:prstGeom>
+          <a:solidFill>
+            <a:schemeClr val="tx1"/>
+          </a:solidFill>
+          <a:ln>
+            <a:noFill/>
+          </a:ln>
+        </p:spPr>
+        <p:style>
+          <a:lnRef idx="2">
+            <a:schemeClr val="accent1">
+              <a:shade val="15000"/>
+            </a:schemeClr>
+          </a:lnRef>
+          <a:fillRef idx="1">
+            <a:schemeClr val="accent1"/>
+          </a:fillRef>
+          <a:effectRef idx="0">
+            <a:schemeClr val="accent1"/>
+          </a:effectRef>
+          <a:fontRef idx="minor">
+            <a:schemeClr val="lt1"/>
+          </a:fontRef>
+        </p:style>
+        <p:txBody>
+          <a:bodyPr rtlCol="0" anchor="ctr"/>
+          <a:lstStyle/>
+          <a:p>
+            <a:pPr algn="ctr"/>
+            <a:endParaRPr lang="en-US"/>
+          </a:p>
+        </p:txBody>
+      </p:sp>
+      <p:sp>
+        <p:nvSpPr>
+          <p:cNvPr id="74" name="TextBox 73">
+            <a:extLst>
+              <a:ext uri="{FF2B5EF4-FFF2-40B4-BE49-F238E27FC236}">
+                <a16:creationId xmlns:a16="http://schemas.microsoft.com/office/drawing/2014/main" id="{498AED97-F6BE-046B-2369-2D40C746E06C}"/>
+              </a:ext>
+            </a:extLst>
+          </p:cNvPr>
+          <p:cNvSpPr txBox="1"/>
+          <p:nvPr/>
+        </p:nvSpPr>
+        <p:spPr>
+          <a:xfrm>
+            <a:off x="430911" y="2343006"/>
+            <a:ext cx="1897117" cy="415498"/>
+          </a:xfrm>
+          <a:prstGeom prst="rect">
+            <a:avLst/>
+          </a:prstGeom>
+          <a:noFill/>
+        </p:spPr>
+        <p:txBody>
+          <a:bodyPr wrap="square" rtlCol="0">
+            <a:spAutoFit/>
+          </a:bodyPr>
+          <a:lstStyle/>
+          <a:p>
+            <a:r>
+              <a:rPr lang="en-US" sz="1050" dirty="0">
+                <a:latin typeface="Arial" panose="020B0604020202020204" pitchFamily="34" charset="0"/>
+                <a:cs typeface="Arial" panose="020B0604020202020204" pitchFamily="34" charset="0"/>
+              </a:rPr>
+              <a:t>Network Topology </a:t>
+            </a:r>
+          </a:p>
+          <a:p>
+            <a:r>
+              <a:rPr lang="en-US" sz="1050" dirty="0">
+                <a:latin typeface="Arial" panose="020B0604020202020204" pitchFamily="34" charset="0"/>
+                <a:cs typeface="Arial" panose="020B0604020202020204" pitchFamily="34" charset="0"/>
+              </a:rPr>
+              <a:t>Diagram</a:t>
+            </a:r>
+          </a:p>
+        </p:txBody>
+      </p:sp>
+      <p:sp>
+        <p:nvSpPr>
+          <p:cNvPr id="78" name="TextBox 77">
+            <a:extLst>
+              <a:ext uri="{FF2B5EF4-FFF2-40B4-BE49-F238E27FC236}">
+                <a16:creationId xmlns:a16="http://schemas.microsoft.com/office/drawing/2014/main" id="{10A695D4-81CA-ECEA-F584-FD18DE66FC45}"/>
+              </a:ext>
+            </a:extLst>
+          </p:cNvPr>
+          <p:cNvSpPr txBox="1"/>
+          <p:nvPr/>
+        </p:nvSpPr>
+        <p:spPr>
+          <a:xfrm>
+            <a:off x="103939" y="2756606"/>
+            <a:ext cx="1641987" cy="276999"/>
+          </a:xfrm>
+          <a:prstGeom prst="rect">
+            <a:avLst/>
+          </a:prstGeom>
+          <a:noFill/>
+        </p:spPr>
+        <p:txBody>
+          <a:bodyPr wrap="square" rtlCol="0">
+            <a:spAutoFit/>
+          </a:bodyPr>
+          <a:lstStyle/>
+          <a:p>
+            <a:r>
+              <a:rPr lang="en-US" sz="1200" dirty="0">
+                <a:latin typeface="Arial" panose="020B0604020202020204" pitchFamily="34" charset="0"/>
+                <a:cs typeface="Arial" panose="020B0604020202020204" pitchFamily="34" charset="0"/>
+              </a:rPr>
+              <a:t>Web Development</a:t>
+            </a:r>
+          </a:p>
+        </p:txBody>
+      </p:sp>
+      <p:sp>
+        <p:nvSpPr>
+          <p:cNvPr id="79" name="Oval 78">
+            <a:extLst>
+              <a:ext uri="{FF2B5EF4-FFF2-40B4-BE49-F238E27FC236}">
+                <a16:creationId xmlns:a16="http://schemas.microsoft.com/office/drawing/2014/main" id="{A7E6574F-8BE9-E159-3D84-6AC01F9241F3}"/>
+              </a:ext>
+            </a:extLst>
+          </p:cNvPr>
+          <p:cNvSpPr/>
+          <p:nvPr/>
+        </p:nvSpPr>
+        <p:spPr>
+          <a:xfrm>
+            <a:off x="356025" y="3072462"/>
+            <a:ext cx="89350" cy="91440"/>
+          </a:xfrm>
+          <a:prstGeom prst="ellipse">
+            <a:avLst/>
+          </a:prstGeom>
+          <a:solidFill>
+            <a:schemeClr val="tx1"/>
+          </a:solidFill>
+          <a:ln>
+            <a:noFill/>
+          </a:ln>
+        </p:spPr>
+        <p:style>
+          <a:lnRef idx="2">
+            <a:schemeClr val="accent1">
+              <a:shade val="15000"/>
+            </a:schemeClr>
+          </a:lnRef>
+          <a:fillRef idx="1">
+            <a:schemeClr val="accent1"/>
+          </a:fillRef>
+          <a:effectRef idx="0">
+            <a:schemeClr val="accent1"/>
+          </a:effectRef>
+          <a:fontRef idx="minor">
+            <a:schemeClr val="lt1"/>
+          </a:fontRef>
+        </p:style>
+        <p:txBody>
+          <a:bodyPr rtlCol="0" anchor="ctr"/>
+          <a:lstStyle/>
+          <a:p>
+            <a:pPr algn="ctr"/>
+            <a:endParaRPr lang="en-US"/>
+          </a:p>
+        </p:txBody>
+      </p:sp>
+      <p:sp>
+        <p:nvSpPr>
+          <p:cNvPr id="80" name="TextBox 79">
+            <a:extLst>
+              <a:ext uri="{FF2B5EF4-FFF2-40B4-BE49-F238E27FC236}">
+                <a16:creationId xmlns:a16="http://schemas.microsoft.com/office/drawing/2014/main" id="{A7CB2892-F2A3-12D3-92B5-5ADF0496A944}"/>
+              </a:ext>
+            </a:extLst>
+          </p:cNvPr>
+          <p:cNvSpPr txBox="1"/>
+          <p:nvPr/>
+        </p:nvSpPr>
+        <p:spPr>
+          <a:xfrm>
+            <a:off x="440335" y="2987378"/>
+            <a:ext cx="1350121" cy="253916"/>
+          </a:xfrm>
+          <a:prstGeom prst="rect">
+            <a:avLst/>
+          </a:prstGeom>
+          <a:noFill/>
+        </p:spPr>
+        <p:txBody>
+          <a:bodyPr wrap="square" rtlCol="0">
+            <a:spAutoFit/>
+          </a:bodyPr>
+          <a:lstStyle/>
+          <a:p>
+            <a:r>
+              <a:rPr lang="en-US" sz="1050" dirty="0">
+                <a:latin typeface="Arial" panose="020B0604020202020204" pitchFamily="34" charset="0"/>
+                <a:cs typeface="Arial" panose="020B0604020202020204" pitchFamily="34" charset="0"/>
+              </a:rPr>
+              <a:t>Wireframe Diagram</a:t>
+            </a:r>
+          </a:p>
+        </p:txBody>
+      </p:sp>
+      <p:sp>
+        <p:nvSpPr>
+          <p:cNvPr id="81" name="TextBox 80">
+            <a:extLst>
+              <a:ext uri="{FF2B5EF4-FFF2-40B4-BE49-F238E27FC236}">
+                <a16:creationId xmlns:a16="http://schemas.microsoft.com/office/drawing/2014/main" id="{43FE1A92-9878-C76B-80A0-C6F08A811919}"/>
+              </a:ext>
+            </a:extLst>
+          </p:cNvPr>
+          <p:cNvSpPr txBox="1"/>
+          <p:nvPr/>
+        </p:nvSpPr>
+        <p:spPr>
+          <a:xfrm>
+            <a:off x="95883" y="3264377"/>
+            <a:ext cx="1641987" cy="276999"/>
+          </a:xfrm>
+          <a:prstGeom prst="rect">
+            <a:avLst/>
+          </a:prstGeom>
+          <a:noFill/>
+        </p:spPr>
+        <p:txBody>
+          <a:bodyPr wrap="square" rtlCol="0">
+            <a:spAutoFit/>
+          </a:bodyPr>
+          <a:lstStyle/>
+          <a:p>
+            <a:r>
+              <a:rPr lang="en-US" sz="1200" dirty="0">
+                <a:latin typeface="Arial" panose="020B0604020202020204" pitchFamily="34" charset="0"/>
+                <a:cs typeface="Arial" panose="020B0604020202020204" pitchFamily="34" charset="0"/>
+              </a:rPr>
+              <a:t>Computer Science</a:t>
+            </a:r>
+          </a:p>
+        </p:txBody>
+      </p:sp>
+      <p:sp>
+        <p:nvSpPr>
+          <p:cNvPr id="82" name="Oval 81">
+            <a:extLst>
+              <a:ext uri="{FF2B5EF4-FFF2-40B4-BE49-F238E27FC236}">
+                <a16:creationId xmlns:a16="http://schemas.microsoft.com/office/drawing/2014/main" id="{25E9B1EF-E586-58CD-2BC0-D374ADA6A7BC}"/>
+              </a:ext>
+            </a:extLst>
+          </p:cNvPr>
+          <p:cNvSpPr/>
+          <p:nvPr/>
+        </p:nvSpPr>
+        <p:spPr>
+          <a:xfrm>
+            <a:off x="347969" y="3580233"/>
+            <a:ext cx="89350" cy="91440"/>
+          </a:xfrm>
+          <a:prstGeom prst="ellipse">
+            <a:avLst/>
+          </a:prstGeom>
+          <a:solidFill>
+            <a:schemeClr val="tx1"/>
+          </a:solidFill>
+          <a:ln>
+            <a:noFill/>
+          </a:ln>
+        </p:spPr>
+        <p:style>
+          <a:lnRef idx="2">
+            <a:schemeClr val="accent1">
+              <a:shade val="15000"/>
+            </a:schemeClr>
+          </a:lnRef>
+          <a:fillRef idx="1">
+            <a:schemeClr val="accent1"/>
+          </a:fillRef>
+          <a:effectRef idx="0">
+            <a:schemeClr val="accent1"/>
+          </a:effectRef>
+          <a:fontRef idx="minor">
+            <a:schemeClr val="lt1"/>
+          </a:fontRef>
+        </p:style>
+        <p:txBody>
+          <a:bodyPr rtlCol="0" anchor="ctr"/>
+          <a:lstStyle/>
+          <a:p>
+            <a:pPr algn="ctr"/>
+            <a:endParaRPr lang="en-US"/>
+          </a:p>
+        </p:txBody>
+      </p:sp>
+      <p:sp>
+        <p:nvSpPr>
+          <p:cNvPr id="83" name="TextBox 82">
+            <a:extLst>
+              <a:ext uri="{FF2B5EF4-FFF2-40B4-BE49-F238E27FC236}">
+                <a16:creationId xmlns:a16="http://schemas.microsoft.com/office/drawing/2014/main" id="{29B9547E-1EBB-F1DB-E924-A99FD9364581}"/>
+              </a:ext>
+            </a:extLst>
+          </p:cNvPr>
+          <p:cNvSpPr txBox="1"/>
+          <p:nvPr/>
+        </p:nvSpPr>
+        <p:spPr>
+          <a:xfrm>
+            <a:off x="432280" y="3495149"/>
+            <a:ext cx="1056124" cy="253916"/>
+          </a:xfrm>
+          <a:prstGeom prst="rect">
+            <a:avLst/>
+          </a:prstGeom>
+          <a:noFill/>
+        </p:spPr>
+        <p:txBody>
+          <a:bodyPr wrap="square" rtlCol="0">
+            <a:spAutoFit/>
+          </a:bodyPr>
+          <a:lstStyle/>
+          <a:p>
+            <a:r>
+              <a:rPr lang="en-US" sz="1050" dirty="0">
+                <a:latin typeface="Arial" panose="020B0604020202020204" pitchFamily="34" charset="0"/>
+                <a:cs typeface="Arial" panose="020B0604020202020204" pitchFamily="34" charset="0"/>
+              </a:rPr>
+              <a:t>Tree Diagram</a:t>
+            </a:r>
+          </a:p>
+        </p:txBody>
+      </p:sp>
+      <p:pic>
+        <p:nvPicPr>
+          <p:cNvPr id="85" name="Graphic 84" descr="Badge Question Mark with solid fill">
+            <a:extLst>
+              <a:ext uri="{FF2B5EF4-FFF2-40B4-BE49-F238E27FC236}">
+                <a16:creationId xmlns:a16="http://schemas.microsoft.com/office/drawing/2014/main" id="{63B68706-CBE0-595F-6FF3-993A6DF62081}"/>
+              </a:ext>
+            </a:extLst>
+          </p:cNvPr>
+          <p:cNvPicPr>
+            <a:picLocks noChangeAspect="1"/>
+          </p:cNvPicPr>
+          <p:nvPr/>
+        </p:nvPicPr>
+        <p:blipFill>
+          <a:blip r:embed="rId7">
+            <a:extLst>
+              <a:ext uri="{28A0092B-C50C-407E-A947-70E740481C1C}">
+                <a14:useLocalDpi xmlns:a14="http://schemas.microsoft.com/office/drawing/2010/main" val="0"/>
+              </a:ext>
+              <a:ext uri="{96DAC541-7B7A-43D3-8B79-37D633B846F1}">
+                <asvg:svgBlip xmlns:asvg="http://schemas.microsoft.com/office/drawing/2016/SVG/main" r:embed="rId8"/>
+              </a:ext>
+            </a:extLst>
+          </a:blip>
+          <a:stretch>
+            <a:fillRect/>
+          </a:stretch>
+        </p:blipFill>
+        <p:spPr>
+          <a:xfrm>
+            <a:off x="1417120" y="1871146"/>
+            <a:ext cx="210405" cy="210405"/>
+          </a:xfrm>
+          <a:prstGeom prst="rect">
+            <a:avLst/>
+          </a:prstGeom>
+        </p:spPr>
+      </p:pic>
+      <p:sp>
+        <p:nvSpPr>
+          <p:cNvPr id="87" name="TextBox 86">
+            <a:extLst>
+              <a:ext uri="{FF2B5EF4-FFF2-40B4-BE49-F238E27FC236}">
+                <a16:creationId xmlns:a16="http://schemas.microsoft.com/office/drawing/2014/main" id="{1094FBC8-D557-F7EB-E82D-5C82C9263DCD}"/>
+              </a:ext>
+            </a:extLst>
+          </p:cNvPr>
+          <p:cNvSpPr txBox="1"/>
+          <p:nvPr/>
+        </p:nvSpPr>
+        <p:spPr>
+          <a:xfrm>
+            <a:off x="125131" y="4358885"/>
+            <a:ext cx="1641987" cy="276999"/>
+          </a:xfrm>
+          <a:prstGeom prst="rect">
+            <a:avLst/>
+          </a:prstGeom>
+          <a:noFill/>
+        </p:spPr>
+        <p:txBody>
+          <a:bodyPr wrap="square" rtlCol="0">
+            <a:spAutoFit/>
+          </a:bodyPr>
+          <a:lstStyle/>
+          <a:p>
+            <a:r>
+              <a:rPr lang="en-US" sz="1200" dirty="0">
+                <a:latin typeface="Arial" panose="020B0604020202020204" pitchFamily="34" charset="0"/>
+                <a:cs typeface="Arial" panose="020B0604020202020204" pitchFamily="34" charset="0"/>
+              </a:rPr>
+              <a:t>Software Engineering</a:t>
+            </a:r>
+          </a:p>
+        </p:txBody>
+      </p:sp>
+      <p:sp>
+        <p:nvSpPr>
+          <p:cNvPr id="88" name="Oval 87">
+            <a:extLst>
+              <a:ext uri="{FF2B5EF4-FFF2-40B4-BE49-F238E27FC236}">
+                <a16:creationId xmlns:a16="http://schemas.microsoft.com/office/drawing/2014/main" id="{EAE96461-C018-3C74-FF56-D4989E07E214}"/>
+              </a:ext>
+            </a:extLst>
+          </p:cNvPr>
+          <p:cNvSpPr/>
+          <p:nvPr/>
+        </p:nvSpPr>
+        <p:spPr>
+          <a:xfrm>
+            <a:off x="377217" y="4674741"/>
+            <a:ext cx="89350" cy="91440"/>
+          </a:xfrm>
+          <a:prstGeom prst="ellipse">
+            <a:avLst/>
+          </a:prstGeom>
+          <a:solidFill>
+            <a:schemeClr val="tx1"/>
+          </a:solidFill>
+          <a:ln>
+            <a:noFill/>
+          </a:ln>
+        </p:spPr>
+        <p:style>
+          <a:lnRef idx="2">
+            <a:schemeClr val="accent1">
+              <a:shade val="15000"/>
+            </a:schemeClr>
+          </a:lnRef>
+          <a:fillRef idx="1">
+            <a:schemeClr val="accent1"/>
+          </a:fillRef>
+          <a:effectRef idx="0">
+            <a:schemeClr val="accent1"/>
+          </a:effectRef>
+          <a:fontRef idx="minor">
+            <a:schemeClr val="lt1"/>
+          </a:fontRef>
+        </p:style>
+        <p:txBody>
+          <a:bodyPr rtlCol="0" anchor="ctr"/>
+          <a:lstStyle/>
+          <a:p>
+            <a:pPr algn="ctr"/>
+            <a:endParaRPr lang="en-US"/>
+          </a:p>
+        </p:txBody>
+      </p:sp>
+      <p:sp>
+        <p:nvSpPr>
+          <p:cNvPr id="89" name="TextBox 88">
+            <a:extLst>
+              <a:ext uri="{FF2B5EF4-FFF2-40B4-BE49-F238E27FC236}">
+                <a16:creationId xmlns:a16="http://schemas.microsoft.com/office/drawing/2014/main" id="{9510D5A2-87AB-B73E-3BC8-6B88A06CD3FB}"/>
+              </a:ext>
+            </a:extLst>
+          </p:cNvPr>
+          <p:cNvSpPr txBox="1"/>
+          <p:nvPr/>
+        </p:nvSpPr>
+        <p:spPr>
+          <a:xfrm>
+            <a:off x="461528" y="4589657"/>
+            <a:ext cx="1056124" cy="261610"/>
+          </a:xfrm>
+          <a:prstGeom prst="rect">
+            <a:avLst/>
+          </a:prstGeom>
+          <a:noFill/>
+        </p:spPr>
+        <p:txBody>
+          <a:bodyPr wrap="square" rtlCol="0">
+            <a:spAutoFit/>
+          </a:bodyPr>
+          <a:lstStyle/>
+          <a:p>
+            <a:r>
+              <a:rPr lang="en-US" sz="1050" dirty="0">
+                <a:latin typeface="Arial" panose="020B0604020202020204" pitchFamily="34" charset="0"/>
+                <a:cs typeface="Arial" panose="020B0604020202020204" pitchFamily="34" charset="0"/>
+              </a:rPr>
+              <a:t>UML Diagram</a:t>
+            </a:r>
+          </a:p>
+        </p:txBody>
+      </p:sp>
+      <p:sp>
+        <p:nvSpPr>
+          <p:cNvPr id="90" name="TextBox 89">
+            <a:extLst>
+              <a:ext uri="{FF2B5EF4-FFF2-40B4-BE49-F238E27FC236}">
+                <a16:creationId xmlns:a16="http://schemas.microsoft.com/office/drawing/2014/main" id="{F94B101A-1880-17C1-EB82-B416FB84B6FA}"/>
+              </a:ext>
+            </a:extLst>
+          </p:cNvPr>
+          <p:cNvSpPr txBox="1"/>
+          <p:nvPr/>
+        </p:nvSpPr>
+        <p:spPr>
+          <a:xfrm>
+            <a:off x="117075" y="4866656"/>
+            <a:ext cx="1641987" cy="276999"/>
+          </a:xfrm>
+          <a:prstGeom prst="rect">
+            <a:avLst/>
+          </a:prstGeom>
+          <a:noFill/>
+        </p:spPr>
+        <p:txBody>
+          <a:bodyPr wrap="square" rtlCol="0">
+            <a:spAutoFit/>
+          </a:bodyPr>
+          <a:lstStyle/>
+          <a:p>
+            <a:r>
+              <a:rPr lang="en-US" sz="1200" dirty="0">
+                <a:latin typeface="Arial" panose="020B0604020202020204" pitchFamily="34" charset="0"/>
+                <a:cs typeface="Arial" panose="020B0604020202020204" pitchFamily="34" charset="0"/>
+              </a:rPr>
+              <a:t>Cyber Security</a:t>
+            </a:r>
+          </a:p>
+        </p:txBody>
+      </p:sp>
+      <p:sp>
+        <p:nvSpPr>
+          <p:cNvPr id="91" name="Oval 90">
+            <a:extLst>
+              <a:ext uri="{FF2B5EF4-FFF2-40B4-BE49-F238E27FC236}">
+                <a16:creationId xmlns:a16="http://schemas.microsoft.com/office/drawing/2014/main" id="{DE2B4427-722F-1CC5-20AA-D95D578F243B}"/>
+              </a:ext>
+            </a:extLst>
+          </p:cNvPr>
+          <p:cNvSpPr/>
+          <p:nvPr/>
+        </p:nvSpPr>
+        <p:spPr>
+          <a:xfrm>
+            <a:off x="369161" y="5182512"/>
+            <a:ext cx="89350" cy="91440"/>
+          </a:xfrm>
+          <a:prstGeom prst="ellipse">
+            <a:avLst/>
+          </a:prstGeom>
+          <a:solidFill>
+            <a:schemeClr val="tx1"/>
+          </a:solidFill>
+          <a:ln>
+            <a:noFill/>
+          </a:ln>
+        </p:spPr>
+        <p:style>
+          <a:lnRef idx="2">
+            <a:schemeClr val="accent1">
+              <a:shade val="15000"/>
+            </a:schemeClr>
+          </a:lnRef>
+          <a:fillRef idx="1">
+            <a:schemeClr val="accent1"/>
+          </a:fillRef>
+          <a:effectRef idx="0">
+            <a:schemeClr val="accent1"/>
+          </a:effectRef>
+          <a:fontRef idx="minor">
+            <a:schemeClr val="lt1"/>
+          </a:fontRef>
+        </p:style>
+        <p:txBody>
+          <a:bodyPr rtlCol="0" anchor="ctr"/>
+          <a:lstStyle/>
+          <a:p>
+            <a:pPr algn="ctr"/>
+            <a:endParaRPr lang="en-US"/>
+          </a:p>
+        </p:txBody>
+      </p:sp>
+      <p:sp>
+        <p:nvSpPr>
+          <p:cNvPr id="92" name="TextBox 91">
+            <a:extLst>
+              <a:ext uri="{FF2B5EF4-FFF2-40B4-BE49-F238E27FC236}">
+                <a16:creationId xmlns:a16="http://schemas.microsoft.com/office/drawing/2014/main" id="{97F74EF6-AB67-933E-C2EF-5EE6B3963FDE}"/>
+              </a:ext>
+            </a:extLst>
+          </p:cNvPr>
+          <p:cNvSpPr txBox="1"/>
+          <p:nvPr/>
+        </p:nvSpPr>
+        <p:spPr>
+          <a:xfrm>
+            <a:off x="126499" y="5511028"/>
+            <a:ext cx="1641987" cy="276999"/>
+          </a:xfrm>
+          <a:prstGeom prst="rect">
+            <a:avLst/>
+          </a:prstGeom>
+          <a:noFill/>
+        </p:spPr>
+        <p:txBody>
+          <a:bodyPr wrap="square" rtlCol="0">
+            <a:spAutoFit/>
+          </a:bodyPr>
+          <a:lstStyle/>
+          <a:p>
+            <a:r>
+              <a:rPr lang="en-US" sz="1200" dirty="0">
+                <a:latin typeface="Arial" panose="020B0604020202020204" pitchFamily="34" charset="0"/>
+                <a:cs typeface="Arial" panose="020B0604020202020204" pitchFamily="34" charset="0"/>
+              </a:rPr>
+              <a:t>Web Development</a:t>
+            </a:r>
+          </a:p>
+        </p:txBody>
+      </p:sp>
+      <p:sp>
+        <p:nvSpPr>
+          <p:cNvPr id="93" name="Oval 92">
+            <a:extLst>
+              <a:ext uri="{FF2B5EF4-FFF2-40B4-BE49-F238E27FC236}">
+                <a16:creationId xmlns:a16="http://schemas.microsoft.com/office/drawing/2014/main" id="{EDA3F47D-C70C-B140-3901-3C255394EB40}"/>
+              </a:ext>
+            </a:extLst>
+          </p:cNvPr>
+          <p:cNvSpPr/>
+          <p:nvPr/>
+        </p:nvSpPr>
+        <p:spPr>
+          <a:xfrm>
+            <a:off x="378585" y="5826884"/>
+            <a:ext cx="89350" cy="91440"/>
+          </a:xfrm>
+          <a:prstGeom prst="ellipse">
+            <a:avLst/>
+          </a:prstGeom>
+          <a:solidFill>
+            <a:schemeClr val="tx1"/>
+          </a:solidFill>
+          <a:ln>
+            <a:noFill/>
+          </a:ln>
+        </p:spPr>
+        <p:style>
+          <a:lnRef idx="2">
+            <a:schemeClr val="accent1">
+              <a:shade val="15000"/>
+            </a:schemeClr>
+          </a:lnRef>
+          <a:fillRef idx="1">
+            <a:schemeClr val="accent1"/>
+          </a:fillRef>
+          <a:effectRef idx="0">
+            <a:schemeClr val="accent1"/>
+          </a:effectRef>
+          <a:fontRef idx="minor">
+            <a:schemeClr val="lt1"/>
+          </a:fontRef>
+        </p:style>
+        <p:txBody>
+          <a:bodyPr rtlCol="0" anchor="ctr"/>
+          <a:lstStyle/>
+          <a:p>
+            <a:pPr algn="ctr"/>
+            <a:endParaRPr lang="en-US"/>
+          </a:p>
+        </p:txBody>
+      </p:sp>
+      <p:sp>
+        <p:nvSpPr>
+          <p:cNvPr id="94" name="TextBox 93">
+            <a:extLst>
+              <a:ext uri="{FF2B5EF4-FFF2-40B4-BE49-F238E27FC236}">
+                <a16:creationId xmlns:a16="http://schemas.microsoft.com/office/drawing/2014/main" id="{AD111B85-EFB7-8F3F-C2CF-AEE9707D9FE5}"/>
+              </a:ext>
+            </a:extLst>
+          </p:cNvPr>
+          <p:cNvSpPr txBox="1"/>
+          <p:nvPr/>
+        </p:nvSpPr>
+        <p:spPr>
+          <a:xfrm>
+            <a:off x="462895" y="5741800"/>
+            <a:ext cx="1350121" cy="253916"/>
+          </a:xfrm>
+          <a:prstGeom prst="rect">
+            <a:avLst/>
+          </a:prstGeom>
+          <a:noFill/>
+        </p:spPr>
+        <p:txBody>
+          <a:bodyPr wrap="square" rtlCol="0">
+            <a:spAutoFit/>
+          </a:bodyPr>
+          <a:lstStyle/>
+          <a:p>
+            <a:r>
+              <a:rPr lang="en-US" sz="1050" dirty="0">
+                <a:latin typeface="Arial" panose="020B0604020202020204" pitchFamily="34" charset="0"/>
+                <a:cs typeface="Arial" panose="020B0604020202020204" pitchFamily="34" charset="0"/>
+              </a:rPr>
+              <a:t>Wireframe Diagram</a:t>
+            </a:r>
+          </a:p>
+        </p:txBody>
+      </p:sp>
+      <p:sp>
+        <p:nvSpPr>
+          <p:cNvPr id="95" name="TextBox 94">
+            <a:extLst>
+              <a:ext uri="{FF2B5EF4-FFF2-40B4-BE49-F238E27FC236}">
+                <a16:creationId xmlns:a16="http://schemas.microsoft.com/office/drawing/2014/main" id="{F8A17E14-137B-42F6-2B6A-909BE9BDA75C}"/>
+              </a:ext>
+            </a:extLst>
+          </p:cNvPr>
+          <p:cNvSpPr txBox="1"/>
+          <p:nvPr/>
+        </p:nvSpPr>
+        <p:spPr>
+          <a:xfrm>
+            <a:off x="118443" y="6018799"/>
+            <a:ext cx="1641987" cy="276999"/>
+          </a:xfrm>
+          <a:prstGeom prst="rect">
+            <a:avLst/>
+          </a:prstGeom>
+          <a:noFill/>
+        </p:spPr>
+        <p:txBody>
+          <a:bodyPr wrap="square" rtlCol="0">
+            <a:spAutoFit/>
+          </a:bodyPr>
+          <a:lstStyle/>
+          <a:p>
+            <a:r>
+              <a:rPr lang="en-US" sz="1200" dirty="0">
+                <a:latin typeface="Arial" panose="020B0604020202020204" pitchFamily="34" charset="0"/>
+                <a:cs typeface="Arial" panose="020B0604020202020204" pitchFamily="34" charset="0"/>
+              </a:rPr>
+              <a:t>Computer Science</a:t>
+            </a:r>
+          </a:p>
+        </p:txBody>
+      </p:sp>
+      <p:sp>
+        <p:nvSpPr>
+          <p:cNvPr id="96" name="Oval 95">
+            <a:extLst>
+              <a:ext uri="{FF2B5EF4-FFF2-40B4-BE49-F238E27FC236}">
+                <a16:creationId xmlns:a16="http://schemas.microsoft.com/office/drawing/2014/main" id="{AD5B5D8E-697E-3C14-98AD-95D2301EF32B}"/>
+              </a:ext>
+            </a:extLst>
+          </p:cNvPr>
+          <p:cNvSpPr/>
+          <p:nvPr/>
+        </p:nvSpPr>
+        <p:spPr>
+          <a:xfrm>
+            <a:off x="370529" y="6334655"/>
+            <a:ext cx="89350" cy="91440"/>
+          </a:xfrm>
+          <a:prstGeom prst="ellipse">
+            <a:avLst/>
+          </a:prstGeom>
+          <a:solidFill>
+            <a:schemeClr val="tx1"/>
+          </a:solidFill>
+          <a:ln>
+            <a:noFill/>
+          </a:ln>
+        </p:spPr>
+        <p:style>
+          <a:lnRef idx="2">
+            <a:schemeClr val="accent1">
+              <a:shade val="15000"/>
+            </a:schemeClr>
+          </a:lnRef>
+          <a:fillRef idx="1">
+            <a:schemeClr val="accent1"/>
+          </a:fillRef>
+          <a:effectRef idx="0">
+            <a:schemeClr val="accent1"/>
+          </a:effectRef>
+          <a:fontRef idx="minor">
+            <a:schemeClr val="lt1"/>
+          </a:fontRef>
+        </p:style>
+        <p:txBody>
+          <a:bodyPr rtlCol="0" anchor="ctr"/>
+          <a:lstStyle/>
+          <a:p>
+            <a:pPr algn="ctr"/>
+            <a:endParaRPr lang="en-US"/>
+          </a:p>
+        </p:txBody>
+      </p:sp>
+      <p:sp>
+        <p:nvSpPr>
+          <p:cNvPr id="97" name="TextBox 96">
+            <a:extLst>
+              <a:ext uri="{FF2B5EF4-FFF2-40B4-BE49-F238E27FC236}">
+                <a16:creationId xmlns:a16="http://schemas.microsoft.com/office/drawing/2014/main" id="{10A61548-57F0-1C5F-6EA6-16FAA2F9BDF6}"/>
+              </a:ext>
+            </a:extLst>
+          </p:cNvPr>
+          <p:cNvSpPr txBox="1"/>
+          <p:nvPr/>
+        </p:nvSpPr>
+        <p:spPr>
+          <a:xfrm>
+            <a:off x="454840" y="6249571"/>
+            <a:ext cx="1056124" cy="253916"/>
+          </a:xfrm>
+          <a:prstGeom prst="rect">
+            <a:avLst/>
+          </a:prstGeom>
+          <a:noFill/>
+        </p:spPr>
+        <p:txBody>
+          <a:bodyPr wrap="square" rtlCol="0">
+            <a:spAutoFit/>
+          </a:bodyPr>
+          <a:lstStyle/>
+          <a:p>
+            <a:r>
+              <a:rPr lang="en-US" sz="1050" dirty="0">
+                <a:latin typeface="Arial" panose="020B0604020202020204" pitchFamily="34" charset="0"/>
+                <a:cs typeface="Arial" panose="020B0604020202020204" pitchFamily="34" charset="0"/>
+              </a:rPr>
+              <a:t>Tree Diagram</a:t>
+            </a:r>
+          </a:p>
+        </p:txBody>
+      </p:sp>
+      <p:pic>
+        <p:nvPicPr>
+          <p:cNvPr id="98" name="Graphic 97" descr="Badge Question Mark with solid fill">
+            <a:extLst>
+              <a:ext uri="{FF2B5EF4-FFF2-40B4-BE49-F238E27FC236}">
+                <a16:creationId xmlns:a16="http://schemas.microsoft.com/office/drawing/2014/main" id="{F4A1041C-D78E-DEF2-B2D5-1A69BA5899A6}"/>
+              </a:ext>
+            </a:extLst>
+          </p:cNvPr>
+          <p:cNvPicPr>
+            <a:picLocks noChangeAspect="1"/>
+          </p:cNvPicPr>
+          <p:nvPr/>
+        </p:nvPicPr>
+        <p:blipFill>
+          <a:blip r:embed="rId7">
+            <a:extLst>
+              <a:ext uri="{28A0092B-C50C-407E-A947-70E740481C1C}">
+                <a14:useLocalDpi xmlns:a14="http://schemas.microsoft.com/office/drawing/2010/main" val="0"/>
+              </a:ext>
+              <a:ext uri="{96DAC541-7B7A-43D3-8B79-37D633B846F1}">
+                <asvg:svgBlip xmlns:asvg="http://schemas.microsoft.com/office/drawing/2016/SVG/main" r:embed="rId8"/>
+              </a:ext>
+            </a:extLst>
+          </a:blip>
+          <a:stretch>
+            <a:fillRect/>
+          </a:stretch>
+        </p:blipFill>
+        <p:spPr>
+          <a:xfrm>
+            <a:off x="1439680" y="4625568"/>
+            <a:ext cx="210405" cy="210405"/>
+          </a:xfrm>
+          <a:prstGeom prst="rect">
+            <a:avLst/>
+          </a:prstGeom>
+        </p:spPr>
+      </p:pic>
+      <p:grpSp>
+        <p:nvGrpSpPr>
+          <p:cNvPr id="100" name="Group 99">
+            <a:extLst>
+              <a:ext uri="{FF2B5EF4-FFF2-40B4-BE49-F238E27FC236}">
+                <a16:creationId xmlns:a16="http://schemas.microsoft.com/office/drawing/2014/main" id="{1BEDBF64-2658-6F3B-019F-85C741CC6368}"/>
+              </a:ext>
+            </a:extLst>
+          </p:cNvPr>
+          <p:cNvGrpSpPr/>
+          <p:nvPr/>
+        </p:nvGrpSpPr>
+        <p:grpSpPr>
+          <a:xfrm>
+            <a:off x="147327" y="3994096"/>
+            <a:ext cx="1766550" cy="369332"/>
+            <a:chOff x="2272751" y="832169"/>
+            <a:chExt cx="1766550" cy="369332"/>
+          </a:xfrm>
+        </p:grpSpPr>
+        <p:sp>
+          <p:nvSpPr>
+            <p:cNvPr id="101" name="TextBox 100">
+              <a:extLst>
+                <a:ext uri="{FF2B5EF4-FFF2-40B4-BE49-F238E27FC236}">
+                  <a16:creationId xmlns:a16="http://schemas.microsoft.com/office/drawing/2014/main" id="{0EACAB85-30B3-FFDB-6995-52611A7A4545}"/>
+                </a:ext>
+              </a:extLst>
+            </p:cNvPr>
+            <p:cNvSpPr txBox="1"/>
+            <p:nvPr/>
+          </p:nvSpPr>
+          <p:spPr>
+            <a:xfrm>
+              <a:off x="2272751" y="832169"/>
+              <a:ext cx="1530854" cy="369332"/>
+            </a:xfrm>
+            <a:prstGeom prst="rect">
+              <a:avLst/>
+            </a:prstGeom>
+            <a:noFill/>
+          </p:spPr>
+          <p:txBody>
+            <a:bodyPr wrap="square" rtlCol="0">
+              <a:spAutoFit/>
+            </a:bodyPr>
+            <a:lstStyle/>
+            <a:p>
+              <a:r>
+                <a:rPr lang="en-US" b="1" dirty="0">
+                  <a:latin typeface="Arial" panose="020B0604020202020204" pitchFamily="34" charset="0"/>
+                  <a:cs typeface="Arial" panose="020B0604020202020204" pitchFamily="34" charset="0"/>
+                </a:rPr>
+                <a:t>How to</a:t>
+              </a:r>
+            </a:p>
+          </p:txBody>
+        </p:sp>
+        <p:sp>
+          <p:nvSpPr>
+            <p:cNvPr id="102" name="Oval 101">
+              <a:extLst>
+                <a:ext uri="{FF2B5EF4-FFF2-40B4-BE49-F238E27FC236}">
+                  <a16:creationId xmlns:a16="http://schemas.microsoft.com/office/drawing/2014/main" id="{F0D45F87-4FEB-133C-B97A-C0274CADD273}"/>
+                </a:ext>
+              </a:extLst>
+            </p:cNvPr>
+            <p:cNvSpPr/>
+            <p:nvPr/>
+          </p:nvSpPr>
+          <p:spPr>
+            <a:xfrm>
+              <a:off x="3717007" y="889574"/>
+              <a:ext cx="322294" cy="267109"/>
+            </a:xfrm>
+            <a:prstGeom prst="ellipse">
+              <a:avLst/>
+            </a:prstGeom>
+            <a:solidFill>
+              <a:srgbClr val="F4EDE5"/>
+            </a:solidFill>
+            <a:ln>
+              <a:noFill/>
+            </a:ln>
+          </p:spPr>
+          <p:style>
+            <a:lnRef idx="2">
+              <a:schemeClr val="accent1">
+                <a:shade val="15000"/>
+              </a:schemeClr>
+            </a:lnRef>
+            <a:fillRef idx="1">
+              <a:schemeClr val="accent1"/>
+            </a:fillRef>
+            <a:effectRef idx="0">
+              <a:schemeClr val="accent1"/>
+            </a:effectRef>
+            <a:fontRef idx="minor">
+              <a:schemeClr val="lt1"/>
+            </a:fontRef>
+          </p:style>
+          <p:txBody>
+            <a:bodyPr rtlCol="0" anchor="ctr"/>
+            <a:lstStyle/>
+            <a:p>
+              <a:pPr algn="ctr"/>
+              <a:endParaRPr lang="en-US"/>
+            </a:p>
+          </p:txBody>
+        </p:sp>
+        <p:sp>
+          <p:nvSpPr>
+            <p:cNvPr id="103" name="Plus Sign 102">
+              <a:extLst>
+                <a:ext uri="{FF2B5EF4-FFF2-40B4-BE49-F238E27FC236}">
+                  <a16:creationId xmlns:a16="http://schemas.microsoft.com/office/drawing/2014/main" id="{FBC9ED63-11BA-ECF6-966D-C3F836C866B2}"/>
+                </a:ext>
+              </a:extLst>
+            </p:cNvPr>
+            <p:cNvSpPr/>
+            <p:nvPr/>
+          </p:nvSpPr>
+          <p:spPr>
+            <a:xfrm>
+              <a:off x="3740042" y="887193"/>
+              <a:ext cx="276225" cy="269490"/>
+            </a:xfrm>
+            <a:prstGeom prst="mathPlus">
+              <a:avLst/>
+            </a:prstGeom>
+            <a:solidFill>
+              <a:schemeClr val="tx1"/>
+            </a:solidFill>
+            <a:ln>
+              <a:noFill/>
+            </a:ln>
+          </p:spPr>
+          <p:style>
+            <a:lnRef idx="2">
+              <a:schemeClr val="accent1">
+                <a:shade val="15000"/>
+              </a:schemeClr>
+            </a:lnRef>
+            <a:fillRef idx="1">
+              <a:schemeClr val="accent1"/>
+            </a:fillRef>
+            <a:effectRef idx="0">
+              <a:schemeClr val="accent1"/>
+            </a:effectRef>
+            <a:fontRef idx="minor">
+              <a:schemeClr val="lt1"/>
+            </a:fontRef>
+          </p:style>
+          <p:txBody>
+            <a:bodyPr rtlCol="0" anchor="ctr"/>
+            <a:lstStyle/>
+            <a:p>
+              <a:pPr algn="ctr"/>
+              <a:endParaRPr lang="en-US" dirty="0"/>
+            </a:p>
+          </p:txBody>
+        </p:sp>
+      </p:grpSp>
+      <p:pic>
+        <p:nvPicPr>
+          <p:cNvPr id="105" name="Graphic 104" descr="Home with solid fill">
+            <a:extLst>
+              <a:ext uri="{FF2B5EF4-FFF2-40B4-BE49-F238E27FC236}">
+                <a16:creationId xmlns:a16="http://schemas.microsoft.com/office/drawing/2014/main" id="{533E1A42-C74F-04E9-2B9B-B66EE224ECE7}"/>
+              </a:ext>
+            </a:extLst>
+          </p:cNvPr>
+          <p:cNvPicPr>
+            <a:picLocks noChangeAspect="1"/>
+          </p:cNvPicPr>
+          <p:nvPr/>
+        </p:nvPicPr>
+        <p:blipFill>
+          <a:blip r:embed="rId9">
+            <a:extLst>
+              <a:ext uri="{28A0092B-C50C-407E-A947-70E740481C1C}">
+                <a14:useLocalDpi xmlns:a14="http://schemas.microsoft.com/office/drawing/2010/main" val="0"/>
+              </a:ext>
+              <a:ext uri="{96DAC541-7B7A-43D3-8B79-37D633B846F1}">
+                <asvg:svgBlip xmlns:asvg="http://schemas.microsoft.com/office/drawing/2016/SVG/main" r:embed="rId10"/>
+              </a:ext>
+            </a:extLst>
+          </a:blip>
+          <a:stretch>
+            <a:fillRect/>
+          </a:stretch>
+        </p:blipFill>
+        <p:spPr>
+          <a:xfrm>
+            <a:off x="9645437" y="53748"/>
+            <a:ext cx="502920" cy="502920"/>
+          </a:xfrm>
+          <a:prstGeom prst="rect">
+            <a:avLst/>
+          </a:prstGeom>
+        </p:spPr>
+      </p:pic>
+      <p:grpSp>
+        <p:nvGrpSpPr>
+          <p:cNvPr id="106" name="Group 105">
+            <a:extLst>
+              <a:ext uri="{FF2B5EF4-FFF2-40B4-BE49-F238E27FC236}">
+                <a16:creationId xmlns:a16="http://schemas.microsoft.com/office/drawing/2014/main" id="{FFBFA6C5-C7A3-2D50-321F-D8183F4604CE}"/>
+              </a:ext>
+            </a:extLst>
+          </p:cNvPr>
+          <p:cNvGrpSpPr/>
+          <p:nvPr/>
+        </p:nvGrpSpPr>
+        <p:grpSpPr>
+          <a:xfrm>
+            <a:off x="18192" y="-35096"/>
+            <a:ext cx="2043012" cy="640080"/>
+            <a:chOff x="1966424" y="684932"/>
+            <a:chExt cx="2172807" cy="864463"/>
+          </a:xfrm>
+        </p:grpSpPr>
+        <p:pic>
+          <p:nvPicPr>
+            <p:cNvPr id="107" name="Picture 106" descr="A computer with a logo on it&#10;&#10;Description automatically generated">
+              <a:extLst>
+                <a:ext uri="{FF2B5EF4-FFF2-40B4-BE49-F238E27FC236}">
+                  <a16:creationId xmlns:a16="http://schemas.microsoft.com/office/drawing/2014/main" id="{D29B8629-ADAF-FFF9-D1C7-AC3121CBC5D7}"/>
+                </a:ext>
+              </a:extLst>
+            </p:cNvPr>
+            <p:cNvPicPr/>
+            <p:nvPr/>
+          </p:nvPicPr>
+          <p:blipFill>
+            <a:blip r:embed="rId11">
+              <a:extLst>
+                <a:ext uri="{28A0092B-C50C-407E-A947-70E740481C1C}">
+                  <a14:useLocalDpi xmlns:a14="http://schemas.microsoft.com/office/drawing/2010/main" val="0"/>
+                </a:ext>
+              </a:extLst>
+            </a:blip>
+            <a:stretch>
+              <a:fillRect/>
+            </a:stretch>
+          </p:blipFill>
+          <p:spPr>
+            <a:xfrm>
+              <a:off x="1966424" y="684932"/>
+              <a:ext cx="680745" cy="864463"/>
+            </a:xfrm>
+            <a:prstGeom prst="rect">
+              <a:avLst/>
+            </a:prstGeom>
+          </p:spPr>
+        </p:pic>
+        <p:sp>
+          <p:nvSpPr>
+            <p:cNvPr id="108" name="TextBox 107">
+              <a:extLst>
+                <a:ext uri="{FF2B5EF4-FFF2-40B4-BE49-F238E27FC236}">
+                  <a16:creationId xmlns:a16="http://schemas.microsoft.com/office/drawing/2014/main" id="{460ECBDB-787A-F9A5-CED6-2A31E5DF3C03}"/>
+                </a:ext>
+              </a:extLst>
+            </p:cNvPr>
+            <p:cNvSpPr txBox="1"/>
+            <p:nvPr/>
+          </p:nvSpPr>
+          <p:spPr>
+            <a:xfrm>
+              <a:off x="2525533" y="926488"/>
+              <a:ext cx="1613698" cy="415670"/>
+            </a:xfrm>
+            <a:prstGeom prst="rect">
+              <a:avLst/>
+            </a:prstGeom>
+            <a:noFill/>
+          </p:spPr>
+          <p:txBody>
+            <a:bodyPr wrap="square" rtlCol="0">
+              <a:spAutoFit/>
+            </a:bodyPr>
+            <a:lstStyle/>
+            <a:p>
+              <a:pPr algn="ctr"/>
+              <a:r>
+                <a:rPr lang="en-US" sz="1400" dirty="0">
+                  <a:solidFill>
+                    <a:schemeClr val="bg1"/>
+                  </a:solidFill>
+                  <a:latin typeface="Arial" panose="020B0604020202020204" pitchFamily="34" charset="0"/>
+                  <a:cs typeface="Arial" panose="020B0604020202020204" pitchFamily="34" charset="0"/>
+                </a:rPr>
+                <a:t>Website name</a:t>
+              </a:r>
+            </a:p>
+          </p:txBody>
+        </p:sp>
+      </p:grpSp>
+      <p:sp>
+        <p:nvSpPr>
+          <p:cNvPr id="109" name="TextBox 108">
+            <a:extLst>
+              <a:ext uri="{FF2B5EF4-FFF2-40B4-BE49-F238E27FC236}">
+                <a16:creationId xmlns:a16="http://schemas.microsoft.com/office/drawing/2014/main" id="{E9ADB643-2777-94DA-14CB-EE48D3FFE345}"/>
+              </a:ext>
+            </a:extLst>
+          </p:cNvPr>
+          <p:cNvSpPr txBox="1"/>
+          <p:nvPr/>
+        </p:nvSpPr>
+        <p:spPr>
+          <a:xfrm>
+            <a:off x="437319" y="5095530"/>
+            <a:ext cx="1897117" cy="415498"/>
+          </a:xfrm>
+          <a:prstGeom prst="rect">
+            <a:avLst/>
+          </a:prstGeom>
+          <a:noFill/>
+        </p:spPr>
+        <p:txBody>
+          <a:bodyPr wrap="square" rtlCol="0">
+            <a:spAutoFit/>
+          </a:bodyPr>
+          <a:lstStyle/>
+          <a:p>
+            <a:r>
+              <a:rPr lang="en-US" sz="1050" dirty="0">
+                <a:latin typeface="Arial" panose="020B0604020202020204" pitchFamily="34" charset="0"/>
+                <a:cs typeface="Arial" panose="020B0604020202020204" pitchFamily="34" charset="0"/>
+              </a:rPr>
+              <a:t>Network Topology </a:t>
+            </a:r>
+          </a:p>
+          <a:p>
+            <a:r>
+              <a:rPr lang="en-US" sz="1050" dirty="0">
+                <a:latin typeface="Arial" panose="020B0604020202020204" pitchFamily="34" charset="0"/>
+                <a:cs typeface="Arial" panose="020B0604020202020204" pitchFamily="34" charset="0"/>
+              </a:rPr>
+              <a:t>Diagram</a:t>
+            </a:r>
+          </a:p>
+        </p:txBody>
+      </p:sp>
     </p:spTree>
     <p:extLst>
       <p:ext uri="{BB962C8B-B14F-4D97-AF65-F5344CB8AC3E}">
@@ -10414,10 +12821,2937 @@
   <p:clrMapOvr>
     <a:masterClrMapping/>
   </p:clrMapOvr>
+  <p:extLst>
+    <p:ext uri="{6950BFC3-D8DA-4A85-94F7-54DA5524770B}">
+      <p188:commentRel xmlns:p188="http://schemas.microsoft.com/office/powerpoint/2018/8/main" r:id="rId2"/>
+    </p:ext>
+  </p:extLst>
 </p:sld>
 </file>
 
 <file path=ppt/slides/slide8.xml><?xml version="1.0" encoding="utf-8"?>
+<p:sld xmlns:a="http://schemas.openxmlformats.org/drawingml/2006/main" xmlns:r="http://schemas.openxmlformats.org/officeDocument/2006/relationships" xmlns:p="http://schemas.openxmlformats.org/presentationml/2006/main">
+  <p:cSld>
+    <p:spTree>
+      <p:nvGrpSpPr>
+        <p:cNvPr id="1" name=""/>
+        <p:cNvGrpSpPr/>
+        <p:nvPr/>
+      </p:nvGrpSpPr>
+      <p:grpSpPr>
+        <a:xfrm>
+          <a:off x="0" y="0"/>
+          <a:ext cx="0" cy="0"/>
+          <a:chOff x="0" y="0"/>
+          <a:chExt cx="0" cy="0"/>
+        </a:xfrm>
+      </p:grpSpPr>
+      <p:sp>
+        <p:nvSpPr>
+          <p:cNvPr id="5" name="Rectangle 4">
+            <a:extLst>
+              <a:ext uri="{FF2B5EF4-FFF2-40B4-BE49-F238E27FC236}">
+                <a16:creationId xmlns:a16="http://schemas.microsoft.com/office/drawing/2014/main" id="{56AFF878-8A16-FB81-3CA2-022256BFC2F5}"/>
+              </a:ext>
+            </a:extLst>
+          </p:cNvPr>
+          <p:cNvSpPr>
+            <a:spLocks noGrp="1" noRot="1" noMove="1" noResize="1" noEditPoints="1" noAdjustHandles="1" noChangeArrowheads="1" noChangeShapeType="1"/>
+          </p:cNvSpPr>
+          <p:nvPr/>
+        </p:nvSpPr>
+        <p:spPr>
+          <a:xfrm>
+            <a:off x="2061204" y="635667"/>
+            <a:ext cx="10130796" cy="6246708"/>
+          </a:xfrm>
+          <a:prstGeom prst="rect">
+            <a:avLst/>
+          </a:prstGeom>
+          <a:solidFill>
+            <a:srgbClr val="F4EDE5"/>
+          </a:solidFill>
+          <a:ln>
+            <a:noFill/>
+          </a:ln>
+        </p:spPr>
+        <p:style>
+          <a:lnRef idx="2">
+            <a:schemeClr val="accent1">
+              <a:shade val="15000"/>
+            </a:schemeClr>
+          </a:lnRef>
+          <a:fillRef idx="1">
+            <a:schemeClr val="accent1"/>
+          </a:fillRef>
+          <a:effectRef idx="0">
+            <a:schemeClr val="accent1"/>
+          </a:effectRef>
+          <a:fontRef idx="minor">
+            <a:schemeClr val="lt1"/>
+          </a:fontRef>
+        </p:style>
+        <p:txBody>
+          <a:bodyPr rtlCol="0" anchor="ctr"/>
+          <a:lstStyle/>
+          <a:p>
+            <a:pPr algn="ctr"/>
+            <a:endParaRPr lang="en-US"/>
+          </a:p>
+        </p:txBody>
+      </p:sp>
+      <p:sp>
+        <p:nvSpPr>
+          <p:cNvPr id="12" name="Rectangle 11">
+            <a:extLst>
+              <a:ext uri="{FF2B5EF4-FFF2-40B4-BE49-F238E27FC236}">
+                <a16:creationId xmlns:a16="http://schemas.microsoft.com/office/drawing/2014/main" id="{290EAA64-967E-816C-4A9F-45E69984C144}"/>
+              </a:ext>
+            </a:extLst>
+          </p:cNvPr>
+          <p:cNvSpPr/>
+          <p:nvPr/>
+        </p:nvSpPr>
+        <p:spPr>
+          <a:xfrm>
+            <a:off x="9258300" y="991490"/>
+            <a:ext cx="1505846" cy="493930"/>
+          </a:xfrm>
+          <a:prstGeom prst="rect">
+            <a:avLst/>
+          </a:prstGeom>
+          <a:solidFill>
+            <a:srgbClr val="9EABAE"/>
+          </a:solidFill>
+          <a:ln w="12700">
+            <a:solidFill>
+              <a:schemeClr val="tx1"/>
+            </a:solidFill>
+          </a:ln>
+        </p:spPr>
+        <p:style>
+          <a:lnRef idx="2">
+            <a:schemeClr val="accent1">
+              <a:shade val="15000"/>
+            </a:schemeClr>
+          </a:lnRef>
+          <a:fillRef idx="1">
+            <a:schemeClr val="accent1"/>
+          </a:fillRef>
+          <a:effectRef idx="0">
+            <a:schemeClr val="accent1"/>
+          </a:effectRef>
+          <a:fontRef idx="minor">
+            <a:schemeClr val="lt1"/>
+          </a:fontRef>
+        </p:style>
+        <p:txBody>
+          <a:bodyPr rtlCol="0" anchor="ctr"/>
+          <a:lstStyle/>
+          <a:p>
+            <a:pPr algn="ctr"/>
+            <a:endParaRPr lang="en-US"/>
+          </a:p>
+        </p:txBody>
+      </p:sp>
+      <p:pic>
+        <p:nvPicPr>
+          <p:cNvPr id="53" name="Graphic 52" descr="Table with solid fill">
+            <a:extLst>
+              <a:ext uri="{FF2B5EF4-FFF2-40B4-BE49-F238E27FC236}">
+                <a16:creationId xmlns:a16="http://schemas.microsoft.com/office/drawing/2014/main" id="{4F2AF4F3-925B-08FC-B8A7-703AC4D97E54}"/>
+              </a:ext>
+            </a:extLst>
+          </p:cNvPr>
+          <p:cNvPicPr>
+            <a:picLocks noChangeAspect="1"/>
+          </p:cNvPicPr>
+          <p:nvPr/>
+        </p:nvPicPr>
+        <p:blipFill>
+          <a:blip r:embed="rId2">
+            <a:extLst>
+              <a:ext uri="{28A0092B-C50C-407E-A947-70E740481C1C}">
+                <a14:useLocalDpi xmlns:a14="http://schemas.microsoft.com/office/drawing/2010/main" val="0"/>
+              </a:ext>
+              <a:ext uri="{96DAC541-7B7A-43D3-8B79-37D633B846F1}">
+                <asvg:svgBlip xmlns:asvg="http://schemas.microsoft.com/office/drawing/2016/SVG/main" r:embed="rId3"/>
+              </a:ext>
+            </a:extLst>
+          </a:blip>
+          <a:stretch>
+            <a:fillRect/>
+          </a:stretch>
+        </p:blipFill>
+        <p:spPr>
+          <a:xfrm>
+            <a:off x="9402967" y="991490"/>
+            <a:ext cx="493930" cy="493930"/>
+          </a:xfrm>
+          <a:prstGeom prst="rect">
+            <a:avLst/>
+          </a:prstGeom>
+        </p:spPr>
+      </p:pic>
+      <p:pic>
+        <p:nvPicPr>
+          <p:cNvPr id="55" name="Graphic 54" descr="List with solid fill">
+            <a:extLst>
+              <a:ext uri="{FF2B5EF4-FFF2-40B4-BE49-F238E27FC236}">
+                <a16:creationId xmlns:a16="http://schemas.microsoft.com/office/drawing/2014/main" id="{0D795619-1214-26A3-3F06-98D178A3FB1B}"/>
+              </a:ext>
+            </a:extLst>
+          </p:cNvPr>
+          <p:cNvPicPr>
+            <a:picLocks noChangeAspect="1"/>
+          </p:cNvPicPr>
+          <p:nvPr/>
+        </p:nvPicPr>
+        <p:blipFill>
+          <a:blip r:embed="rId4">
+            <a:extLst>
+              <a:ext uri="{28A0092B-C50C-407E-A947-70E740481C1C}">
+                <a14:useLocalDpi xmlns:a14="http://schemas.microsoft.com/office/drawing/2010/main" val="0"/>
+              </a:ext>
+              <a:ext uri="{96DAC541-7B7A-43D3-8B79-37D633B846F1}">
+                <asvg:svgBlip xmlns:asvg="http://schemas.microsoft.com/office/drawing/2016/SVG/main" r:embed="rId5"/>
+              </a:ext>
+            </a:extLst>
+          </a:blip>
+          <a:stretch>
+            <a:fillRect/>
+          </a:stretch>
+        </p:blipFill>
+        <p:spPr>
+          <a:xfrm>
+            <a:off x="10152965" y="991490"/>
+            <a:ext cx="493930" cy="493930"/>
+          </a:xfrm>
+          <a:prstGeom prst="rect">
+            <a:avLst/>
+          </a:prstGeom>
+        </p:spPr>
+      </p:pic>
+      <p:sp>
+        <p:nvSpPr>
+          <p:cNvPr id="6" name="Rectangle 5">
+            <a:extLst>
+              <a:ext uri="{FF2B5EF4-FFF2-40B4-BE49-F238E27FC236}">
+                <a16:creationId xmlns:a16="http://schemas.microsoft.com/office/drawing/2014/main" id="{88C4220B-6311-27F4-17C2-CB420F77C803}"/>
+              </a:ext>
+            </a:extLst>
+          </p:cNvPr>
+          <p:cNvSpPr>
+            <a:spLocks noGrp="1" noRot="1" noMove="1" noResize="1" noEditPoints="1" noAdjustHandles="1" noChangeArrowheads="1" noChangeShapeType="1"/>
+          </p:cNvSpPr>
+          <p:nvPr/>
+        </p:nvSpPr>
+        <p:spPr>
+          <a:xfrm>
+            <a:off x="0" y="573015"/>
+            <a:ext cx="2061204" cy="6309360"/>
+          </a:xfrm>
+          <a:prstGeom prst="rect">
+            <a:avLst/>
+          </a:prstGeom>
+          <a:solidFill>
+            <a:srgbClr val="0C234B"/>
+          </a:solidFill>
+          <a:ln>
+            <a:noFill/>
+          </a:ln>
+          <a:effectLst>
+            <a:outerShdw blurRad="50800" dist="38100" dir="18900000" algn="bl" rotWithShape="0">
+              <a:prstClr val="black">
+                <a:alpha val="40000"/>
+              </a:prstClr>
+            </a:outerShdw>
+          </a:effectLst>
+        </p:spPr>
+        <p:style>
+          <a:lnRef idx="2">
+            <a:schemeClr val="accent1">
+              <a:shade val="15000"/>
+            </a:schemeClr>
+          </a:lnRef>
+          <a:fillRef idx="1">
+            <a:schemeClr val="accent1"/>
+          </a:fillRef>
+          <a:effectRef idx="0">
+            <a:schemeClr val="accent1"/>
+          </a:effectRef>
+          <a:fontRef idx="minor">
+            <a:schemeClr val="lt1"/>
+          </a:fontRef>
+        </p:style>
+        <p:txBody>
+          <a:bodyPr rtlCol="0" anchor="ctr"/>
+          <a:lstStyle/>
+          <a:p>
+            <a:pPr algn="ctr"/>
+            <a:endParaRPr lang="en-US"/>
+          </a:p>
+        </p:txBody>
+      </p:sp>
+      <p:sp>
+        <p:nvSpPr>
+          <p:cNvPr id="7" name="Rectangle 6">
+            <a:extLst>
+              <a:ext uri="{FF2B5EF4-FFF2-40B4-BE49-F238E27FC236}">
+                <a16:creationId xmlns:a16="http://schemas.microsoft.com/office/drawing/2014/main" id="{973281D7-EA37-9427-7224-C4ACF56F79EF}"/>
+              </a:ext>
+            </a:extLst>
+          </p:cNvPr>
+          <p:cNvSpPr>
+            <a:spLocks noGrp="1" noRot="1" noMove="1" noResize="1" noEditPoints="1" noAdjustHandles="1" noChangeArrowheads="1" noChangeShapeType="1"/>
+          </p:cNvSpPr>
+          <p:nvPr/>
+        </p:nvSpPr>
+        <p:spPr>
+          <a:xfrm>
+            <a:off x="116202" y="742169"/>
+            <a:ext cx="1828800" cy="5971051"/>
+          </a:xfrm>
+          <a:prstGeom prst="rect">
+            <a:avLst/>
+          </a:prstGeom>
+          <a:solidFill>
+            <a:srgbClr val="AB0520"/>
+          </a:solidFill>
+          <a:effectLst>
+            <a:outerShdw blurRad="63500" sx="102000" sy="102000" algn="ctr" rotWithShape="0">
+              <a:prstClr val="black">
+                <a:alpha val="40000"/>
+              </a:prstClr>
+            </a:outerShdw>
+          </a:effectLst>
+        </p:spPr>
+        <p:style>
+          <a:lnRef idx="2">
+            <a:schemeClr val="accent1">
+              <a:shade val="15000"/>
+            </a:schemeClr>
+          </a:lnRef>
+          <a:fillRef idx="1">
+            <a:schemeClr val="accent1"/>
+          </a:fillRef>
+          <a:effectRef idx="0">
+            <a:schemeClr val="accent1"/>
+          </a:effectRef>
+          <a:fontRef idx="minor">
+            <a:schemeClr val="lt1"/>
+          </a:fontRef>
+        </p:style>
+        <p:txBody>
+          <a:bodyPr rtlCol="0" anchor="ctr"/>
+          <a:lstStyle/>
+          <a:p>
+            <a:pPr algn="ctr"/>
+            <a:endParaRPr lang="en-US"/>
+          </a:p>
+        </p:txBody>
+      </p:sp>
+      <p:sp>
+        <p:nvSpPr>
+          <p:cNvPr id="8" name="Rectangle 7">
+            <a:extLst>
+              <a:ext uri="{FF2B5EF4-FFF2-40B4-BE49-F238E27FC236}">
+                <a16:creationId xmlns:a16="http://schemas.microsoft.com/office/drawing/2014/main" id="{F408EA15-C68A-F5AF-28FE-8F7CB510FE91}"/>
+              </a:ext>
+            </a:extLst>
+          </p:cNvPr>
+          <p:cNvSpPr>
+            <a:spLocks noGrp="1" noRot="1" noMove="1" noResize="1" noEditPoints="1" noAdjustHandles="1" noChangeArrowheads="1" noChangeShapeType="1"/>
+          </p:cNvSpPr>
+          <p:nvPr/>
+        </p:nvSpPr>
+        <p:spPr>
+          <a:xfrm>
+            <a:off x="0" y="0"/>
+            <a:ext cx="12192000" cy="610416"/>
+          </a:xfrm>
+          <a:prstGeom prst="rect">
+            <a:avLst/>
+          </a:prstGeom>
+          <a:solidFill>
+            <a:srgbClr val="9EABAE"/>
+          </a:solidFill>
+          <a:ln>
+            <a:noFill/>
+          </a:ln>
+          <a:effectLst>
+            <a:outerShdw blurRad="50800" dist="38100" dir="2700000" algn="tl" rotWithShape="0">
+              <a:prstClr val="black">
+                <a:alpha val="40000"/>
+              </a:prstClr>
+            </a:outerShdw>
+          </a:effectLst>
+        </p:spPr>
+        <p:style>
+          <a:lnRef idx="2">
+            <a:schemeClr val="accent1">
+              <a:shade val="15000"/>
+            </a:schemeClr>
+          </a:lnRef>
+          <a:fillRef idx="1">
+            <a:schemeClr val="accent1"/>
+          </a:fillRef>
+          <a:effectRef idx="0">
+            <a:schemeClr val="accent1"/>
+          </a:effectRef>
+          <a:fontRef idx="minor">
+            <a:schemeClr val="lt1"/>
+          </a:fontRef>
+        </p:style>
+        <p:txBody>
+          <a:bodyPr rtlCol="0" anchor="ctr"/>
+          <a:lstStyle/>
+          <a:p>
+            <a:pPr algn="ctr"/>
+            <a:endParaRPr lang="en-US"/>
+          </a:p>
+        </p:txBody>
+      </p:sp>
+      <p:sp>
+        <p:nvSpPr>
+          <p:cNvPr id="9" name="Oval 8">
+            <a:extLst>
+              <a:ext uri="{FF2B5EF4-FFF2-40B4-BE49-F238E27FC236}">
+                <a16:creationId xmlns:a16="http://schemas.microsoft.com/office/drawing/2014/main" id="{85044166-FDD0-93AA-ECE7-8265896A7607}"/>
+              </a:ext>
+            </a:extLst>
+          </p:cNvPr>
+          <p:cNvSpPr/>
+          <p:nvPr/>
+        </p:nvSpPr>
+        <p:spPr>
+          <a:xfrm>
+            <a:off x="11329987" y="59268"/>
+            <a:ext cx="502920" cy="502920"/>
+          </a:xfrm>
+          <a:prstGeom prst="ellipse">
+            <a:avLst/>
+          </a:prstGeom>
+        </p:spPr>
+        <p:style>
+          <a:lnRef idx="2">
+            <a:schemeClr val="accent1">
+              <a:shade val="15000"/>
+            </a:schemeClr>
+          </a:lnRef>
+          <a:fillRef idx="1">
+            <a:schemeClr val="accent1"/>
+          </a:fillRef>
+          <a:effectRef idx="0">
+            <a:schemeClr val="accent1"/>
+          </a:effectRef>
+          <a:fontRef idx="minor">
+            <a:schemeClr val="lt1"/>
+          </a:fontRef>
+        </p:style>
+        <p:txBody>
+          <a:bodyPr rtlCol="0" anchor="ctr"/>
+          <a:lstStyle/>
+          <a:p>
+            <a:pPr algn="ctr"/>
+            <a:endParaRPr lang="en-US"/>
+          </a:p>
+        </p:txBody>
+      </p:sp>
+      <p:sp>
+        <p:nvSpPr>
+          <p:cNvPr id="10" name="TextBox 9">
+            <a:extLst>
+              <a:ext uri="{FF2B5EF4-FFF2-40B4-BE49-F238E27FC236}">
+                <a16:creationId xmlns:a16="http://schemas.microsoft.com/office/drawing/2014/main" id="{B61226EA-281F-936B-C814-C552B868043F}"/>
+              </a:ext>
+            </a:extLst>
+          </p:cNvPr>
+          <p:cNvSpPr txBox="1"/>
+          <p:nvPr/>
+        </p:nvSpPr>
+        <p:spPr>
+          <a:xfrm>
+            <a:off x="10044797" y="121543"/>
+            <a:ext cx="1285190" cy="369332"/>
+          </a:xfrm>
+          <a:prstGeom prst="rect">
+            <a:avLst/>
+          </a:prstGeom>
+          <a:noFill/>
+        </p:spPr>
+        <p:txBody>
+          <a:bodyPr wrap="square" rtlCol="0">
+            <a:spAutoFit/>
+          </a:bodyPr>
+          <a:lstStyle/>
+          <a:p>
+            <a:pPr algn="ctr"/>
+            <a:r>
+              <a:rPr lang="en-US" dirty="0"/>
+              <a:t>Username</a:t>
+            </a:r>
+          </a:p>
+        </p:txBody>
+      </p:sp>
+      <p:cxnSp>
+        <p:nvCxnSpPr>
+          <p:cNvPr id="14" name="Straight Connector 13">
+            <a:extLst>
+              <a:ext uri="{FF2B5EF4-FFF2-40B4-BE49-F238E27FC236}">
+                <a16:creationId xmlns:a16="http://schemas.microsoft.com/office/drawing/2014/main" id="{AC5DE34A-1A61-022F-83F1-DA02FE4E9CDF}"/>
+              </a:ext>
+            </a:extLst>
+          </p:cNvPr>
+          <p:cNvCxnSpPr>
+            <a:cxnSpLocks/>
+            <a:stCxn id="12" idx="0"/>
+            <a:endCxn id="12" idx="2"/>
+          </p:cNvCxnSpPr>
+          <p:nvPr/>
+        </p:nvCxnSpPr>
+        <p:spPr>
+          <a:xfrm>
+            <a:off x="10011223" y="991490"/>
+            <a:ext cx="0" cy="493930"/>
+          </a:xfrm>
+          <a:prstGeom prst="line">
+            <a:avLst/>
+          </a:prstGeom>
+          <a:ln w="38100"/>
+        </p:spPr>
+        <p:style>
+          <a:lnRef idx="1">
+            <a:schemeClr val="dk1"/>
+          </a:lnRef>
+          <a:fillRef idx="0">
+            <a:schemeClr val="dk1"/>
+          </a:fillRef>
+          <a:effectRef idx="0">
+            <a:schemeClr val="dk1"/>
+          </a:effectRef>
+          <a:fontRef idx="minor">
+            <a:schemeClr val="tx1"/>
+          </a:fontRef>
+        </p:style>
+      </p:cxnSp>
+      <p:sp>
+        <p:nvSpPr>
+          <p:cNvPr id="23" name="Rectangle 22">
+            <a:extLst>
+              <a:ext uri="{FF2B5EF4-FFF2-40B4-BE49-F238E27FC236}">
+                <a16:creationId xmlns:a16="http://schemas.microsoft.com/office/drawing/2014/main" id="{7903464C-0D80-A53C-DBEB-1BC6E2CCDFF9}"/>
+              </a:ext>
+            </a:extLst>
+          </p:cNvPr>
+          <p:cNvSpPr/>
+          <p:nvPr/>
+        </p:nvSpPr>
+        <p:spPr>
+          <a:xfrm>
+            <a:off x="11991977" y="656213"/>
+            <a:ext cx="200023" cy="6226162"/>
+          </a:xfrm>
+          <a:prstGeom prst="rect">
+            <a:avLst/>
+          </a:prstGeom>
+          <a:solidFill>
+            <a:schemeClr val="bg1">
+              <a:lumMod val="50000"/>
+            </a:schemeClr>
+          </a:solidFill>
+          <a:ln>
+            <a:noFill/>
+          </a:ln>
+        </p:spPr>
+        <p:style>
+          <a:lnRef idx="2">
+            <a:schemeClr val="accent1">
+              <a:shade val="15000"/>
+            </a:schemeClr>
+          </a:lnRef>
+          <a:fillRef idx="1">
+            <a:schemeClr val="accent1"/>
+          </a:fillRef>
+          <a:effectRef idx="0">
+            <a:schemeClr val="accent1"/>
+          </a:effectRef>
+          <a:fontRef idx="minor">
+            <a:schemeClr val="lt1"/>
+          </a:fontRef>
+        </p:style>
+        <p:txBody>
+          <a:bodyPr rtlCol="0" anchor="ctr"/>
+          <a:lstStyle/>
+          <a:p>
+            <a:pPr algn="ctr"/>
+            <a:endParaRPr lang="en-US"/>
+          </a:p>
+        </p:txBody>
+      </p:sp>
+      <p:sp>
+        <p:nvSpPr>
+          <p:cNvPr id="52" name="Rectangle 51">
+            <a:extLst>
+              <a:ext uri="{FF2B5EF4-FFF2-40B4-BE49-F238E27FC236}">
+                <a16:creationId xmlns:a16="http://schemas.microsoft.com/office/drawing/2014/main" id="{54E2C8EB-CDB9-1789-A54D-40E7D8D81913}"/>
+              </a:ext>
+            </a:extLst>
+          </p:cNvPr>
+          <p:cNvSpPr/>
+          <p:nvPr/>
+        </p:nvSpPr>
+        <p:spPr>
+          <a:xfrm>
+            <a:off x="11991978" y="1220832"/>
+            <a:ext cx="200022" cy="2027675"/>
+          </a:xfrm>
+          <a:prstGeom prst="rect">
+            <a:avLst/>
+          </a:prstGeom>
+          <a:solidFill>
+            <a:schemeClr val="bg1">
+              <a:lumMod val="75000"/>
+            </a:schemeClr>
+          </a:solidFill>
+          <a:ln>
+            <a:noFill/>
+          </a:ln>
+        </p:spPr>
+        <p:style>
+          <a:lnRef idx="2">
+            <a:schemeClr val="accent1">
+              <a:shade val="15000"/>
+            </a:schemeClr>
+          </a:lnRef>
+          <a:fillRef idx="1">
+            <a:schemeClr val="accent1"/>
+          </a:fillRef>
+          <a:effectRef idx="0">
+            <a:schemeClr val="accent1"/>
+          </a:effectRef>
+          <a:fontRef idx="minor">
+            <a:schemeClr val="lt1"/>
+          </a:fontRef>
+        </p:style>
+        <p:txBody>
+          <a:bodyPr rtlCol="0" anchor="ctr"/>
+          <a:lstStyle/>
+          <a:p>
+            <a:pPr algn="ctr"/>
+            <a:endParaRPr lang="en-US"/>
+          </a:p>
+        </p:txBody>
+      </p:sp>
+      <p:grpSp>
+        <p:nvGrpSpPr>
+          <p:cNvPr id="57" name="Group 56">
+            <a:extLst>
+              <a:ext uri="{FF2B5EF4-FFF2-40B4-BE49-F238E27FC236}">
+                <a16:creationId xmlns:a16="http://schemas.microsoft.com/office/drawing/2014/main" id="{F9D78735-FE5D-383A-5BE0-6CC40ABA5360}"/>
+              </a:ext>
+            </a:extLst>
+          </p:cNvPr>
+          <p:cNvGrpSpPr/>
+          <p:nvPr/>
+        </p:nvGrpSpPr>
+        <p:grpSpPr>
+          <a:xfrm>
+            <a:off x="11994463" y="610416"/>
+            <a:ext cx="197537" cy="225276"/>
+            <a:chOff x="2862612" y="1773144"/>
+            <a:chExt cx="197537" cy="225276"/>
+          </a:xfrm>
+        </p:grpSpPr>
+        <p:sp>
+          <p:nvSpPr>
+            <p:cNvPr id="54" name="Rectangle 53">
+              <a:extLst>
+                <a:ext uri="{FF2B5EF4-FFF2-40B4-BE49-F238E27FC236}">
+                  <a16:creationId xmlns:a16="http://schemas.microsoft.com/office/drawing/2014/main" id="{4CB062A1-72CE-9BF4-3086-84D7AB217525}"/>
+                </a:ext>
+              </a:extLst>
+            </p:cNvPr>
+            <p:cNvSpPr/>
+            <p:nvPr/>
+          </p:nvSpPr>
+          <p:spPr>
+            <a:xfrm>
+              <a:off x="2862612" y="1773144"/>
+              <a:ext cx="197537" cy="225276"/>
+            </a:xfrm>
+            <a:prstGeom prst="rect">
+              <a:avLst/>
+            </a:prstGeom>
+            <a:solidFill>
+              <a:schemeClr val="bg1">
+                <a:lumMod val="50000"/>
+              </a:schemeClr>
+            </a:solidFill>
+            <a:ln>
+              <a:solidFill>
+                <a:schemeClr val="tx1"/>
+              </a:solidFill>
+            </a:ln>
+          </p:spPr>
+          <p:style>
+            <a:lnRef idx="2">
+              <a:schemeClr val="accent1">
+                <a:shade val="15000"/>
+              </a:schemeClr>
+            </a:lnRef>
+            <a:fillRef idx="1">
+              <a:schemeClr val="accent1"/>
+            </a:fillRef>
+            <a:effectRef idx="0">
+              <a:schemeClr val="accent1"/>
+            </a:effectRef>
+            <a:fontRef idx="minor">
+              <a:schemeClr val="lt1"/>
+            </a:fontRef>
+          </p:style>
+          <p:txBody>
+            <a:bodyPr rtlCol="0" anchor="ctr"/>
+            <a:lstStyle/>
+            <a:p>
+              <a:pPr algn="ctr"/>
+              <a:endParaRPr lang="en-US"/>
+            </a:p>
+          </p:txBody>
+        </p:sp>
+        <p:sp>
+          <p:nvSpPr>
+            <p:cNvPr id="56" name="Arrow: Right 55">
+              <a:extLst>
+                <a:ext uri="{FF2B5EF4-FFF2-40B4-BE49-F238E27FC236}">
+                  <a16:creationId xmlns:a16="http://schemas.microsoft.com/office/drawing/2014/main" id="{8C29BD31-8CF5-3728-D5D4-9DA1905109CA}"/>
+                </a:ext>
+              </a:extLst>
+            </p:cNvPr>
+            <p:cNvSpPr/>
+            <p:nvPr/>
+          </p:nvSpPr>
+          <p:spPr>
+            <a:xfrm rot="16200000">
+              <a:off x="2891169" y="1824036"/>
+              <a:ext cx="133682" cy="123493"/>
+            </a:xfrm>
+            <a:prstGeom prst="rightArrow">
+              <a:avLst/>
+            </a:prstGeom>
+            <a:solidFill>
+              <a:schemeClr val="bg1">
+                <a:lumMod val="50000"/>
+              </a:schemeClr>
+            </a:solidFill>
+            <a:ln w="19050">
+              <a:solidFill>
+                <a:schemeClr val="tx1"/>
+              </a:solidFill>
+            </a:ln>
+          </p:spPr>
+          <p:style>
+            <a:lnRef idx="2">
+              <a:schemeClr val="accent1">
+                <a:shade val="15000"/>
+              </a:schemeClr>
+            </a:lnRef>
+            <a:fillRef idx="1">
+              <a:schemeClr val="accent1"/>
+            </a:fillRef>
+            <a:effectRef idx="0">
+              <a:schemeClr val="accent1"/>
+            </a:effectRef>
+            <a:fontRef idx="minor">
+              <a:schemeClr val="lt1"/>
+            </a:fontRef>
+          </p:style>
+          <p:txBody>
+            <a:bodyPr rtlCol="0" anchor="ctr"/>
+            <a:lstStyle/>
+            <a:p>
+              <a:pPr algn="ctr"/>
+              <a:endParaRPr lang="en-US"/>
+            </a:p>
+          </p:txBody>
+        </p:sp>
+      </p:grpSp>
+      <p:grpSp>
+        <p:nvGrpSpPr>
+          <p:cNvPr id="58" name="Group 57">
+            <a:extLst>
+              <a:ext uri="{FF2B5EF4-FFF2-40B4-BE49-F238E27FC236}">
+                <a16:creationId xmlns:a16="http://schemas.microsoft.com/office/drawing/2014/main" id="{3671ED0B-A4E6-3F4C-8149-4F59D3F1B5E9}"/>
+              </a:ext>
+            </a:extLst>
+          </p:cNvPr>
+          <p:cNvGrpSpPr/>
+          <p:nvPr/>
+        </p:nvGrpSpPr>
+        <p:grpSpPr>
+          <a:xfrm rot="10800000">
+            <a:off x="11994463" y="6657099"/>
+            <a:ext cx="197537" cy="225276"/>
+            <a:chOff x="2862612" y="1773144"/>
+            <a:chExt cx="197537" cy="225276"/>
+          </a:xfrm>
+        </p:grpSpPr>
+        <p:sp>
+          <p:nvSpPr>
+            <p:cNvPr id="59" name="Rectangle 58">
+              <a:extLst>
+                <a:ext uri="{FF2B5EF4-FFF2-40B4-BE49-F238E27FC236}">
+                  <a16:creationId xmlns:a16="http://schemas.microsoft.com/office/drawing/2014/main" id="{BD47F4B1-6A44-6E2D-4A49-F59CEBD4E682}"/>
+                </a:ext>
+              </a:extLst>
+            </p:cNvPr>
+            <p:cNvSpPr/>
+            <p:nvPr/>
+          </p:nvSpPr>
+          <p:spPr>
+            <a:xfrm>
+              <a:off x="2862612" y="1773144"/>
+              <a:ext cx="197537" cy="225276"/>
+            </a:xfrm>
+            <a:prstGeom prst="rect">
+              <a:avLst/>
+            </a:prstGeom>
+            <a:solidFill>
+              <a:schemeClr val="bg1">
+                <a:lumMod val="50000"/>
+              </a:schemeClr>
+            </a:solidFill>
+            <a:ln>
+              <a:solidFill>
+                <a:schemeClr val="tx1"/>
+              </a:solidFill>
+            </a:ln>
+          </p:spPr>
+          <p:style>
+            <a:lnRef idx="2">
+              <a:schemeClr val="accent1">
+                <a:shade val="15000"/>
+              </a:schemeClr>
+            </a:lnRef>
+            <a:fillRef idx="1">
+              <a:schemeClr val="accent1"/>
+            </a:fillRef>
+            <a:effectRef idx="0">
+              <a:schemeClr val="accent1"/>
+            </a:effectRef>
+            <a:fontRef idx="minor">
+              <a:schemeClr val="lt1"/>
+            </a:fontRef>
+          </p:style>
+          <p:txBody>
+            <a:bodyPr rtlCol="0" anchor="ctr"/>
+            <a:lstStyle/>
+            <a:p>
+              <a:pPr algn="ctr"/>
+              <a:endParaRPr lang="en-US"/>
+            </a:p>
+          </p:txBody>
+        </p:sp>
+        <p:sp>
+          <p:nvSpPr>
+            <p:cNvPr id="60" name="Arrow: Right 59">
+              <a:extLst>
+                <a:ext uri="{FF2B5EF4-FFF2-40B4-BE49-F238E27FC236}">
+                  <a16:creationId xmlns:a16="http://schemas.microsoft.com/office/drawing/2014/main" id="{508E2F9A-900D-F01F-1A9C-87203D45AFEE}"/>
+                </a:ext>
+              </a:extLst>
+            </p:cNvPr>
+            <p:cNvSpPr/>
+            <p:nvPr/>
+          </p:nvSpPr>
+          <p:spPr>
+            <a:xfrm rot="16200000">
+              <a:off x="2891169" y="1824036"/>
+              <a:ext cx="133682" cy="123493"/>
+            </a:xfrm>
+            <a:prstGeom prst="rightArrow">
+              <a:avLst/>
+            </a:prstGeom>
+            <a:solidFill>
+              <a:schemeClr val="bg1">
+                <a:lumMod val="50000"/>
+              </a:schemeClr>
+            </a:solidFill>
+            <a:ln w="19050">
+              <a:solidFill>
+                <a:schemeClr val="tx1"/>
+              </a:solidFill>
+            </a:ln>
+          </p:spPr>
+          <p:style>
+            <a:lnRef idx="2">
+              <a:schemeClr val="accent1">
+                <a:shade val="15000"/>
+              </a:schemeClr>
+            </a:lnRef>
+            <a:fillRef idx="1">
+              <a:schemeClr val="accent1"/>
+            </a:fillRef>
+            <a:effectRef idx="0">
+              <a:schemeClr val="accent1"/>
+            </a:effectRef>
+            <a:fontRef idx="minor">
+              <a:schemeClr val="lt1"/>
+            </a:fontRef>
+          </p:style>
+          <p:txBody>
+            <a:bodyPr rtlCol="0" anchor="ctr"/>
+            <a:lstStyle/>
+            <a:p>
+              <a:pPr algn="ctr"/>
+              <a:endParaRPr lang="en-US"/>
+            </a:p>
+          </p:txBody>
+        </p:sp>
+      </p:grpSp>
+      <p:grpSp>
+        <p:nvGrpSpPr>
+          <p:cNvPr id="65" name="Group 64">
+            <a:extLst>
+              <a:ext uri="{FF2B5EF4-FFF2-40B4-BE49-F238E27FC236}">
+                <a16:creationId xmlns:a16="http://schemas.microsoft.com/office/drawing/2014/main" id="{B2DA1760-1232-993E-D85A-EB6055CC15DE}"/>
+              </a:ext>
+            </a:extLst>
+          </p:cNvPr>
+          <p:cNvGrpSpPr/>
+          <p:nvPr/>
+        </p:nvGrpSpPr>
+        <p:grpSpPr>
+          <a:xfrm>
+            <a:off x="88971" y="1183431"/>
+            <a:ext cx="1766550" cy="369332"/>
+            <a:chOff x="2272751" y="832169"/>
+            <a:chExt cx="1766550" cy="369332"/>
+          </a:xfrm>
+        </p:grpSpPr>
+        <p:sp>
+          <p:nvSpPr>
+            <p:cNvPr id="61" name="TextBox 60">
+              <a:extLst>
+                <a:ext uri="{FF2B5EF4-FFF2-40B4-BE49-F238E27FC236}">
+                  <a16:creationId xmlns:a16="http://schemas.microsoft.com/office/drawing/2014/main" id="{6A508007-7846-D104-8EAA-B3E24ED0B01D}"/>
+                </a:ext>
+              </a:extLst>
+            </p:cNvPr>
+            <p:cNvSpPr txBox="1"/>
+            <p:nvPr/>
+          </p:nvSpPr>
+          <p:spPr>
+            <a:xfrm>
+              <a:off x="2272751" y="832169"/>
+              <a:ext cx="1530854" cy="369332"/>
+            </a:xfrm>
+            <a:prstGeom prst="rect">
+              <a:avLst/>
+            </a:prstGeom>
+            <a:noFill/>
+          </p:spPr>
+          <p:txBody>
+            <a:bodyPr wrap="square" rtlCol="0">
+              <a:spAutoFit/>
+            </a:bodyPr>
+            <a:lstStyle/>
+            <a:p>
+              <a:r>
+                <a:rPr lang="en-US" b="1" dirty="0">
+                  <a:latin typeface="Arial" panose="020B0604020202020204" pitchFamily="34" charset="0"/>
+                  <a:cs typeface="Arial" panose="020B0604020202020204" pitchFamily="34" charset="0"/>
+                </a:rPr>
+                <a:t>New Project</a:t>
+              </a:r>
+            </a:p>
+          </p:txBody>
+        </p:sp>
+        <p:sp>
+          <p:nvSpPr>
+            <p:cNvPr id="64" name="Oval 63">
+              <a:extLst>
+                <a:ext uri="{FF2B5EF4-FFF2-40B4-BE49-F238E27FC236}">
+                  <a16:creationId xmlns:a16="http://schemas.microsoft.com/office/drawing/2014/main" id="{8BD9DB1F-8890-0212-5407-DE21974B45DB}"/>
+                </a:ext>
+              </a:extLst>
+            </p:cNvPr>
+            <p:cNvSpPr/>
+            <p:nvPr/>
+          </p:nvSpPr>
+          <p:spPr>
+            <a:xfrm>
+              <a:off x="3717007" y="889574"/>
+              <a:ext cx="322294" cy="267109"/>
+            </a:xfrm>
+            <a:prstGeom prst="ellipse">
+              <a:avLst/>
+            </a:prstGeom>
+            <a:solidFill>
+              <a:srgbClr val="F4EDE5"/>
+            </a:solidFill>
+            <a:ln>
+              <a:noFill/>
+            </a:ln>
+          </p:spPr>
+          <p:style>
+            <a:lnRef idx="2">
+              <a:schemeClr val="accent1">
+                <a:shade val="15000"/>
+              </a:schemeClr>
+            </a:lnRef>
+            <a:fillRef idx="1">
+              <a:schemeClr val="accent1"/>
+            </a:fillRef>
+            <a:effectRef idx="0">
+              <a:schemeClr val="accent1"/>
+            </a:effectRef>
+            <a:fontRef idx="minor">
+              <a:schemeClr val="lt1"/>
+            </a:fontRef>
+          </p:style>
+          <p:txBody>
+            <a:bodyPr rtlCol="0" anchor="ctr"/>
+            <a:lstStyle/>
+            <a:p>
+              <a:pPr algn="ctr"/>
+              <a:endParaRPr lang="en-US"/>
+            </a:p>
+          </p:txBody>
+        </p:sp>
+        <p:sp>
+          <p:nvSpPr>
+            <p:cNvPr id="63" name="Plus Sign 62">
+              <a:extLst>
+                <a:ext uri="{FF2B5EF4-FFF2-40B4-BE49-F238E27FC236}">
+                  <a16:creationId xmlns:a16="http://schemas.microsoft.com/office/drawing/2014/main" id="{E3B14ECB-B434-F17F-5FA2-E7F53D3F9890}"/>
+                </a:ext>
+              </a:extLst>
+            </p:cNvPr>
+            <p:cNvSpPr/>
+            <p:nvPr/>
+          </p:nvSpPr>
+          <p:spPr>
+            <a:xfrm>
+              <a:off x="3740042" y="887193"/>
+              <a:ext cx="276225" cy="269490"/>
+            </a:xfrm>
+            <a:prstGeom prst="mathPlus">
+              <a:avLst/>
+            </a:prstGeom>
+            <a:solidFill>
+              <a:schemeClr val="tx1"/>
+            </a:solidFill>
+            <a:ln>
+              <a:noFill/>
+            </a:ln>
+          </p:spPr>
+          <p:style>
+            <a:lnRef idx="2">
+              <a:schemeClr val="accent1">
+                <a:shade val="15000"/>
+              </a:schemeClr>
+            </a:lnRef>
+            <a:fillRef idx="1">
+              <a:schemeClr val="accent1"/>
+            </a:fillRef>
+            <a:effectRef idx="0">
+              <a:schemeClr val="accent1"/>
+            </a:effectRef>
+            <a:fontRef idx="minor">
+              <a:schemeClr val="lt1"/>
+            </a:fontRef>
+          </p:style>
+          <p:txBody>
+            <a:bodyPr rtlCol="0" anchor="ctr"/>
+            <a:lstStyle/>
+            <a:p>
+              <a:pPr algn="ctr"/>
+              <a:endParaRPr lang="en-US" dirty="0"/>
+            </a:p>
+          </p:txBody>
+        </p:sp>
+      </p:grpSp>
+      <p:sp>
+        <p:nvSpPr>
+          <p:cNvPr id="66" name="TextBox 65">
+            <a:extLst>
+              <a:ext uri="{FF2B5EF4-FFF2-40B4-BE49-F238E27FC236}">
+                <a16:creationId xmlns:a16="http://schemas.microsoft.com/office/drawing/2014/main" id="{A0C68395-DA4E-EB49-4BAE-DCC93C2FD74A}"/>
+              </a:ext>
+            </a:extLst>
+          </p:cNvPr>
+          <p:cNvSpPr txBox="1"/>
+          <p:nvPr/>
+        </p:nvSpPr>
+        <p:spPr>
+          <a:xfrm>
+            <a:off x="102571" y="1604463"/>
+            <a:ext cx="1641987" cy="276999"/>
+          </a:xfrm>
+          <a:prstGeom prst="rect">
+            <a:avLst/>
+          </a:prstGeom>
+          <a:noFill/>
+        </p:spPr>
+        <p:txBody>
+          <a:bodyPr wrap="square" rtlCol="0">
+            <a:spAutoFit/>
+          </a:bodyPr>
+          <a:lstStyle/>
+          <a:p>
+            <a:r>
+              <a:rPr lang="en-US" sz="1200" dirty="0">
+                <a:latin typeface="Arial" panose="020B0604020202020204" pitchFamily="34" charset="0"/>
+                <a:cs typeface="Arial" panose="020B0604020202020204" pitchFamily="34" charset="0"/>
+              </a:rPr>
+              <a:t>Software Engineering</a:t>
+            </a:r>
+          </a:p>
+        </p:txBody>
+      </p:sp>
+      <p:sp>
+        <p:nvSpPr>
+          <p:cNvPr id="67" name="Oval 66">
+            <a:extLst>
+              <a:ext uri="{FF2B5EF4-FFF2-40B4-BE49-F238E27FC236}">
+                <a16:creationId xmlns:a16="http://schemas.microsoft.com/office/drawing/2014/main" id="{8492EC9B-ABEB-2D1A-E8A2-F7629FB83910}"/>
+              </a:ext>
+            </a:extLst>
+          </p:cNvPr>
+          <p:cNvSpPr/>
+          <p:nvPr/>
+        </p:nvSpPr>
+        <p:spPr>
+          <a:xfrm>
+            <a:off x="354657" y="1920319"/>
+            <a:ext cx="89350" cy="91440"/>
+          </a:xfrm>
+          <a:prstGeom prst="ellipse">
+            <a:avLst/>
+          </a:prstGeom>
+          <a:solidFill>
+            <a:schemeClr val="tx1"/>
+          </a:solidFill>
+          <a:ln>
+            <a:noFill/>
+          </a:ln>
+        </p:spPr>
+        <p:style>
+          <a:lnRef idx="2">
+            <a:schemeClr val="accent1">
+              <a:shade val="15000"/>
+            </a:schemeClr>
+          </a:lnRef>
+          <a:fillRef idx="1">
+            <a:schemeClr val="accent1"/>
+          </a:fillRef>
+          <a:effectRef idx="0">
+            <a:schemeClr val="accent1"/>
+          </a:effectRef>
+          <a:fontRef idx="minor">
+            <a:schemeClr val="lt1"/>
+          </a:fontRef>
+        </p:style>
+        <p:txBody>
+          <a:bodyPr rtlCol="0" anchor="ctr"/>
+          <a:lstStyle/>
+          <a:p>
+            <a:pPr algn="ctr"/>
+            <a:endParaRPr lang="en-US"/>
+          </a:p>
+        </p:txBody>
+      </p:sp>
+      <p:sp>
+        <p:nvSpPr>
+          <p:cNvPr id="68" name="TextBox 67">
+            <a:extLst>
+              <a:ext uri="{FF2B5EF4-FFF2-40B4-BE49-F238E27FC236}">
+                <a16:creationId xmlns:a16="http://schemas.microsoft.com/office/drawing/2014/main" id="{15CC5C3A-290A-D5D8-6D1C-7878B2E329C3}"/>
+              </a:ext>
+            </a:extLst>
+          </p:cNvPr>
+          <p:cNvSpPr txBox="1"/>
+          <p:nvPr/>
+        </p:nvSpPr>
+        <p:spPr>
+          <a:xfrm>
+            <a:off x="438968" y="1835235"/>
+            <a:ext cx="1056124" cy="261610"/>
+          </a:xfrm>
+          <a:prstGeom prst="rect">
+            <a:avLst/>
+          </a:prstGeom>
+          <a:noFill/>
+        </p:spPr>
+        <p:txBody>
+          <a:bodyPr wrap="square" rtlCol="0">
+            <a:spAutoFit/>
+          </a:bodyPr>
+          <a:lstStyle/>
+          <a:p>
+            <a:r>
+              <a:rPr lang="en-US" sz="1050" dirty="0">
+                <a:latin typeface="Arial" panose="020B0604020202020204" pitchFamily="34" charset="0"/>
+                <a:cs typeface="Arial" panose="020B0604020202020204" pitchFamily="34" charset="0"/>
+              </a:rPr>
+              <a:t>UML Diagram</a:t>
+            </a:r>
+          </a:p>
+        </p:txBody>
+      </p:sp>
+      <p:sp>
+        <p:nvSpPr>
+          <p:cNvPr id="72" name="TextBox 71">
+            <a:extLst>
+              <a:ext uri="{FF2B5EF4-FFF2-40B4-BE49-F238E27FC236}">
+                <a16:creationId xmlns:a16="http://schemas.microsoft.com/office/drawing/2014/main" id="{233674F2-1ECA-0477-F176-CD0C859E2555}"/>
+              </a:ext>
+            </a:extLst>
+          </p:cNvPr>
+          <p:cNvSpPr txBox="1"/>
+          <p:nvPr/>
+        </p:nvSpPr>
+        <p:spPr>
+          <a:xfrm>
+            <a:off x="94515" y="2112234"/>
+            <a:ext cx="1641987" cy="276999"/>
+          </a:xfrm>
+          <a:prstGeom prst="rect">
+            <a:avLst/>
+          </a:prstGeom>
+          <a:noFill/>
+        </p:spPr>
+        <p:txBody>
+          <a:bodyPr wrap="square" rtlCol="0">
+            <a:spAutoFit/>
+          </a:bodyPr>
+          <a:lstStyle/>
+          <a:p>
+            <a:r>
+              <a:rPr lang="en-US" sz="1200" dirty="0">
+                <a:latin typeface="Arial" panose="020B0604020202020204" pitchFamily="34" charset="0"/>
+                <a:cs typeface="Arial" panose="020B0604020202020204" pitchFamily="34" charset="0"/>
+              </a:rPr>
+              <a:t>Cyber Security</a:t>
+            </a:r>
+          </a:p>
+        </p:txBody>
+      </p:sp>
+      <p:sp>
+        <p:nvSpPr>
+          <p:cNvPr id="73" name="Oval 72">
+            <a:extLst>
+              <a:ext uri="{FF2B5EF4-FFF2-40B4-BE49-F238E27FC236}">
+                <a16:creationId xmlns:a16="http://schemas.microsoft.com/office/drawing/2014/main" id="{60557BBC-7190-2ED2-76E4-E0E3E894C534}"/>
+              </a:ext>
+            </a:extLst>
+          </p:cNvPr>
+          <p:cNvSpPr/>
+          <p:nvPr/>
+        </p:nvSpPr>
+        <p:spPr>
+          <a:xfrm>
+            <a:off x="346601" y="2428090"/>
+            <a:ext cx="89350" cy="91440"/>
+          </a:xfrm>
+          <a:prstGeom prst="ellipse">
+            <a:avLst/>
+          </a:prstGeom>
+          <a:solidFill>
+            <a:schemeClr val="tx1"/>
+          </a:solidFill>
+          <a:ln>
+            <a:noFill/>
+          </a:ln>
+        </p:spPr>
+        <p:style>
+          <a:lnRef idx="2">
+            <a:schemeClr val="accent1">
+              <a:shade val="15000"/>
+            </a:schemeClr>
+          </a:lnRef>
+          <a:fillRef idx="1">
+            <a:schemeClr val="accent1"/>
+          </a:fillRef>
+          <a:effectRef idx="0">
+            <a:schemeClr val="accent1"/>
+          </a:effectRef>
+          <a:fontRef idx="minor">
+            <a:schemeClr val="lt1"/>
+          </a:fontRef>
+        </p:style>
+        <p:txBody>
+          <a:bodyPr rtlCol="0" anchor="ctr"/>
+          <a:lstStyle/>
+          <a:p>
+            <a:pPr algn="ctr"/>
+            <a:endParaRPr lang="en-US"/>
+          </a:p>
+        </p:txBody>
+      </p:sp>
+      <p:sp>
+        <p:nvSpPr>
+          <p:cNvPr id="74" name="TextBox 73">
+            <a:extLst>
+              <a:ext uri="{FF2B5EF4-FFF2-40B4-BE49-F238E27FC236}">
+                <a16:creationId xmlns:a16="http://schemas.microsoft.com/office/drawing/2014/main" id="{498AED97-F6BE-046B-2369-2D40C746E06C}"/>
+              </a:ext>
+            </a:extLst>
+          </p:cNvPr>
+          <p:cNvSpPr txBox="1"/>
+          <p:nvPr/>
+        </p:nvSpPr>
+        <p:spPr>
+          <a:xfrm>
+            <a:off x="430911" y="2343006"/>
+            <a:ext cx="1897117" cy="415498"/>
+          </a:xfrm>
+          <a:prstGeom prst="rect">
+            <a:avLst/>
+          </a:prstGeom>
+          <a:noFill/>
+        </p:spPr>
+        <p:txBody>
+          <a:bodyPr wrap="square" rtlCol="0">
+            <a:spAutoFit/>
+          </a:bodyPr>
+          <a:lstStyle/>
+          <a:p>
+            <a:r>
+              <a:rPr lang="en-US" sz="1050" dirty="0">
+                <a:latin typeface="Arial" panose="020B0604020202020204" pitchFamily="34" charset="0"/>
+                <a:cs typeface="Arial" panose="020B0604020202020204" pitchFamily="34" charset="0"/>
+              </a:rPr>
+              <a:t>Network Topology </a:t>
+            </a:r>
+          </a:p>
+          <a:p>
+            <a:r>
+              <a:rPr lang="en-US" sz="1050" dirty="0">
+                <a:latin typeface="Arial" panose="020B0604020202020204" pitchFamily="34" charset="0"/>
+                <a:cs typeface="Arial" panose="020B0604020202020204" pitchFamily="34" charset="0"/>
+              </a:rPr>
+              <a:t>Diagram</a:t>
+            </a:r>
+          </a:p>
+        </p:txBody>
+      </p:sp>
+      <p:sp>
+        <p:nvSpPr>
+          <p:cNvPr id="78" name="TextBox 77">
+            <a:extLst>
+              <a:ext uri="{FF2B5EF4-FFF2-40B4-BE49-F238E27FC236}">
+                <a16:creationId xmlns:a16="http://schemas.microsoft.com/office/drawing/2014/main" id="{10A695D4-81CA-ECEA-F584-FD18DE66FC45}"/>
+              </a:ext>
+            </a:extLst>
+          </p:cNvPr>
+          <p:cNvSpPr txBox="1"/>
+          <p:nvPr/>
+        </p:nvSpPr>
+        <p:spPr>
+          <a:xfrm>
+            <a:off x="103939" y="2756606"/>
+            <a:ext cx="1641987" cy="276999"/>
+          </a:xfrm>
+          <a:prstGeom prst="rect">
+            <a:avLst/>
+          </a:prstGeom>
+          <a:noFill/>
+        </p:spPr>
+        <p:txBody>
+          <a:bodyPr wrap="square" rtlCol="0">
+            <a:spAutoFit/>
+          </a:bodyPr>
+          <a:lstStyle/>
+          <a:p>
+            <a:r>
+              <a:rPr lang="en-US" sz="1200" dirty="0">
+                <a:latin typeface="Arial" panose="020B0604020202020204" pitchFamily="34" charset="0"/>
+                <a:cs typeface="Arial" panose="020B0604020202020204" pitchFamily="34" charset="0"/>
+              </a:rPr>
+              <a:t>Web Development</a:t>
+            </a:r>
+          </a:p>
+        </p:txBody>
+      </p:sp>
+      <p:sp>
+        <p:nvSpPr>
+          <p:cNvPr id="79" name="Oval 78">
+            <a:extLst>
+              <a:ext uri="{FF2B5EF4-FFF2-40B4-BE49-F238E27FC236}">
+                <a16:creationId xmlns:a16="http://schemas.microsoft.com/office/drawing/2014/main" id="{A7E6574F-8BE9-E159-3D84-6AC01F9241F3}"/>
+              </a:ext>
+            </a:extLst>
+          </p:cNvPr>
+          <p:cNvSpPr/>
+          <p:nvPr/>
+        </p:nvSpPr>
+        <p:spPr>
+          <a:xfrm>
+            <a:off x="356025" y="3072462"/>
+            <a:ext cx="89350" cy="91440"/>
+          </a:xfrm>
+          <a:prstGeom prst="ellipse">
+            <a:avLst/>
+          </a:prstGeom>
+          <a:solidFill>
+            <a:schemeClr val="tx1"/>
+          </a:solidFill>
+          <a:ln>
+            <a:noFill/>
+          </a:ln>
+        </p:spPr>
+        <p:style>
+          <a:lnRef idx="2">
+            <a:schemeClr val="accent1">
+              <a:shade val="15000"/>
+            </a:schemeClr>
+          </a:lnRef>
+          <a:fillRef idx="1">
+            <a:schemeClr val="accent1"/>
+          </a:fillRef>
+          <a:effectRef idx="0">
+            <a:schemeClr val="accent1"/>
+          </a:effectRef>
+          <a:fontRef idx="minor">
+            <a:schemeClr val="lt1"/>
+          </a:fontRef>
+        </p:style>
+        <p:txBody>
+          <a:bodyPr rtlCol="0" anchor="ctr"/>
+          <a:lstStyle/>
+          <a:p>
+            <a:pPr algn="ctr"/>
+            <a:endParaRPr lang="en-US"/>
+          </a:p>
+        </p:txBody>
+      </p:sp>
+      <p:sp>
+        <p:nvSpPr>
+          <p:cNvPr id="80" name="TextBox 79">
+            <a:extLst>
+              <a:ext uri="{FF2B5EF4-FFF2-40B4-BE49-F238E27FC236}">
+                <a16:creationId xmlns:a16="http://schemas.microsoft.com/office/drawing/2014/main" id="{A7CB2892-F2A3-12D3-92B5-5ADF0496A944}"/>
+              </a:ext>
+            </a:extLst>
+          </p:cNvPr>
+          <p:cNvSpPr txBox="1"/>
+          <p:nvPr/>
+        </p:nvSpPr>
+        <p:spPr>
+          <a:xfrm>
+            <a:off x="440335" y="2987378"/>
+            <a:ext cx="1350121" cy="253916"/>
+          </a:xfrm>
+          <a:prstGeom prst="rect">
+            <a:avLst/>
+          </a:prstGeom>
+          <a:noFill/>
+        </p:spPr>
+        <p:txBody>
+          <a:bodyPr wrap="square" rtlCol="0">
+            <a:spAutoFit/>
+          </a:bodyPr>
+          <a:lstStyle/>
+          <a:p>
+            <a:r>
+              <a:rPr lang="en-US" sz="1050" dirty="0">
+                <a:latin typeface="Arial" panose="020B0604020202020204" pitchFamily="34" charset="0"/>
+                <a:cs typeface="Arial" panose="020B0604020202020204" pitchFamily="34" charset="0"/>
+              </a:rPr>
+              <a:t>Wireframe Diagram</a:t>
+            </a:r>
+          </a:p>
+        </p:txBody>
+      </p:sp>
+      <p:sp>
+        <p:nvSpPr>
+          <p:cNvPr id="81" name="TextBox 80">
+            <a:extLst>
+              <a:ext uri="{FF2B5EF4-FFF2-40B4-BE49-F238E27FC236}">
+                <a16:creationId xmlns:a16="http://schemas.microsoft.com/office/drawing/2014/main" id="{43FE1A92-9878-C76B-80A0-C6F08A811919}"/>
+              </a:ext>
+            </a:extLst>
+          </p:cNvPr>
+          <p:cNvSpPr txBox="1"/>
+          <p:nvPr/>
+        </p:nvSpPr>
+        <p:spPr>
+          <a:xfrm>
+            <a:off x="95883" y="3264377"/>
+            <a:ext cx="1641987" cy="276999"/>
+          </a:xfrm>
+          <a:prstGeom prst="rect">
+            <a:avLst/>
+          </a:prstGeom>
+          <a:noFill/>
+        </p:spPr>
+        <p:txBody>
+          <a:bodyPr wrap="square" rtlCol="0">
+            <a:spAutoFit/>
+          </a:bodyPr>
+          <a:lstStyle/>
+          <a:p>
+            <a:r>
+              <a:rPr lang="en-US" sz="1200" dirty="0">
+                <a:latin typeface="Arial" panose="020B0604020202020204" pitchFamily="34" charset="0"/>
+                <a:cs typeface="Arial" panose="020B0604020202020204" pitchFamily="34" charset="0"/>
+              </a:rPr>
+              <a:t>Computer Science</a:t>
+            </a:r>
+          </a:p>
+        </p:txBody>
+      </p:sp>
+      <p:sp>
+        <p:nvSpPr>
+          <p:cNvPr id="82" name="Oval 81">
+            <a:extLst>
+              <a:ext uri="{FF2B5EF4-FFF2-40B4-BE49-F238E27FC236}">
+                <a16:creationId xmlns:a16="http://schemas.microsoft.com/office/drawing/2014/main" id="{25E9B1EF-E586-58CD-2BC0-D374ADA6A7BC}"/>
+              </a:ext>
+            </a:extLst>
+          </p:cNvPr>
+          <p:cNvSpPr/>
+          <p:nvPr/>
+        </p:nvSpPr>
+        <p:spPr>
+          <a:xfrm>
+            <a:off x="347969" y="3580233"/>
+            <a:ext cx="89350" cy="91440"/>
+          </a:xfrm>
+          <a:prstGeom prst="ellipse">
+            <a:avLst/>
+          </a:prstGeom>
+          <a:solidFill>
+            <a:schemeClr val="tx1"/>
+          </a:solidFill>
+          <a:ln>
+            <a:noFill/>
+          </a:ln>
+        </p:spPr>
+        <p:style>
+          <a:lnRef idx="2">
+            <a:schemeClr val="accent1">
+              <a:shade val="15000"/>
+            </a:schemeClr>
+          </a:lnRef>
+          <a:fillRef idx="1">
+            <a:schemeClr val="accent1"/>
+          </a:fillRef>
+          <a:effectRef idx="0">
+            <a:schemeClr val="accent1"/>
+          </a:effectRef>
+          <a:fontRef idx="minor">
+            <a:schemeClr val="lt1"/>
+          </a:fontRef>
+        </p:style>
+        <p:txBody>
+          <a:bodyPr rtlCol="0" anchor="ctr"/>
+          <a:lstStyle/>
+          <a:p>
+            <a:pPr algn="ctr"/>
+            <a:endParaRPr lang="en-US"/>
+          </a:p>
+        </p:txBody>
+      </p:sp>
+      <p:sp>
+        <p:nvSpPr>
+          <p:cNvPr id="83" name="TextBox 82">
+            <a:extLst>
+              <a:ext uri="{FF2B5EF4-FFF2-40B4-BE49-F238E27FC236}">
+                <a16:creationId xmlns:a16="http://schemas.microsoft.com/office/drawing/2014/main" id="{29B9547E-1EBB-F1DB-E924-A99FD9364581}"/>
+              </a:ext>
+            </a:extLst>
+          </p:cNvPr>
+          <p:cNvSpPr txBox="1"/>
+          <p:nvPr/>
+        </p:nvSpPr>
+        <p:spPr>
+          <a:xfrm>
+            <a:off x="432280" y="3495149"/>
+            <a:ext cx="1056124" cy="253916"/>
+          </a:xfrm>
+          <a:prstGeom prst="rect">
+            <a:avLst/>
+          </a:prstGeom>
+          <a:noFill/>
+        </p:spPr>
+        <p:txBody>
+          <a:bodyPr wrap="square" rtlCol="0">
+            <a:spAutoFit/>
+          </a:bodyPr>
+          <a:lstStyle/>
+          <a:p>
+            <a:r>
+              <a:rPr lang="en-US" sz="1050" dirty="0">
+                <a:latin typeface="Arial" panose="020B0604020202020204" pitchFamily="34" charset="0"/>
+                <a:cs typeface="Arial" panose="020B0604020202020204" pitchFamily="34" charset="0"/>
+              </a:rPr>
+              <a:t>Tree Diagram</a:t>
+            </a:r>
+          </a:p>
+        </p:txBody>
+      </p:sp>
+      <p:pic>
+        <p:nvPicPr>
+          <p:cNvPr id="85" name="Graphic 84" descr="Badge Question Mark with solid fill">
+            <a:extLst>
+              <a:ext uri="{FF2B5EF4-FFF2-40B4-BE49-F238E27FC236}">
+                <a16:creationId xmlns:a16="http://schemas.microsoft.com/office/drawing/2014/main" id="{63B68706-CBE0-595F-6FF3-993A6DF62081}"/>
+              </a:ext>
+            </a:extLst>
+          </p:cNvPr>
+          <p:cNvPicPr>
+            <a:picLocks noChangeAspect="1"/>
+          </p:cNvPicPr>
+          <p:nvPr/>
+        </p:nvPicPr>
+        <p:blipFill>
+          <a:blip r:embed="rId6">
+            <a:extLst>
+              <a:ext uri="{28A0092B-C50C-407E-A947-70E740481C1C}">
+                <a14:useLocalDpi xmlns:a14="http://schemas.microsoft.com/office/drawing/2010/main" val="0"/>
+              </a:ext>
+              <a:ext uri="{96DAC541-7B7A-43D3-8B79-37D633B846F1}">
+                <asvg:svgBlip xmlns:asvg="http://schemas.microsoft.com/office/drawing/2016/SVG/main" r:embed="rId7"/>
+              </a:ext>
+            </a:extLst>
+          </a:blip>
+          <a:stretch>
+            <a:fillRect/>
+          </a:stretch>
+        </p:blipFill>
+        <p:spPr>
+          <a:xfrm>
+            <a:off x="1417120" y="1871146"/>
+            <a:ext cx="210405" cy="210405"/>
+          </a:xfrm>
+          <a:prstGeom prst="rect">
+            <a:avLst/>
+          </a:prstGeom>
+        </p:spPr>
+      </p:pic>
+      <p:sp>
+        <p:nvSpPr>
+          <p:cNvPr id="87" name="TextBox 86">
+            <a:extLst>
+              <a:ext uri="{FF2B5EF4-FFF2-40B4-BE49-F238E27FC236}">
+                <a16:creationId xmlns:a16="http://schemas.microsoft.com/office/drawing/2014/main" id="{1094FBC8-D557-F7EB-E82D-5C82C9263DCD}"/>
+              </a:ext>
+            </a:extLst>
+          </p:cNvPr>
+          <p:cNvSpPr txBox="1"/>
+          <p:nvPr/>
+        </p:nvSpPr>
+        <p:spPr>
+          <a:xfrm>
+            <a:off x="125131" y="4358885"/>
+            <a:ext cx="1641987" cy="276999"/>
+          </a:xfrm>
+          <a:prstGeom prst="rect">
+            <a:avLst/>
+          </a:prstGeom>
+          <a:noFill/>
+        </p:spPr>
+        <p:txBody>
+          <a:bodyPr wrap="square" rtlCol="0">
+            <a:spAutoFit/>
+          </a:bodyPr>
+          <a:lstStyle/>
+          <a:p>
+            <a:r>
+              <a:rPr lang="en-US" sz="1200" dirty="0">
+                <a:latin typeface="Arial" panose="020B0604020202020204" pitchFamily="34" charset="0"/>
+                <a:cs typeface="Arial" panose="020B0604020202020204" pitchFamily="34" charset="0"/>
+              </a:rPr>
+              <a:t>Software Engineering</a:t>
+            </a:r>
+          </a:p>
+        </p:txBody>
+      </p:sp>
+      <p:sp>
+        <p:nvSpPr>
+          <p:cNvPr id="88" name="Oval 87">
+            <a:extLst>
+              <a:ext uri="{FF2B5EF4-FFF2-40B4-BE49-F238E27FC236}">
+                <a16:creationId xmlns:a16="http://schemas.microsoft.com/office/drawing/2014/main" id="{EAE96461-C018-3C74-FF56-D4989E07E214}"/>
+              </a:ext>
+            </a:extLst>
+          </p:cNvPr>
+          <p:cNvSpPr/>
+          <p:nvPr/>
+        </p:nvSpPr>
+        <p:spPr>
+          <a:xfrm>
+            <a:off x="377217" y="4674741"/>
+            <a:ext cx="89350" cy="91440"/>
+          </a:xfrm>
+          <a:prstGeom prst="ellipse">
+            <a:avLst/>
+          </a:prstGeom>
+          <a:solidFill>
+            <a:schemeClr val="tx1"/>
+          </a:solidFill>
+          <a:ln>
+            <a:noFill/>
+          </a:ln>
+        </p:spPr>
+        <p:style>
+          <a:lnRef idx="2">
+            <a:schemeClr val="accent1">
+              <a:shade val="15000"/>
+            </a:schemeClr>
+          </a:lnRef>
+          <a:fillRef idx="1">
+            <a:schemeClr val="accent1"/>
+          </a:fillRef>
+          <a:effectRef idx="0">
+            <a:schemeClr val="accent1"/>
+          </a:effectRef>
+          <a:fontRef idx="minor">
+            <a:schemeClr val="lt1"/>
+          </a:fontRef>
+        </p:style>
+        <p:txBody>
+          <a:bodyPr rtlCol="0" anchor="ctr"/>
+          <a:lstStyle/>
+          <a:p>
+            <a:pPr algn="ctr"/>
+            <a:endParaRPr lang="en-US"/>
+          </a:p>
+        </p:txBody>
+      </p:sp>
+      <p:sp>
+        <p:nvSpPr>
+          <p:cNvPr id="89" name="TextBox 88">
+            <a:extLst>
+              <a:ext uri="{FF2B5EF4-FFF2-40B4-BE49-F238E27FC236}">
+                <a16:creationId xmlns:a16="http://schemas.microsoft.com/office/drawing/2014/main" id="{9510D5A2-87AB-B73E-3BC8-6B88A06CD3FB}"/>
+              </a:ext>
+            </a:extLst>
+          </p:cNvPr>
+          <p:cNvSpPr txBox="1"/>
+          <p:nvPr/>
+        </p:nvSpPr>
+        <p:spPr>
+          <a:xfrm>
+            <a:off x="461528" y="4589657"/>
+            <a:ext cx="1056124" cy="261610"/>
+          </a:xfrm>
+          <a:prstGeom prst="rect">
+            <a:avLst/>
+          </a:prstGeom>
+          <a:noFill/>
+        </p:spPr>
+        <p:txBody>
+          <a:bodyPr wrap="square" rtlCol="0">
+            <a:spAutoFit/>
+          </a:bodyPr>
+          <a:lstStyle/>
+          <a:p>
+            <a:r>
+              <a:rPr lang="en-US" sz="1050" dirty="0">
+                <a:latin typeface="Arial" panose="020B0604020202020204" pitchFamily="34" charset="0"/>
+                <a:cs typeface="Arial" panose="020B0604020202020204" pitchFamily="34" charset="0"/>
+              </a:rPr>
+              <a:t>UML Diagram</a:t>
+            </a:r>
+          </a:p>
+        </p:txBody>
+      </p:sp>
+      <p:sp>
+        <p:nvSpPr>
+          <p:cNvPr id="90" name="TextBox 89">
+            <a:extLst>
+              <a:ext uri="{FF2B5EF4-FFF2-40B4-BE49-F238E27FC236}">
+                <a16:creationId xmlns:a16="http://schemas.microsoft.com/office/drawing/2014/main" id="{F94B101A-1880-17C1-EB82-B416FB84B6FA}"/>
+              </a:ext>
+            </a:extLst>
+          </p:cNvPr>
+          <p:cNvSpPr txBox="1"/>
+          <p:nvPr/>
+        </p:nvSpPr>
+        <p:spPr>
+          <a:xfrm>
+            <a:off x="117075" y="4866656"/>
+            <a:ext cx="1641987" cy="276999"/>
+          </a:xfrm>
+          <a:prstGeom prst="rect">
+            <a:avLst/>
+          </a:prstGeom>
+          <a:noFill/>
+        </p:spPr>
+        <p:txBody>
+          <a:bodyPr wrap="square" rtlCol="0">
+            <a:spAutoFit/>
+          </a:bodyPr>
+          <a:lstStyle/>
+          <a:p>
+            <a:r>
+              <a:rPr lang="en-US" sz="1200" dirty="0">
+                <a:latin typeface="Arial" panose="020B0604020202020204" pitchFamily="34" charset="0"/>
+                <a:cs typeface="Arial" panose="020B0604020202020204" pitchFamily="34" charset="0"/>
+              </a:rPr>
+              <a:t>Cyber Security</a:t>
+            </a:r>
+          </a:p>
+        </p:txBody>
+      </p:sp>
+      <p:sp>
+        <p:nvSpPr>
+          <p:cNvPr id="91" name="Oval 90">
+            <a:extLst>
+              <a:ext uri="{FF2B5EF4-FFF2-40B4-BE49-F238E27FC236}">
+                <a16:creationId xmlns:a16="http://schemas.microsoft.com/office/drawing/2014/main" id="{DE2B4427-722F-1CC5-20AA-D95D578F243B}"/>
+              </a:ext>
+            </a:extLst>
+          </p:cNvPr>
+          <p:cNvSpPr/>
+          <p:nvPr/>
+        </p:nvSpPr>
+        <p:spPr>
+          <a:xfrm>
+            <a:off x="369161" y="5182512"/>
+            <a:ext cx="89350" cy="91440"/>
+          </a:xfrm>
+          <a:prstGeom prst="ellipse">
+            <a:avLst/>
+          </a:prstGeom>
+          <a:solidFill>
+            <a:schemeClr val="tx1"/>
+          </a:solidFill>
+          <a:ln>
+            <a:noFill/>
+          </a:ln>
+        </p:spPr>
+        <p:style>
+          <a:lnRef idx="2">
+            <a:schemeClr val="accent1">
+              <a:shade val="15000"/>
+            </a:schemeClr>
+          </a:lnRef>
+          <a:fillRef idx="1">
+            <a:schemeClr val="accent1"/>
+          </a:fillRef>
+          <a:effectRef idx="0">
+            <a:schemeClr val="accent1"/>
+          </a:effectRef>
+          <a:fontRef idx="minor">
+            <a:schemeClr val="lt1"/>
+          </a:fontRef>
+        </p:style>
+        <p:txBody>
+          <a:bodyPr rtlCol="0" anchor="ctr"/>
+          <a:lstStyle/>
+          <a:p>
+            <a:pPr algn="ctr"/>
+            <a:endParaRPr lang="en-US"/>
+          </a:p>
+        </p:txBody>
+      </p:sp>
+      <p:sp>
+        <p:nvSpPr>
+          <p:cNvPr id="92" name="TextBox 91">
+            <a:extLst>
+              <a:ext uri="{FF2B5EF4-FFF2-40B4-BE49-F238E27FC236}">
+                <a16:creationId xmlns:a16="http://schemas.microsoft.com/office/drawing/2014/main" id="{97F74EF6-AB67-933E-C2EF-5EE6B3963FDE}"/>
+              </a:ext>
+            </a:extLst>
+          </p:cNvPr>
+          <p:cNvSpPr txBox="1"/>
+          <p:nvPr/>
+        </p:nvSpPr>
+        <p:spPr>
+          <a:xfrm>
+            <a:off x="126499" y="5511028"/>
+            <a:ext cx="1641987" cy="276999"/>
+          </a:xfrm>
+          <a:prstGeom prst="rect">
+            <a:avLst/>
+          </a:prstGeom>
+          <a:noFill/>
+        </p:spPr>
+        <p:txBody>
+          <a:bodyPr wrap="square" rtlCol="0">
+            <a:spAutoFit/>
+          </a:bodyPr>
+          <a:lstStyle/>
+          <a:p>
+            <a:r>
+              <a:rPr lang="en-US" sz="1200" dirty="0">
+                <a:latin typeface="Arial" panose="020B0604020202020204" pitchFamily="34" charset="0"/>
+                <a:cs typeface="Arial" panose="020B0604020202020204" pitchFamily="34" charset="0"/>
+              </a:rPr>
+              <a:t>Web Development</a:t>
+            </a:r>
+          </a:p>
+        </p:txBody>
+      </p:sp>
+      <p:sp>
+        <p:nvSpPr>
+          <p:cNvPr id="93" name="Oval 92">
+            <a:extLst>
+              <a:ext uri="{FF2B5EF4-FFF2-40B4-BE49-F238E27FC236}">
+                <a16:creationId xmlns:a16="http://schemas.microsoft.com/office/drawing/2014/main" id="{EDA3F47D-C70C-B140-3901-3C255394EB40}"/>
+              </a:ext>
+            </a:extLst>
+          </p:cNvPr>
+          <p:cNvSpPr/>
+          <p:nvPr/>
+        </p:nvSpPr>
+        <p:spPr>
+          <a:xfrm>
+            <a:off x="378585" y="5826884"/>
+            <a:ext cx="89350" cy="91440"/>
+          </a:xfrm>
+          <a:prstGeom prst="ellipse">
+            <a:avLst/>
+          </a:prstGeom>
+          <a:solidFill>
+            <a:schemeClr val="tx1"/>
+          </a:solidFill>
+          <a:ln>
+            <a:noFill/>
+          </a:ln>
+        </p:spPr>
+        <p:style>
+          <a:lnRef idx="2">
+            <a:schemeClr val="accent1">
+              <a:shade val="15000"/>
+            </a:schemeClr>
+          </a:lnRef>
+          <a:fillRef idx="1">
+            <a:schemeClr val="accent1"/>
+          </a:fillRef>
+          <a:effectRef idx="0">
+            <a:schemeClr val="accent1"/>
+          </a:effectRef>
+          <a:fontRef idx="minor">
+            <a:schemeClr val="lt1"/>
+          </a:fontRef>
+        </p:style>
+        <p:txBody>
+          <a:bodyPr rtlCol="0" anchor="ctr"/>
+          <a:lstStyle/>
+          <a:p>
+            <a:pPr algn="ctr"/>
+            <a:endParaRPr lang="en-US"/>
+          </a:p>
+        </p:txBody>
+      </p:sp>
+      <p:sp>
+        <p:nvSpPr>
+          <p:cNvPr id="94" name="TextBox 93">
+            <a:extLst>
+              <a:ext uri="{FF2B5EF4-FFF2-40B4-BE49-F238E27FC236}">
+                <a16:creationId xmlns:a16="http://schemas.microsoft.com/office/drawing/2014/main" id="{AD111B85-EFB7-8F3F-C2CF-AEE9707D9FE5}"/>
+              </a:ext>
+            </a:extLst>
+          </p:cNvPr>
+          <p:cNvSpPr txBox="1"/>
+          <p:nvPr/>
+        </p:nvSpPr>
+        <p:spPr>
+          <a:xfrm>
+            <a:off x="462895" y="5741800"/>
+            <a:ext cx="1350121" cy="253916"/>
+          </a:xfrm>
+          <a:prstGeom prst="rect">
+            <a:avLst/>
+          </a:prstGeom>
+          <a:noFill/>
+        </p:spPr>
+        <p:txBody>
+          <a:bodyPr wrap="square" rtlCol="0">
+            <a:spAutoFit/>
+          </a:bodyPr>
+          <a:lstStyle/>
+          <a:p>
+            <a:r>
+              <a:rPr lang="en-US" sz="1050" dirty="0">
+                <a:latin typeface="Arial" panose="020B0604020202020204" pitchFamily="34" charset="0"/>
+                <a:cs typeface="Arial" panose="020B0604020202020204" pitchFamily="34" charset="0"/>
+              </a:rPr>
+              <a:t>Wireframe Diagram</a:t>
+            </a:r>
+          </a:p>
+        </p:txBody>
+      </p:sp>
+      <p:sp>
+        <p:nvSpPr>
+          <p:cNvPr id="95" name="TextBox 94">
+            <a:extLst>
+              <a:ext uri="{FF2B5EF4-FFF2-40B4-BE49-F238E27FC236}">
+                <a16:creationId xmlns:a16="http://schemas.microsoft.com/office/drawing/2014/main" id="{F8A17E14-137B-42F6-2B6A-909BE9BDA75C}"/>
+              </a:ext>
+            </a:extLst>
+          </p:cNvPr>
+          <p:cNvSpPr txBox="1"/>
+          <p:nvPr/>
+        </p:nvSpPr>
+        <p:spPr>
+          <a:xfrm>
+            <a:off x="118443" y="6018799"/>
+            <a:ext cx="1641987" cy="276999"/>
+          </a:xfrm>
+          <a:prstGeom prst="rect">
+            <a:avLst/>
+          </a:prstGeom>
+          <a:noFill/>
+        </p:spPr>
+        <p:txBody>
+          <a:bodyPr wrap="square" rtlCol="0">
+            <a:spAutoFit/>
+          </a:bodyPr>
+          <a:lstStyle/>
+          <a:p>
+            <a:r>
+              <a:rPr lang="en-US" sz="1200" dirty="0">
+                <a:latin typeface="Arial" panose="020B0604020202020204" pitchFamily="34" charset="0"/>
+                <a:cs typeface="Arial" panose="020B0604020202020204" pitchFamily="34" charset="0"/>
+              </a:rPr>
+              <a:t>Computer Science</a:t>
+            </a:r>
+          </a:p>
+        </p:txBody>
+      </p:sp>
+      <p:sp>
+        <p:nvSpPr>
+          <p:cNvPr id="96" name="Oval 95">
+            <a:extLst>
+              <a:ext uri="{FF2B5EF4-FFF2-40B4-BE49-F238E27FC236}">
+                <a16:creationId xmlns:a16="http://schemas.microsoft.com/office/drawing/2014/main" id="{AD5B5D8E-697E-3C14-98AD-95D2301EF32B}"/>
+              </a:ext>
+            </a:extLst>
+          </p:cNvPr>
+          <p:cNvSpPr/>
+          <p:nvPr/>
+        </p:nvSpPr>
+        <p:spPr>
+          <a:xfrm>
+            <a:off x="370529" y="6334655"/>
+            <a:ext cx="89350" cy="91440"/>
+          </a:xfrm>
+          <a:prstGeom prst="ellipse">
+            <a:avLst/>
+          </a:prstGeom>
+          <a:solidFill>
+            <a:schemeClr val="tx1"/>
+          </a:solidFill>
+          <a:ln>
+            <a:noFill/>
+          </a:ln>
+        </p:spPr>
+        <p:style>
+          <a:lnRef idx="2">
+            <a:schemeClr val="accent1">
+              <a:shade val="15000"/>
+            </a:schemeClr>
+          </a:lnRef>
+          <a:fillRef idx="1">
+            <a:schemeClr val="accent1"/>
+          </a:fillRef>
+          <a:effectRef idx="0">
+            <a:schemeClr val="accent1"/>
+          </a:effectRef>
+          <a:fontRef idx="minor">
+            <a:schemeClr val="lt1"/>
+          </a:fontRef>
+        </p:style>
+        <p:txBody>
+          <a:bodyPr rtlCol="0" anchor="ctr"/>
+          <a:lstStyle/>
+          <a:p>
+            <a:pPr algn="ctr"/>
+            <a:endParaRPr lang="en-US"/>
+          </a:p>
+        </p:txBody>
+      </p:sp>
+      <p:sp>
+        <p:nvSpPr>
+          <p:cNvPr id="97" name="TextBox 96">
+            <a:extLst>
+              <a:ext uri="{FF2B5EF4-FFF2-40B4-BE49-F238E27FC236}">
+                <a16:creationId xmlns:a16="http://schemas.microsoft.com/office/drawing/2014/main" id="{10A61548-57F0-1C5F-6EA6-16FAA2F9BDF6}"/>
+              </a:ext>
+            </a:extLst>
+          </p:cNvPr>
+          <p:cNvSpPr txBox="1"/>
+          <p:nvPr/>
+        </p:nvSpPr>
+        <p:spPr>
+          <a:xfrm>
+            <a:off x="454840" y="6249571"/>
+            <a:ext cx="1056124" cy="253916"/>
+          </a:xfrm>
+          <a:prstGeom prst="rect">
+            <a:avLst/>
+          </a:prstGeom>
+          <a:noFill/>
+        </p:spPr>
+        <p:txBody>
+          <a:bodyPr wrap="square" rtlCol="0">
+            <a:spAutoFit/>
+          </a:bodyPr>
+          <a:lstStyle/>
+          <a:p>
+            <a:r>
+              <a:rPr lang="en-US" sz="1050" dirty="0">
+                <a:latin typeface="Arial" panose="020B0604020202020204" pitchFamily="34" charset="0"/>
+                <a:cs typeface="Arial" panose="020B0604020202020204" pitchFamily="34" charset="0"/>
+              </a:rPr>
+              <a:t>Tree Diagram</a:t>
+            </a:r>
+          </a:p>
+        </p:txBody>
+      </p:sp>
+      <p:pic>
+        <p:nvPicPr>
+          <p:cNvPr id="98" name="Graphic 97" descr="Badge Question Mark with solid fill">
+            <a:extLst>
+              <a:ext uri="{FF2B5EF4-FFF2-40B4-BE49-F238E27FC236}">
+                <a16:creationId xmlns:a16="http://schemas.microsoft.com/office/drawing/2014/main" id="{F4A1041C-D78E-DEF2-B2D5-1A69BA5899A6}"/>
+              </a:ext>
+            </a:extLst>
+          </p:cNvPr>
+          <p:cNvPicPr>
+            <a:picLocks noChangeAspect="1"/>
+          </p:cNvPicPr>
+          <p:nvPr/>
+        </p:nvPicPr>
+        <p:blipFill>
+          <a:blip r:embed="rId6">
+            <a:extLst>
+              <a:ext uri="{28A0092B-C50C-407E-A947-70E740481C1C}">
+                <a14:useLocalDpi xmlns:a14="http://schemas.microsoft.com/office/drawing/2010/main" val="0"/>
+              </a:ext>
+              <a:ext uri="{96DAC541-7B7A-43D3-8B79-37D633B846F1}">
+                <asvg:svgBlip xmlns:asvg="http://schemas.microsoft.com/office/drawing/2016/SVG/main" r:embed="rId7"/>
+              </a:ext>
+            </a:extLst>
+          </a:blip>
+          <a:stretch>
+            <a:fillRect/>
+          </a:stretch>
+        </p:blipFill>
+        <p:spPr>
+          <a:xfrm>
+            <a:off x="1439680" y="4625568"/>
+            <a:ext cx="210405" cy="210405"/>
+          </a:xfrm>
+          <a:prstGeom prst="rect">
+            <a:avLst/>
+          </a:prstGeom>
+        </p:spPr>
+      </p:pic>
+      <p:grpSp>
+        <p:nvGrpSpPr>
+          <p:cNvPr id="100" name="Group 99">
+            <a:extLst>
+              <a:ext uri="{FF2B5EF4-FFF2-40B4-BE49-F238E27FC236}">
+                <a16:creationId xmlns:a16="http://schemas.microsoft.com/office/drawing/2014/main" id="{1BEDBF64-2658-6F3B-019F-85C741CC6368}"/>
+              </a:ext>
+            </a:extLst>
+          </p:cNvPr>
+          <p:cNvGrpSpPr/>
+          <p:nvPr/>
+        </p:nvGrpSpPr>
+        <p:grpSpPr>
+          <a:xfrm>
+            <a:off x="147327" y="3966470"/>
+            <a:ext cx="1685159" cy="369332"/>
+            <a:chOff x="2272751" y="832169"/>
+            <a:chExt cx="1685159" cy="369332"/>
+          </a:xfrm>
+        </p:grpSpPr>
+        <p:sp>
+          <p:nvSpPr>
+            <p:cNvPr id="101" name="TextBox 100">
+              <a:extLst>
+                <a:ext uri="{FF2B5EF4-FFF2-40B4-BE49-F238E27FC236}">
+                  <a16:creationId xmlns:a16="http://schemas.microsoft.com/office/drawing/2014/main" id="{0EACAB85-30B3-FFDB-6995-52611A7A4545}"/>
+                </a:ext>
+              </a:extLst>
+            </p:cNvPr>
+            <p:cNvSpPr txBox="1"/>
+            <p:nvPr/>
+          </p:nvSpPr>
+          <p:spPr>
+            <a:xfrm>
+              <a:off x="2272751" y="832169"/>
+              <a:ext cx="1530854" cy="369332"/>
+            </a:xfrm>
+            <a:prstGeom prst="rect">
+              <a:avLst/>
+            </a:prstGeom>
+            <a:noFill/>
+          </p:spPr>
+          <p:txBody>
+            <a:bodyPr wrap="square" rtlCol="0">
+              <a:spAutoFit/>
+            </a:bodyPr>
+            <a:lstStyle/>
+            <a:p>
+              <a:r>
+                <a:rPr lang="en-US" b="1" dirty="0">
+                  <a:latin typeface="Arial" panose="020B0604020202020204" pitchFamily="34" charset="0"/>
+                  <a:cs typeface="Arial" panose="020B0604020202020204" pitchFamily="34" charset="0"/>
+                </a:rPr>
+                <a:t>How to</a:t>
+              </a:r>
+            </a:p>
+          </p:txBody>
+        </p:sp>
+        <p:sp>
+          <p:nvSpPr>
+            <p:cNvPr id="102" name="Oval 101">
+              <a:extLst>
+                <a:ext uri="{FF2B5EF4-FFF2-40B4-BE49-F238E27FC236}">
+                  <a16:creationId xmlns:a16="http://schemas.microsoft.com/office/drawing/2014/main" id="{F0D45F87-4FEB-133C-B97A-C0274CADD273}"/>
+                </a:ext>
+              </a:extLst>
+            </p:cNvPr>
+            <p:cNvSpPr/>
+            <p:nvPr/>
+          </p:nvSpPr>
+          <p:spPr>
+            <a:xfrm>
+              <a:off x="3635616" y="870906"/>
+              <a:ext cx="322294" cy="267109"/>
+            </a:xfrm>
+            <a:prstGeom prst="ellipse">
+              <a:avLst/>
+            </a:prstGeom>
+            <a:solidFill>
+              <a:srgbClr val="F4EDE5"/>
+            </a:solidFill>
+            <a:ln>
+              <a:noFill/>
+            </a:ln>
+          </p:spPr>
+          <p:style>
+            <a:lnRef idx="2">
+              <a:schemeClr val="accent1">
+                <a:shade val="15000"/>
+              </a:schemeClr>
+            </a:lnRef>
+            <a:fillRef idx="1">
+              <a:schemeClr val="accent1"/>
+            </a:fillRef>
+            <a:effectRef idx="0">
+              <a:schemeClr val="accent1"/>
+            </a:effectRef>
+            <a:fontRef idx="minor">
+              <a:schemeClr val="lt1"/>
+            </a:fontRef>
+          </p:style>
+          <p:txBody>
+            <a:bodyPr rtlCol="0" anchor="ctr"/>
+            <a:lstStyle/>
+            <a:p>
+              <a:pPr algn="ctr"/>
+              <a:endParaRPr lang="en-US"/>
+            </a:p>
+          </p:txBody>
+        </p:sp>
+        <p:sp>
+          <p:nvSpPr>
+            <p:cNvPr id="103" name="Plus Sign 102">
+              <a:extLst>
+                <a:ext uri="{FF2B5EF4-FFF2-40B4-BE49-F238E27FC236}">
+                  <a16:creationId xmlns:a16="http://schemas.microsoft.com/office/drawing/2014/main" id="{FBC9ED63-11BA-ECF6-966D-C3F836C866B2}"/>
+                </a:ext>
+              </a:extLst>
+            </p:cNvPr>
+            <p:cNvSpPr/>
+            <p:nvPr/>
+          </p:nvSpPr>
+          <p:spPr>
+            <a:xfrm>
+              <a:off x="3658651" y="868525"/>
+              <a:ext cx="276225" cy="269490"/>
+            </a:xfrm>
+            <a:prstGeom prst="mathPlus">
+              <a:avLst/>
+            </a:prstGeom>
+            <a:solidFill>
+              <a:schemeClr val="tx1"/>
+            </a:solidFill>
+            <a:ln>
+              <a:noFill/>
+            </a:ln>
+          </p:spPr>
+          <p:style>
+            <a:lnRef idx="2">
+              <a:schemeClr val="accent1">
+                <a:shade val="15000"/>
+              </a:schemeClr>
+            </a:lnRef>
+            <a:fillRef idx="1">
+              <a:schemeClr val="accent1"/>
+            </a:fillRef>
+            <a:effectRef idx="0">
+              <a:schemeClr val="accent1"/>
+            </a:effectRef>
+            <a:fontRef idx="minor">
+              <a:schemeClr val="lt1"/>
+            </a:fontRef>
+          </p:style>
+          <p:txBody>
+            <a:bodyPr rtlCol="0" anchor="ctr"/>
+            <a:lstStyle/>
+            <a:p>
+              <a:pPr algn="ctr"/>
+              <a:endParaRPr lang="en-US" dirty="0"/>
+            </a:p>
+          </p:txBody>
+        </p:sp>
+      </p:grpSp>
+      <p:pic>
+        <p:nvPicPr>
+          <p:cNvPr id="105" name="Graphic 104" descr="Home with solid fill">
+            <a:extLst>
+              <a:ext uri="{FF2B5EF4-FFF2-40B4-BE49-F238E27FC236}">
+                <a16:creationId xmlns:a16="http://schemas.microsoft.com/office/drawing/2014/main" id="{533E1A42-C74F-04E9-2B9B-B66EE224ECE7}"/>
+              </a:ext>
+            </a:extLst>
+          </p:cNvPr>
+          <p:cNvPicPr>
+            <a:picLocks noChangeAspect="1"/>
+          </p:cNvPicPr>
+          <p:nvPr/>
+        </p:nvPicPr>
+        <p:blipFill>
+          <a:blip r:embed="rId8">
+            <a:extLst>
+              <a:ext uri="{28A0092B-C50C-407E-A947-70E740481C1C}">
+                <a14:useLocalDpi xmlns:a14="http://schemas.microsoft.com/office/drawing/2010/main" val="0"/>
+              </a:ext>
+              <a:ext uri="{96DAC541-7B7A-43D3-8B79-37D633B846F1}">
+                <asvg:svgBlip xmlns:asvg="http://schemas.microsoft.com/office/drawing/2016/SVG/main" r:embed="rId9"/>
+              </a:ext>
+            </a:extLst>
+          </a:blip>
+          <a:stretch>
+            <a:fillRect/>
+          </a:stretch>
+        </p:blipFill>
+        <p:spPr>
+          <a:xfrm>
+            <a:off x="9645437" y="53748"/>
+            <a:ext cx="502920" cy="502920"/>
+          </a:xfrm>
+          <a:prstGeom prst="rect">
+            <a:avLst/>
+          </a:prstGeom>
+        </p:spPr>
+      </p:pic>
+      <p:grpSp>
+        <p:nvGrpSpPr>
+          <p:cNvPr id="106" name="Group 105">
+            <a:extLst>
+              <a:ext uri="{FF2B5EF4-FFF2-40B4-BE49-F238E27FC236}">
+                <a16:creationId xmlns:a16="http://schemas.microsoft.com/office/drawing/2014/main" id="{FFBFA6C5-C7A3-2D50-321F-D8183F4604CE}"/>
+              </a:ext>
+            </a:extLst>
+          </p:cNvPr>
+          <p:cNvGrpSpPr/>
+          <p:nvPr/>
+        </p:nvGrpSpPr>
+        <p:grpSpPr>
+          <a:xfrm>
+            <a:off x="18192" y="-35096"/>
+            <a:ext cx="2043012" cy="640080"/>
+            <a:chOff x="1966424" y="684932"/>
+            <a:chExt cx="2172807" cy="864463"/>
+          </a:xfrm>
+        </p:grpSpPr>
+        <p:pic>
+          <p:nvPicPr>
+            <p:cNvPr id="107" name="Picture 106" descr="A computer with a logo on it&#10;&#10;Description automatically generated">
+              <a:extLst>
+                <a:ext uri="{FF2B5EF4-FFF2-40B4-BE49-F238E27FC236}">
+                  <a16:creationId xmlns:a16="http://schemas.microsoft.com/office/drawing/2014/main" id="{D29B8629-ADAF-FFF9-D1C7-AC3121CBC5D7}"/>
+                </a:ext>
+              </a:extLst>
+            </p:cNvPr>
+            <p:cNvPicPr/>
+            <p:nvPr/>
+          </p:nvPicPr>
+          <p:blipFill>
+            <a:blip r:embed="rId10">
+              <a:extLst>
+                <a:ext uri="{28A0092B-C50C-407E-A947-70E740481C1C}">
+                  <a14:useLocalDpi xmlns:a14="http://schemas.microsoft.com/office/drawing/2010/main" val="0"/>
+                </a:ext>
+              </a:extLst>
+            </a:blip>
+            <a:stretch>
+              <a:fillRect/>
+            </a:stretch>
+          </p:blipFill>
+          <p:spPr>
+            <a:xfrm>
+              <a:off x="1966424" y="684932"/>
+              <a:ext cx="680745" cy="864463"/>
+            </a:xfrm>
+            <a:prstGeom prst="rect">
+              <a:avLst/>
+            </a:prstGeom>
+          </p:spPr>
+        </p:pic>
+        <p:sp>
+          <p:nvSpPr>
+            <p:cNvPr id="108" name="TextBox 107">
+              <a:extLst>
+                <a:ext uri="{FF2B5EF4-FFF2-40B4-BE49-F238E27FC236}">
+                  <a16:creationId xmlns:a16="http://schemas.microsoft.com/office/drawing/2014/main" id="{460ECBDB-787A-F9A5-CED6-2A31E5DF3C03}"/>
+                </a:ext>
+              </a:extLst>
+            </p:cNvPr>
+            <p:cNvSpPr txBox="1"/>
+            <p:nvPr/>
+          </p:nvSpPr>
+          <p:spPr>
+            <a:xfrm>
+              <a:off x="2525533" y="926488"/>
+              <a:ext cx="1613698" cy="415670"/>
+            </a:xfrm>
+            <a:prstGeom prst="rect">
+              <a:avLst/>
+            </a:prstGeom>
+            <a:noFill/>
+          </p:spPr>
+          <p:txBody>
+            <a:bodyPr wrap="square" rtlCol="0">
+              <a:spAutoFit/>
+            </a:bodyPr>
+            <a:lstStyle/>
+            <a:p>
+              <a:pPr algn="ctr"/>
+              <a:r>
+                <a:rPr lang="en-US" sz="1400" dirty="0">
+                  <a:solidFill>
+                    <a:schemeClr val="bg1"/>
+                  </a:solidFill>
+                  <a:latin typeface="Arial" panose="020B0604020202020204" pitchFamily="34" charset="0"/>
+                  <a:cs typeface="Arial" panose="020B0604020202020204" pitchFamily="34" charset="0"/>
+                </a:rPr>
+                <a:t>Website name</a:t>
+              </a:r>
+            </a:p>
+          </p:txBody>
+        </p:sp>
+      </p:grpSp>
+      <p:sp>
+        <p:nvSpPr>
+          <p:cNvPr id="13" name="Rectangle: Rounded Corners 12">
+            <a:extLst>
+              <a:ext uri="{FF2B5EF4-FFF2-40B4-BE49-F238E27FC236}">
+                <a16:creationId xmlns:a16="http://schemas.microsoft.com/office/drawing/2014/main" id="{C01FE800-D95F-7DF5-93F4-306546F2B1EE}"/>
+              </a:ext>
+            </a:extLst>
+          </p:cNvPr>
+          <p:cNvSpPr/>
+          <p:nvPr/>
+        </p:nvSpPr>
+        <p:spPr>
+          <a:xfrm>
+            <a:off x="4208722" y="3012056"/>
+            <a:ext cx="1686245" cy="1463040"/>
+          </a:xfrm>
+          <a:prstGeom prst="roundRect">
+            <a:avLst/>
+          </a:prstGeom>
+          <a:solidFill>
+            <a:srgbClr val="C00000"/>
+          </a:solidFill>
+        </p:spPr>
+        <p:style>
+          <a:lnRef idx="2">
+            <a:schemeClr val="accent1">
+              <a:shade val="15000"/>
+            </a:schemeClr>
+          </a:lnRef>
+          <a:fillRef idx="1">
+            <a:schemeClr val="accent1"/>
+          </a:fillRef>
+          <a:effectRef idx="0">
+            <a:schemeClr val="accent1"/>
+          </a:effectRef>
+          <a:fontRef idx="minor">
+            <a:schemeClr val="lt1"/>
+          </a:fontRef>
+        </p:style>
+        <p:txBody>
+          <a:bodyPr rtlCol="0" anchor="ctr"/>
+          <a:lstStyle/>
+          <a:p>
+            <a:pPr algn="ctr"/>
+            <a:r>
+              <a:rPr lang="en-US" dirty="0"/>
+              <a:t>Compressed image of project</a:t>
+            </a:r>
+          </a:p>
+        </p:txBody>
+      </p:sp>
+      <p:sp>
+        <p:nvSpPr>
+          <p:cNvPr id="15" name="TextBox 14">
+            <a:extLst>
+              <a:ext uri="{FF2B5EF4-FFF2-40B4-BE49-F238E27FC236}">
+                <a16:creationId xmlns:a16="http://schemas.microsoft.com/office/drawing/2014/main" id="{9D9B453C-CA2D-3D99-64CA-5827A1C9D1D1}"/>
+              </a:ext>
+            </a:extLst>
+          </p:cNvPr>
+          <p:cNvSpPr txBox="1"/>
+          <p:nvPr/>
+        </p:nvSpPr>
+        <p:spPr>
+          <a:xfrm>
+            <a:off x="6185852" y="3420410"/>
+            <a:ext cx="1985698" cy="646331"/>
+          </a:xfrm>
+          <a:prstGeom prst="rect">
+            <a:avLst/>
+          </a:prstGeom>
+          <a:noFill/>
+        </p:spPr>
+        <p:txBody>
+          <a:bodyPr wrap="square" rtlCol="0">
+            <a:spAutoFit/>
+          </a:bodyPr>
+          <a:lstStyle/>
+          <a:p>
+            <a:r>
+              <a:rPr lang="en-US" dirty="0"/>
+              <a:t>Project Name:</a:t>
+            </a:r>
+          </a:p>
+          <a:p>
+            <a:r>
+              <a:rPr lang="en-US" dirty="0"/>
+              <a:t>Last edited:</a:t>
+            </a:r>
+          </a:p>
+        </p:txBody>
+      </p:sp>
+      <p:cxnSp>
+        <p:nvCxnSpPr>
+          <p:cNvPr id="20" name="Straight Connector 19">
+            <a:extLst>
+              <a:ext uri="{FF2B5EF4-FFF2-40B4-BE49-F238E27FC236}">
+                <a16:creationId xmlns:a16="http://schemas.microsoft.com/office/drawing/2014/main" id="{C0CDA091-C514-9099-7F82-AA715FC78EEA}"/>
+              </a:ext>
+            </a:extLst>
+          </p:cNvPr>
+          <p:cNvCxnSpPr/>
+          <p:nvPr/>
+        </p:nvCxnSpPr>
+        <p:spPr>
+          <a:xfrm>
+            <a:off x="4208722" y="4616827"/>
+            <a:ext cx="4604815" cy="0"/>
+          </a:xfrm>
+          <a:prstGeom prst="line">
+            <a:avLst/>
+          </a:prstGeom>
+          <a:ln>
+            <a:solidFill>
+              <a:schemeClr val="tx1"/>
+            </a:solidFill>
+          </a:ln>
+        </p:spPr>
+        <p:style>
+          <a:lnRef idx="1">
+            <a:schemeClr val="accent1"/>
+          </a:lnRef>
+          <a:fillRef idx="0">
+            <a:schemeClr val="accent1"/>
+          </a:fillRef>
+          <a:effectRef idx="0">
+            <a:schemeClr val="accent1"/>
+          </a:effectRef>
+          <a:fontRef idx="minor">
+            <a:schemeClr val="tx1"/>
+          </a:fontRef>
+        </p:style>
+      </p:cxnSp>
+      <p:cxnSp>
+        <p:nvCxnSpPr>
+          <p:cNvPr id="21" name="Straight Connector 20">
+            <a:extLst>
+              <a:ext uri="{FF2B5EF4-FFF2-40B4-BE49-F238E27FC236}">
+                <a16:creationId xmlns:a16="http://schemas.microsoft.com/office/drawing/2014/main" id="{79E7DCF7-B12C-734C-42A5-5808A8D364C5}"/>
+              </a:ext>
+            </a:extLst>
+          </p:cNvPr>
+          <p:cNvCxnSpPr>
+            <a:cxnSpLocks/>
+          </p:cNvCxnSpPr>
+          <p:nvPr/>
+        </p:nvCxnSpPr>
+        <p:spPr>
+          <a:xfrm>
+            <a:off x="4208721" y="2885009"/>
+            <a:ext cx="4604815" cy="0"/>
+          </a:xfrm>
+          <a:prstGeom prst="line">
+            <a:avLst/>
+          </a:prstGeom>
+          <a:ln w="25400">
+            <a:solidFill>
+              <a:schemeClr val="tx1"/>
+            </a:solidFill>
+          </a:ln>
+        </p:spPr>
+        <p:style>
+          <a:lnRef idx="1">
+            <a:schemeClr val="accent1"/>
+          </a:lnRef>
+          <a:fillRef idx="0">
+            <a:schemeClr val="accent1"/>
+          </a:fillRef>
+          <a:effectRef idx="0">
+            <a:schemeClr val="accent1"/>
+          </a:effectRef>
+          <a:fontRef idx="minor">
+            <a:schemeClr val="tx1"/>
+          </a:fontRef>
+        </p:style>
+      </p:cxnSp>
+      <p:sp>
+        <p:nvSpPr>
+          <p:cNvPr id="22" name="Rectangle: Rounded Corners 21">
+            <a:extLst>
+              <a:ext uri="{FF2B5EF4-FFF2-40B4-BE49-F238E27FC236}">
+                <a16:creationId xmlns:a16="http://schemas.microsoft.com/office/drawing/2014/main" id="{25A2AA1E-87FF-DCD0-2AF7-811EAF7A0413}"/>
+              </a:ext>
+            </a:extLst>
+          </p:cNvPr>
+          <p:cNvSpPr/>
+          <p:nvPr/>
+        </p:nvSpPr>
+        <p:spPr>
+          <a:xfrm>
+            <a:off x="4208722" y="4743873"/>
+            <a:ext cx="1686245" cy="1463040"/>
+          </a:xfrm>
+          <a:prstGeom prst="roundRect">
+            <a:avLst/>
+          </a:prstGeom>
+          <a:solidFill>
+            <a:srgbClr val="C00000"/>
+          </a:solidFill>
+        </p:spPr>
+        <p:style>
+          <a:lnRef idx="2">
+            <a:schemeClr val="accent1">
+              <a:shade val="15000"/>
+            </a:schemeClr>
+          </a:lnRef>
+          <a:fillRef idx="1">
+            <a:schemeClr val="accent1"/>
+          </a:fillRef>
+          <a:effectRef idx="0">
+            <a:schemeClr val="accent1"/>
+          </a:effectRef>
+          <a:fontRef idx="minor">
+            <a:schemeClr val="lt1"/>
+          </a:fontRef>
+        </p:style>
+        <p:txBody>
+          <a:bodyPr rtlCol="0" anchor="ctr"/>
+          <a:lstStyle/>
+          <a:p>
+            <a:pPr algn="ctr"/>
+            <a:r>
+              <a:rPr lang="en-US" dirty="0"/>
+              <a:t>Compressed image of project</a:t>
+            </a:r>
+          </a:p>
+        </p:txBody>
+      </p:sp>
+      <p:sp>
+        <p:nvSpPr>
+          <p:cNvPr id="62" name="TextBox 61">
+            <a:extLst>
+              <a:ext uri="{FF2B5EF4-FFF2-40B4-BE49-F238E27FC236}">
+                <a16:creationId xmlns:a16="http://schemas.microsoft.com/office/drawing/2014/main" id="{ADCBA7B4-2B86-3AA7-CF2E-A626DDE0BA81}"/>
+              </a:ext>
+            </a:extLst>
+          </p:cNvPr>
+          <p:cNvSpPr txBox="1"/>
+          <p:nvPr/>
+        </p:nvSpPr>
+        <p:spPr>
+          <a:xfrm>
+            <a:off x="6185852" y="5152227"/>
+            <a:ext cx="1985698" cy="646331"/>
+          </a:xfrm>
+          <a:prstGeom prst="rect">
+            <a:avLst/>
+          </a:prstGeom>
+          <a:noFill/>
+        </p:spPr>
+        <p:txBody>
+          <a:bodyPr wrap="square" rtlCol="0">
+            <a:spAutoFit/>
+          </a:bodyPr>
+          <a:lstStyle/>
+          <a:p>
+            <a:r>
+              <a:rPr lang="en-US" dirty="0"/>
+              <a:t>Project Name:</a:t>
+            </a:r>
+          </a:p>
+          <a:p>
+            <a:r>
+              <a:rPr lang="en-US" dirty="0"/>
+              <a:t>Last edited:</a:t>
+            </a:r>
+          </a:p>
+        </p:txBody>
+      </p:sp>
+      <p:cxnSp>
+        <p:nvCxnSpPr>
+          <p:cNvPr id="69" name="Straight Connector 68">
+            <a:extLst>
+              <a:ext uri="{FF2B5EF4-FFF2-40B4-BE49-F238E27FC236}">
+                <a16:creationId xmlns:a16="http://schemas.microsoft.com/office/drawing/2014/main" id="{C3FA9283-9F15-8F09-3F8A-3BC5A6E1ECA8}"/>
+              </a:ext>
+            </a:extLst>
+          </p:cNvPr>
+          <p:cNvCxnSpPr/>
+          <p:nvPr/>
+        </p:nvCxnSpPr>
+        <p:spPr>
+          <a:xfrm>
+            <a:off x="4208722" y="6348644"/>
+            <a:ext cx="4604815" cy="0"/>
+          </a:xfrm>
+          <a:prstGeom prst="line">
+            <a:avLst/>
+          </a:prstGeom>
+          <a:ln w="25400">
+            <a:solidFill>
+              <a:schemeClr val="tx1"/>
+            </a:solidFill>
+          </a:ln>
+        </p:spPr>
+        <p:style>
+          <a:lnRef idx="1">
+            <a:schemeClr val="accent1"/>
+          </a:lnRef>
+          <a:fillRef idx="0">
+            <a:schemeClr val="accent1"/>
+          </a:fillRef>
+          <a:effectRef idx="0">
+            <a:schemeClr val="accent1"/>
+          </a:effectRef>
+          <a:fontRef idx="minor">
+            <a:schemeClr val="tx1"/>
+          </a:fontRef>
+        </p:style>
+      </p:cxnSp>
+      <p:cxnSp>
+        <p:nvCxnSpPr>
+          <p:cNvPr id="70" name="Straight Connector 69">
+            <a:extLst>
+              <a:ext uri="{FF2B5EF4-FFF2-40B4-BE49-F238E27FC236}">
+                <a16:creationId xmlns:a16="http://schemas.microsoft.com/office/drawing/2014/main" id="{F673DA67-F573-1A7B-3414-EE66284ECDE0}"/>
+              </a:ext>
+            </a:extLst>
+          </p:cNvPr>
+          <p:cNvCxnSpPr>
+            <a:cxnSpLocks/>
+          </p:cNvCxnSpPr>
+          <p:nvPr/>
+        </p:nvCxnSpPr>
+        <p:spPr>
+          <a:xfrm>
+            <a:off x="4208721" y="4616826"/>
+            <a:ext cx="4604815" cy="0"/>
+          </a:xfrm>
+          <a:prstGeom prst="line">
+            <a:avLst/>
+          </a:prstGeom>
+          <a:ln w="25400">
+            <a:solidFill>
+              <a:schemeClr val="tx1"/>
+            </a:solidFill>
+          </a:ln>
+        </p:spPr>
+        <p:style>
+          <a:lnRef idx="1">
+            <a:schemeClr val="accent1"/>
+          </a:lnRef>
+          <a:fillRef idx="0">
+            <a:schemeClr val="accent1"/>
+          </a:fillRef>
+          <a:effectRef idx="0">
+            <a:schemeClr val="accent1"/>
+          </a:effectRef>
+          <a:fontRef idx="minor">
+            <a:schemeClr val="tx1"/>
+          </a:fontRef>
+        </p:style>
+      </p:cxnSp>
+      <p:sp>
+        <p:nvSpPr>
+          <p:cNvPr id="71" name="Rectangle: Rounded Corners 70">
+            <a:extLst>
+              <a:ext uri="{FF2B5EF4-FFF2-40B4-BE49-F238E27FC236}">
+                <a16:creationId xmlns:a16="http://schemas.microsoft.com/office/drawing/2014/main" id="{BA299391-589D-F701-4053-E90DB88DE60C}"/>
+              </a:ext>
+            </a:extLst>
+          </p:cNvPr>
+          <p:cNvSpPr/>
+          <p:nvPr/>
+        </p:nvSpPr>
+        <p:spPr>
+          <a:xfrm>
+            <a:off x="4208721" y="1280239"/>
+            <a:ext cx="1686245" cy="1463040"/>
+          </a:xfrm>
+          <a:prstGeom prst="roundRect">
+            <a:avLst/>
+          </a:prstGeom>
+          <a:solidFill>
+            <a:srgbClr val="C00000"/>
+          </a:solidFill>
+        </p:spPr>
+        <p:style>
+          <a:lnRef idx="2">
+            <a:schemeClr val="accent1">
+              <a:shade val="15000"/>
+            </a:schemeClr>
+          </a:lnRef>
+          <a:fillRef idx="1">
+            <a:schemeClr val="accent1"/>
+          </a:fillRef>
+          <a:effectRef idx="0">
+            <a:schemeClr val="accent1"/>
+          </a:effectRef>
+          <a:fontRef idx="minor">
+            <a:schemeClr val="lt1"/>
+          </a:fontRef>
+        </p:style>
+        <p:txBody>
+          <a:bodyPr rtlCol="0" anchor="ctr"/>
+          <a:lstStyle/>
+          <a:p>
+            <a:pPr algn="ctr"/>
+            <a:r>
+              <a:rPr lang="en-US" dirty="0"/>
+              <a:t>Compressed image of project</a:t>
+            </a:r>
+          </a:p>
+        </p:txBody>
+      </p:sp>
+      <p:sp>
+        <p:nvSpPr>
+          <p:cNvPr id="75" name="TextBox 74">
+            <a:extLst>
+              <a:ext uri="{FF2B5EF4-FFF2-40B4-BE49-F238E27FC236}">
+                <a16:creationId xmlns:a16="http://schemas.microsoft.com/office/drawing/2014/main" id="{C7FE041B-8B14-58A0-662F-E546E9232059}"/>
+              </a:ext>
+            </a:extLst>
+          </p:cNvPr>
+          <p:cNvSpPr txBox="1"/>
+          <p:nvPr/>
+        </p:nvSpPr>
+        <p:spPr>
+          <a:xfrm>
+            <a:off x="6185851" y="1688593"/>
+            <a:ext cx="1985698" cy="646331"/>
+          </a:xfrm>
+          <a:prstGeom prst="rect">
+            <a:avLst/>
+          </a:prstGeom>
+          <a:noFill/>
+        </p:spPr>
+        <p:txBody>
+          <a:bodyPr wrap="square" rtlCol="0">
+            <a:spAutoFit/>
+          </a:bodyPr>
+          <a:lstStyle/>
+          <a:p>
+            <a:r>
+              <a:rPr lang="en-US" dirty="0"/>
+              <a:t>Project Name:</a:t>
+            </a:r>
+          </a:p>
+          <a:p>
+            <a:r>
+              <a:rPr lang="en-US" dirty="0"/>
+              <a:t>Last edited:</a:t>
+            </a:r>
+          </a:p>
+        </p:txBody>
+      </p:sp>
+      <p:sp>
+        <p:nvSpPr>
+          <p:cNvPr id="77" name="TextBox 76">
+            <a:extLst>
+              <a:ext uri="{FF2B5EF4-FFF2-40B4-BE49-F238E27FC236}">
+                <a16:creationId xmlns:a16="http://schemas.microsoft.com/office/drawing/2014/main" id="{BE03E169-4889-D53B-7031-92E7FAE8DFB1}"/>
+              </a:ext>
+            </a:extLst>
+          </p:cNvPr>
+          <p:cNvSpPr txBox="1"/>
+          <p:nvPr/>
+        </p:nvSpPr>
+        <p:spPr>
+          <a:xfrm>
+            <a:off x="438899" y="5057383"/>
+            <a:ext cx="1897117" cy="415498"/>
+          </a:xfrm>
+          <a:prstGeom prst="rect">
+            <a:avLst/>
+          </a:prstGeom>
+          <a:noFill/>
+        </p:spPr>
+        <p:txBody>
+          <a:bodyPr wrap="square" rtlCol="0">
+            <a:spAutoFit/>
+          </a:bodyPr>
+          <a:lstStyle/>
+          <a:p>
+            <a:r>
+              <a:rPr lang="en-US" sz="1050" dirty="0">
+                <a:latin typeface="Arial" panose="020B0604020202020204" pitchFamily="34" charset="0"/>
+                <a:cs typeface="Arial" panose="020B0604020202020204" pitchFamily="34" charset="0"/>
+              </a:rPr>
+              <a:t>Network Topology </a:t>
+            </a:r>
+          </a:p>
+          <a:p>
+            <a:r>
+              <a:rPr lang="en-US" sz="1050" dirty="0">
+                <a:latin typeface="Arial" panose="020B0604020202020204" pitchFamily="34" charset="0"/>
+                <a:cs typeface="Arial" panose="020B0604020202020204" pitchFamily="34" charset="0"/>
+              </a:rPr>
+              <a:t>Diagram</a:t>
+            </a:r>
+          </a:p>
+        </p:txBody>
+      </p:sp>
+    </p:spTree>
+    <p:extLst>
+      <p:ext uri="{BB962C8B-B14F-4D97-AF65-F5344CB8AC3E}">
+        <p14:creationId xmlns:p14="http://schemas.microsoft.com/office/powerpoint/2010/main" val="732887852"/>
+      </p:ext>
+    </p:extLst>
+  </p:cSld>
+  <p:clrMapOvr>
+    <a:masterClrMapping/>
+  </p:clrMapOvr>
+</p:sld>
+</file>
+
+<file path=ppt/slides/slide9.xml><?xml version="1.0" encoding="utf-8"?>
 <p:sld xmlns:a="http://schemas.openxmlformats.org/drawingml/2006/main" xmlns:r="http://schemas.openxmlformats.org/officeDocument/2006/relationships" xmlns:p="http://schemas.openxmlformats.org/presentationml/2006/main">
   <p:cSld>
     <p:spTree>

--- a/Sitemap ect.pptx
+++ b/Sitemap ect.pptx
@@ -13,7 +13,8 @@
     <p:sldId id="262" r:id="rId7"/>
     <p:sldId id="263" r:id="rId8"/>
     <p:sldId id="264" r:id="rId9"/>
-    <p:sldId id="259" r:id="rId10"/>
+    <p:sldId id="265" r:id="rId10"/>
+    <p:sldId id="259" r:id="rId11"/>
   </p:sldIdLst>
   <p:sldSz cx="12192000" cy="6858000"/>
   <p:notesSz cx="6858000" cy="9144000"/>
@@ -3896,6 +3897,71 @@
     <p:extLst>
       <p:ext uri="{BB962C8B-B14F-4D97-AF65-F5344CB8AC3E}">
         <p14:creationId xmlns:p14="http://schemas.microsoft.com/office/powerpoint/2010/main" val="2210464435"/>
+      </p:ext>
+    </p:extLst>
+  </p:cSld>
+  <p:clrMapOvr>
+    <a:masterClrMapping/>
+  </p:clrMapOvr>
+</p:sld>
+</file>
+
+<file path=ppt/slides/slide10.xml><?xml version="1.0" encoding="utf-8"?>
+<p:sld xmlns:a="http://schemas.openxmlformats.org/drawingml/2006/main" xmlns:r="http://schemas.openxmlformats.org/officeDocument/2006/relationships" xmlns:p="http://schemas.openxmlformats.org/presentationml/2006/main">
+  <p:cSld>
+    <p:spTree>
+      <p:nvGrpSpPr>
+        <p:cNvPr id="1" name=""/>
+        <p:cNvGrpSpPr/>
+        <p:nvPr/>
+      </p:nvGrpSpPr>
+      <p:grpSpPr>
+        <a:xfrm>
+          <a:off x="0" y="0"/>
+          <a:ext cx="0" cy="0"/>
+          <a:chOff x="0" y="0"/>
+          <a:chExt cx="0" cy="0"/>
+        </a:xfrm>
+      </p:grpSpPr>
+      <p:sp>
+        <p:nvSpPr>
+          <p:cNvPr id="2" name="TextBox 1">
+            <a:extLst>
+              <a:ext uri="{FF2B5EF4-FFF2-40B4-BE49-F238E27FC236}">
+                <a16:creationId xmlns:a16="http://schemas.microsoft.com/office/drawing/2014/main" id="{356F0079-C82B-9CAB-E1B2-754E0AB44F31}"/>
+              </a:ext>
+            </a:extLst>
+          </p:cNvPr>
+          <p:cNvSpPr txBox="1"/>
+          <p:nvPr/>
+        </p:nvSpPr>
+        <p:spPr>
+          <a:xfrm>
+            <a:off x="0" y="0"/>
+            <a:ext cx="2614863" cy="369332"/>
+          </a:xfrm>
+          <a:prstGeom prst="rect">
+            <a:avLst/>
+          </a:prstGeom>
+          <a:noFill/>
+        </p:spPr>
+        <p:txBody>
+          <a:bodyPr wrap="square" rtlCol="0">
+            <a:spAutoFit/>
+          </a:bodyPr>
+          <a:lstStyle/>
+          <a:p>
+            <a:r>
+              <a:rPr lang="en-US" dirty="0"/>
+              <a:t>Wireframe Sitemap</a:t>
+            </a:r>
+          </a:p>
+        </p:txBody>
+      </p:sp>
+    </p:spTree>
+    <p:extLst>
+      <p:ext uri="{BB962C8B-B14F-4D97-AF65-F5344CB8AC3E}">
+        <p14:creationId xmlns:p14="http://schemas.microsoft.com/office/powerpoint/2010/main" val="1522283517"/>
       </p:ext>
     </p:extLst>
   </p:cSld>
@@ -15770,10 +15836,64 @@
       </p:grpSpPr>
       <p:sp>
         <p:nvSpPr>
-          <p:cNvPr id="2" name="TextBox 1">
-            <a:extLst>
-              <a:ext uri="{FF2B5EF4-FFF2-40B4-BE49-F238E27FC236}">
-                <a16:creationId xmlns:a16="http://schemas.microsoft.com/office/drawing/2014/main" id="{356F0079-C82B-9CAB-E1B2-754E0AB44F31}"/>
+          <p:cNvPr id="2" name="Rectangle: Rounded Corners 1">
+            <a:extLst>
+              <a:ext uri="{FF2B5EF4-FFF2-40B4-BE49-F238E27FC236}">
+                <a16:creationId xmlns:a16="http://schemas.microsoft.com/office/drawing/2014/main" id="{5137054E-F375-255C-7BE4-34C99CCBB086}"/>
+              </a:ext>
+            </a:extLst>
+          </p:cNvPr>
+          <p:cNvSpPr/>
+          <p:nvPr/>
+        </p:nvSpPr>
+        <p:spPr>
+          <a:xfrm>
+            <a:off x="323850" y="971550"/>
+            <a:ext cx="1962150" cy="5467350"/>
+          </a:xfrm>
+          <a:prstGeom prst="roundRect">
+            <a:avLst>
+              <a:gd name="adj" fmla="val 12784"/>
+            </a:avLst>
+          </a:prstGeom>
+          <a:solidFill>
+            <a:srgbClr val="9EABAE"/>
+          </a:solidFill>
+          <a:ln>
+            <a:noFill/>
+          </a:ln>
+        </p:spPr>
+        <p:style>
+          <a:lnRef idx="2">
+            <a:schemeClr val="accent1">
+              <a:shade val="15000"/>
+            </a:schemeClr>
+          </a:lnRef>
+          <a:fillRef idx="1">
+            <a:schemeClr val="accent1"/>
+          </a:fillRef>
+          <a:effectRef idx="0">
+            <a:schemeClr val="accent1"/>
+          </a:effectRef>
+          <a:fontRef idx="minor">
+            <a:schemeClr val="lt1"/>
+          </a:fontRef>
+        </p:style>
+        <p:txBody>
+          <a:bodyPr rtlCol="0" anchor="ctr"/>
+          <a:lstStyle/>
+          <a:p>
+            <a:pPr algn="ctr"/>
+            <a:endParaRPr lang="en-US"/>
+          </a:p>
+        </p:txBody>
+      </p:sp>
+      <p:sp>
+        <p:nvSpPr>
+          <p:cNvPr id="3" name="TextBox 2">
+            <a:extLst>
+              <a:ext uri="{FF2B5EF4-FFF2-40B4-BE49-F238E27FC236}">
+                <a16:creationId xmlns:a16="http://schemas.microsoft.com/office/drawing/2014/main" id="{BAC6CAA4-2D15-A548-BC2A-D920EDAE9DF2}"/>
               </a:ext>
             </a:extLst>
           </p:cNvPr>
@@ -15782,8 +15902,8 @@
         </p:nvSpPr>
         <p:spPr>
           <a:xfrm>
-            <a:off x="0" y="0"/>
-            <a:ext cx="2614863" cy="369332"/>
+            <a:off x="609600" y="1285875"/>
+            <a:ext cx="1390650" cy="369332"/>
           </a:xfrm>
           <a:prstGeom prst="rect">
             <a:avLst/>
@@ -15796,17 +15916,133 @@
           </a:bodyPr>
           <a:lstStyle/>
           <a:p>
-            <a:r>
-              <a:rPr lang="en-US" dirty="0"/>
-              <a:t>Wireframe Sitemap</a:t>
-            </a:r>
-          </a:p>
-        </p:txBody>
-      </p:sp>
+            <a:pPr algn="ctr"/>
+            <a:r>
+              <a:rPr lang="en-US" b="1" dirty="0">
+                <a:latin typeface="Arial" panose="020B0604020202020204" pitchFamily="34" charset="0"/>
+                <a:cs typeface="Arial" panose="020B0604020202020204" pitchFamily="34" charset="0"/>
+              </a:rPr>
+              <a:t>Shapes</a:t>
+            </a:r>
+          </a:p>
+        </p:txBody>
+      </p:sp>
+      <p:grpSp>
+        <p:nvGrpSpPr>
+          <p:cNvPr id="7" name="Group 6">
+            <a:extLst>
+              <a:ext uri="{FF2B5EF4-FFF2-40B4-BE49-F238E27FC236}">
+                <a16:creationId xmlns:a16="http://schemas.microsoft.com/office/drawing/2014/main" id="{4846B549-F308-26F4-C53F-A020E7AAF44D}"/>
+              </a:ext>
+            </a:extLst>
+          </p:cNvPr>
+          <p:cNvGrpSpPr/>
+          <p:nvPr/>
+        </p:nvGrpSpPr>
+        <p:grpSpPr>
+          <a:xfrm>
+            <a:off x="1009650" y="971550"/>
+            <a:ext cx="590550" cy="438150"/>
+            <a:chOff x="1004887" y="909638"/>
+            <a:chExt cx="590550" cy="438150"/>
+          </a:xfrm>
+        </p:grpSpPr>
+        <p:sp>
+          <p:nvSpPr>
+            <p:cNvPr id="6" name="Rectangle 5">
+              <a:extLst>
+                <a:ext uri="{FF2B5EF4-FFF2-40B4-BE49-F238E27FC236}">
+                  <a16:creationId xmlns:a16="http://schemas.microsoft.com/office/drawing/2014/main" id="{E1E01715-684A-DEFE-C734-58B7ECEDCBAB}"/>
+                </a:ext>
+              </a:extLst>
+            </p:cNvPr>
+            <p:cNvSpPr/>
+            <p:nvPr/>
+          </p:nvSpPr>
+          <p:spPr>
+            <a:xfrm>
+              <a:off x="1004887" y="1009650"/>
+              <a:ext cx="590550" cy="247650"/>
+            </a:xfrm>
+            <a:prstGeom prst="rect">
+              <a:avLst/>
+            </a:prstGeom>
+            <a:solidFill>
+              <a:srgbClr val="E2E9EB"/>
+            </a:solidFill>
+            <a:ln>
+              <a:noFill/>
+            </a:ln>
+          </p:spPr>
+          <p:style>
+            <a:lnRef idx="2">
+              <a:schemeClr val="accent1">
+                <a:shade val="15000"/>
+              </a:schemeClr>
+            </a:lnRef>
+            <a:fillRef idx="1">
+              <a:schemeClr val="accent1"/>
+            </a:fillRef>
+            <a:effectRef idx="0">
+              <a:schemeClr val="accent1"/>
+            </a:effectRef>
+            <a:fontRef idx="minor">
+              <a:schemeClr val="lt1"/>
+            </a:fontRef>
+          </p:style>
+          <p:txBody>
+            <a:bodyPr rtlCol="0" anchor="ctr"/>
+            <a:lstStyle/>
+            <a:p>
+              <a:pPr algn="ctr"/>
+              <a:endParaRPr lang="en-US"/>
+            </a:p>
+          </p:txBody>
+        </p:sp>
+        <p:pic>
+          <p:nvPicPr>
+            <p:cNvPr id="5" name="Graphic 4" descr="Miscellaneous with solid fill">
+              <a:extLst>
+                <a:ext uri="{FF2B5EF4-FFF2-40B4-BE49-F238E27FC236}">
+                  <a16:creationId xmlns:a16="http://schemas.microsoft.com/office/drawing/2014/main" id="{A066ECC3-9286-8E8F-7E6B-5E17F530A3EF}"/>
+                </a:ext>
+              </a:extLst>
+            </p:cNvPr>
+            <p:cNvPicPr>
+              <a:picLocks noChangeAspect="1"/>
+            </p:cNvPicPr>
+            <p:nvPr/>
+          </p:nvPicPr>
+          <p:blipFill>
+            <a:blip r:embed="rId2">
+              <a:extLst>
+                <a:ext uri="{28A0092B-C50C-407E-A947-70E740481C1C}">
+                  <a14:useLocalDpi xmlns:a14="http://schemas.microsoft.com/office/drawing/2010/main" val="0"/>
+                </a:ext>
+                <a:ext uri="{96DAC541-7B7A-43D3-8B79-37D633B846F1}">
+                  <asvg:svgBlip xmlns:asvg="http://schemas.microsoft.com/office/drawing/2016/SVG/main" r:embed="rId3"/>
+                </a:ext>
+              </a:extLst>
+            </a:blip>
+            <a:stretch>
+              <a:fillRect/>
+            </a:stretch>
+          </p:blipFill>
+          <p:spPr>
+            <a:xfrm>
+              <a:off x="1085850" y="909638"/>
+              <a:ext cx="438150" cy="438150"/>
+            </a:xfrm>
+            <a:prstGeom prst="rect">
+              <a:avLst/>
+            </a:prstGeom>
+          </p:spPr>
+        </p:pic>
+      </p:grpSp>
     </p:spTree>
     <p:extLst>
       <p:ext uri="{BB962C8B-B14F-4D97-AF65-F5344CB8AC3E}">
-        <p14:creationId xmlns:p14="http://schemas.microsoft.com/office/powerpoint/2010/main" val="1522283517"/>
+        <p14:creationId xmlns:p14="http://schemas.microsoft.com/office/powerpoint/2010/main" val="2743508851"/>
       </p:ext>
     </p:extLst>
   </p:cSld>

--- a/Sitemap ect.pptx
+++ b/Sitemap ect.pptx
@@ -11,10 +11,11 @@
     <p:sldId id="261" r:id="rId5"/>
     <p:sldId id="258" r:id="rId6"/>
     <p:sldId id="262" r:id="rId7"/>
-    <p:sldId id="263" r:id="rId8"/>
-    <p:sldId id="264" r:id="rId9"/>
-    <p:sldId id="265" r:id="rId10"/>
-    <p:sldId id="259" r:id="rId11"/>
+    <p:sldId id="266" r:id="rId8"/>
+    <p:sldId id="263" r:id="rId9"/>
+    <p:sldId id="264" r:id="rId10"/>
+    <p:sldId id="265" r:id="rId11"/>
+    <p:sldId id="259" r:id="rId12"/>
   </p:sldIdLst>
   <p:sldSz cx="12192000" cy="6858000"/>
   <p:notesSz cx="6858000" cy="9144000"/>
@@ -334,7 +335,7 @@
           <a:p>
             <a:fld id="{4DAFBDD3-A15C-4955-8CA3-3D8B5691D9F0}" type="datetimeFigureOut">
               <a:rPr lang="en-US" smtClean="0"/>
-              <a:t>10/18/2023</a:t>
+              <a:t>10/25/2023</a:t>
             </a:fld>
             <a:endParaRPr lang="en-US"/>
           </a:p>
@@ -532,7 +533,7 @@
           <a:p>
             <a:fld id="{4DAFBDD3-A15C-4955-8CA3-3D8B5691D9F0}" type="datetimeFigureOut">
               <a:rPr lang="en-US" smtClean="0"/>
-              <a:t>10/18/2023</a:t>
+              <a:t>10/25/2023</a:t>
             </a:fld>
             <a:endParaRPr lang="en-US"/>
           </a:p>
@@ -740,7 +741,7 @@
           <a:p>
             <a:fld id="{4DAFBDD3-A15C-4955-8CA3-3D8B5691D9F0}" type="datetimeFigureOut">
               <a:rPr lang="en-US" smtClean="0"/>
-              <a:t>10/18/2023</a:t>
+              <a:t>10/25/2023</a:t>
             </a:fld>
             <a:endParaRPr lang="en-US"/>
           </a:p>
@@ -938,7 +939,7 @@
           <a:p>
             <a:fld id="{4DAFBDD3-A15C-4955-8CA3-3D8B5691D9F0}" type="datetimeFigureOut">
               <a:rPr lang="en-US" smtClean="0"/>
-              <a:t>10/18/2023</a:t>
+              <a:t>10/25/2023</a:t>
             </a:fld>
             <a:endParaRPr lang="en-US"/>
           </a:p>
@@ -1213,7 +1214,7 @@
           <a:p>
             <a:fld id="{4DAFBDD3-A15C-4955-8CA3-3D8B5691D9F0}" type="datetimeFigureOut">
               <a:rPr lang="en-US" smtClean="0"/>
-              <a:t>10/18/2023</a:t>
+              <a:t>10/25/2023</a:t>
             </a:fld>
             <a:endParaRPr lang="en-US"/>
           </a:p>
@@ -1478,7 +1479,7 @@
           <a:p>
             <a:fld id="{4DAFBDD3-A15C-4955-8CA3-3D8B5691D9F0}" type="datetimeFigureOut">
               <a:rPr lang="en-US" smtClean="0"/>
-              <a:t>10/18/2023</a:t>
+              <a:t>10/25/2023</a:t>
             </a:fld>
             <a:endParaRPr lang="en-US"/>
           </a:p>
@@ -1890,7 +1891,7 @@
           <a:p>
             <a:fld id="{4DAFBDD3-A15C-4955-8CA3-3D8B5691D9F0}" type="datetimeFigureOut">
               <a:rPr lang="en-US" smtClean="0"/>
-              <a:t>10/18/2023</a:t>
+              <a:t>10/25/2023</a:t>
             </a:fld>
             <a:endParaRPr lang="en-US"/>
           </a:p>
@@ -2031,7 +2032,7 @@
           <a:p>
             <a:fld id="{4DAFBDD3-A15C-4955-8CA3-3D8B5691D9F0}" type="datetimeFigureOut">
               <a:rPr lang="en-US" smtClean="0"/>
-              <a:t>10/18/2023</a:t>
+              <a:t>10/25/2023</a:t>
             </a:fld>
             <a:endParaRPr lang="en-US"/>
           </a:p>
@@ -2144,7 +2145,7 @@
           <a:p>
             <a:fld id="{4DAFBDD3-A15C-4955-8CA3-3D8B5691D9F0}" type="datetimeFigureOut">
               <a:rPr lang="en-US" smtClean="0"/>
-              <a:t>10/18/2023</a:t>
+              <a:t>10/25/2023</a:t>
             </a:fld>
             <a:endParaRPr lang="en-US"/>
           </a:p>
@@ -2455,7 +2456,7 @@
           <a:p>
             <a:fld id="{4DAFBDD3-A15C-4955-8CA3-3D8B5691D9F0}" type="datetimeFigureOut">
               <a:rPr lang="en-US" smtClean="0"/>
-              <a:t>10/18/2023</a:t>
+              <a:t>10/25/2023</a:t>
             </a:fld>
             <a:endParaRPr lang="en-US"/>
           </a:p>
@@ -2743,7 +2744,7 @@
           <a:p>
             <a:fld id="{4DAFBDD3-A15C-4955-8CA3-3D8B5691D9F0}" type="datetimeFigureOut">
               <a:rPr lang="en-US" smtClean="0"/>
-              <a:t>10/18/2023</a:t>
+              <a:t>10/25/2023</a:t>
             </a:fld>
             <a:endParaRPr lang="en-US"/>
           </a:p>
@@ -2984,7 +2985,7 @@
           <a:p>
             <a:fld id="{4DAFBDD3-A15C-4955-8CA3-3D8B5691D9F0}" type="datetimeFigureOut">
               <a:rPr lang="en-US" smtClean="0"/>
-              <a:t>10/18/2023</a:t>
+              <a:t>10/25/2023</a:t>
             </a:fld>
             <a:endParaRPr lang="en-US"/>
           </a:p>
@@ -3925,10 +3926,64 @@
       </p:grpSpPr>
       <p:sp>
         <p:nvSpPr>
-          <p:cNvPr id="2" name="TextBox 1">
-            <a:extLst>
-              <a:ext uri="{FF2B5EF4-FFF2-40B4-BE49-F238E27FC236}">
-                <a16:creationId xmlns:a16="http://schemas.microsoft.com/office/drawing/2014/main" id="{356F0079-C82B-9CAB-E1B2-754E0AB44F31}"/>
+          <p:cNvPr id="2" name="Rectangle: Rounded Corners 1">
+            <a:extLst>
+              <a:ext uri="{FF2B5EF4-FFF2-40B4-BE49-F238E27FC236}">
+                <a16:creationId xmlns:a16="http://schemas.microsoft.com/office/drawing/2014/main" id="{5137054E-F375-255C-7BE4-34C99CCBB086}"/>
+              </a:ext>
+            </a:extLst>
+          </p:cNvPr>
+          <p:cNvSpPr/>
+          <p:nvPr/>
+        </p:nvSpPr>
+        <p:spPr>
+          <a:xfrm>
+            <a:off x="323850" y="971550"/>
+            <a:ext cx="1962150" cy="5467350"/>
+          </a:xfrm>
+          <a:prstGeom prst="roundRect">
+            <a:avLst>
+              <a:gd name="adj" fmla="val 12784"/>
+            </a:avLst>
+          </a:prstGeom>
+          <a:solidFill>
+            <a:srgbClr val="9EABAE"/>
+          </a:solidFill>
+          <a:ln>
+            <a:noFill/>
+          </a:ln>
+        </p:spPr>
+        <p:style>
+          <a:lnRef idx="2">
+            <a:schemeClr val="accent1">
+              <a:shade val="15000"/>
+            </a:schemeClr>
+          </a:lnRef>
+          <a:fillRef idx="1">
+            <a:schemeClr val="accent1"/>
+          </a:fillRef>
+          <a:effectRef idx="0">
+            <a:schemeClr val="accent1"/>
+          </a:effectRef>
+          <a:fontRef idx="minor">
+            <a:schemeClr val="lt1"/>
+          </a:fontRef>
+        </p:style>
+        <p:txBody>
+          <a:bodyPr rtlCol="0" anchor="ctr"/>
+          <a:lstStyle/>
+          <a:p>
+            <a:pPr algn="ctr"/>
+            <a:endParaRPr lang="en-US" dirty="0"/>
+          </a:p>
+        </p:txBody>
+      </p:sp>
+      <p:sp>
+        <p:nvSpPr>
+          <p:cNvPr id="3" name="TextBox 2">
+            <a:extLst>
+              <a:ext uri="{FF2B5EF4-FFF2-40B4-BE49-F238E27FC236}">
+                <a16:creationId xmlns:a16="http://schemas.microsoft.com/office/drawing/2014/main" id="{BAC6CAA4-2D15-A548-BC2A-D920EDAE9DF2}"/>
               </a:ext>
             </a:extLst>
           </p:cNvPr>
@@ -3937,8 +3992,8 @@
         </p:nvSpPr>
         <p:spPr>
           <a:xfrm>
-            <a:off x="0" y="0"/>
-            <a:ext cx="2614863" cy="369332"/>
+            <a:off x="609600" y="2844760"/>
+            <a:ext cx="1390650" cy="369332"/>
           </a:xfrm>
           <a:prstGeom prst="rect">
             <a:avLst/>
@@ -3951,9 +4006,4370 @@
           </a:bodyPr>
           <a:lstStyle/>
           <a:p>
+            <a:pPr algn="ctr"/>
+            <a:r>
+              <a:rPr lang="en-US" b="1" dirty="0">
+                <a:latin typeface="Arial" panose="020B0604020202020204" pitchFamily="34" charset="0"/>
+                <a:cs typeface="Arial" panose="020B0604020202020204" pitchFamily="34" charset="0"/>
+              </a:rPr>
+              <a:t>Lines</a:t>
+            </a:r>
+          </a:p>
+        </p:txBody>
+      </p:sp>
+      <p:grpSp>
+        <p:nvGrpSpPr>
+          <p:cNvPr id="7" name="Group 6">
+            <a:extLst>
+              <a:ext uri="{FF2B5EF4-FFF2-40B4-BE49-F238E27FC236}">
+                <a16:creationId xmlns:a16="http://schemas.microsoft.com/office/drawing/2014/main" id="{4846B549-F308-26F4-C53F-A020E7AAF44D}"/>
+              </a:ext>
+            </a:extLst>
+          </p:cNvPr>
+          <p:cNvGrpSpPr/>
+          <p:nvPr/>
+        </p:nvGrpSpPr>
+        <p:grpSpPr>
+          <a:xfrm>
+            <a:off x="1009650" y="971550"/>
+            <a:ext cx="590550" cy="438150"/>
+            <a:chOff x="1004887" y="909638"/>
+            <a:chExt cx="590550" cy="438150"/>
+          </a:xfrm>
+        </p:grpSpPr>
+        <p:sp>
+          <p:nvSpPr>
+            <p:cNvPr id="6" name="Rectangle 5">
+              <a:extLst>
+                <a:ext uri="{FF2B5EF4-FFF2-40B4-BE49-F238E27FC236}">
+                  <a16:creationId xmlns:a16="http://schemas.microsoft.com/office/drawing/2014/main" id="{E1E01715-684A-DEFE-C734-58B7ECEDCBAB}"/>
+                </a:ext>
+              </a:extLst>
+            </p:cNvPr>
+            <p:cNvSpPr/>
+            <p:nvPr/>
+          </p:nvSpPr>
+          <p:spPr>
+            <a:xfrm>
+              <a:off x="1004887" y="1009650"/>
+              <a:ext cx="590550" cy="247650"/>
+            </a:xfrm>
+            <a:prstGeom prst="rect">
+              <a:avLst/>
+            </a:prstGeom>
+            <a:solidFill>
+              <a:srgbClr val="E2E9EB"/>
+            </a:solidFill>
+            <a:ln>
+              <a:noFill/>
+            </a:ln>
+          </p:spPr>
+          <p:style>
+            <a:lnRef idx="2">
+              <a:schemeClr val="accent1">
+                <a:shade val="15000"/>
+              </a:schemeClr>
+            </a:lnRef>
+            <a:fillRef idx="1">
+              <a:schemeClr val="accent1"/>
+            </a:fillRef>
+            <a:effectRef idx="0">
+              <a:schemeClr val="accent1"/>
+            </a:effectRef>
+            <a:fontRef idx="minor">
+              <a:schemeClr val="lt1"/>
+            </a:fontRef>
+          </p:style>
+          <p:txBody>
+            <a:bodyPr rtlCol="0" anchor="ctr"/>
+            <a:lstStyle/>
+            <a:p>
+              <a:pPr algn="ctr"/>
+              <a:endParaRPr lang="en-US"/>
+            </a:p>
+          </p:txBody>
+        </p:sp>
+        <p:pic>
+          <p:nvPicPr>
+            <p:cNvPr id="5" name="Graphic 4" descr="Miscellaneous with solid fill">
+              <a:extLst>
+                <a:ext uri="{FF2B5EF4-FFF2-40B4-BE49-F238E27FC236}">
+                  <a16:creationId xmlns:a16="http://schemas.microsoft.com/office/drawing/2014/main" id="{A066ECC3-9286-8E8F-7E6B-5E17F530A3EF}"/>
+                </a:ext>
+              </a:extLst>
+            </p:cNvPr>
+            <p:cNvPicPr>
+              <a:picLocks noChangeAspect="1"/>
+            </p:cNvPicPr>
+            <p:nvPr/>
+          </p:nvPicPr>
+          <p:blipFill>
+            <a:blip r:embed="rId2">
+              <a:extLst>
+                <a:ext uri="{28A0092B-C50C-407E-A947-70E740481C1C}">
+                  <a14:useLocalDpi xmlns:a14="http://schemas.microsoft.com/office/drawing/2010/main" val="0"/>
+                </a:ext>
+                <a:ext uri="{96DAC541-7B7A-43D3-8B79-37D633B846F1}">
+                  <asvg:svgBlip xmlns:asvg="http://schemas.microsoft.com/office/drawing/2016/SVG/main" r:embed="rId3"/>
+                </a:ext>
+              </a:extLst>
+            </a:blip>
+            <a:stretch>
+              <a:fillRect/>
+            </a:stretch>
+          </p:blipFill>
+          <p:spPr>
+            <a:xfrm>
+              <a:off x="1085850" y="909638"/>
+              <a:ext cx="438150" cy="438150"/>
+            </a:xfrm>
+            <a:prstGeom prst="rect">
+              <a:avLst/>
+            </a:prstGeom>
+          </p:spPr>
+        </p:pic>
+      </p:grpSp>
+      <p:grpSp>
+        <p:nvGrpSpPr>
+          <p:cNvPr id="9" name="Group 8">
+            <a:extLst>
+              <a:ext uri="{FF2B5EF4-FFF2-40B4-BE49-F238E27FC236}">
+                <a16:creationId xmlns:a16="http://schemas.microsoft.com/office/drawing/2014/main" id="{035FB7C7-BB05-912E-4770-6F30DAFA8F75}"/>
+              </a:ext>
+            </a:extLst>
+          </p:cNvPr>
+          <p:cNvGrpSpPr/>
+          <p:nvPr/>
+        </p:nvGrpSpPr>
+        <p:grpSpPr>
+          <a:xfrm>
+            <a:off x="2000250" y="1969532"/>
+            <a:ext cx="190500" cy="245507"/>
+            <a:chOff x="4203700" y="1409700"/>
+            <a:chExt cx="190500" cy="245507"/>
+          </a:xfrm>
+        </p:grpSpPr>
+        <p:sp>
+          <p:nvSpPr>
+            <p:cNvPr id="4" name="Rectangle 3">
+              <a:extLst>
+                <a:ext uri="{FF2B5EF4-FFF2-40B4-BE49-F238E27FC236}">
+                  <a16:creationId xmlns:a16="http://schemas.microsoft.com/office/drawing/2014/main" id="{FD7932AF-3DEC-80CF-F9F5-EDF5EF3AF5BF}"/>
+                </a:ext>
+              </a:extLst>
+            </p:cNvPr>
+            <p:cNvSpPr/>
+            <p:nvPr/>
+          </p:nvSpPr>
+          <p:spPr>
+            <a:xfrm>
+              <a:off x="4203700" y="1409700"/>
+              <a:ext cx="190500" cy="245507"/>
+            </a:xfrm>
+            <a:prstGeom prst="rect">
+              <a:avLst/>
+            </a:prstGeom>
+            <a:solidFill>
+              <a:srgbClr val="E2E9EB"/>
+            </a:solidFill>
+            <a:ln w="3175">
+              <a:solidFill>
+                <a:schemeClr val="tx1"/>
+              </a:solidFill>
+            </a:ln>
+          </p:spPr>
+          <p:style>
+            <a:lnRef idx="2">
+              <a:schemeClr val="accent1">
+                <a:shade val="15000"/>
+              </a:schemeClr>
+            </a:lnRef>
+            <a:fillRef idx="1">
+              <a:schemeClr val="accent1"/>
+            </a:fillRef>
+            <a:effectRef idx="0">
+              <a:schemeClr val="accent1"/>
+            </a:effectRef>
+            <a:fontRef idx="minor">
+              <a:schemeClr val="lt1"/>
+            </a:fontRef>
+          </p:style>
+          <p:txBody>
+            <a:bodyPr rtlCol="0" anchor="ctr"/>
+            <a:lstStyle/>
+            <a:p>
+              <a:pPr algn="ctr"/>
+              <a:endParaRPr lang="en-US"/>
+            </a:p>
+          </p:txBody>
+        </p:sp>
+        <p:sp>
+          <p:nvSpPr>
+            <p:cNvPr id="8" name="Isosceles Triangle 7">
+              <a:extLst>
+                <a:ext uri="{FF2B5EF4-FFF2-40B4-BE49-F238E27FC236}">
+                  <a16:creationId xmlns:a16="http://schemas.microsoft.com/office/drawing/2014/main" id="{DA0B0099-1150-7D3B-3833-F642EE0F9986}"/>
+                </a:ext>
+              </a:extLst>
+            </p:cNvPr>
+            <p:cNvSpPr/>
+            <p:nvPr/>
+          </p:nvSpPr>
+          <p:spPr>
+            <a:xfrm rot="5400000">
+              <a:off x="4230370" y="1463873"/>
+              <a:ext cx="137160" cy="137160"/>
+            </a:xfrm>
+            <a:prstGeom prst="triangle">
+              <a:avLst/>
+            </a:prstGeom>
+            <a:solidFill>
+              <a:schemeClr val="tx1"/>
+            </a:solidFill>
+            <a:ln>
+              <a:noFill/>
+            </a:ln>
+          </p:spPr>
+          <p:style>
+            <a:lnRef idx="2">
+              <a:schemeClr val="accent1">
+                <a:shade val="15000"/>
+              </a:schemeClr>
+            </a:lnRef>
+            <a:fillRef idx="1">
+              <a:schemeClr val="accent1"/>
+            </a:fillRef>
+            <a:effectRef idx="0">
+              <a:schemeClr val="accent1"/>
+            </a:effectRef>
+            <a:fontRef idx="minor">
+              <a:schemeClr val="lt1"/>
+            </a:fontRef>
+          </p:style>
+          <p:txBody>
+            <a:bodyPr rtlCol="0" anchor="ctr"/>
+            <a:lstStyle/>
+            <a:p>
+              <a:pPr algn="ctr"/>
+              <a:endParaRPr lang="en-US"/>
+            </a:p>
+          </p:txBody>
+        </p:sp>
+      </p:grpSp>
+      <p:grpSp>
+        <p:nvGrpSpPr>
+          <p:cNvPr id="10" name="Group 9">
+            <a:extLst>
+              <a:ext uri="{FF2B5EF4-FFF2-40B4-BE49-F238E27FC236}">
+                <a16:creationId xmlns:a16="http://schemas.microsoft.com/office/drawing/2014/main" id="{C1CB3717-09B5-618E-663D-E747478BB053}"/>
+              </a:ext>
+            </a:extLst>
+          </p:cNvPr>
+          <p:cNvGrpSpPr/>
+          <p:nvPr/>
+        </p:nvGrpSpPr>
+        <p:grpSpPr>
+          <a:xfrm rot="10800000">
+            <a:off x="419100" y="1969531"/>
+            <a:ext cx="190500" cy="245507"/>
+            <a:chOff x="4203700" y="1409700"/>
+            <a:chExt cx="190500" cy="245507"/>
+          </a:xfrm>
+        </p:grpSpPr>
+        <p:sp>
+          <p:nvSpPr>
+            <p:cNvPr id="11" name="Rectangle 10">
+              <a:extLst>
+                <a:ext uri="{FF2B5EF4-FFF2-40B4-BE49-F238E27FC236}">
+                  <a16:creationId xmlns:a16="http://schemas.microsoft.com/office/drawing/2014/main" id="{CC5A14F1-F7CF-A85D-2971-A1DF4D3E0B32}"/>
+                </a:ext>
+              </a:extLst>
+            </p:cNvPr>
+            <p:cNvSpPr/>
+            <p:nvPr/>
+          </p:nvSpPr>
+          <p:spPr>
+            <a:xfrm>
+              <a:off x="4203700" y="1409700"/>
+              <a:ext cx="190500" cy="245507"/>
+            </a:xfrm>
+            <a:prstGeom prst="rect">
+              <a:avLst/>
+            </a:prstGeom>
+            <a:solidFill>
+              <a:srgbClr val="E2E9EB"/>
+            </a:solidFill>
+            <a:ln w="3175">
+              <a:solidFill>
+                <a:schemeClr val="tx1"/>
+              </a:solidFill>
+            </a:ln>
+          </p:spPr>
+          <p:style>
+            <a:lnRef idx="2">
+              <a:schemeClr val="accent1">
+                <a:shade val="15000"/>
+              </a:schemeClr>
+            </a:lnRef>
+            <a:fillRef idx="1">
+              <a:schemeClr val="accent1"/>
+            </a:fillRef>
+            <a:effectRef idx="0">
+              <a:schemeClr val="accent1"/>
+            </a:effectRef>
+            <a:fontRef idx="minor">
+              <a:schemeClr val="lt1"/>
+            </a:fontRef>
+          </p:style>
+          <p:txBody>
+            <a:bodyPr rtlCol="0" anchor="ctr"/>
+            <a:lstStyle/>
+            <a:p>
+              <a:pPr algn="ctr"/>
+              <a:endParaRPr lang="en-US"/>
+            </a:p>
+          </p:txBody>
+        </p:sp>
+        <p:sp>
+          <p:nvSpPr>
+            <p:cNvPr id="12" name="Isosceles Triangle 11">
+              <a:extLst>
+                <a:ext uri="{FF2B5EF4-FFF2-40B4-BE49-F238E27FC236}">
+                  <a16:creationId xmlns:a16="http://schemas.microsoft.com/office/drawing/2014/main" id="{64B80FE5-8E58-0C90-0FB2-980259D75C26}"/>
+                </a:ext>
+              </a:extLst>
+            </p:cNvPr>
+            <p:cNvSpPr/>
+            <p:nvPr/>
+          </p:nvSpPr>
+          <p:spPr>
+            <a:xfrm rot="5400000">
+              <a:off x="4230370" y="1463873"/>
+              <a:ext cx="137160" cy="137160"/>
+            </a:xfrm>
+            <a:prstGeom prst="triangle">
+              <a:avLst/>
+            </a:prstGeom>
+            <a:solidFill>
+              <a:schemeClr val="tx1"/>
+            </a:solidFill>
+            <a:ln>
+              <a:noFill/>
+            </a:ln>
+          </p:spPr>
+          <p:style>
+            <a:lnRef idx="2">
+              <a:schemeClr val="accent1">
+                <a:shade val="15000"/>
+              </a:schemeClr>
+            </a:lnRef>
+            <a:fillRef idx="1">
+              <a:schemeClr val="accent1"/>
+            </a:fillRef>
+            <a:effectRef idx="0">
+              <a:schemeClr val="accent1"/>
+            </a:effectRef>
+            <a:fontRef idx="minor">
+              <a:schemeClr val="lt1"/>
+            </a:fontRef>
+          </p:style>
+          <p:txBody>
+            <a:bodyPr rtlCol="0" anchor="ctr"/>
+            <a:lstStyle/>
+            <a:p>
+              <a:pPr algn="ctr"/>
+              <a:endParaRPr lang="en-US"/>
+            </a:p>
+          </p:txBody>
+        </p:sp>
+      </p:grpSp>
+      <p:sp>
+        <p:nvSpPr>
+          <p:cNvPr id="13" name="TextBox 12">
+            <a:extLst>
+              <a:ext uri="{FF2B5EF4-FFF2-40B4-BE49-F238E27FC236}">
+                <a16:creationId xmlns:a16="http://schemas.microsoft.com/office/drawing/2014/main" id="{9576E9EB-6678-837C-BE00-34F1039FB8BC}"/>
+              </a:ext>
+            </a:extLst>
+          </p:cNvPr>
+          <p:cNvSpPr txBox="1"/>
+          <p:nvPr/>
+        </p:nvSpPr>
+        <p:spPr>
+          <a:xfrm>
+            <a:off x="609600" y="1388446"/>
+            <a:ext cx="1390650" cy="369332"/>
+          </a:xfrm>
+          <a:prstGeom prst="rect">
+            <a:avLst/>
+          </a:prstGeom>
+          <a:noFill/>
+        </p:spPr>
+        <p:txBody>
+          <a:bodyPr wrap="square" rtlCol="0">
+            <a:spAutoFit/>
+          </a:bodyPr>
+          <a:lstStyle/>
+          <a:p>
+            <a:pPr algn="ctr"/>
+            <a:r>
+              <a:rPr lang="en-US" b="1" dirty="0">
+                <a:latin typeface="Arial" panose="020B0604020202020204" pitchFamily="34" charset="0"/>
+                <a:cs typeface="Arial" panose="020B0604020202020204" pitchFamily="34" charset="0"/>
+              </a:rPr>
+              <a:t>Shapes</a:t>
+            </a:r>
+          </a:p>
+        </p:txBody>
+      </p:sp>
+      <p:sp>
+        <p:nvSpPr>
+          <p:cNvPr id="14" name="Oval 13">
+            <a:extLst>
+              <a:ext uri="{FF2B5EF4-FFF2-40B4-BE49-F238E27FC236}">
+                <a16:creationId xmlns:a16="http://schemas.microsoft.com/office/drawing/2014/main" id="{E405276C-D14C-7A98-20F8-F32DB4F2A58E}"/>
+              </a:ext>
+            </a:extLst>
+          </p:cNvPr>
+          <p:cNvSpPr/>
+          <p:nvPr/>
+        </p:nvSpPr>
+        <p:spPr>
+          <a:xfrm>
+            <a:off x="704850" y="1862374"/>
+            <a:ext cx="457200" cy="459819"/>
+          </a:xfrm>
+          <a:prstGeom prst="ellipse">
+            <a:avLst/>
+          </a:prstGeom>
+          <a:noFill/>
+          <a:ln w="28575">
+            <a:solidFill>
+              <a:schemeClr val="tx1">
+                <a:lumMod val="95000"/>
+                <a:lumOff val="5000"/>
+              </a:schemeClr>
+            </a:solidFill>
+          </a:ln>
+          <a:effectLst/>
+        </p:spPr>
+        <p:style>
+          <a:lnRef idx="2">
+            <a:schemeClr val="accent1">
+              <a:shade val="15000"/>
+            </a:schemeClr>
+          </a:lnRef>
+          <a:fillRef idx="1">
+            <a:schemeClr val="accent1"/>
+          </a:fillRef>
+          <a:effectRef idx="0">
+            <a:schemeClr val="accent1"/>
+          </a:effectRef>
+          <a:fontRef idx="minor">
+            <a:schemeClr val="lt1"/>
+          </a:fontRef>
+        </p:style>
+        <p:txBody>
+          <a:bodyPr rtlCol="0" anchor="ctr"/>
+          <a:lstStyle/>
+          <a:p>
+            <a:pPr algn="ctr"/>
+            <a:endParaRPr lang="en-US"/>
+          </a:p>
+        </p:txBody>
+      </p:sp>
+      <p:sp>
+        <p:nvSpPr>
+          <p:cNvPr id="15" name="Rectangle 14">
+            <a:extLst>
+              <a:ext uri="{FF2B5EF4-FFF2-40B4-BE49-F238E27FC236}">
+                <a16:creationId xmlns:a16="http://schemas.microsoft.com/office/drawing/2014/main" id="{070D2CAC-BAB1-436F-668E-1A52ED68E981}"/>
+              </a:ext>
+            </a:extLst>
+          </p:cNvPr>
+          <p:cNvSpPr/>
+          <p:nvPr/>
+        </p:nvSpPr>
+        <p:spPr>
+          <a:xfrm rot="2700000">
+            <a:off x="1400541" y="1876473"/>
+            <a:ext cx="457200" cy="459819"/>
+          </a:xfrm>
+          <a:prstGeom prst="rect">
+            <a:avLst/>
+          </a:prstGeom>
+          <a:noFill/>
+          <a:ln w="28575">
+            <a:solidFill>
+              <a:schemeClr val="tx1"/>
+            </a:solidFill>
+          </a:ln>
+        </p:spPr>
+        <p:style>
+          <a:lnRef idx="2">
+            <a:schemeClr val="accent1">
+              <a:shade val="15000"/>
+            </a:schemeClr>
+          </a:lnRef>
+          <a:fillRef idx="1">
+            <a:schemeClr val="accent1"/>
+          </a:fillRef>
+          <a:effectRef idx="0">
+            <a:schemeClr val="accent1"/>
+          </a:effectRef>
+          <a:fontRef idx="minor">
+            <a:schemeClr val="lt1"/>
+          </a:fontRef>
+        </p:style>
+        <p:txBody>
+          <a:bodyPr rtlCol="0" anchor="ctr"/>
+          <a:lstStyle/>
+          <a:p>
+            <a:pPr algn="ctr"/>
+            <a:endParaRPr lang="en-US"/>
+          </a:p>
+        </p:txBody>
+      </p:sp>
+      <p:grpSp>
+        <p:nvGrpSpPr>
+          <p:cNvPr id="16" name="Group 15">
+            <a:extLst>
+              <a:ext uri="{FF2B5EF4-FFF2-40B4-BE49-F238E27FC236}">
+                <a16:creationId xmlns:a16="http://schemas.microsoft.com/office/drawing/2014/main" id="{A06DBED5-6E07-01A7-44D9-797F358A223D}"/>
+              </a:ext>
+            </a:extLst>
+          </p:cNvPr>
+          <p:cNvGrpSpPr/>
+          <p:nvPr/>
+        </p:nvGrpSpPr>
+        <p:grpSpPr>
+          <a:xfrm>
+            <a:off x="2000250" y="3320175"/>
+            <a:ext cx="190500" cy="245507"/>
+            <a:chOff x="4203700" y="1409700"/>
+            <a:chExt cx="190500" cy="245507"/>
+          </a:xfrm>
+        </p:grpSpPr>
+        <p:sp>
+          <p:nvSpPr>
+            <p:cNvPr id="17" name="Rectangle 16">
+              <a:extLst>
+                <a:ext uri="{FF2B5EF4-FFF2-40B4-BE49-F238E27FC236}">
+                  <a16:creationId xmlns:a16="http://schemas.microsoft.com/office/drawing/2014/main" id="{431CE5F1-6C6B-62D0-2508-130E71EA608A}"/>
+                </a:ext>
+              </a:extLst>
+            </p:cNvPr>
+            <p:cNvSpPr/>
+            <p:nvPr/>
+          </p:nvSpPr>
+          <p:spPr>
+            <a:xfrm>
+              <a:off x="4203700" y="1409700"/>
+              <a:ext cx="190500" cy="245507"/>
+            </a:xfrm>
+            <a:prstGeom prst="rect">
+              <a:avLst/>
+            </a:prstGeom>
+            <a:solidFill>
+              <a:srgbClr val="E2E9EB"/>
+            </a:solidFill>
+            <a:ln w="3175">
+              <a:solidFill>
+                <a:schemeClr val="tx1"/>
+              </a:solidFill>
+            </a:ln>
+          </p:spPr>
+          <p:style>
+            <a:lnRef idx="2">
+              <a:schemeClr val="accent1">
+                <a:shade val="15000"/>
+              </a:schemeClr>
+            </a:lnRef>
+            <a:fillRef idx="1">
+              <a:schemeClr val="accent1"/>
+            </a:fillRef>
+            <a:effectRef idx="0">
+              <a:schemeClr val="accent1"/>
+            </a:effectRef>
+            <a:fontRef idx="minor">
+              <a:schemeClr val="lt1"/>
+            </a:fontRef>
+          </p:style>
+          <p:txBody>
+            <a:bodyPr rtlCol="0" anchor="ctr"/>
+            <a:lstStyle/>
+            <a:p>
+              <a:pPr algn="ctr"/>
+              <a:endParaRPr lang="en-US"/>
+            </a:p>
+          </p:txBody>
+        </p:sp>
+        <p:sp>
+          <p:nvSpPr>
+            <p:cNvPr id="18" name="Isosceles Triangle 17">
+              <a:extLst>
+                <a:ext uri="{FF2B5EF4-FFF2-40B4-BE49-F238E27FC236}">
+                  <a16:creationId xmlns:a16="http://schemas.microsoft.com/office/drawing/2014/main" id="{4676F4A2-B060-DC39-356F-1F92BB8C2B89}"/>
+                </a:ext>
+              </a:extLst>
+            </p:cNvPr>
+            <p:cNvSpPr/>
+            <p:nvPr/>
+          </p:nvSpPr>
+          <p:spPr>
+            <a:xfrm rot="5400000">
+              <a:off x="4230370" y="1463873"/>
+              <a:ext cx="137160" cy="137160"/>
+            </a:xfrm>
+            <a:prstGeom prst="triangle">
+              <a:avLst/>
+            </a:prstGeom>
+            <a:solidFill>
+              <a:schemeClr val="tx1"/>
+            </a:solidFill>
+            <a:ln>
+              <a:noFill/>
+            </a:ln>
+          </p:spPr>
+          <p:style>
+            <a:lnRef idx="2">
+              <a:schemeClr val="accent1">
+                <a:shade val="15000"/>
+              </a:schemeClr>
+            </a:lnRef>
+            <a:fillRef idx="1">
+              <a:schemeClr val="accent1"/>
+            </a:fillRef>
+            <a:effectRef idx="0">
+              <a:schemeClr val="accent1"/>
+            </a:effectRef>
+            <a:fontRef idx="minor">
+              <a:schemeClr val="lt1"/>
+            </a:fontRef>
+          </p:style>
+          <p:txBody>
+            <a:bodyPr rtlCol="0" anchor="ctr"/>
+            <a:lstStyle/>
+            <a:p>
+              <a:pPr algn="ctr"/>
+              <a:endParaRPr lang="en-US"/>
+            </a:p>
+          </p:txBody>
+        </p:sp>
+      </p:grpSp>
+      <p:grpSp>
+        <p:nvGrpSpPr>
+          <p:cNvPr id="19" name="Group 18">
+            <a:extLst>
+              <a:ext uri="{FF2B5EF4-FFF2-40B4-BE49-F238E27FC236}">
+                <a16:creationId xmlns:a16="http://schemas.microsoft.com/office/drawing/2014/main" id="{9D038C34-F43C-5563-B3CD-EDA2DF87F486}"/>
+              </a:ext>
+            </a:extLst>
+          </p:cNvPr>
+          <p:cNvGrpSpPr/>
+          <p:nvPr/>
+        </p:nvGrpSpPr>
+        <p:grpSpPr>
+          <a:xfrm rot="10800000">
+            <a:off x="419100" y="3320174"/>
+            <a:ext cx="190500" cy="245507"/>
+            <a:chOff x="4203700" y="1409700"/>
+            <a:chExt cx="190500" cy="245507"/>
+          </a:xfrm>
+        </p:grpSpPr>
+        <p:sp>
+          <p:nvSpPr>
+            <p:cNvPr id="20" name="Rectangle 19">
+              <a:extLst>
+                <a:ext uri="{FF2B5EF4-FFF2-40B4-BE49-F238E27FC236}">
+                  <a16:creationId xmlns:a16="http://schemas.microsoft.com/office/drawing/2014/main" id="{39C018D6-3715-0335-0786-88AD99D3A2F8}"/>
+                </a:ext>
+              </a:extLst>
+            </p:cNvPr>
+            <p:cNvSpPr/>
+            <p:nvPr/>
+          </p:nvSpPr>
+          <p:spPr>
+            <a:xfrm>
+              <a:off x="4203700" y="1409700"/>
+              <a:ext cx="190500" cy="245507"/>
+            </a:xfrm>
+            <a:prstGeom prst="rect">
+              <a:avLst/>
+            </a:prstGeom>
+            <a:solidFill>
+              <a:srgbClr val="E2E9EB"/>
+            </a:solidFill>
+            <a:ln w="3175">
+              <a:solidFill>
+                <a:schemeClr val="tx1"/>
+              </a:solidFill>
+            </a:ln>
+          </p:spPr>
+          <p:style>
+            <a:lnRef idx="2">
+              <a:schemeClr val="accent1">
+                <a:shade val="15000"/>
+              </a:schemeClr>
+            </a:lnRef>
+            <a:fillRef idx="1">
+              <a:schemeClr val="accent1"/>
+            </a:fillRef>
+            <a:effectRef idx="0">
+              <a:schemeClr val="accent1"/>
+            </a:effectRef>
+            <a:fontRef idx="minor">
+              <a:schemeClr val="lt1"/>
+            </a:fontRef>
+          </p:style>
+          <p:txBody>
+            <a:bodyPr rtlCol="0" anchor="ctr"/>
+            <a:lstStyle/>
+            <a:p>
+              <a:pPr algn="ctr"/>
+              <a:endParaRPr lang="en-US"/>
+            </a:p>
+          </p:txBody>
+        </p:sp>
+        <p:sp>
+          <p:nvSpPr>
+            <p:cNvPr id="21" name="Isosceles Triangle 20">
+              <a:extLst>
+                <a:ext uri="{FF2B5EF4-FFF2-40B4-BE49-F238E27FC236}">
+                  <a16:creationId xmlns:a16="http://schemas.microsoft.com/office/drawing/2014/main" id="{A3F98BD3-EA30-4693-DA80-895CABDD8DF6}"/>
+                </a:ext>
+              </a:extLst>
+            </p:cNvPr>
+            <p:cNvSpPr/>
+            <p:nvPr/>
+          </p:nvSpPr>
+          <p:spPr>
+            <a:xfrm rot="5400000">
+              <a:off x="4230370" y="1463873"/>
+              <a:ext cx="137160" cy="137160"/>
+            </a:xfrm>
+            <a:prstGeom prst="triangle">
+              <a:avLst/>
+            </a:prstGeom>
+            <a:solidFill>
+              <a:schemeClr val="tx1"/>
+            </a:solidFill>
+            <a:ln>
+              <a:noFill/>
+            </a:ln>
+          </p:spPr>
+          <p:style>
+            <a:lnRef idx="2">
+              <a:schemeClr val="accent1">
+                <a:shade val="15000"/>
+              </a:schemeClr>
+            </a:lnRef>
+            <a:fillRef idx="1">
+              <a:schemeClr val="accent1"/>
+            </a:fillRef>
+            <a:effectRef idx="0">
+              <a:schemeClr val="accent1"/>
+            </a:effectRef>
+            <a:fontRef idx="minor">
+              <a:schemeClr val="lt1"/>
+            </a:fontRef>
+          </p:style>
+          <p:txBody>
+            <a:bodyPr rtlCol="0" anchor="ctr"/>
+            <a:lstStyle/>
+            <a:p>
+              <a:pPr algn="ctr"/>
+              <a:endParaRPr lang="en-US"/>
+            </a:p>
+          </p:txBody>
+        </p:sp>
+      </p:grpSp>
+      <p:cxnSp>
+        <p:nvCxnSpPr>
+          <p:cNvPr id="23" name="Straight Arrow Connector 22">
+            <a:extLst>
+              <a:ext uri="{FF2B5EF4-FFF2-40B4-BE49-F238E27FC236}">
+                <a16:creationId xmlns:a16="http://schemas.microsoft.com/office/drawing/2014/main" id="{69B163C2-87D7-0AD5-D689-0CBB78E47B03}"/>
+              </a:ext>
+            </a:extLst>
+          </p:cNvPr>
+          <p:cNvCxnSpPr/>
+          <p:nvPr/>
+        </p:nvCxnSpPr>
+        <p:spPr>
+          <a:xfrm>
+            <a:off x="909637" y="3429000"/>
+            <a:ext cx="790575" cy="0"/>
+          </a:xfrm>
+          <a:prstGeom prst="straightConnector1">
+            <a:avLst/>
+          </a:prstGeom>
+          <a:ln w="28575">
+            <a:solidFill>
+              <a:schemeClr val="tx1"/>
+            </a:solidFill>
+            <a:tailEnd type="triangle"/>
+          </a:ln>
+        </p:spPr>
+        <p:style>
+          <a:lnRef idx="1">
+            <a:schemeClr val="accent1"/>
+          </a:lnRef>
+          <a:fillRef idx="0">
+            <a:schemeClr val="accent1"/>
+          </a:fillRef>
+          <a:effectRef idx="0">
+            <a:schemeClr val="accent1"/>
+          </a:effectRef>
+          <a:fontRef idx="minor">
+            <a:schemeClr val="tx1"/>
+          </a:fontRef>
+        </p:style>
+      </p:cxnSp>
+      <p:sp>
+        <p:nvSpPr>
+          <p:cNvPr id="40" name="TextBox 39">
+            <a:extLst>
+              <a:ext uri="{FF2B5EF4-FFF2-40B4-BE49-F238E27FC236}">
+                <a16:creationId xmlns:a16="http://schemas.microsoft.com/office/drawing/2014/main" id="{462A91B2-FBD0-7593-A9B0-AF173F085E58}"/>
+              </a:ext>
+            </a:extLst>
+          </p:cNvPr>
+          <p:cNvSpPr txBox="1"/>
+          <p:nvPr/>
+        </p:nvSpPr>
+        <p:spPr>
+          <a:xfrm>
+            <a:off x="609600" y="5253660"/>
+            <a:ext cx="1390650" cy="369332"/>
+          </a:xfrm>
+          <a:prstGeom prst="rect">
+            <a:avLst/>
+          </a:prstGeom>
+          <a:noFill/>
+        </p:spPr>
+        <p:txBody>
+          <a:bodyPr wrap="square" rtlCol="0">
+            <a:spAutoFit/>
+          </a:bodyPr>
+          <a:lstStyle/>
+          <a:p>
+            <a:pPr algn="ctr"/>
+            <a:r>
+              <a:rPr lang="en-US" b="1" dirty="0">
+                <a:latin typeface="Arial" panose="020B0604020202020204" pitchFamily="34" charset="0"/>
+                <a:cs typeface="Arial" panose="020B0604020202020204" pitchFamily="34" charset="0"/>
+              </a:rPr>
+              <a:t>????</a:t>
+            </a:r>
+          </a:p>
+        </p:txBody>
+      </p:sp>
+      <p:grpSp>
+        <p:nvGrpSpPr>
+          <p:cNvPr id="41" name="Group 40">
+            <a:extLst>
+              <a:ext uri="{FF2B5EF4-FFF2-40B4-BE49-F238E27FC236}">
+                <a16:creationId xmlns:a16="http://schemas.microsoft.com/office/drawing/2014/main" id="{3AFFC2B1-ABEA-A092-5DED-D61528FC28C2}"/>
+              </a:ext>
+            </a:extLst>
+          </p:cNvPr>
+          <p:cNvGrpSpPr/>
+          <p:nvPr/>
+        </p:nvGrpSpPr>
+        <p:grpSpPr>
+          <a:xfrm>
+            <a:off x="2000250" y="4378432"/>
+            <a:ext cx="190500" cy="245507"/>
+            <a:chOff x="4203700" y="1409700"/>
+            <a:chExt cx="190500" cy="245507"/>
+          </a:xfrm>
+        </p:grpSpPr>
+        <p:sp>
+          <p:nvSpPr>
+            <p:cNvPr id="42" name="Rectangle 41">
+              <a:extLst>
+                <a:ext uri="{FF2B5EF4-FFF2-40B4-BE49-F238E27FC236}">
+                  <a16:creationId xmlns:a16="http://schemas.microsoft.com/office/drawing/2014/main" id="{D6CA3782-E138-A58F-FB89-5498B2AA35BA}"/>
+                </a:ext>
+              </a:extLst>
+            </p:cNvPr>
+            <p:cNvSpPr/>
+            <p:nvPr/>
+          </p:nvSpPr>
+          <p:spPr>
+            <a:xfrm>
+              <a:off x="4203700" y="1409700"/>
+              <a:ext cx="190500" cy="245507"/>
+            </a:xfrm>
+            <a:prstGeom prst="rect">
+              <a:avLst/>
+            </a:prstGeom>
+            <a:solidFill>
+              <a:srgbClr val="E2E9EB"/>
+            </a:solidFill>
+            <a:ln w="3175">
+              <a:solidFill>
+                <a:schemeClr val="tx1"/>
+              </a:solidFill>
+            </a:ln>
+          </p:spPr>
+          <p:style>
+            <a:lnRef idx="2">
+              <a:schemeClr val="accent1">
+                <a:shade val="15000"/>
+              </a:schemeClr>
+            </a:lnRef>
+            <a:fillRef idx="1">
+              <a:schemeClr val="accent1"/>
+            </a:fillRef>
+            <a:effectRef idx="0">
+              <a:schemeClr val="accent1"/>
+            </a:effectRef>
+            <a:fontRef idx="minor">
+              <a:schemeClr val="lt1"/>
+            </a:fontRef>
+          </p:style>
+          <p:txBody>
+            <a:bodyPr rtlCol="0" anchor="ctr"/>
+            <a:lstStyle/>
+            <a:p>
+              <a:pPr algn="ctr"/>
+              <a:endParaRPr lang="en-US"/>
+            </a:p>
+          </p:txBody>
+        </p:sp>
+        <p:sp>
+          <p:nvSpPr>
+            <p:cNvPr id="43" name="Isosceles Triangle 42">
+              <a:extLst>
+                <a:ext uri="{FF2B5EF4-FFF2-40B4-BE49-F238E27FC236}">
+                  <a16:creationId xmlns:a16="http://schemas.microsoft.com/office/drawing/2014/main" id="{B6A056B6-EC3A-B9BE-8E68-B01E32A4292C}"/>
+                </a:ext>
+              </a:extLst>
+            </p:cNvPr>
+            <p:cNvSpPr/>
+            <p:nvPr/>
+          </p:nvSpPr>
+          <p:spPr>
+            <a:xfrm rot="5400000">
+              <a:off x="4230370" y="1463873"/>
+              <a:ext cx="137160" cy="137160"/>
+            </a:xfrm>
+            <a:prstGeom prst="triangle">
+              <a:avLst/>
+            </a:prstGeom>
+            <a:solidFill>
+              <a:schemeClr val="tx1"/>
+            </a:solidFill>
+            <a:ln>
+              <a:noFill/>
+            </a:ln>
+          </p:spPr>
+          <p:style>
+            <a:lnRef idx="2">
+              <a:schemeClr val="accent1">
+                <a:shade val="15000"/>
+              </a:schemeClr>
+            </a:lnRef>
+            <a:fillRef idx="1">
+              <a:schemeClr val="accent1"/>
+            </a:fillRef>
+            <a:effectRef idx="0">
+              <a:schemeClr val="accent1"/>
+            </a:effectRef>
+            <a:fontRef idx="minor">
+              <a:schemeClr val="lt1"/>
+            </a:fontRef>
+          </p:style>
+          <p:txBody>
+            <a:bodyPr rtlCol="0" anchor="ctr"/>
+            <a:lstStyle/>
+            <a:p>
+              <a:pPr algn="ctr"/>
+              <a:endParaRPr lang="en-US"/>
+            </a:p>
+          </p:txBody>
+        </p:sp>
+      </p:grpSp>
+      <p:grpSp>
+        <p:nvGrpSpPr>
+          <p:cNvPr id="44" name="Group 43">
+            <a:extLst>
+              <a:ext uri="{FF2B5EF4-FFF2-40B4-BE49-F238E27FC236}">
+                <a16:creationId xmlns:a16="http://schemas.microsoft.com/office/drawing/2014/main" id="{4BD413DC-C56E-2D24-4691-2F146D06B1D3}"/>
+              </a:ext>
+            </a:extLst>
+          </p:cNvPr>
+          <p:cNvGrpSpPr/>
+          <p:nvPr/>
+        </p:nvGrpSpPr>
+        <p:grpSpPr>
+          <a:xfrm rot="10800000">
+            <a:off x="419100" y="4378431"/>
+            <a:ext cx="190500" cy="245507"/>
+            <a:chOff x="4203700" y="1409700"/>
+            <a:chExt cx="190500" cy="245507"/>
+          </a:xfrm>
+        </p:grpSpPr>
+        <p:sp>
+          <p:nvSpPr>
+            <p:cNvPr id="45" name="Rectangle 44">
+              <a:extLst>
+                <a:ext uri="{FF2B5EF4-FFF2-40B4-BE49-F238E27FC236}">
+                  <a16:creationId xmlns:a16="http://schemas.microsoft.com/office/drawing/2014/main" id="{4AAC1BA8-C72E-AC74-DF07-2CDDB17D2521}"/>
+                </a:ext>
+              </a:extLst>
+            </p:cNvPr>
+            <p:cNvSpPr/>
+            <p:nvPr/>
+          </p:nvSpPr>
+          <p:spPr>
+            <a:xfrm>
+              <a:off x="4203700" y="1409700"/>
+              <a:ext cx="190500" cy="245507"/>
+            </a:xfrm>
+            <a:prstGeom prst="rect">
+              <a:avLst/>
+            </a:prstGeom>
+            <a:solidFill>
+              <a:srgbClr val="E2E9EB"/>
+            </a:solidFill>
+            <a:ln w="3175">
+              <a:solidFill>
+                <a:schemeClr val="tx1"/>
+              </a:solidFill>
+            </a:ln>
+          </p:spPr>
+          <p:style>
+            <a:lnRef idx="2">
+              <a:schemeClr val="accent1">
+                <a:shade val="15000"/>
+              </a:schemeClr>
+            </a:lnRef>
+            <a:fillRef idx="1">
+              <a:schemeClr val="accent1"/>
+            </a:fillRef>
+            <a:effectRef idx="0">
+              <a:schemeClr val="accent1"/>
+            </a:effectRef>
+            <a:fontRef idx="minor">
+              <a:schemeClr val="lt1"/>
+            </a:fontRef>
+          </p:style>
+          <p:txBody>
+            <a:bodyPr rtlCol="0" anchor="ctr"/>
+            <a:lstStyle/>
+            <a:p>
+              <a:pPr algn="ctr"/>
+              <a:endParaRPr lang="en-US"/>
+            </a:p>
+          </p:txBody>
+        </p:sp>
+        <p:sp>
+          <p:nvSpPr>
+            <p:cNvPr id="46" name="Isosceles Triangle 45">
+              <a:extLst>
+                <a:ext uri="{FF2B5EF4-FFF2-40B4-BE49-F238E27FC236}">
+                  <a16:creationId xmlns:a16="http://schemas.microsoft.com/office/drawing/2014/main" id="{386D047A-7D5B-0394-CE7A-A337B526B272}"/>
+                </a:ext>
+              </a:extLst>
+            </p:cNvPr>
+            <p:cNvSpPr/>
+            <p:nvPr/>
+          </p:nvSpPr>
+          <p:spPr>
+            <a:xfrm rot="5400000">
+              <a:off x="4230370" y="1463873"/>
+              <a:ext cx="137160" cy="137160"/>
+            </a:xfrm>
+            <a:prstGeom prst="triangle">
+              <a:avLst/>
+            </a:prstGeom>
+            <a:solidFill>
+              <a:schemeClr val="tx1"/>
+            </a:solidFill>
+            <a:ln>
+              <a:noFill/>
+            </a:ln>
+          </p:spPr>
+          <p:style>
+            <a:lnRef idx="2">
+              <a:schemeClr val="accent1">
+                <a:shade val="15000"/>
+              </a:schemeClr>
+            </a:lnRef>
+            <a:fillRef idx="1">
+              <a:schemeClr val="accent1"/>
+            </a:fillRef>
+            <a:effectRef idx="0">
+              <a:schemeClr val="accent1"/>
+            </a:effectRef>
+            <a:fontRef idx="minor">
+              <a:schemeClr val="lt1"/>
+            </a:fontRef>
+          </p:style>
+          <p:txBody>
+            <a:bodyPr rtlCol="0" anchor="ctr"/>
+            <a:lstStyle/>
+            <a:p>
+              <a:pPr algn="ctr"/>
+              <a:endParaRPr lang="en-US"/>
+            </a:p>
+          </p:txBody>
+        </p:sp>
+      </p:grpSp>
+      <p:sp>
+        <p:nvSpPr>
+          <p:cNvPr id="47" name="TextBox 46">
+            <a:extLst>
+              <a:ext uri="{FF2B5EF4-FFF2-40B4-BE49-F238E27FC236}">
+                <a16:creationId xmlns:a16="http://schemas.microsoft.com/office/drawing/2014/main" id="{F4D742AB-B097-2EC4-9B07-885B786DA49F}"/>
+              </a:ext>
+            </a:extLst>
+          </p:cNvPr>
+          <p:cNvSpPr txBox="1"/>
+          <p:nvPr/>
+        </p:nvSpPr>
+        <p:spPr>
+          <a:xfrm>
+            <a:off x="609600" y="3797346"/>
+            <a:ext cx="1390650" cy="369332"/>
+          </a:xfrm>
+          <a:prstGeom prst="rect">
+            <a:avLst/>
+          </a:prstGeom>
+          <a:noFill/>
+        </p:spPr>
+        <p:txBody>
+          <a:bodyPr wrap="square" rtlCol="0">
+            <a:spAutoFit/>
+          </a:bodyPr>
+          <a:lstStyle/>
+          <a:p>
+            <a:pPr algn="ctr"/>
+            <a:r>
+              <a:rPr lang="en-US" b="1" dirty="0">
+                <a:latin typeface="Arial" panose="020B0604020202020204" pitchFamily="34" charset="0"/>
+                <a:cs typeface="Arial" panose="020B0604020202020204" pitchFamily="34" charset="0"/>
+              </a:rPr>
+              <a:t>????</a:t>
+            </a:r>
+          </a:p>
+        </p:txBody>
+      </p:sp>
+      <p:grpSp>
+        <p:nvGrpSpPr>
+          <p:cNvPr id="50" name="Group 49">
+            <a:extLst>
+              <a:ext uri="{FF2B5EF4-FFF2-40B4-BE49-F238E27FC236}">
+                <a16:creationId xmlns:a16="http://schemas.microsoft.com/office/drawing/2014/main" id="{C2FBB665-C851-177B-3023-5C51DE500D04}"/>
+              </a:ext>
+            </a:extLst>
+          </p:cNvPr>
+          <p:cNvGrpSpPr/>
+          <p:nvPr/>
+        </p:nvGrpSpPr>
+        <p:grpSpPr>
+          <a:xfrm>
+            <a:off x="2000250" y="5729075"/>
+            <a:ext cx="190500" cy="245507"/>
+            <a:chOff x="4203700" y="1409700"/>
+            <a:chExt cx="190500" cy="245507"/>
+          </a:xfrm>
+        </p:grpSpPr>
+        <p:sp>
+          <p:nvSpPr>
+            <p:cNvPr id="51" name="Rectangle 50">
+              <a:extLst>
+                <a:ext uri="{FF2B5EF4-FFF2-40B4-BE49-F238E27FC236}">
+                  <a16:creationId xmlns:a16="http://schemas.microsoft.com/office/drawing/2014/main" id="{030B2FBF-BC74-F097-1902-75FF3EB6F5F7}"/>
+                </a:ext>
+              </a:extLst>
+            </p:cNvPr>
+            <p:cNvSpPr/>
+            <p:nvPr/>
+          </p:nvSpPr>
+          <p:spPr>
+            <a:xfrm>
+              <a:off x="4203700" y="1409700"/>
+              <a:ext cx="190500" cy="245507"/>
+            </a:xfrm>
+            <a:prstGeom prst="rect">
+              <a:avLst/>
+            </a:prstGeom>
+            <a:solidFill>
+              <a:srgbClr val="E2E9EB"/>
+            </a:solidFill>
+            <a:ln w="3175">
+              <a:solidFill>
+                <a:schemeClr val="tx1"/>
+              </a:solidFill>
+            </a:ln>
+          </p:spPr>
+          <p:style>
+            <a:lnRef idx="2">
+              <a:schemeClr val="accent1">
+                <a:shade val="15000"/>
+              </a:schemeClr>
+            </a:lnRef>
+            <a:fillRef idx="1">
+              <a:schemeClr val="accent1"/>
+            </a:fillRef>
+            <a:effectRef idx="0">
+              <a:schemeClr val="accent1"/>
+            </a:effectRef>
+            <a:fontRef idx="minor">
+              <a:schemeClr val="lt1"/>
+            </a:fontRef>
+          </p:style>
+          <p:txBody>
+            <a:bodyPr rtlCol="0" anchor="ctr"/>
+            <a:lstStyle/>
+            <a:p>
+              <a:pPr algn="ctr"/>
+              <a:endParaRPr lang="en-US"/>
+            </a:p>
+          </p:txBody>
+        </p:sp>
+        <p:sp>
+          <p:nvSpPr>
+            <p:cNvPr id="52" name="Isosceles Triangle 51">
+              <a:extLst>
+                <a:ext uri="{FF2B5EF4-FFF2-40B4-BE49-F238E27FC236}">
+                  <a16:creationId xmlns:a16="http://schemas.microsoft.com/office/drawing/2014/main" id="{7BC1AEE0-53CF-4017-633F-A5670285365D}"/>
+                </a:ext>
+              </a:extLst>
+            </p:cNvPr>
+            <p:cNvSpPr/>
+            <p:nvPr/>
+          </p:nvSpPr>
+          <p:spPr>
+            <a:xfrm rot="5400000">
+              <a:off x="4230370" y="1463873"/>
+              <a:ext cx="137160" cy="137160"/>
+            </a:xfrm>
+            <a:prstGeom prst="triangle">
+              <a:avLst/>
+            </a:prstGeom>
+            <a:solidFill>
+              <a:schemeClr val="tx1"/>
+            </a:solidFill>
+            <a:ln>
+              <a:noFill/>
+            </a:ln>
+          </p:spPr>
+          <p:style>
+            <a:lnRef idx="2">
+              <a:schemeClr val="accent1">
+                <a:shade val="15000"/>
+              </a:schemeClr>
+            </a:lnRef>
+            <a:fillRef idx="1">
+              <a:schemeClr val="accent1"/>
+            </a:fillRef>
+            <a:effectRef idx="0">
+              <a:schemeClr val="accent1"/>
+            </a:effectRef>
+            <a:fontRef idx="minor">
+              <a:schemeClr val="lt1"/>
+            </a:fontRef>
+          </p:style>
+          <p:txBody>
+            <a:bodyPr rtlCol="0" anchor="ctr"/>
+            <a:lstStyle/>
+            <a:p>
+              <a:pPr algn="ctr"/>
+              <a:endParaRPr lang="en-US"/>
+            </a:p>
+          </p:txBody>
+        </p:sp>
+      </p:grpSp>
+      <p:grpSp>
+        <p:nvGrpSpPr>
+          <p:cNvPr id="53" name="Group 52">
+            <a:extLst>
+              <a:ext uri="{FF2B5EF4-FFF2-40B4-BE49-F238E27FC236}">
+                <a16:creationId xmlns:a16="http://schemas.microsoft.com/office/drawing/2014/main" id="{CEFC43E2-37F4-A9E0-E683-3A445B000CA0}"/>
+              </a:ext>
+            </a:extLst>
+          </p:cNvPr>
+          <p:cNvGrpSpPr/>
+          <p:nvPr/>
+        </p:nvGrpSpPr>
+        <p:grpSpPr>
+          <a:xfrm rot="10800000">
+            <a:off x="419100" y="5729074"/>
+            <a:ext cx="190500" cy="245507"/>
+            <a:chOff x="4203700" y="1409700"/>
+            <a:chExt cx="190500" cy="245507"/>
+          </a:xfrm>
+        </p:grpSpPr>
+        <p:sp>
+          <p:nvSpPr>
+            <p:cNvPr id="54" name="Rectangle 53">
+              <a:extLst>
+                <a:ext uri="{FF2B5EF4-FFF2-40B4-BE49-F238E27FC236}">
+                  <a16:creationId xmlns:a16="http://schemas.microsoft.com/office/drawing/2014/main" id="{661F3B87-4F43-FCBF-3BF5-965D0E5745F0}"/>
+                </a:ext>
+              </a:extLst>
+            </p:cNvPr>
+            <p:cNvSpPr/>
+            <p:nvPr/>
+          </p:nvSpPr>
+          <p:spPr>
+            <a:xfrm>
+              <a:off x="4203700" y="1409700"/>
+              <a:ext cx="190500" cy="245507"/>
+            </a:xfrm>
+            <a:prstGeom prst="rect">
+              <a:avLst/>
+            </a:prstGeom>
+            <a:solidFill>
+              <a:srgbClr val="E2E9EB"/>
+            </a:solidFill>
+            <a:ln w="3175">
+              <a:solidFill>
+                <a:schemeClr val="tx1"/>
+              </a:solidFill>
+            </a:ln>
+          </p:spPr>
+          <p:style>
+            <a:lnRef idx="2">
+              <a:schemeClr val="accent1">
+                <a:shade val="15000"/>
+              </a:schemeClr>
+            </a:lnRef>
+            <a:fillRef idx="1">
+              <a:schemeClr val="accent1"/>
+            </a:fillRef>
+            <a:effectRef idx="0">
+              <a:schemeClr val="accent1"/>
+            </a:effectRef>
+            <a:fontRef idx="minor">
+              <a:schemeClr val="lt1"/>
+            </a:fontRef>
+          </p:style>
+          <p:txBody>
+            <a:bodyPr rtlCol="0" anchor="ctr"/>
+            <a:lstStyle/>
+            <a:p>
+              <a:pPr algn="ctr"/>
+              <a:endParaRPr lang="en-US"/>
+            </a:p>
+          </p:txBody>
+        </p:sp>
+        <p:sp>
+          <p:nvSpPr>
+            <p:cNvPr id="55" name="Isosceles Triangle 54">
+              <a:extLst>
+                <a:ext uri="{FF2B5EF4-FFF2-40B4-BE49-F238E27FC236}">
+                  <a16:creationId xmlns:a16="http://schemas.microsoft.com/office/drawing/2014/main" id="{5C507783-E34D-5AE9-0175-86EFA01AD879}"/>
+                </a:ext>
+              </a:extLst>
+            </p:cNvPr>
+            <p:cNvSpPr/>
+            <p:nvPr/>
+          </p:nvSpPr>
+          <p:spPr>
+            <a:xfrm rot="5400000">
+              <a:off x="4230370" y="1463873"/>
+              <a:ext cx="137160" cy="137160"/>
+            </a:xfrm>
+            <a:prstGeom prst="triangle">
+              <a:avLst/>
+            </a:prstGeom>
+            <a:solidFill>
+              <a:schemeClr val="tx1"/>
+            </a:solidFill>
+            <a:ln>
+              <a:noFill/>
+            </a:ln>
+          </p:spPr>
+          <p:style>
+            <a:lnRef idx="2">
+              <a:schemeClr val="accent1">
+                <a:shade val="15000"/>
+              </a:schemeClr>
+            </a:lnRef>
+            <a:fillRef idx="1">
+              <a:schemeClr val="accent1"/>
+            </a:fillRef>
+            <a:effectRef idx="0">
+              <a:schemeClr val="accent1"/>
+            </a:effectRef>
+            <a:fontRef idx="minor">
+              <a:schemeClr val="lt1"/>
+            </a:fontRef>
+          </p:style>
+          <p:txBody>
+            <a:bodyPr rtlCol="0" anchor="ctr"/>
+            <a:lstStyle/>
+            <a:p>
+              <a:pPr algn="ctr"/>
+              <a:endParaRPr lang="en-US"/>
+            </a:p>
+          </p:txBody>
+        </p:sp>
+      </p:grpSp>
+      <p:sp>
+        <p:nvSpPr>
+          <p:cNvPr id="57" name="Rectangle 56">
+            <a:extLst>
+              <a:ext uri="{FF2B5EF4-FFF2-40B4-BE49-F238E27FC236}">
+                <a16:creationId xmlns:a16="http://schemas.microsoft.com/office/drawing/2014/main" id="{6E58F6B5-593E-2EA2-4A7B-D9D1A2C441DA}"/>
+              </a:ext>
+            </a:extLst>
+          </p:cNvPr>
+          <p:cNvSpPr/>
+          <p:nvPr/>
+        </p:nvSpPr>
+        <p:spPr>
+          <a:xfrm>
+            <a:off x="0" y="-15420"/>
+            <a:ext cx="12192000" cy="457200"/>
+          </a:xfrm>
+          <a:prstGeom prst="rect">
+            <a:avLst/>
+          </a:prstGeom>
+          <a:solidFill>
+            <a:srgbClr val="9EABAE"/>
+          </a:solidFill>
+          <a:ln>
+            <a:noFill/>
+          </a:ln>
+          <a:effectLst>
+            <a:outerShdw blurRad="50800" dist="38100" dir="5400000" algn="t" rotWithShape="0">
+              <a:prstClr val="black">
+                <a:alpha val="40000"/>
+              </a:prstClr>
+            </a:outerShdw>
+          </a:effectLst>
+        </p:spPr>
+        <p:style>
+          <a:lnRef idx="2">
+            <a:schemeClr val="accent1">
+              <a:shade val="15000"/>
+            </a:schemeClr>
+          </a:lnRef>
+          <a:fillRef idx="1">
+            <a:schemeClr val="accent1"/>
+          </a:fillRef>
+          <a:effectRef idx="0">
+            <a:schemeClr val="accent1"/>
+          </a:effectRef>
+          <a:fontRef idx="minor">
+            <a:schemeClr val="lt1"/>
+          </a:fontRef>
+        </p:style>
+        <p:txBody>
+          <a:bodyPr rtlCol="0" anchor="ctr"/>
+          <a:lstStyle/>
+          <a:p>
+            <a:pPr algn="ctr"/>
+            <a:endParaRPr lang="en-US"/>
+          </a:p>
+        </p:txBody>
+      </p:sp>
+      <p:sp>
+        <p:nvSpPr>
+          <p:cNvPr id="61" name="Oval 60">
+            <a:extLst>
+              <a:ext uri="{FF2B5EF4-FFF2-40B4-BE49-F238E27FC236}">
+                <a16:creationId xmlns:a16="http://schemas.microsoft.com/office/drawing/2014/main" id="{6ABBD1ED-E869-0899-00C7-0DB7C8FEFD0E}"/>
+              </a:ext>
+            </a:extLst>
+          </p:cNvPr>
+          <p:cNvSpPr/>
+          <p:nvPr/>
+        </p:nvSpPr>
+        <p:spPr>
+          <a:xfrm>
+            <a:off x="11443797" y="24635"/>
+            <a:ext cx="365760" cy="365760"/>
+          </a:xfrm>
+          <a:prstGeom prst="ellipse">
+            <a:avLst/>
+          </a:prstGeom>
+        </p:spPr>
+        <p:style>
+          <a:lnRef idx="2">
+            <a:schemeClr val="accent1">
+              <a:shade val="15000"/>
+            </a:schemeClr>
+          </a:lnRef>
+          <a:fillRef idx="1">
+            <a:schemeClr val="accent1"/>
+          </a:fillRef>
+          <a:effectRef idx="0">
+            <a:schemeClr val="accent1"/>
+          </a:effectRef>
+          <a:fontRef idx="minor">
+            <a:schemeClr val="lt1"/>
+          </a:fontRef>
+        </p:style>
+        <p:txBody>
+          <a:bodyPr rtlCol="0" anchor="ctr"/>
+          <a:lstStyle/>
+          <a:p>
+            <a:pPr algn="ctr"/>
+            <a:endParaRPr lang="en-US"/>
+          </a:p>
+        </p:txBody>
+      </p:sp>
+      <p:sp>
+        <p:nvSpPr>
+          <p:cNvPr id="62" name="TextBox 61">
+            <a:extLst>
+              <a:ext uri="{FF2B5EF4-FFF2-40B4-BE49-F238E27FC236}">
+                <a16:creationId xmlns:a16="http://schemas.microsoft.com/office/drawing/2014/main" id="{0C8D740E-F734-2CC4-2A44-AE97FC2B4F3C}"/>
+              </a:ext>
+            </a:extLst>
+          </p:cNvPr>
+          <p:cNvSpPr txBox="1"/>
+          <p:nvPr/>
+        </p:nvSpPr>
+        <p:spPr>
+          <a:xfrm>
+            <a:off x="10121720" y="51374"/>
+            <a:ext cx="1285190" cy="369332"/>
+          </a:xfrm>
+          <a:prstGeom prst="rect">
+            <a:avLst/>
+          </a:prstGeom>
+          <a:noFill/>
+        </p:spPr>
+        <p:txBody>
+          <a:bodyPr wrap="square" rtlCol="0">
+            <a:spAutoFit/>
+          </a:bodyPr>
+          <a:lstStyle/>
+          <a:p>
+            <a:pPr algn="ctr"/>
             <a:r>
               <a:rPr lang="en-US" dirty="0"/>
-              <a:t>Wireframe Sitemap</a:t>
+              <a:t>Username</a:t>
+            </a:r>
+          </a:p>
+        </p:txBody>
+      </p:sp>
+      <p:pic>
+        <p:nvPicPr>
+          <p:cNvPr id="63" name="Graphic 62" descr="Home with solid fill">
+            <a:extLst>
+              <a:ext uri="{FF2B5EF4-FFF2-40B4-BE49-F238E27FC236}">
+                <a16:creationId xmlns:a16="http://schemas.microsoft.com/office/drawing/2014/main" id="{51342F2C-9B7E-397C-2C1C-7CC04FC95276}"/>
+              </a:ext>
+            </a:extLst>
+          </p:cNvPr>
+          <p:cNvPicPr>
+            <a:picLocks noChangeAspect="1"/>
+          </p:cNvPicPr>
+          <p:nvPr/>
+        </p:nvPicPr>
+        <p:blipFill>
+          <a:blip r:embed="rId4">
+            <a:extLst>
+              <a:ext uri="{28A0092B-C50C-407E-A947-70E740481C1C}">
+                <a14:useLocalDpi xmlns:a14="http://schemas.microsoft.com/office/drawing/2010/main" val="0"/>
+              </a:ext>
+              <a:ext uri="{96DAC541-7B7A-43D3-8B79-37D633B846F1}">
+                <asvg:svgBlip xmlns:asvg="http://schemas.microsoft.com/office/drawing/2016/SVG/main" r:embed="rId5"/>
+              </a:ext>
+            </a:extLst>
+          </a:blip>
+          <a:stretch>
+            <a:fillRect/>
+          </a:stretch>
+        </p:blipFill>
+        <p:spPr>
+          <a:xfrm>
+            <a:off x="9661275" y="-15420"/>
+            <a:ext cx="502920" cy="502920"/>
+          </a:xfrm>
+          <a:prstGeom prst="rect">
+            <a:avLst/>
+          </a:prstGeom>
+        </p:spPr>
+      </p:pic>
+      <p:sp>
+        <p:nvSpPr>
+          <p:cNvPr id="64" name="TextBox 63">
+            <a:extLst>
+              <a:ext uri="{FF2B5EF4-FFF2-40B4-BE49-F238E27FC236}">
+                <a16:creationId xmlns:a16="http://schemas.microsoft.com/office/drawing/2014/main" id="{8FF981DE-4783-5037-33EE-4C7CBE9368D1}"/>
+              </a:ext>
+            </a:extLst>
+          </p:cNvPr>
+          <p:cNvSpPr txBox="1"/>
+          <p:nvPr/>
+        </p:nvSpPr>
+        <p:spPr>
+          <a:xfrm>
+            <a:off x="764020" y="36830"/>
+            <a:ext cx="1276350" cy="369332"/>
+          </a:xfrm>
+          <a:prstGeom prst="rect">
+            <a:avLst/>
+          </a:prstGeom>
+          <a:noFill/>
+        </p:spPr>
+        <p:txBody>
+          <a:bodyPr wrap="square" rtlCol="0">
+            <a:spAutoFit/>
+          </a:bodyPr>
+          <a:lstStyle/>
+          <a:p>
+            <a:pPr algn="ctr"/>
+            <a:r>
+              <a:rPr lang="en-US" b="1" dirty="0">
+                <a:latin typeface="Arial" panose="020B0604020202020204" pitchFamily="34" charset="0"/>
+                <a:cs typeface="Arial" panose="020B0604020202020204" pitchFamily="34" charset="0"/>
+              </a:rPr>
+              <a:t>File</a:t>
+            </a:r>
+          </a:p>
+        </p:txBody>
+      </p:sp>
+      <p:sp>
+        <p:nvSpPr>
+          <p:cNvPr id="65" name="TextBox 64">
+            <a:extLst>
+              <a:ext uri="{FF2B5EF4-FFF2-40B4-BE49-F238E27FC236}">
+                <a16:creationId xmlns:a16="http://schemas.microsoft.com/office/drawing/2014/main" id="{581E40A2-18AE-DA96-9714-9FAB4B68C627}"/>
+              </a:ext>
+            </a:extLst>
+          </p:cNvPr>
+          <p:cNvSpPr txBox="1"/>
+          <p:nvPr/>
+        </p:nvSpPr>
+        <p:spPr>
+          <a:xfrm>
+            <a:off x="1728515" y="32051"/>
+            <a:ext cx="1962149" cy="369332"/>
+          </a:xfrm>
+          <a:prstGeom prst="rect">
+            <a:avLst/>
+          </a:prstGeom>
+          <a:noFill/>
+        </p:spPr>
+        <p:txBody>
+          <a:bodyPr wrap="square" rtlCol="0">
+            <a:spAutoFit/>
+          </a:bodyPr>
+          <a:lstStyle/>
+          <a:p>
+            <a:pPr algn="ctr"/>
+            <a:r>
+              <a:rPr lang="en-US" b="1" dirty="0">
+                <a:latin typeface="Arial" panose="020B0604020202020204" pitchFamily="34" charset="0"/>
+                <a:cs typeface="Arial" panose="020B0604020202020204" pitchFamily="34" charset="0"/>
+              </a:rPr>
+              <a:t>Shape format</a:t>
+            </a:r>
+          </a:p>
+        </p:txBody>
+      </p:sp>
+      <p:sp>
+        <p:nvSpPr>
+          <p:cNvPr id="66" name="TextBox 65">
+            <a:extLst>
+              <a:ext uri="{FF2B5EF4-FFF2-40B4-BE49-F238E27FC236}">
+                <a16:creationId xmlns:a16="http://schemas.microsoft.com/office/drawing/2014/main" id="{FEAE3628-7CD3-E843-C389-91894E9AA8E3}"/>
+              </a:ext>
+            </a:extLst>
+          </p:cNvPr>
+          <p:cNvSpPr txBox="1"/>
+          <p:nvPr/>
+        </p:nvSpPr>
+        <p:spPr>
+          <a:xfrm>
+            <a:off x="3428215" y="35299"/>
+            <a:ext cx="1276351" cy="369332"/>
+          </a:xfrm>
+          <a:prstGeom prst="rect">
+            <a:avLst/>
+          </a:prstGeom>
+          <a:noFill/>
+        </p:spPr>
+        <p:txBody>
+          <a:bodyPr wrap="square" rtlCol="0">
+            <a:spAutoFit/>
+          </a:bodyPr>
+          <a:lstStyle/>
+          <a:p>
+            <a:pPr algn="ctr"/>
+            <a:r>
+              <a:rPr lang="en-US" b="1" dirty="0">
+                <a:latin typeface="Arial" panose="020B0604020202020204" pitchFamily="34" charset="0"/>
+                <a:cs typeface="Arial" panose="020B0604020202020204" pitchFamily="34" charset="0"/>
+              </a:rPr>
+              <a:t>Text</a:t>
+            </a:r>
+          </a:p>
+        </p:txBody>
+      </p:sp>
+      <p:sp>
+        <p:nvSpPr>
+          <p:cNvPr id="67" name="TextBox 66">
+            <a:extLst>
+              <a:ext uri="{FF2B5EF4-FFF2-40B4-BE49-F238E27FC236}">
+                <a16:creationId xmlns:a16="http://schemas.microsoft.com/office/drawing/2014/main" id="{4818FF5B-9856-FA0C-58D2-9270ACD9D9AC}"/>
+              </a:ext>
+            </a:extLst>
+          </p:cNvPr>
+          <p:cNvSpPr txBox="1"/>
+          <p:nvPr/>
+        </p:nvSpPr>
+        <p:spPr>
+          <a:xfrm>
+            <a:off x="2474937" y="763369"/>
+            <a:ext cx="2821428" cy="646331"/>
+          </a:xfrm>
+          <a:prstGeom prst="rect">
+            <a:avLst/>
+          </a:prstGeom>
+          <a:noFill/>
+        </p:spPr>
+        <p:txBody>
+          <a:bodyPr wrap="square" rtlCol="0">
+            <a:spAutoFit/>
+          </a:bodyPr>
+          <a:lstStyle/>
+          <a:p>
+            <a:pPr algn="ctr"/>
+            <a:r>
+              <a:rPr lang="en-US" b="1" dirty="0">
+                <a:latin typeface="Arial" panose="020B0604020202020204" pitchFamily="34" charset="0"/>
+                <a:cs typeface="Arial" panose="020B0604020202020204" pitchFamily="34" charset="0"/>
+              </a:rPr>
+              <a:t>What settings should be up here?</a:t>
+            </a:r>
+          </a:p>
+        </p:txBody>
+      </p:sp>
+      <p:sp>
+        <p:nvSpPr>
+          <p:cNvPr id="68" name="TextBox 67">
+            <a:extLst>
+              <a:ext uri="{FF2B5EF4-FFF2-40B4-BE49-F238E27FC236}">
+                <a16:creationId xmlns:a16="http://schemas.microsoft.com/office/drawing/2014/main" id="{D77DB641-7515-BFCE-C8F3-CB8CD0FCAC2A}"/>
+              </a:ext>
+            </a:extLst>
+          </p:cNvPr>
+          <p:cNvSpPr txBox="1"/>
+          <p:nvPr/>
+        </p:nvSpPr>
+        <p:spPr>
+          <a:xfrm>
+            <a:off x="2360928" y="2201284"/>
+            <a:ext cx="2350383" cy="1200329"/>
+          </a:xfrm>
+          <a:prstGeom prst="rect">
+            <a:avLst/>
+          </a:prstGeom>
+          <a:noFill/>
+        </p:spPr>
+        <p:txBody>
+          <a:bodyPr wrap="square" rtlCol="0">
+            <a:spAutoFit/>
+          </a:bodyPr>
+          <a:lstStyle/>
+          <a:p>
+            <a:pPr algn="ctr"/>
+            <a:r>
+              <a:rPr lang="en-US" b="1" dirty="0">
+                <a:latin typeface="Arial" panose="020B0604020202020204" pitchFamily="34" charset="0"/>
+                <a:cs typeface="Arial" panose="020B0604020202020204" pitchFamily="34" charset="0"/>
+              </a:rPr>
+              <a:t>Work on a sidebar and a way to categorize these diagram shapes </a:t>
+            </a:r>
+          </a:p>
+        </p:txBody>
+      </p:sp>
+      <p:sp>
+        <p:nvSpPr>
+          <p:cNvPr id="70" name="Oval 69">
+            <a:extLst>
+              <a:ext uri="{FF2B5EF4-FFF2-40B4-BE49-F238E27FC236}">
+                <a16:creationId xmlns:a16="http://schemas.microsoft.com/office/drawing/2014/main" id="{0A59150F-10E5-CCA3-E5E5-B257BE8538F0}"/>
+              </a:ext>
+            </a:extLst>
+          </p:cNvPr>
+          <p:cNvSpPr/>
+          <p:nvPr/>
+        </p:nvSpPr>
+        <p:spPr>
+          <a:xfrm>
+            <a:off x="5181600" y="1230190"/>
+            <a:ext cx="457200" cy="457200"/>
+          </a:xfrm>
+          <a:prstGeom prst="ellipse">
+            <a:avLst/>
+          </a:prstGeom>
+        </p:spPr>
+        <p:style>
+          <a:lnRef idx="2">
+            <a:schemeClr val="accent1">
+              <a:shade val="15000"/>
+            </a:schemeClr>
+          </a:lnRef>
+          <a:fillRef idx="1">
+            <a:schemeClr val="accent1"/>
+          </a:fillRef>
+          <a:effectRef idx="0">
+            <a:schemeClr val="accent1"/>
+          </a:effectRef>
+          <a:fontRef idx="minor">
+            <a:schemeClr val="lt1"/>
+          </a:fontRef>
+        </p:style>
+        <p:txBody>
+          <a:bodyPr rtlCol="0" anchor="ctr"/>
+          <a:lstStyle/>
+          <a:p>
+            <a:pPr algn="ctr"/>
+            <a:endParaRPr lang="en-US" sz="600" dirty="0"/>
+          </a:p>
+        </p:txBody>
+      </p:sp>
+      <p:sp>
+        <p:nvSpPr>
+          <p:cNvPr id="71" name="Rectangle: Rounded Corners 70">
+            <a:extLst>
+              <a:ext uri="{FF2B5EF4-FFF2-40B4-BE49-F238E27FC236}">
+                <a16:creationId xmlns:a16="http://schemas.microsoft.com/office/drawing/2014/main" id="{F93F461E-E541-EEC0-B97E-03800A535B78}"/>
+              </a:ext>
+            </a:extLst>
+          </p:cNvPr>
+          <p:cNvSpPr/>
+          <p:nvPr/>
+        </p:nvSpPr>
+        <p:spPr>
+          <a:xfrm>
+            <a:off x="4724400" y="2870506"/>
+            <a:ext cx="1371600" cy="543613"/>
+          </a:xfrm>
+          <a:prstGeom prst="roundRect">
+            <a:avLst>
+              <a:gd name="adj" fmla="val 28471"/>
+            </a:avLst>
+          </a:prstGeom>
+          <a:ln>
+            <a:noFill/>
+          </a:ln>
+        </p:spPr>
+        <p:style>
+          <a:lnRef idx="2">
+            <a:schemeClr val="accent1">
+              <a:shade val="15000"/>
+            </a:schemeClr>
+          </a:lnRef>
+          <a:fillRef idx="1">
+            <a:schemeClr val="accent1"/>
+          </a:fillRef>
+          <a:effectRef idx="0">
+            <a:schemeClr val="accent1"/>
+          </a:effectRef>
+          <a:fontRef idx="minor">
+            <a:schemeClr val="lt1"/>
+          </a:fontRef>
+        </p:style>
+        <p:txBody>
+          <a:bodyPr rtlCol="0" anchor="ctr"/>
+          <a:lstStyle/>
+          <a:p>
+            <a:pPr algn="ctr"/>
+            <a:r>
+              <a:rPr lang="en-US" dirty="0" err="1"/>
+              <a:t>pemdas</a:t>
+            </a:r>
+            <a:endParaRPr lang="en-US" dirty="0"/>
+          </a:p>
+        </p:txBody>
+      </p:sp>
+      <p:sp>
+        <p:nvSpPr>
+          <p:cNvPr id="72" name="Rectangle 71">
+            <a:extLst>
+              <a:ext uri="{FF2B5EF4-FFF2-40B4-BE49-F238E27FC236}">
+                <a16:creationId xmlns:a16="http://schemas.microsoft.com/office/drawing/2014/main" id="{888AD06C-A00B-7300-BE95-F3B2C713B3F2}"/>
+              </a:ext>
+            </a:extLst>
+          </p:cNvPr>
+          <p:cNvSpPr/>
+          <p:nvPr/>
+        </p:nvSpPr>
+        <p:spPr>
+          <a:xfrm rot="2700000">
+            <a:off x="7358030" y="2905864"/>
+            <a:ext cx="475693" cy="459819"/>
+          </a:xfrm>
+          <a:custGeom>
+            <a:avLst/>
+            <a:gdLst>
+              <a:gd name="connsiteX0" fmla="*/ 0 w 457200"/>
+              <a:gd name="connsiteY0" fmla="*/ 0 h 459819"/>
+              <a:gd name="connsiteX1" fmla="*/ 457200 w 457200"/>
+              <a:gd name="connsiteY1" fmla="*/ 0 h 459819"/>
+              <a:gd name="connsiteX2" fmla="*/ 457200 w 457200"/>
+              <a:gd name="connsiteY2" fmla="*/ 459819 h 459819"/>
+              <a:gd name="connsiteX3" fmla="*/ 0 w 457200"/>
+              <a:gd name="connsiteY3" fmla="*/ 459819 h 459819"/>
+              <a:gd name="connsiteX4" fmla="*/ 0 w 457200"/>
+              <a:gd name="connsiteY4" fmla="*/ 0 h 459819"/>
+              <a:gd name="connsiteX0" fmla="*/ 18493 w 475693"/>
+              <a:gd name="connsiteY0" fmla="*/ 0 h 459819"/>
+              <a:gd name="connsiteX1" fmla="*/ 475693 w 475693"/>
+              <a:gd name="connsiteY1" fmla="*/ 0 h 459819"/>
+              <a:gd name="connsiteX2" fmla="*/ 475693 w 475693"/>
+              <a:gd name="connsiteY2" fmla="*/ 459819 h 459819"/>
+              <a:gd name="connsiteX3" fmla="*/ 18493 w 475693"/>
+              <a:gd name="connsiteY3" fmla="*/ 459819 h 459819"/>
+              <a:gd name="connsiteX4" fmla="*/ 0 w 475693"/>
+              <a:gd name="connsiteY4" fmla="*/ 116757 h 459819"/>
+              <a:gd name="connsiteX5" fmla="*/ 18493 w 475693"/>
+              <a:gd name="connsiteY5" fmla="*/ 0 h 459819"/>
+            </a:gdLst>
+            <a:ahLst/>
+            <a:cxnLst>
+              <a:cxn ang="0">
+                <a:pos x="connsiteX0" y="connsiteY0"/>
+              </a:cxn>
+              <a:cxn ang="0">
+                <a:pos x="connsiteX1" y="connsiteY1"/>
+              </a:cxn>
+              <a:cxn ang="0">
+                <a:pos x="connsiteX2" y="connsiteY2"/>
+              </a:cxn>
+              <a:cxn ang="0">
+                <a:pos x="connsiteX3" y="connsiteY3"/>
+              </a:cxn>
+              <a:cxn ang="0">
+                <a:pos x="connsiteX4" y="connsiteY4"/>
+              </a:cxn>
+              <a:cxn ang="0">
+                <a:pos x="connsiteX5" y="connsiteY5"/>
+              </a:cxn>
+            </a:cxnLst>
+            <a:rect l="l" t="t" r="r" b="b"/>
+            <a:pathLst>
+              <a:path w="475693" h="459819">
+                <a:moveTo>
+                  <a:pt x="18493" y="0"/>
+                </a:moveTo>
+                <a:lnTo>
+                  <a:pt x="475693" y="0"/>
+                </a:lnTo>
+                <a:lnTo>
+                  <a:pt x="475693" y="459819"/>
+                </a:lnTo>
+                <a:lnTo>
+                  <a:pt x="18493" y="459819"/>
+                </a:lnTo>
+                <a:lnTo>
+                  <a:pt x="0" y="116757"/>
+                </a:lnTo>
+                <a:lnTo>
+                  <a:pt x="18493" y="0"/>
+                </a:lnTo>
+                <a:close/>
+              </a:path>
+            </a:pathLst>
+          </a:custGeom>
+          <a:noFill/>
+          <a:ln w="28575">
+            <a:solidFill>
+              <a:schemeClr val="tx1"/>
+            </a:solidFill>
+          </a:ln>
+        </p:spPr>
+        <p:style>
+          <a:lnRef idx="2">
+            <a:schemeClr val="accent1">
+              <a:shade val="15000"/>
+            </a:schemeClr>
+          </a:lnRef>
+          <a:fillRef idx="1">
+            <a:schemeClr val="accent1"/>
+          </a:fillRef>
+          <a:effectRef idx="0">
+            <a:schemeClr val="accent1"/>
+          </a:effectRef>
+          <a:fontRef idx="minor">
+            <a:schemeClr val="lt1"/>
+          </a:fontRef>
+        </p:style>
+        <p:txBody>
+          <a:bodyPr rtlCol="0" anchor="ctr"/>
+          <a:lstStyle/>
+          <a:p>
+            <a:pPr algn="ctr"/>
+            <a:endParaRPr lang="en-US"/>
+          </a:p>
+        </p:txBody>
+      </p:sp>
+      <p:sp>
+        <p:nvSpPr>
+          <p:cNvPr id="73" name="Rectangle: Rounded Corners 72">
+            <a:extLst>
+              <a:ext uri="{FF2B5EF4-FFF2-40B4-BE49-F238E27FC236}">
+                <a16:creationId xmlns:a16="http://schemas.microsoft.com/office/drawing/2014/main" id="{238DD99B-5045-326A-9582-9FFA7C3FEBBB}"/>
+              </a:ext>
+            </a:extLst>
+          </p:cNvPr>
+          <p:cNvSpPr/>
+          <p:nvPr/>
+        </p:nvSpPr>
+        <p:spPr>
+          <a:xfrm>
+            <a:off x="8897280" y="2870504"/>
+            <a:ext cx="1371600" cy="543613"/>
+          </a:xfrm>
+          <a:prstGeom prst="roundRect">
+            <a:avLst>
+              <a:gd name="adj" fmla="val 28471"/>
+            </a:avLst>
+          </a:prstGeom>
+          <a:ln>
+            <a:noFill/>
+          </a:ln>
+        </p:spPr>
+        <p:style>
+          <a:lnRef idx="2">
+            <a:schemeClr val="accent1">
+              <a:shade val="15000"/>
+            </a:schemeClr>
+          </a:lnRef>
+          <a:fillRef idx="1">
+            <a:schemeClr val="accent1"/>
+          </a:fillRef>
+          <a:effectRef idx="0">
+            <a:schemeClr val="accent1"/>
+          </a:effectRef>
+          <a:fontRef idx="minor">
+            <a:schemeClr val="lt1"/>
+          </a:fontRef>
+        </p:style>
+        <p:txBody>
+          <a:bodyPr rtlCol="0" anchor="ctr"/>
+          <a:lstStyle/>
+          <a:p>
+            <a:pPr algn="ctr"/>
+            <a:r>
+              <a:rPr lang="en-US" dirty="0" err="1"/>
+              <a:t>pemdas</a:t>
+            </a:r>
+            <a:endParaRPr lang="en-US" dirty="0"/>
+          </a:p>
+        </p:txBody>
+      </p:sp>
+      <p:sp>
+        <p:nvSpPr>
+          <p:cNvPr id="74" name="Rectangle: Rounded Corners 73">
+            <a:extLst>
+              <a:ext uri="{FF2B5EF4-FFF2-40B4-BE49-F238E27FC236}">
+                <a16:creationId xmlns:a16="http://schemas.microsoft.com/office/drawing/2014/main" id="{A5318516-DAD4-552C-36DD-DE3D0F52AA16}"/>
+              </a:ext>
+            </a:extLst>
+          </p:cNvPr>
+          <p:cNvSpPr/>
+          <p:nvPr/>
+        </p:nvSpPr>
+        <p:spPr>
+          <a:xfrm>
+            <a:off x="4724400" y="5166519"/>
+            <a:ext cx="1371600" cy="543613"/>
+          </a:xfrm>
+          <a:prstGeom prst="roundRect">
+            <a:avLst>
+              <a:gd name="adj" fmla="val 28471"/>
+            </a:avLst>
+          </a:prstGeom>
+          <a:ln>
+            <a:noFill/>
+          </a:ln>
+        </p:spPr>
+        <p:style>
+          <a:lnRef idx="2">
+            <a:schemeClr val="accent1">
+              <a:shade val="15000"/>
+            </a:schemeClr>
+          </a:lnRef>
+          <a:fillRef idx="1">
+            <a:schemeClr val="accent1"/>
+          </a:fillRef>
+          <a:effectRef idx="0">
+            <a:schemeClr val="accent1"/>
+          </a:effectRef>
+          <a:fontRef idx="minor">
+            <a:schemeClr val="lt1"/>
+          </a:fontRef>
+        </p:style>
+        <p:txBody>
+          <a:bodyPr rtlCol="0" anchor="ctr"/>
+          <a:lstStyle/>
+          <a:p>
+            <a:pPr algn="ctr"/>
+            <a:r>
+              <a:rPr lang="en-US" dirty="0"/>
+              <a:t>End</a:t>
+            </a:r>
+          </a:p>
+        </p:txBody>
+      </p:sp>
+      <p:cxnSp>
+        <p:nvCxnSpPr>
+          <p:cNvPr id="76" name="Straight Arrow Connector 75">
+            <a:extLst>
+              <a:ext uri="{FF2B5EF4-FFF2-40B4-BE49-F238E27FC236}">
+                <a16:creationId xmlns:a16="http://schemas.microsoft.com/office/drawing/2014/main" id="{EBB1934D-D6C0-6D6B-284B-A690644AA633}"/>
+              </a:ext>
+            </a:extLst>
+          </p:cNvPr>
+          <p:cNvCxnSpPr>
+            <a:cxnSpLocks/>
+            <a:stCxn id="70" idx="4"/>
+            <a:endCxn id="71" idx="0"/>
+          </p:cNvCxnSpPr>
+          <p:nvPr/>
+        </p:nvCxnSpPr>
+        <p:spPr>
+          <a:xfrm>
+            <a:off x="5410200" y="1687390"/>
+            <a:ext cx="0" cy="1183116"/>
+          </a:xfrm>
+          <a:prstGeom prst="straightConnector1">
+            <a:avLst/>
+          </a:prstGeom>
+          <a:ln w="28575">
+            <a:solidFill>
+              <a:schemeClr val="tx1"/>
+            </a:solidFill>
+            <a:tailEnd type="triangle"/>
+          </a:ln>
+        </p:spPr>
+        <p:style>
+          <a:lnRef idx="1">
+            <a:schemeClr val="accent1"/>
+          </a:lnRef>
+          <a:fillRef idx="0">
+            <a:schemeClr val="accent1"/>
+          </a:fillRef>
+          <a:effectRef idx="0">
+            <a:schemeClr val="accent1"/>
+          </a:effectRef>
+          <a:fontRef idx="minor">
+            <a:schemeClr val="tx1"/>
+          </a:fontRef>
+        </p:style>
+      </p:cxnSp>
+      <p:sp>
+        <p:nvSpPr>
+          <p:cNvPr id="69" name="TextBox 68">
+            <a:extLst>
+              <a:ext uri="{FF2B5EF4-FFF2-40B4-BE49-F238E27FC236}">
+                <a16:creationId xmlns:a16="http://schemas.microsoft.com/office/drawing/2014/main" id="{E8962A4D-12EC-60BC-80CB-733B6B4DCB23}"/>
+              </a:ext>
+            </a:extLst>
+          </p:cNvPr>
+          <p:cNvSpPr txBox="1"/>
+          <p:nvPr/>
+        </p:nvSpPr>
+        <p:spPr>
+          <a:xfrm>
+            <a:off x="9047702" y="758378"/>
+            <a:ext cx="2821428" cy="2031325"/>
+          </a:xfrm>
+          <a:prstGeom prst="rect">
+            <a:avLst/>
+          </a:prstGeom>
+          <a:noFill/>
+        </p:spPr>
+        <p:txBody>
+          <a:bodyPr wrap="square" rtlCol="0">
+            <a:spAutoFit/>
+          </a:bodyPr>
+          <a:lstStyle/>
+          <a:p>
+            <a:pPr algn="ctr"/>
+            <a:r>
+              <a:rPr lang="en-US" b="1" dirty="0">
+                <a:latin typeface="Arial" panose="020B0604020202020204" pitchFamily="34" charset="0"/>
+                <a:cs typeface="Arial" panose="020B0604020202020204" pitchFamily="34" charset="0"/>
+              </a:rPr>
+              <a:t>Additional ideas is to categorize shapes by graph use and then only have the user make one graph and access all shapes in the canvas </a:t>
+            </a:r>
+          </a:p>
+        </p:txBody>
+      </p:sp>
+      <p:cxnSp>
+        <p:nvCxnSpPr>
+          <p:cNvPr id="81" name="Connector: Elbow 80">
+            <a:extLst>
+              <a:ext uri="{FF2B5EF4-FFF2-40B4-BE49-F238E27FC236}">
+                <a16:creationId xmlns:a16="http://schemas.microsoft.com/office/drawing/2014/main" id="{654A6B4D-CC52-FDC9-B930-4EBB0F3B9D97}"/>
+              </a:ext>
+            </a:extLst>
+          </p:cNvPr>
+          <p:cNvCxnSpPr>
+            <a:cxnSpLocks/>
+            <a:stCxn id="71" idx="0"/>
+            <a:endCxn id="72" idx="0"/>
+          </p:cNvCxnSpPr>
+          <p:nvPr/>
+        </p:nvCxnSpPr>
+        <p:spPr>
+          <a:xfrm rot="5400000" flipH="1" flipV="1">
+            <a:off x="6480566" y="1747732"/>
+            <a:ext cx="52409" cy="2193141"/>
+          </a:xfrm>
+          <a:prstGeom prst="bentConnector5">
+            <a:avLst>
+              <a:gd name="adj1" fmla="val 436185"/>
+              <a:gd name="adj2" fmla="val 51995"/>
+              <a:gd name="adj3" fmla="val 429050"/>
+            </a:avLst>
+          </a:prstGeom>
+          <a:ln w="28575">
+            <a:solidFill>
+              <a:schemeClr val="tx1"/>
+            </a:solidFill>
+          </a:ln>
+        </p:spPr>
+        <p:style>
+          <a:lnRef idx="1">
+            <a:schemeClr val="accent1"/>
+          </a:lnRef>
+          <a:fillRef idx="0">
+            <a:schemeClr val="accent1"/>
+          </a:fillRef>
+          <a:effectRef idx="0">
+            <a:schemeClr val="accent1"/>
+          </a:effectRef>
+          <a:fontRef idx="minor">
+            <a:schemeClr val="tx1"/>
+          </a:fontRef>
+        </p:style>
+      </p:cxnSp>
+      <p:cxnSp>
+        <p:nvCxnSpPr>
+          <p:cNvPr id="90" name="Straight Arrow Connector 89">
+            <a:extLst>
+              <a:ext uri="{FF2B5EF4-FFF2-40B4-BE49-F238E27FC236}">
+                <a16:creationId xmlns:a16="http://schemas.microsoft.com/office/drawing/2014/main" id="{3DE4B140-656A-CC7D-D7F1-8E29524CB9BF}"/>
+              </a:ext>
+            </a:extLst>
+          </p:cNvPr>
+          <p:cNvCxnSpPr>
+            <a:stCxn id="71" idx="3"/>
+            <a:endCxn id="72" idx="3"/>
+          </p:cNvCxnSpPr>
+          <p:nvPr/>
+        </p:nvCxnSpPr>
+        <p:spPr>
+          <a:xfrm>
+            <a:off x="6096000" y="3142313"/>
+            <a:ext cx="1182200" cy="925"/>
+          </a:xfrm>
+          <a:prstGeom prst="straightConnector1">
+            <a:avLst/>
+          </a:prstGeom>
+          <a:ln w="28575">
+            <a:solidFill>
+              <a:schemeClr val="tx1">
+                <a:lumMod val="95000"/>
+                <a:lumOff val="5000"/>
+              </a:schemeClr>
+            </a:solidFill>
+            <a:tailEnd type="triangle"/>
+          </a:ln>
+        </p:spPr>
+        <p:style>
+          <a:lnRef idx="1">
+            <a:schemeClr val="accent1"/>
+          </a:lnRef>
+          <a:fillRef idx="0">
+            <a:schemeClr val="accent1"/>
+          </a:fillRef>
+          <a:effectRef idx="0">
+            <a:schemeClr val="accent1"/>
+          </a:effectRef>
+          <a:fontRef idx="minor">
+            <a:schemeClr val="tx1"/>
+          </a:fontRef>
+        </p:style>
+      </p:cxnSp>
+      <p:cxnSp>
+        <p:nvCxnSpPr>
+          <p:cNvPr id="91" name="Straight Arrow Connector 90">
+            <a:extLst>
+              <a:ext uri="{FF2B5EF4-FFF2-40B4-BE49-F238E27FC236}">
+                <a16:creationId xmlns:a16="http://schemas.microsoft.com/office/drawing/2014/main" id="{F7E0AEB0-6CDC-F5AD-AD4F-00046A9E2E5B}"/>
+              </a:ext>
+            </a:extLst>
+          </p:cNvPr>
+          <p:cNvCxnSpPr>
+            <a:cxnSpLocks/>
+            <a:stCxn id="72" idx="1"/>
+            <a:endCxn id="73" idx="1"/>
+          </p:cNvCxnSpPr>
+          <p:nvPr/>
+        </p:nvCxnSpPr>
+        <p:spPr>
+          <a:xfrm>
+            <a:off x="7926630" y="3141386"/>
+            <a:ext cx="970650" cy="925"/>
+          </a:xfrm>
+          <a:prstGeom prst="straightConnector1">
+            <a:avLst/>
+          </a:prstGeom>
+          <a:ln w="28575">
+            <a:solidFill>
+              <a:schemeClr val="tx1">
+                <a:lumMod val="95000"/>
+                <a:lumOff val="5000"/>
+              </a:schemeClr>
+            </a:solidFill>
+            <a:tailEnd type="triangle"/>
+          </a:ln>
+        </p:spPr>
+        <p:style>
+          <a:lnRef idx="1">
+            <a:schemeClr val="accent1"/>
+          </a:lnRef>
+          <a:fillRef idx="0">
+            <a:schemeClr val="accent1"/>
+          </a:fillRef>
+          <a:effectRef idx="0">
+            <a:schemeClr val="accent1"/>
+          </a:effectRef>
+          <a:fontRef idx="minor">
+            <a:schemeClr val="tx1"/>
+          </a:fontRef>
+        </p:style>
+      </p:cxnSp>
+      <p:cxnSp>
+        <p:nvCxnSpPr>
+          <p:cNvPr id="94" name="Straight Arrow Connector 93">
+            <a:extLst>
+              <a:ext uri="{FF2B5EF4-FFF2-40B4-BE49-F238E27FC236}">
+                <a16:creationId xmlns:a16="http://schemas.microsoft.com/office/drawing/2014/main" id="{488D5922-B26D-CCA8-C403-4C97E5931972}"/>
+              </a:ext>
+            </a:extLst>
+          </p:cNvPr>
+          <p:cNvCxnSpPr>
+            <a:cxnSpLocks/>
+            <a:stCxn id="71" idx="2"/>
+            <a:endCxn id="74" idx="0"/>
+          </p:cNvCxnSpPr>
+          <p:nvPr/>
+        </p:nvCxnSpPr>
+        <p:spPr>
+          <a:xfrm>
+            <a:off x="5410200" y="3414119"/>
+            <a:ext cx="0" cy="1752400"/>
+          </a:xfrm>
+          <a:prstGeom prst="straightConnector1">
+            <a:avLst/>
+          </a:prstGeom>
+          <a:ln w="28575">
+            <a:solidFill>
+              <a:schemeClr val="tx1">
+                <a:lumMod val="95000"/>
+                <a:lumOff val="5000"/>
+              </a:schemeClr>
+            </a:solidFill>
+            <a:tailEnd type="triangle"/>
+          </a:ln>
+        </p:spPr>
+        <p:style>
+          <a:lnRef idx="1">
+            <a:schemeClr val="accent1"/>
+          </a:lnRef>
+          <a:fillRef idx="0">
+            <a:schemeClr val="accent1"/>
+          </a:fillRef>
+          <a:effectRef idx="0">
+            <a:schemeClr val="accent1"/>
+          </a:effectRef>
+          <a:fontRef idx="minor">
+            <a:schemeClr val="tx1"/>
+          </a:fontRef>
+        </p:style>
+      </p:cxnSp>
+      <p:cxnSp>
+        <p:nvCxnSpPr>
+          <p:cNvPr id="98" name="Connector: Elbow 97">
+            <a:extLst>
+              <a:ext uri="{FF2B5EF4-FFF2-40B4-BE49-F238E27FC236}">
+                <a16:creationId xmlns:a16="http://schemas.microsoft.com/office/drawing/2014/main" id="{6EDEA74A-46EB-73F9-5C16-9FE639E09A95}"/>
+              </a:ext>
+            </a:extLst>
+          </p:cNvPr>
+          <p:cNvCxnSpPr>
+            <a:stCxn id="73" idx="2"/>
+            <a:endCxn id="74" idx="3"/>
+          </p:cNvCxnSpPr>
+          <p:nvPr/>
+        </p:nvCxnSpPr>
+        <p:spPr>
+          <a:xfrm rot="5400000">
+            <a:off x="6827436" y="2682681"/>
+            <a:ext cx="2024209" cy="3487080"/>
+          </a:xfrm>
+          <a:prstGeom prst="bentConnector2">
+            <a:avLst/>
+          </a:prstGeom>
+          <a:ln w="28575">
+            <a:solidFill>
+              <a:schemeClr val="tx1"/>
+            </a:solidFill>
+            <a:tailEnd type="triangle"/>
+          </a:ln>
+        </p:spPr>
+        <p:style>
+          <a:lnRef idx="1">
+            <a:schemeClr val="accent1"/>
+          </a:lnRef>
+          <a:fillRef idx="0">
+            <a:schemeClr val="accent1"/>
+          </a:fillRef>
+          <a:effectRef idx="0">
+            <a:schemeClr val="accent1"/>
+          </a:effectRef>
+          <a:fontRef idx="minor">
+            <a:schemeClr val="tx1"/>
+          </a:fontRef>
+        </p:style>
+      </p:cxnSp>
+      <p:cxnSp>
+        <p:nvCxnSpPr>
+          <p:cNvPr id="100" name="Straight Arrow Connector 99">
+            <a:extLst>
+              <a:ext uri="{FF2B5EF4-FFF2-40B4-BE49-F238E27FC236}">
+                <a16:creationId xmlns:a16="http://schemas.microsoft.com/office/drawing/2014/main" id="{4EFAF79A-0A49-E0F9-884C-B24BF2BE714A}"/>
+              </a:ext>
+            </a:extLst>
+          </p:cNvPr>
+          <p:cNvCxnSpPr>
+            <a:stCxn id="72" idx="2"/>
+          </p:cNvCxnSpPr>
+          <p:nvPr/>
+        </p:nvCxnSpPr>
+        <p:spPr>
+          <a:xfrm>
+            <a:off x="7601489" y="3466527"/>
+            <a:ext cx="1852" cy="1971798"/>
+          </a:xfrm>
+          <a:prstGeom prst="straightConnector1">
+            <a:avLst/>
+          </a:prstGeom>
+          <a:ln w="28575">
+            <a:solidFill>
+              <a:schemeClr val="tx1"/>
+            </a:solidFill>
+            <a:tailEnd type="triangle"/>
+          </a:ln>
+        </p:spPr>
+        <p:style>
+          <a:lnRef idx="1">
+            <a:schemeClr val="accent1"/>
+          </a:lnRef>
+          <a:fillRef idx="0">
+            <a:schemeClr val="accent1"/>
+          </a:fillRef>
+          <a:effectRef idx="0">
+            <a:schemeClr val="accent1"/>
+          </a:effectRef>
+          <a:fontRef idx="minor">
+            <a:schemeClr val="tx1"/>
+          </a:fontRef>
+        </p:style>
+      </p:cxnSp>
+      <p:sp>
+        <p:nvSpPr>
+          <p:cNvPr id="101" name="TextBox 100">
+            <a:extLst>
+              <a:ext uri="{FF2B5EF4-FFF2-40B4-BE49-F238E27FC236}">
+                <a16:creationId xmlns:a16="http://schemas.microsoft.com/office/drawing/2014/main" id="{2D74250E-ABF1-5B05-EFB6-C4B32ACC0B37}"/>
+              </a:ext>
+            </a:extLst>
+          </p:cNvPr>
+          <p:cNvSpPr txBox="1"/>
+          <p:nvPr/>
+        </p:nvSpPr>
+        <p:spPr>
+          <a:xfrm>
+            <a:off x="7265123" y="5246825"/>
+            <a:ext cx="661507" cy="376167"/>
+          </a:xfrm>
+          <a:prstGeom prst="rect">
+            <a:avLst/>
+          </a:prstGeom>
+          <a:solidFill>
+            <a:schemeClr val="bg1"/>
+          </a:solidFill>
+        </p:spPr>
+        <p:txBody>
+          <a:bodyPr wrap="square" rtlCol="0">
+            <a:spAutoFit/>
+          </a:bodyPr>
+          <a:lstStyle/>
+          <a:p>
+            <a:pPr algn="ctr"/>
+            <a:r>
+              <a:rPr lang="en-US" dirty="0"/>
+              <a:t>Test</a:t>
+            </a:r>
+          </a:p>
+        </p:txBody>
+      </p:sp>
+      <p:sp>
+        <p:nvSpPr>
+          <p:cNvPr id="102" name="TextBox 101">
+            <a:extLst>
+              <a:ext uri="{FF2B5EF4-FFF2-40B4-BE49-F238E27FC236}">
+                <a16:creationId xmlns:a16="http://schemas.microsoft.com/office/drawing/2014/main" id="{B7BF6401-D8DA-D18F-070E-C4B5FDEF2052}"/>
+              </a:ext>
+            </a:extLst>
+          </p:cNvPr>
+          <p:cNvSpPr txBox="1"/>
+          <p:nvPr/>
+        </p:nvSpPr>
+        <p:spPr>
+          <a:xfrm>
+            <a:off x="5079446" y="4128221"/>
+            <a:ext cx="661507" cy="376167"/>
+          </a:xfrm>
+          <a:prstGeom prst="rect">
+            <a:avLst/>
+          </a:prstGeom>
+          <a:solidFill>
+            <a:schemeClr val="bg1"/>
+          </a:solidFill>
+        </p:spPr>
+        <p:txBody>
+          <a:bodyPr wrap="square" rtlCol="0">
+            <a:spAutoFit/>
+          </a:bodyPr>
+          <a:lstStyle/>
+          <a:p>
+            <a:pPr algn="ctr"/>
+            <a:r>
+              <a:rPr lang="en-US" dirty="0"/>
+              <a:t>Test</a:t>
+            </a:r>
+          </a:p>
+        </p:txBody>
+      </p:sp>
+      <p:cxnSp>
+        <p:nvCxnSpPr>
+          <p:cNvPr id="105" name="Straight Arrow Connector 104">
+            <a:extLst>
+              <a:ext uri="{FF2B5EF4-FFF2-40B4-BE49-F238E27FC236}">
+                <a16:creationId xmlns:a16="http://schemas.microsoft.com/office/drawing/2014/main" id="{823D21BD-F365-8054-B28C-ED3A31D66D62}"/>
+              </a:ext>
+            </a:extLst>
+          </p:cNvPr>
+          <p:cNvCxnSpPr>
+            <a:stCxn id="67" idx="0"/>
+          </p:cNvCxnSpPr>
+          <p:nvPr/>
+        </p:nvCxnSpPr>
+        <p:spPr>
+          <a:xfrm flipH="1" flipV="1">
+            <a:off x="2767013" y="435268"/>
+            <a:ext cx="1118638" cy="328101"/>
+          </a:xfrm>
+          <a:prstGeom prst="straightConnector1">
+            <a:avLst/>
+          </a:prstGeom>
+          <a:ln w="38100">
+            <a:solidFill>
+              <a:schemeClr val="tx1">
+                <a:lumMod val="95000"/>
+                <a:lumOff val="5000"/>
+              </a:schemeClr>
+            </a:solidFill>
+            <a:tailEnd type="triangle"/>
+          </a:ln>
+        </p:spPr>
+        <p:style>
+          <a:lnRef idx="1">
+            <a:schemeClr val="accent1"/>
+          </a:lnRef>
+          <a:fillRef idx="0">
+            <a:schemeClr val="accent1"/>
+          </a:fillRef>
+          <a:effectRef idx="0">
+            <a:schemeClr val="accent1"/>
+          </a:effectRef>
+          <a:fontRef idx="minor">
+            <a:schemeClr val="tx1"/>
+          </a:fontRef>
+        </p:style>
+      </p:cxnSp>
+      <p:cxnSp>
+        <p:nvCxnSpPr>
+          <p:cNvPr id="106" name="Straight Arrow Connector 105">
+            <a:extLst>
+              <a:ext uri="{FF2B5EF4-FFF2-40B4-BE49-F238E27FC236}">
+                <a16:creationId xmlns:a16="http://schemas.microsoft.com/office/drawing/2014/main" id="{563F3110-9DFA-4229-BF08-5803FFD58074}"/>
+              </a:ext>
+            </a:extLst>
+          </p:cNvPr>
+          <p:cNvCxnSpPr>
+            <a:cxnSpLocks/>
+            <a:stCxn id="68" idx="0"/>
+          </p:cNvCxnSpPr>
+          <p:nvPr/>
+        </p:nvCxnSpPr>
+        <p:spPr>
+          <a:xfrm flipH="1" flipV="1">
+            <a:off x="2286000" y="1573112"/>
+            <a:ext cx="1250120" cy="628172"/>
+          </a:xfrm>
+          <a:prstGeom prst="straightConnector1">
+            <a:avLst/>
+          </a:prstGeom>
+          <a:ln w="38100">
+            <a:solidFill>
+              <a:schemeClr val="tx1">
+                <a:lumMod val="95000"/>
+                <a:lumOff val="5000"/>
+              </a:schemeClr>
+            </a:solidFill>
+            <a:tailEnd type="triangle"/>
+          </a:ln>
+        </p:spPr>
+        <p:style>
+          <a:lnRef idx="1">
+            <a:schemeClr val="accent1"/>
+          </a:lnRef>
+          <a:fillRef idx="0">
+            <a:schemeClr val="accent1"/>
+          </a:fillRef>
+          <a:effectRef idx="0">
+            <a:schemeClr val="accent1"/>
+          </a:effectRef>
+          <a:fontRef idx="minor">
+            <a:schemeClr val="tx1"/>
+          </a:fontRef>
+        </p:style>
+      </p:cxnSp>
+    </p:spTree>
+    <p:extLst>
+      <p:ext uri="{BB962C8B-B14F-4D97-AF65-F5344CB8AC3E}">
+        <p14:creationId xmlns:p14="http://schemas.microsoft.com/office/powerpoint/2010/main" val="2743508851"/>
+      </p:ext>
+    </p:extLst>
+  </p:cSld>
+  <p:clrMapOvr>
+    <a:masterClrMapping/>
+  </p:clrMapOvr>
+</p:sld>
+</file>
+
+<file path=ppt/slides/slide11.xml><?xml version="1.0" encoding="utf-8"?>
+<p:sld xmlns:a="http://schemas.openxmlformats.org/drawingml/2006/main" xmlns:r="http://schemas.openxmlformats.org/officeDocument/2006/relationships" xmlns:p="http://schemas.openxmlformats.org/presentationml/2006/main">
+  <p:cSld>
+    <p:spTree>
+      <p:nvGrpSpPr>
+        <p:cNvPr id="1" name=""/>
+        <p:cNvGrpSpPr/>
+        <p:nvPr/>
+      </p:nvGrpSpPr>
+      <p:grpSpPr>
+        <a:xfrm>
+          <a:off x="0" y="0"/>
+          <a:ext cx="0" cy="0"/>
+          <a:chOff x="0" y="0"/>
+          <a:chExt cx="0" cy="0"/>
+        </a:xfrm>
+      </p:grpSpPr>
+      <p:sp>
+        <p:nvSpPr>
+          <p:cNvPr id="3" name="Rectangle 2">
+            <a:extLst>
+              <a:ext uri="{FF2B5EF4-FFF2-40B4-BE49-F238E27FC236}">
+                <a16:creationId xmlns:a16="http://schemas.microsoft.com/office/drawing/2014/main" id="{FE5AA432-A7EE-E12E-0523-FEBB2DB750E6}"/>
+              </a:ext>
+            </a:extLst>
+          </p:cNvPr>
+          <p:cNvSpPr/>
+          <p:nvPr/>
+        </p:nvSpPr>
+        <p:spPr>
+          <a:xfrm>
+            <a:off x="0" y="635667"/>
+            <a:ext cx="12192000" cy="6246708"/>
+          </a:xfrm>
+          <a:prstGeom prst="rect">
+            <a:avLst/>
+          </a:prstGeom>
+          <a:solidFill>
+            <a:srgbClr val="F4EDE5"/>
+          </a:solidFill>
+          <a:ln>
+            <a:noFill/>
+          </a:ln>
+        </p:spPr>
+        <p:style>
+          <a:lnRef idx="2">
+            <a:schemeClr val="accent1">
+              <a:shade val="15000"/>
+            </a:schemeClr>
+          </a:lnRef>
+          <a:fillRef idx="1">
+            <a:schemeClr val="accent1"/>
+          </a:fillRef>
+          <a:effectRef idx="0">
+            <a:schemeClr val="accent1"/>
+          </a:effectRef>
+          <a:fontRef idx="minor">
+            <a:schemeClr val="lt1"/>
+          </a:fontRef>
+        </p:style>
+        <p:txBody>
+          <a:bodyPr rtlCol="0" anchor="ctr"/>
+          <a:lstStyle/>
+          <a:p>
+            <a:pPr algn="ctr"/>
+            <a:endParaRPr lang="en-US"/>
+          </a:p>
+        </p:txBody>
+      </p:sp>
+      <p:sp>
+        <p:nvSpPr>
+          <p:cNvPr id="45" name="Rectangle 44">
+            <a:extLst>
+              <a:ext uri="{FF2B5EF4-FFF2-40B4-BE49-F238E27FC236}">
+                <a16:creationId xmlns:a16="http://schemas.microsoft.com/office/drawing/2014/main" id="{37712F0F-C126-3635-E40A-1A6A63679C34}"/>
+              </a:ext>
+            </a:extLst>
+          </p:cNvPr>
+          <p:cNvSpPr/>
+          <p:nvPr/>
+        </p:nvSpPr>
+        <p:spPr>
+          <a:xfrm>
+            <a:off x="0" y="0"/>
+            <a:ext cx="12192000" cy="610416"/>
+          </a:xfrm>
+          <a:prstGeom prst="rect">
+            <a:avLst/>
+          </a:prstGeom>
+          <a:solidFill>
+            <a:srgbClr val="9EABAE"/>
+          </a:solidFill>
+          <a:ln>
+            <a:noFill/>
+          </a:ln>
+          <a:effectLst>
+            <a:outerShdw blurRad="50800" dist="38100" dir="2700000" algn="tl" rotWithShape="0">
+              <a:prstClr val="black">
+                <a:alpha val="40000"/>
+              </a:prstClr>
+            </a:outerShdw>
+          </a:effectLst>
+        </p:spPr>
+        <p:style>
+          <a:lnRef idx="2">
+            <a:schemeClr val="accent1">
+              <a:shade val="15000"/>
+            </a:schemeClr>
+          </a:lnRef>
+          <a:fillRef idx="1">
+            <a:schemeClr val="accent1"/>
+          </a:fillRef>
+          <a:effectRef idx="0">
+            <a:schemeClr val="accent1"/>
+          </a:effectRef>
+          <a:fontRef idx="minor">
+            <a:schemeClr val="lt1"/>
+          </a:fontRef>
+        </p:style>
+        <p:txBody>
+          <a:bodyPr rtlCol="0" anchor="ctr"/>
+          <a:lstStyle/>
+          <a:p>
+            <a:pPr algn="ctr"/>
+            <a:endParaRPr lang="en-US"/>
+          </a:p>
+        </p:txBody>
+      </p:sp>
+      <p:sp>
+        <p:nvSpPr>
+          <p:cNvPr id="46" name="Oval 45">
+            <a:extLst>
+              <a:ext uri="{FF2B5EF4-FFF2-40B4-BE49-F238E27FC236}">
+                <a16:creationId xmlns:a16="http://schemas.microsoft.com/office/drawing/2014/main" id="{AA648415-12EE-CC2E-1A4D-CB74E11EF809}"/>
+              </a:ext>
+            </a:extLst>
+          </p:cNvPr>
+          <p:cNvSpPr/>
+          <p:nvPr/>
+        </p:nvSpPr>
+        <p:spPr>
+          <a:xfrm>
+            <a:off x="11329987" y="59268"/>
+            <a:ext cx="502920" cy="502920"/>
+          </a:xfrm>
+          <a:prstGeom prst="ellipse">
+            <a:avLst/>
+          </a:prstGeom>
+        </p:spPr>
+        <p:style>
+          <a:lnRef idx="2">
+            <a:schemeClr val="accent1">
+              <a:shade val="15000"/>
+            </a:schemeClr>
+          </a:lnRef>
+          <a:fillRef idx="1">
+            <a:schemeClr val="accent1"/>
+          </a:fillRef>
+          <a:effectRef idx="0">
+            <a:schemeClr val="accent1"/>
+          </a:effectRef>
+          <a:fontRef idx="minor">
+            <a:schemeClr val="lt1"/>
+          </a:fontRef>
+        </p:style>
+        <p:txBody>
+          <a:bodyPr rtlCol="0" anchor="ctr"/>
+          <a:lstStyle/>
+          <a:p>
+            <a:pPr algn="ctr"/>
+            <a:endParaRPr lang="en-US"/>
+          </a:p>
+        </p:txBody>
+      </p:sp>
+      <p:sp>
+        <p:nvSpPr>
+          <p:cNvPr id="47" name="TextBox 46">
+            <a:extLst>
+              <a:ext uri="{FF2B5EF4-FFF2-40B4-BE49-F238E27FC236}">
+                <a16:creationId xmlns:a16="http://schemas.microsoft.com/office/drawing/2014/main" id="{D975AF23-3A53-56AF-15F2-DD841FDFA0E4}"/>
+              </a:ext>
+            </a:extLst>
+          </p:cNvPr>
+          <p:cNvSpPr txBox="1"/>
+          <p:nvPr/>
+        </p:nvSpPr>
+        <p:spPr>
+          <a:xfrm>
+            <a:off x="10044797" y="121543"/>
+            <a:ext cx="1285190" cy="369332"/>
+          </a:xfrm>
+          <a:prstGeom prst="rect">
+            <a:avLst/>
+          </a:prstGeom>
+          <a:noFill/>
+        </p:spPr>
+        <p:txBody>
+          <a:bodyPr wrap="square" rtlCol="0">
+            <a:spAutoFit/>
+          </a:bodyPr>
+          <a:lstStyle/>
+          <a:p>
+            <a:pPr algn="ctr"/>
+            <a:r>
+              <a:rPr lang="en-US" dirty="0"/>
+              <a:t>Username</a:t>
+            </a:r>
+          </a:p>
+        </p:txBody>
+      </p:sp>
+      <p:sp>
+        <p:nvSpPr>
+          <p:cNvPr id="49" name="Rectangle 48">
+            <a:extLst>
+              <a:ext uri="{FF2B5EF4-FFF2-40B4-BE49-F238E27FC236}">
+                <a16:creationId xmlns:a16="http://schemas.microsoft.com/office/drawing/2014/main" id="{1ADF26B5-C67F-30E2-08C3-CD18B7072C57}"/>
+              </a:ext>
+            </a:extLst>
+          </p:cNvPr>
+          <p:cNvSpPr/>
+          <p:nvPr/>
+        </p:nvSpPr>
+        <p:spPr>
+          <a:xfrm>
+            <a:off x="11991977" y="656213"/>
+            <a:ext cx="200023" cy="6226162"/>
+          </a:xfrm>
+          <a:prstGeom prst="rect">
+            <a:avLst/>
+          </a:prstGeom>
+          <a:solidFill>
+            <a:schemeClr val="bg1">
+              <a:lumMod val="50000"/>
+            </a:schemeClr>
+          </a:solidFill>
+          <a:ln>
+            <a:noFill/>
+          </a:ln>
+        </p:spPr>
+        <p:style>
+          <a:lnRef idx="2">
+            <a:schemeClr val="accent1">
+              <a:shade val="15000"/>
+            </a:schemeClr>
+          </a:lnRef>
+          <a:fillRef idx="1">
+            <a:schemeClr val="accent1"/>
+          </a:fillRef>
+          <a:effectRef idx="0">
+            <a:schemeClr val="accent1"/>
+          </a:effectRef>
+          <a:fontRef idx="minor">
+            <a:schemeClr val="lt1"/>
+          </a:fontRef>
+        </p:style>
+        <p:txBody>
+          <a:bodyPr rtlCol="0" anchor="ctr"/>
+          <a:lstStyle/>
+          <a:p>
+            <a:pPr algn="ctr"/>
+            <a:endParaRPr lang="en-US"/>
+          </a:p>
+        </p:txBody>
+      </p:sp>
+      <p:sp>
+        <p:nvSpPr>
+          <p:cNvPr id="50" name="Rectangle 49">
+            <a:extLst>
+              <a:ext uri="{FF2B5EF4-FFF2-40B4-BE49-F238E27FC236}">
+                <a16:creationId xmlns:a16="http://schemas.microsoft.com/office/drawing/2014/main" id="{09C732B5-E059-2B32-7DB9-4D6D71B892E1}"/>
+              </a:ext>
+            </a:extLst>
+          </p:cNvPr>
+          <p:cNvSpPr/>
+          <p:nvPr/>
+        </p:nvSpPr>
+        <p:spPr>
+          <a:xfrm>
+            <a:off x="11991978" y="1220832"/>
+            <a:ext cx="200022" cy="2027675"/>
+          </a:xfrm>
+          <a:prstGeom prst="rect">
+            <a:avLst/>
+          </a:prstGeom>
+          <a:solidFill>
+            <a:schemeClr val="bg1">
+              <a:lumMod val="75000"/>
+            </a:schemeClr>
+          </a:solidFill>
+          <a:ln>
+            <a:noFill/>
+          </a:ln>
+        </p:spPr>
+        <p:style>
+          <a:lnRef idx="2">
+            <a:schemeClr val="accent1">
+              <a:shade val="15000"/>
+            </a:schemeClr>
+          </a:lnRef>
+          <a:fillRef idx="1">
+            <a:schemeClr val="accent1"/>
+          </a:fillRef>
+          <a:effectRef idx="0">
+            <a:schemeClr val="accent1"/>
+          </a:effectRef>
+          <a:fontRef idx="minor">
+            <a:schemeClr val="lt1"/>
+          </a:fontRef>
+        </p:style>
+        <p:txBody>
+          <a:bodyPr rtlCol="0" anchor="ctr"/>
+          <a:lstStyle/>
+          <a:p>
+            <a:pPr algn="ctr"/>
+            <a:endParaRPr lang="en-US"/>
+          </a:p>
+        </p:txBody>
+      </p:sp>
+      <p:grpSp>
+        <p:nvGrpSpPr>
+          <p:cNvPr id="51" name="Group 50">
+            <a:extLst>
+              <a:ext uri="{FF2B5EF4-FFF2-40B4-BE49-F238E27FC236}">
+                <a16:creationId xmlns:a16="http://schemas.microsoft.com/office/drawing/2014/main" id="{3D7AEB26-8061-05D9-C280-E4DEDFF717C0}"/>
+              </a:ext>
+            </a:extLst>
+          </p:cNvPr>
+          <p:cNvGrpSpPr/>
+          <p:nvPr/>
+        </p:nvGrpSpPr>
+        <p:grpSpPr>
+          <a:xfrm>
+            <a:off x="11994463" y="610416"/>
+            <a:ext cx="197537" cy="225276"/>
+            <a:chOff x="2862612" y="1773144"/>
+            <a:chExt cx="197537" cy="225276"/>
+          </a:xfrm>
+        </p:grpSpPr>
+        <p:sp>
+          <p:nvSpPr>
+            <p:cNvPr id="52" name="Rectangle 51">
+              <a:extLst>
+                <a:ext uri="{FF2B5EF4-FFF2-40B4-BE49-F238E27FC236}">
+                  <a16:creationId xmlns:a16="http://schemas.microsoft.com/office/drawing/2014/main" id="{7EB6BC76-340F-F654-5590-3AAD91ACA1D8}"/>
+                </a:ext>
+              </a:extLst>
+            </p:cNvPr>
+            <p:cNvSpPr/>
+            <p:nvPr/>
+          </p:nvSpPr>
+          <p:spPr>
+            <a:xfrm>
+              <a:off x="2862612" y="1773144"/>
+              <a:ext cx="197537" cy="225276"/>
+            </a:xfrm>
+            <a:prstGeom prst="rect">
+              <a:avLst/>
+            </a:prstGeom>
+            <a:solidFill>
+              <a:schemeClr val="bg1">
+                <a:lumMod val="50000"/>
+              </a:schemeClr>
+            </a:solidFill>
+            <a:ln>
+              <a:solidFill>
+                <a:schemeClr val="tx1"/>
+              </a:solidFill>
+            </a:ln>
+          </p:spPr>
+          <p:style>
+            <a:lnRef idx="2">
+              <a:schemeClr val="accent1">
+                <a:shade val="15000"/>
+              </a:schemeClr>
+            </a:lnRef>
+            <a:fillRef idx="1">
+              <a:schemeClr val="accent1"/>
+            </a:fillRef>
+            <a:effectRef idx="0">
+              <a:schemeClr val="accent1"/>
+            </a:effectRef>
+            <a:fontRef idx="minor">
+              <a:schemeClr val="lt1"/>
+            </a:fontRef>
+          </p:style>
+          <p:txBody>
+            <a:bodyPr rtlCol="0" anchor="ctr"/>
+            <a:lstStyle/>
+            <a:p>
+              <a:pPr algn="ctr"/>
+              <a:endParaRPr lang="en-US"/>
+            </a:p>
+          </p:txBody>
+        </p:sp>
+        <p:sp>
+          <p:nvSpPr>
+            <p:cNvPr id="53" name="Arrow: Right 52">
+              <a:extLst>
+                <a:ext uri="{FF2B5EF4-FFF2-40B4-BE49-F238E27FC236}">
+                  <a16:creationId xmlns:a16="http://schemas.microsoft.com/office/drawing/2014/main" id="{516A9650-2897-22BD-44D9-555119037A12}"/>
+                </a:ext>
+              </a:extLst>
+            </p:cNvPr>
+            <p:cNvSpPr/>
+            <p:nvPr/>
+          </p:nvSpPr>
+          <p:spPr>
+            <a:xfrm rot="16200000">
+              <a:off x="2891169" y="1824036"/>
+              <a:ext cx="133682" cy="123493"/>
+            </a:xfrm>
+            <a:prstGeom prst="rightArrow">
+              <a:avLst/>
+            </a:prstGeom>
+            <a:solidFill>
+              <a:schemeClr val="bg1">
+                <a:lumMod val="50000"/>
+              </a:schemeClr>
+            </a:solidFill>
+            <a:ln w="19050">
+              <a:solidFill>
+                <a:schemeClr val="tx1"/>
+              </a:solidFill>
+            </a:ln>
+          </p:spPr>
+          <p:style>
+            <a:lnRef idx="2">
+              <a:schemeClr val="accent1">
+                <a:shade val="15000"/>
+              </a:schemeClr>
+            </a:lnRef>
+            <a:fillRef idx="1">
+              <a:schemeClr val="accent1"/>
+            </a:fillRef>
+            <a:effectRef idx="0">
+              <a:schemeClr val="accent1"/>
+            </a:effectRef>
+            <a:fontRef idx="minor">
+              <a:schemeClr val="lt1"/>
+            </a:fontRef>
+          </p:style>
+          <p:txBody>
+            <a:bodyPr rtlCol="0" anchor="ctr"/>
+            <a:lstStyle/>
+            <a:p>
+              <a:pPr algn="ctr"/>
+              <a:endParaRPr lang="en-US"/>
+            </a:p>
+          </p:txBody>
+        </p:sp>
+      </p:grpSp>
+      <p:grpSp>
+        <p:nvGrpSpPr>
+          <p:cNvPr id="54" name="Group 53">
+            <a:extLst>
+              <a:ext uri="{FF2B5EF4-FFF2-40B4-BE49-F238E27FC236}">
+                <a16:creationId xmlns:a16="http://schemas.microsoft.com/office/drawing/2014/main" id="{FB64A5A6-9594-EE25-3F21-5E402D7E8839}"/>
+              </a:ext>
+            </a:extLst>
+          </p:cNvPr>
+          <p:cNvGrpSpPr/>
+          <p:nvPr/>
+        </p:nvGrpSpPr>
+        <p:grpSpPr>
+          <a:xfrm rot="10800000">
+            <a:off x="11994463" y="6657099"/>
+            <a:ext cx="197537" cy="225276"/>
+            <a:chOff x="2862612" y="1773144"/>
+            <a:chExt cx="197537" cy="225276"/>
+          </a:xfrm>
+        </p:grpSpPr>
+        <p:sp>
+          <p:nvSpPr>
+            <p:cNvPr id="55" name="Rectangle 54">
+              <a:extLst>
+                <a:ext uri="{FF2B5EF4-FFF2-40B4-BE49-F238E27FC236}">
+                  <a16:creationId xmlns:a16="http://schemas.microsoft.com/office/drawing/2014/main" id="{0332BC2E-F244-3334-751F-2BF316C6A701}"/>
+                </a:ext>
+              </a:extLst>
+            </p:cNvPr>
+            <p:cNvSpPr/>
+            <p:nvPr/>
+          </p:nvSpPr>
+          <p:spPr>
+            <a:xfrm>
+              <a:off x="2862612" y="1773144"/>
+              <a:ext cx="197537" cy="225276"/>
+            </a:xfrm>
+            <a:prstGeom prst="rect">
+              <a:avLst/>
+            </a:prstGeom>
+            <a:solidFill>
+              <a:schemeClr val="bg1">
+                <a:lumMod val="50000"/>
+              </a:schemeClr>
+            </a:solidFill>
+            <a:ln>
+              <a:solidFill>
+                <a:schemeClr val="tx1"/>
+              </a:solidFill>
+            </a:ln>
+          </p:spPr>
+          <p:style>
+            <a:lnRef idx="2">
+              <a:schemeClr val="accent1">
+                <a:shade val="15000"/>
+              </a:schemeClr>
+            </a:lnRef>
+            <a:fillRef idx="1">
+              <a:schemeClr val="accent1"/>
+            </a:fillRef>
+            <a:effectRef idx="0">
+              <a:schemeClr val="accent1"/>
+            </a:effectRef>
+            <a:fontRef idx="minor">
+              <a:schemeClr val="lt1"/>
+            </a:fontRef>
+          </p:style>
+          <p:txBody>
+            <a:bodyPr rtlCol="0" anchor="ctr"/>
+            <a:lstStyle/>
+            <a:p>
+              <a:pPr algn="ctr"/>
+              <a:endParaRPr lang="en-US"/>
+            </a:p>
+          </p:txBody>
+        </p:sp>
+        <p:sp>
+          <p:nvSpPr>
+            <p:cNvPr id="56" name="Arrow: Right 55">
+              <a:extLst>
+                <a:ext uri="{FF2B5EF4-FFF2-40B4-BE49-F238E27FC236}">
+                  <a16:creationId xmlns:a16="http://schemas.microsoft.com/office/drawing/2014/main" id="{9FB044F3-9692-6C3F-7B73-55A36B0B4FDE}"/>
+                </a:ext>
+              </a:extLst>
+            </p:cNvPr>
+            <p:cNvSpPr/>
+            <p:nvPr/>
+          </p:nvSpPr>
+          <p:spPr>
+            <a:xfrm rot="16200000">
+              <a:off x="2891169" y="1824036"/>
+              <a:ext cx="133682" cy="123493"/>
+            </a:xfrm>
+            <a:prstGeom prst="rightArrow">
+              <a:avLst/>
+            </a:prstGeom>
+            <a:solidFill>
+              <a:schemeClr val="bg1">
+                <a:lumMod val="50000"/>
+              </a:schemeClr>
+            </a:solidFill>
+            <a:ln w="19050">
+              <a:solidFill>
+                <a:schemeClr val="tx1"/>
+              </a:solidFill>
+            </a:ln>
+          </p:spPr>
+          <p:style>
+            <a:lnRef idx="2">
+              <a:schemeClr val="accent1">
+                <a:shade val="15000"/>
+              </a:schemeClr>
+            </a:lnRef>
+            <a:fillRef idx="1">
+              <a:schemeClr val="accent1"/>
+            </a:fillRef>
+            <a:effectRef idx="0">
+              <a:schemeClr val="accent1"/>
+            </a:effectRef>
+            <a:fontRef idx="minor">
+              <a:schemeClr val="lt1"/>
+            </a:fontRef>
+          </p:style>
+          <p:txBody>
+            <a:bodyPr rtlCol="0" anchor="ctr"/>
+            <a:lstStyle/>
+            <a:p>
+              <a:pPr algn="ctr"/>
+              <a:endParaRPr lang="en-US"/>
+            </a:p>
+          </p:txBody>
+        </p:sp>
+      </p:grpSp>
+      <p:pic>
+        <p:nvPicPr>
+          <p:cNvPr id="90" name="Graphic 89" descr="Home with solid fill">
+            <a:extLst>
+              <a:ext uri="{FF2B5EF4-FFF2-40B4-BE49-F238E27FC236}">
+                <a16:creationId xmlns:a16="http://schemas.microsoft.com/office/drawing/2014/main" id="{AF2A80DD-A84A-A481-63CB-2D33CEA97BEE}"/>
+              </a:ext>
+            </a:extLst>
+          </p:cNvPr>
+          <p:cNvPicPr>
+            <a:picLocks noChangeAspect="1"/>
+          </p:cNvPicPr>
+          <p:nvPr/>
+        </p:nvPicPr>
+        <p:blipFill>
+          <a:blip r:embed="rId2">
+            <a:extLst>
+              <a:ext uri="{28A0092B-C50C-407E-A947-70E740481C1C}">
+                <a14:useLocalDpi xmlns:a14="http://schemas.microsoft.com/office/drawing/2010/main" val="0"/>
+              </a:ext>
+              <a:ext uri="{96DAC541-7B7A-43D3-8B79-37D633B846F1}">
+                <asvg:svgBlip xmlns:asvg="http://schemas.microsoft.com/office/drawing/2016/SVG/main" r:embed="rId3"/>
+              </a:ext>
+            </a:extLst>
+          </a:blip>
+          <a:stretch>
+            <a:fillRect/>
+          </a:stretch>
+        </p:blipFill>
+        <p:spPr>
+          <a:xfrm>
+            <a:off x="9645437" y="53748"/>
+            <a:ext cx="502920" cy="502920"/>
+          </a:xfrm>
+          <a:prstGeom prst="rect">
+            <a:avLst/>
+          </a:prstGeom>
+        </p:spPr>
+      </p:pic>
+      <p:grpSp>
+        <p:nvGrpSpPr>
+          <p:cNvPr id="91" name="Group 90">
+            <a:extLst>
+              <a:ext uri="{FF2B5EF4-FFF2-40B4-BE49-F238E27FC236}">
+                <a16:creationId xmlns:a16="http://schemas.microsoft.com/office/drawing/2014/main" id="{69CEB3D8-1274-027E-195D-96A6B15169A8}"/>
+              </a:ext>
+            </a:extLst>
+          </p:cNvPr>
+          <p:cNvGrpSpPr/>
+          <p:nvPr/>
+        </p:nvGrpSpPr>
+        <p:grpSpPr>
+          <a:xfrm>
+            <a:off x="18192" y="-35096"/>
+            <a:ext cx="2043012" cy="640080"/>
+            <a:chOff x="1966424" y="684932"/>
+            <a:chExt cx="2172807" cy="864463"/>
+          </a:xfrm>
+        </p:grpSpPr>
+        <p:pic>
+          <p:nvPicPr>
+            <p:cNvPr id="92" name="Picture 91" descr="A computer with a logo on it&#10;&#10;Description automatically generated">
+              <a:extLst>
+                <a:ext uri="{FF2B5EF4-FFF2-40B4-BE49-F238E27FC236}">
+                  <a16:creationId xmlns:a16="http://schemas.microsoft.com/office/drawing/2014/main" id="{F46A56A3-896E-F49E-5E5A-A7E1AFB009F9}"/>
+                </a:ext>
+              </a:extLst>
+            </p:cNvPr>
+            <p:cNvPicPr/>
+            <p:nvPr/>
+          </p:nvPicPr>
+          <p:blipFill>
+            <a:blip r:embed="rId4">
+              <a:extLst>
+                <a:ext uri="{28A0092B-C50C-407E-A947-70E740481C1C}">
+                  <a14:useLocalDpi xmlns:a14="http://schemas.microsoft.com/office/drawing/2010/main" val="0"/>
+                </a:ext>
+              </a:extLst>
+            </a:blip>
+            <a:stretch>
+              <a:fillRect/>
+            </a:stretch>
+          </p:blipFill>
+          <p:spPr>
+            <a:xfrm>
+              <a:off x="1966424" y="684932"/>
+              <a:ext cx="680745" cy="864463"/>
+            </a:xfrm>
+            <a:prstGeom prst="rect">
+              <a:avLst/>
+            </a:prstGeom>
+          </p:spPr>
+        </p:pic>
+        <p:sp>
+          <p:nvSpPr>
+            <p:cNvPr id="93" name="TextBox 92">
+              <a:extLst>
+                <a:ext uri="{FF2B5EF4-FFF2-40B4-BE49-F238E27FC236}">
+                  <a16:creationId xmlns:a16="http://schemas.microsoft.com/office/drawing/2014/main" id="{E1E6CEE3-5242-A929-3E37-713561EE7B73}"/>
+                </a:ext>
+              </a:extLst>
+            </p:cNvPr>
+            <p:cNvSpPr txBox="1"/>
+            <p:nvPr/>
+          </p:nvSpPr>
+          <p:spPr>
+            <a:xfrm>
+              <a:off x="2525533" y="926488"/>
+              <a:ext cx="1613698" cy="415670"/>
+            </a:xfrm>
+            <a:prstGeom prst="rect">
+              <a:avLst/>
+            </a:prstGeom>
+            <a:noFill/>
+          </p:spPr>
+          <p:txBody>
+            <a:bodyPr wrap="square" rtlCol="0">
+              <a:spAutoFit/>
+            </a:bodyPr>
+            <a:lstStyle/>
+            <a:p>
+              <a:pPr algn="ctr"/>
+              <a:r>
+                <a:rPr lang="en-US" sz="1400" dirty="0">
+                  <a:solidFill>
+                    <a:schemeClr val="bg1"/>
+                  </a:solidFill>
+                  <a:latin typeface="Arial" panose="020B0604020202020204" pitchFamily="34" charset="0"/>
+                  <a:cs typeface="Arial" panose="020B0604020202020204" pitchFamily="34" charset="0"/>
+                </a:rPr>
+                <a:t>Website name</a:t>
+              </a:r>
+            </a:p>
+          </p:txBody>
+        </p:sp>
+      </p:grpSp>
+      <p:sp>
+        <p:nvSpPr>
+          <p:cNvPr id="98" name="Rectangle: Single Corner Rounded 97">
+            <a:extLst>
+              <a:ext uri="{FF2B5EF4-FFF2-40B4-BE49-F238E27FC236}">
+                <a16:creationId xmlns:a16="http://schemas.microsoft.com/office/drawing/2014/main" id="{E1556A98-354D-869B-36DC-82D0D8AD97D3}"/>
+              </a:ext>
+            </a:extLst>
+          </p:cNvPr>
+          <p:cNvSpPr/>
+          <p:nvPr/>
+        </p:nvSpPr>
+        <p:spPr>
+          <a:xfrm>
+            <a:off x="0" y="789896"/>
+            <a:ext cx="2903621" cy="6068104"/>
+          </a:xfrm>
+          <a:prstGeom prst="round1Rect">
+            <a:avLst>
+              <a:gd name="adj" fmla="val 22192"/>
+            </a:avLst>
+          </a:prstGeom>
+          <a:solidFill>
+            <a:srgbClr val="E2E9EB"/>
+          </a:solidFill>
+          <a:ln>
+            <a:noFill/>
+          </a:ln>
+        </p:spPr>
+        <p:style>
+          <a:lnRef idx="2">
+            <a:schemeClr val="accent1">
+              <a:shade val="15000"/>
+            </a:schemeClr>
+          </a:lnRef>
+          <a:fillRef idx="1">
+            <a:schemeClr val="accent1"/>
+          </a:fillRef>
+          <a:effectRef idx="0">
+            <a:schemeClr val="accent1"/>
+          </a:effectRef>
+          <a:fontRef idx="minor">
+            <a:schemeClr val="lt1"/>
+          </a:fontRef>
+        </p:style>
+        <p:txBody>
+          <a:bodyPr rtlCol="0" anchor="ctr"/>
+          <a:lstStyle/>
+          <a:p>
+            <a:pPr algn="ctr"/>
+            <a:endParaRPr lang="en-US"/>
+          </a:p>
+        </p:txBody>
+      </p:sp>
+      <p:sp>
+        <p:nvSpPr>
+          <p:cNvPr id="100" name="Rectangle: Rounded Corners 99">
+            <a:extLst>
+              <a:ext uri="{FF2B5EF4-FFF2-40B4-BE49-F238E27FC236}">
+                <a16:creationId xmlns:a16="http://schemas.microsoft.com/office/drawing/2014/main" id="{4D6586CB-34C9-C592-FABB-F54483D9C718}"/>
+              </a:ext>
+            </a:extLst>
+          </p:cNvPr>
+          <p:cNvSpPr/>
+          <p:nvPr/>
+        </p:nvSpPr>
+        <p:spPr>
+          <a:xfrm>
+            <a:off x="136357" y="1220832"/>
+            <a:ext cx="2630905" cy="385011"/>
+          </a:xfrm>
+          <a:prstGeom prst="roundRect">
+            <a:avLst>
+              <a:gd name="adj" fmla="val 50000"/>
+            </a:avLst>
+          </a:prstGeom>
+          <a:solidFill>
+            <a:srgbClr val="4472C4"/>
+          </a:solidFill>
+          <a:ln>
+            <a:noFill/>
+          </a:ln>
+        </p:spPr>
+        <p:style>
+          <a:lnRef idx="2">
+            <a:schemeClr val="accent1">
+              <a:shade val="15000"/>
+            </a:schemeClr>
+          </a:lnRef>
+          <a:fillRef idx="1">
+            <a:schemeClr val="accent1"/>
+          </a:fillRef>
+          <a:effectRef idx="0">
+            <a:schemeClr val="accent1"/>
+          </a:effectRef>
+          <a:fontRef idx="minor">
+            <a:schemeClr val="lt1"/>
+          </a:fontRef>
+        </p:style>
+        <p:txBody>
+          <a:bodyPr rtlCol="0" anchor="ctr"/>
+          <a:lstStyle/>
+          <a:p>
+            <a:pPr algn="ctr"/>
+            <a:r>
+              <a:rPr lang="en-US" b="1" dirty="0">
+                <a:latin typeface="Arial" panose="020B0604020202020204" pitchFamily="34" charset="0"/>
+                <a:cs typeface="Arial" panose="020B0604020202020204" pitchFamily="34" charset="0"/>
+              </a:rPr>
+              <a:t>Privacy &amp; Safety</a:t>
+            </a:r>
+          </a:p>
+        </p:txBody>
+      </p:sp>
+      <p:sp>
+        <p:nvSpPr>
+          <p:cNvPr id="101" name="Rectangle: Rounded Corners 100">
+            <a:extLst>
+              <a:ext uri="{FF2B5EF4-FFF2-40B4-BE49-F238E27FC236}">
+                <a16:creationId xmlns:a16="http://schemas.microsoft.com/office/drawing/2014/main" id="{3C9B6D62-E0B9-F73E-FF9F-3DCDF55B704E}"/>
+              </a:ext>
+            </a:extLst>
+          </p:cNvPr>
+          <p:cNvSpPr/>
+          <p:nvPr/>
+        </p:nvSpPr>
+        <p:spPr>
+          <a:xfrm>
+            <a:off x="136356" y="1760072"/>
+            <a:ext cx="2630905" cy="385011"/>
+          </a:xfrm>
+          <a:prstGeom prst="roundRect">
+            <a:avLst>
+              <a:gd name="adj" fmla="val 50000"/>
+            </a:avLst>
+          </a:prstGeom>
+          <a:solidFill>
+            <a:srgbClr val="4472C4"/>
+          </a:solidFill>
+          <a:ln>
+            <a:noFill/>
+          </a:ln>
+        </p:spPr>
+        <p:style>
+          <a:lnRef idx="2">
+            <a:schemeClr val="accent1">
+              <a:shade val="15000"/>
+            </a:schemeClr>
+          </a:lnRef>
+          <a:fillRef idx="1">
+            <a:schemeClr val="accent1"/>
+          </a:fillRef>
+          <a:effectRef idx="0">
+            <a:schemeClr val="accent1"/>
+          </a:effectRef>
+          <a:fontRef idx="minor">
+            <a:schemeClr val="lt1"/>
+          </a:fontRef>
+        </p:style>
+        <p:txBody>
+          <a:bodyPr rtlCol="0" anchor="ctr"/>
+          <a:lstStyle/>
+          <a:p>
+            <a:pPr algn="ctr"/>
+            <a:r>
+              <a:rPr lang="en-US" b="1" dirty="0">
+                <a:latin typeface="Arial" panose="020B0604020202020204" pitchFamily="34" charset="0"/>
+                <a:cs typeface="Arial" panose="020B0604020202020204" pitchFamily="34" charset="0"/>
+              </a:rPr>
+              <a:t>Other settings</a:t>
+            </a:r>
+          </a:p>
+        </p:txBody>
+      </p:sp>
+      <p:sp>
+        <p:nvSpPr>
+          <p:cNvPr id="102" name="Rectangle: Rounded Corners 101">
+            <a:extLst>
+              <a:ext uri="{FF2B5EF4-FFF2-40B4-BE49-F238E27FC236}">
+                <a16:creationId xmlns:a16="http://schemas.microsoft.com/office/drawing/2014/main" id="{ED5CD66D-9D1B-EBFB-0248-D6B7CA2CC1C7}"/>
+              </a:ext>
+            </a:extLst>
+          </p:cNvPr>
+          <p:cNvSpPr/>
+          <p:nvPr/>
+        </p:nvSpPr>
+        <p:spPr>
+          <a:xfrm>
+            <a:off x="136355" y="2299312"/>
+            <a:ext cx="2630905" cy="385011"/>
+          </a:xfrm>
+          <a:prstGeom prst="roundRect">
+            <a:avLst>
+              <a:gd name="adj" fmla="val 50000"/>
+            </a:avLst>
+          </a:prstGeom>
+          <a:solidFill>
+            <a:srgbClr val="4472C4"/>
+          </a:solidFill>
+          <a:ln>
+            <a:noFill/>
+          </a:ln>
+        </p:spPr>
+        <p:style>
+          <a:lnRef idx="2">
+            <a:schemeClr val="accent1">
+              <a:shade val="15000"/>
+            </a:schemeClr>
+          </a:lnRef>
+          <a:fillRef idx="1">
+            <a:schemeClr val="accent1"/>
+          </a:fillRef>
+          <a:effectRef idx="0">
+            <a:schemeClr val="accent1"/>
+          </a:effectRef>
+          <a:fontRef idx="minor">
+            <a:schemeClr val="lt1"/>
+          </a:fontRef>
+        </p:style>
+        <p:txBody>
+          <a:bodyPr rtlCol="0" anchor="ctr"/>
+          <a:lstStyle/>
+          <a:p>
+            <a:pPr algn="ctr"/>
+            <a:r>
+              <a:rPr lang="en-US" b="1" dirty="0">
+                <a:latin typeface="Arial" panose="020B0604020202020204" pitchFamily="34" charset="0"/>
+                <a:cs typeface="Arial" panose="020B0604020202020204" pitchFamily="34" charset="0"/>
+              </a:rPr>
+              <a:t>Other settings</a:t>
+            </a:r>
+          </a:p>
+        </p:txBody>
+      </p:sp>
+      <p:sp>
+        <p:nvSpPr>
+          <p:cNvPr id="103" name="Rectangle: Rounded Corners 102">
+            <a:extLst>
+              <a:ext uri="{FF2B5EF4-FFF2-40B4-BE49-F238E27FC236}">
+                <a16:creationId xmlns:a16="http://schemas.microsoft.com/office/drawing/2014/main" id="{3EFA38F1-78C1-ACBA-24E6-EB3D20743B19}"/>
+              </a:ext>
+            </a:extLst>
+          </p:cNvPr>
+          <p:cNvSpPr/>
+          <p:nvPr/>
+        </p:nvSpPr>
+        <p:spPr>
+          <a:xfrm>
+            <a:off x="4106777" y="1219621"/>
+            <a:ext cx="2630905" cy="385011"/>
+          </a:xfrm>
+          <a:prstGeom prst="roundRect">
+            <a:avLst>
+              <a:gd name="adj" fmla="val 50000"/>
+            </a:avLst>
+          </a:prstGeom>
+          <a:noFill/>
+          <a:ln>
+            <a:noFill/>
+          </a:ln>
+        </p:spPr>
+        <p:style>
+          <a:lnRef idx="2">
+            <a:schemeClr val="accent1">
+              <a:shade val="15000"/>
+            </a:schemeClr>
+          </a:lnRef>
+          <a:fillRef idx="1">
+            <a:schemeClr val="accent1"/>
+          </a:fillRef>
+          <a:effectRef idx="0">
+            <a:schemeClr val="accent1"/>
+          </a:effectRef>
+          <a:fontRef idx="minor">
+            <a:schemeClr val="lt1"/>
+          </a:fontRef>
+        </p:style>
+        <p:txBody>
+          <a:bodyPr rtlCol="0" anchor="ctr"/>
+          <a:lstStyle/>
+          <a:p>
+            <a:r>
+              <a:rPr lang="en-US" b="1" dirty="0">
+                <a:solidFill>
+                  <a:schemeClr val="tx1">
+                    <a:lumMod val="95000"/>
+                    <a:lumOff val="5000"/>
+                  </a:schemeClr>
+                </a:solidFill>
+                <a:latin typeface="Arial" panose="020B0604020202020204" pitchFamily="34" charset="0"/>
+                <a:cs typeface="Arial" panose="020B0604020202020204" pitchFamily="34" charset="0"/>
+              </a:rPr>
+              <a:t>Privacy &amp; Safety</a:t>
+            </a:r>
+          </a:p>
+        </p:txBody>
+      </p:sp>
+      <p:sp>
+        <p:nvSpPr>
+          <p:cNvPr id="104" name="Rectangle: Rounded Corners 103">
+            <a:extLst>
+              <a:ext uri="{FF2B5EF4-FFF2-40B4-BE49-F238E27FC236}">
+                <a16:creationId xmlns:a16="http://schemas.microsoft.com/office/drawing/2014/main" id="{EF66D8EA-0CE6-9C8D-2589-F89C26170A05}"/>
+              </a:ext>
+            </a:extLst>
+          </p:cNvPr>
+          <p:cNvSpPr/>
+          <p:nvPr/>
+        </p:nvSpPr>
+        <p:spPr>
+          <a:xfrm>
+            <a:off x="3641556" y="1794520"/>
+            <a:ext cx="2630905" cy="385011"/>
+          </a:xfrm>
+          <a:prstGeom prst="roundRect">
+            <a:avLst>
+              <a:gd name="adj" fmla="val 50000"/>
+            </a:avLst>
+          </a:prstGeom>
+          <a:noFill/>
+          <a:ln>
+            <a:noFill/>
+          </a:ln>
+        </p:spPr>
+        <p:style>
+          <a:lnRef idx="2">
+            <a:schemeClr val="accent1">
+              <a:shade val="15000"/>
+            </a:schemeClr>
+          </a:lnRef>
+          <a:fillRef idx="1">
+            <a:schemeClr val="accent1"/>
+          </a:fillRef>
+          <a:effectRef idx="0">
+            <a:schemeClr val="accent1"/>
+          </a:effectRef>
+          <a:fontRef idx="minor">
+            <a:schemeClr val="lt1"/>
+          </a:fontRef>
+        </p:style>
+        <p:txBody>
+          <a:bodyPr rtlCol="0" anchor="ctr"/>
+          <a:lstStyle/>
+          <a:p>
+            <a:pPr algn="ctr"/>
+            <a:r>
+              <a:rPr lang="en-US" dirty="0">
+                <a:solidFill>
+                  <a:schemeClr val="tx1">
+                    <a:lumMod val="95000"/>
+                    <a:lumOff val="5000"/>
+                  </a:schemeClr>
+                </a:solidFill>
+                <a:latin typeface="Arial" panose="020B0604020202020204" pitchFamily="34" charset="0"/>
+                <a:cs typeface="Arial" panose="020B0604020202020204" pitchFamily="34" charset="0"/>
+              </a:rPr>
+              <a:t>Setting1</a:t>
+            </a:r>
+          </a:p>
+        </p:txBody>
+      </p:sp>
+      <p:sp>
+        <p:nvSpPr>
+          <p:cNvPr id="105" name="Rectangle: Rounded Corners 104">
+            <a:extLst>
+              <a:ext uri="{FF2B5EF4-FFF2-40B4-BE49-F238E27FC236}">
+                <a16:creationId xmlns:a16="http://schemas.microsoft.com/office/drawing/2014/main" id="{D3E77BAA-577C-4235-B4ED-B489C0A57E5D}"/>
+              </a:ext>
+            </a:extLst>
+          </p:cNvPr>
+          <p:cNvSpPr/>
+          <p:nvPr/>
+        </p:nvSpPr>
+        <p:spPr>
+          <a:xfrm>
+            <a:off x="7154780" y="1760072"/>
+            <a:ext cx="822960" cy="393192"/>
+          </a:xfrm>
+          <a:prstGeom prst="roundRect">
+            <a:avLst>
+              <a:gd name="adj" fmla="val 50000"/>
+            </a:avLst>
+          </a:prstGeom>
+          <a:solidFill>
+            <a:schemeClr val="accent6"/>
+          </a:solidFill>
+          <a:ln w="28575">
+            <a:solidFill>
+              <a:schemeClr val="tx1"/>
+            </a:solidFill>
+          </a:ln>
+        </p:spPr>
+        <p:style>
+          <a:lnRef idx="2">
+            <a:schemeClr val="accent1">
+              <a:shade val="15000"/>
+            </a:schemeClr>
+          </a:lnRef>
+          <a:fillRef idx="1">
+            <a:schemeClr val="accent1"/>
+          </a:fillRef>
+          <a:effectRef idx="0">
+            <a:schemeClr val="accent1"/>
+          </a:effectRef>
+          <a:fontRef idx="minor">
+            <a:schemeClr val="lt1"/>
+          </a:fontRef>
+        </p:style>
+        <p:txBody>
+          <a:bodyPr rtlCol="0" anchor="ctr"/>
+          <a:lstStyle/>
+          <a:p>
+            <a:pPr algn="r"/>
+            <a:r>
+              <a:rPr lang="en-US" dirty="0"/>
+              <a:t>On</a:t>
+            </a:r>
+          </a:p>
+        </p:txBody>
+      </p:sp>
+      <p:sp>
+        <p:nvSpPr>
+          <p:cNvPr id="106" name="Oval 105">
+            <a:extLst>
+              <a:ext uri="{FF2B5EF4-FFF2-40B4-BE49-F238E27FC236}">
+                <a16:creationId xmlns:a16="http://schemas.microsoft.com/office/drawing/2014/main" id="{A5C48AA1-4056-E3F2-9A86-9839FAD31929}"/>
+              </a:ext>
+            </a:extLst>
+          </p:cNvPr>
+          <p:cNvSpPr/>
+          <p:nvPr/>
+        </p:nvSpPr>
+        <p:spPr>
+          <a:xfrm>
+            <a:off x="7171923" y="1774460"/>
+            <a:ext cx="365760" cy="365760"/>
+          </a:xfrm>
+          <a:prstGeom prst="ellipse">
+            <a:avLst/>
+          </a:prstGeom>
+          <a:solidFill>
+            <a:srgbClr val="9EABAE"/>
+          </a:solidFill>
+          <a:ln>
+            <a:noFill/>
+          </a:ln>
+        </p:spPr>
+        <p:style>
+          <a:lnRef idx="2">
+            <a:schemeClr val="accent1">
+              <a:shade val="15000"/>
+            </a:schemeClr>
+          </a:lnRef>
+          <a:fillRef idx="1">
+            <a:schemeClr val="accent1"/>
+          </a:fillRef>
+          <a:effectRef idx="0">
+            <a:schemeClr val="accent1"/>
+          </a:effectRef>
+          <a:fontRef idx="minor">
+            <a:schemeClr val="lt1"/>
+          </a:fontRef>
+        </p:style>
+        <p:txBody>
+          <a:bodyPr rtlCol="0" anchor="ctr"/>
+          <a:lstStyle/>
+          <a:p>
+            <a:pPr algn="ctr"/>
+            <a:endParaRPr lang="en-US"/>
+          </a:p>
+        </p:txBody>
+      </p:sp>
+      <p:sp>
+        <p:nvSpPr>
+          <p:cNvPr id="107" name="Rectangle: Rounded Corners 106">
+            <a:extLst>
+              <a:ext uri="{FF2B5EF4-FFF2-40B4-BE49-F238E27FC236}">
+                <a16:creationId xmlns:a16="http://schemas.microsoft.com/office/drawing/2014/main" id="{8CE46976-2170-D6B1-F64D-E68D4798ED1A}"/>
+              </a:ext>
+            </a:extLst>
+          </p:cNvPr>
+          <p:cNvSpPr/>
+          <p:nvPr/>
+        </p:nvSpPr>
+        <p:spPr>
+          <a:xfrm>
+            <a:off x="4106778" y="2359151"/>
+            <a:ext cx="2630905" cy="385011"/>
+          </a:xfrm>
+          <a:prstGeom prst="roundRect">
+            <a:avLst>
+              <a:gd name="adj" fmla="val 50000"/>
+            </a:avLst>
+          </a:prstGeom>
+          <a:noFill/>
+          <a:ln>
+            <a:noFill/>
+          </a:ln>
+        </p:spPr>
+        <p:style>
+          <a:lnRef idx="2">
+            <a:schemeClr val="accent1">
+              <a:shade val="15000"/>
+            </a:schemeClr>
+          </a:lnRef>
+          <a:fillRef idx="1">
+            <a:schemeClr val="accent1"/>
+          </a:fillRef>
+          <a:effectRef idx="0">
+            <a:schemeClr val="accent1"/>
+          </a:effectRef>
+          <a:fontRef idx="minor">
+            <a:schemeClr val="lt1"/>
+          </a:fontRef>
+        </p:style>
+        <p:txBody>
+          <a:bodyPr rtlCol="0" anchor="ctr"/>
+          <a:lstStyle/>
+          <a:p>
+            <a:r>
+              <a:rPr lang="en-US" b="1" dirty="0">
+                <a:solidFill>
+                  <a:schemeClr val="tx1">
+                    <a:lumMod val="95000"/>
+                    <a:lumOff val="5000"/>
+                  </a:schemeClr>
+                </a:solidFill>
+                <a:latin typeface="Arial" panose="020B0604020202020204" pitchFamily="34" charset="0"/>
+                <a:cs typeface="Arial" panose="020B0604020202020204" pitchFamily="34" charset="0"/>
+              </a:rPr>
+              <a:t>Other settings</a:t>
+            </a:r>
+          </a:p>
+        </p:txBody>
+      </p:sp>
+      <p:sp>
+        <p:nvSpPr>
+          <p:cNvPr id="108" name="Rectangle: Rounded Corners 107">
+            <a:extLst>
+              <a:ext uri="{FF2B5EF4-FFF2-40B4-BE49-F238E27FC236}">
+                <a16:creationId xmlns:a16="http://schemas.microsoft.com/office/drawing/2014/main" id="{FDDB2908-BEC3-F06B-0A0E-1D4EF58502A2}"/>
+              </a:ext>
+            </a:extLst>
+          </p:cNvPr>
+          <p:cNvSpPr/>
+          <p:nvPr/>
+        </p:nvSpPr>
+        <p:spPr>
+          <a:xfrm>
+            <a:off x="3641556" y="2944319"/>
+            <a:ext cx="2630905" cy="385011"/>
+          </a:xfrm>
+          <a:prstGeom prst="roundRect">
+            <a:avLst>
+              <a:gd name="adj" fmla="val 50000"/>
+            </a:avLst>
+          </a:prstGeom>
+          <a:noFill/>
+          <a:ln>
+            <a:noFill/>
+          </a:ln>
+        </p:spPr>
+        <p:style>
+          <a:lnRef idx="2">
+            <a:schemeClr val="accent1">
+              <a:shade val="15000"/>
+            </a:schemeClr>
+          </a:lnRef>
+          <a:fillRef idx="1">
+            <a:schemeClr val="accent1"/>
+          </a:fillRef>
+          <a:effectRef idx="0">
+            <a:schemeClr val="accent1"/>
+          </a:effectRef>
+          <a:fontRef idx="minor">
+            <a:schemeClr val="lt1"/>
+          </a:fontRef>
+        </p:style>
+        <p:txBody>
+          <a:bodyPr rtlCol="0" anchor="ctr"/>
+          <a:lstStyle/>
+          <a:p>
+            <a:pPr algn="ctr"/>
+            <a:r>
+              <a:rPr lang="en-US" dirty="0">
+                <a:solidFill>
+                  <a:schemeClr val="tx1">
+                    <a:lumMod val="95000"/>
+                    <a:lumOff val="5000"/>
+                  </a:schemeClr>
+                </a:solidFill>
+                <a:latin typeface="Arial" panose="020B0604020202020204" pitchFamily="34" charset="0"/>
+                <a:cs typeface="Arial" panose="020B0604020202020204" pitchFamily="34" charset="0"/>
+              </a:rPr>
+              <a:t>Setting1</a:t>
+            </a:r>
+          </a:p>
+        </p:txBody>
+      </p:sp>
+      <p:sp>
+        <p:nvSpPr>
+          <p:cNvPr id="109" name="Rectangle: Rounded Corners 108">
+            <a:extLst>
+              <a:ext uri="{FF2B5EF4-FFF2-40B4-BE49-F238E27FC236}">
+                <a16:creationId xmlns:a16="http://schemas.microsoft.com/office/drawing/2014/main" id="{748A4A8E-19BF-D7BA-821C-237E6735E406}"/>
+              </a:ext>
+            </a:extLst>
+          </p:cNvPr>
+          <p:cNvSpPr/>
+          <p:nvPr/>
+        </p:nvSpPr>
+        <p:spPr>
+          <a:xfrm>
+            <a:off x="7154780" y="2909871"/>
+            <a:ext cx="822960" cy="393192"/>
+          </a:xfrm>
+          <a:prstGeom prst="roundRect">
+            <a:avLst>
+              <a:gd name="adj" fmla="val 50000"/>
+            </a:avLst>
+          </a:prstGeom>
+          <a:solidFill>
+            <a:schemeClr val="accent6"/>
+          </a:solidFill>
+          <a:ln w="28575">
+            <a:solidFill>
+              <a:schemeClr val="tx1"/>
+            </a:solidFill>
+          </a:ln>
+        </p:spPr>
+        <p:style>
+          <a:lnRef idx="2">
+            <a:schemeClr val="accent1">
+              <a:shade val="15000"/>
+            </a:schemeClr>
+          </a:lnRef>
+          <a:fillRef idx="1">
+            <a:schemeClr val="accent1"/>
+          </a:fillRef>
+          <a:effectRef idx="0">
+            <a:schemeClr val="accent1"/>
+          </a:effectRef>
+          <a:fontRef idx="minor">
+            <a:schemeClr val="lt1"/>
+          </a:fontRef>
+        </p:style>
+        <p:txBody>
+          <a:bodyPr rtlCol="0" anchor="ctr"/>
+          <a:lstStyle/>
+          <a:p>
+            <a:pPr algn="r"/>
+            <a:r>
+              <a:rPr lang="en-US" dirty="0"/>
+              <a:t>On</a:t>
+            </a:r>
+          </a:p>
+        </p:txBody>
+      </p:sp>
+      <p:sp>
+        <p:nvSpPr>
+          <p:cNvPr id="110" name="Oval 109">
+            <a:extLst>
+              <a:ext uri="{FF2B5EF4-FFF2-40B4-BE49-F238E27FC236}">
+                <a16:creationId xmlns:a16="http://schemas.microsoft.com/office/drawing/2014/main" id="{77A74B95-C8D8-81A9-CDB0-E9B18FAB2440}"/>
+              </a:ext>
+            </a:extLst>
+          </p:cNvPr>
+          <p:cNvSpPr/>
+          <p:nvPr/>
+        </p:nvSpPr>
+        <p:spPr>
+          <a:xfrm>
+            <a:off x="7171923" y="2924259"/>
+            <a:ext cx="365760" cy="365760"/>
+          </a:xfrm>
+          <a:prstGeom prst="ellipse">
+            <a:avLst/>
+          </a:prstGeom>
+          <a:solidFill>
+            <a:srgbClr val="9EABAE"/>
+          </a:solidFill>
+          <a:ln>
+            <a:noFill/>
+          </a:ln>
+        </p:spPr>
+        <p:style>
+          <a:lnRef idx="2">
+            <a:schemeClr val="accent1">
+              <a:shade val="15000"/>
+            </a:schemeClr>
+          </a:lnRef>
+          <a:fillRef idx="1">
+            <a:schemeClr val="accent1"/>
+          </a:fillRef>
+          <a:effectRef idx="0">
+            <a:schemeClr val="accent1"/>
+          </a:effectRef>
+          <a:fontRef idx="minor">
+            <a:schemeClr val="lt1"/>
+          </a:fontRef>
+        </p:style>
+        <p:txBody>
+          <a:bodyPr rtlCol="0" anchor="ctr"/>
+          <a:lstStyle/>
+          <a:p>
+            <a:pPr algn="ctr"/>
+            <a:endParaRPr lang="en-US"/>
+          </a:p>
+        </p:txBody>
+      </p:sp>
+      <p:sp>
+        <p:nvSpPr>
+          <p:cNvPr id="111" name="Rectangle: Rounded Corners 110">
+            <a:extLst>
+              <a:ext uri="{FF2B5EF4-FFF2-40B4-BE49-F238E27FC236}">
+                <a16:creationId xmlns:a16="http://schemas.microsoft.com/office/drawing/2014/main" id="{25F4AE96-D424-BE2E-1BBE-783E849416A0}"/>
+              </a:ext>
+            </a:extLst>
+          </p:cNvPr>
+          <p:cNvSpPr/>
+          <p:nvPr/>
+        </p:nvSpPr>
+        <p:spPr>
+          <a:xfrm>
+            <a:off x="4106778" y="3484097"/>
+            <a:ext cx="2630905" cy="385011"/>
+          </a:xfrm>
+          <a:prstGeom prst="roundRect">
+            <a:avLst>
+              <a:gd name="adj" fmla="val 50000"/>
+            </a:avLst>
+          </a:prstGeom>
+          <a:noFill/>
+          <a:ln>
+            <a:noFill/>
+          </a:ln>
+        </p:spPr>
+        <p:style>
+          <a:lnRef idx="2">
+            <a:schemeClr val="accent1">
+              <a:shade val="15000"/>
+            </a:schemeClr>
+          </a:lnRef>
+          <a:fillRef idx="1">
+            <a:schemeClr val="accent1"/>
+          </a:fillRef>
+          <a:effectRef idx="0">
+            <a:schemeClr val="accent1"/>
+          </a:effectRef>
+          <a:fontRef idx="minor">
+            <a:schemeClr val="lt1"/>
+          </a:fontRef>
+        </p:style>
+        <p:txBody>
+          <a:bodyPr rtlCol="0" anchor="ctr"/>
+          <a:lstStyle/>
+          <a:p>
+            <a:r>
+              <a:rPr lang="en-US" b="1" dirty="0">
+                <a:solidFill>
+                  <a:schemeClr val="tx1">
+                    <a:lumMod val="95000"/>
+                    <a:lumOff val="5000"/>
+                  </a:schemeClr>
+                </a:solidFill>
+                <a:latin typeface="Arial" panose="020B0604020202020204" pitchFamily="34" charset="0"/>
+                <a:cs typeface="Arial" panose="020B0604020202020204" pitchFamily="34" charset="0"/>
+              </a:rPr>
+              <a:t>Other settings</a:t>
+            </a:r>
+          </a:p>
+        </p:txBody>
+      </p:sp>
+      <p:sp>
+        <p:nvSpPr>
+          <p:cNvPr id="112" name="Rectangle: Rounded Corners 111">
+            <a:extLst>
+              <a:ext uri="{FF2B5EF4-FFF2-40B4-BE49-F238E27FC236}">
+                <a16:creationId xmlns:a16="http://schemas.microsoft.com/office/drawing/2014/main" id="{A20F1AFB-A0A3-724E-ED64-514D1DC8466A}"/>
+              </a:ext>
+            </a:extLst>
+          </p:cNvPr>
+          <p:cNvSpPr/>
+          <p:nvPr/>
+        </p:nvSpPr>
+        <p:spPr>
+          <a:xfrm>
+            <a:off x="3641556" y="4069265"/>
+            <a:ext cx="2630905" cy="385011"/>
+          </a:xfrm>
+          <a:prstGeom prst="roundRect">
+            <a:avLst>
+              <a:gd name="adj" fmla="val 50000"/>
+            </a:avLst>
+          </a:prstGeom>
+          <a:noFill/>
+          <a:ln>
+            <a:noFill/>
+          </a:ln>
+        </p:spPr>
+        <p:style>
+          <a:lnRef idx="2">
+            <a:schemeClr val="accent1">
+              <a:shade val="15000"/>
+            </a:schemeClr>
+          </a:lnRef>
+          <a:fillRef idx="1">
+            <a:schemeClr val="accent1"/>
+          </a:fillRef>
+          <a:effectRef idx="0">
+            <a:schemeClr val="accent1"/>
+          </a:effectRef>
+          <a:fontRef idx="minor">
+            <a:schemeClr val="lt1"/>
+          </a:fontRef>
+        </p:style>
+        <p:txBody>
+          <a:bodyPr rtlCol="0" anchor="ctr"/>
+          <a:lstStyle/>
+          <a:p>
+            <a:pPr algn="ctr"/>
+            <a:r>
+              <a:rPr lang="en-US" dirty="0">
+                <a:solidFill>
+                  <a:schemeClr val="tx1">
+                    <a:lumMod val="95000"/>
+                    <a:lumOff val="5000"/>
+                  </a:schemeClr>
+                </a:solidFill>
+                <a:latin typeface="Arial" panose="020B0604020202020204" pitchFamily="34" charset="0"/>
+                <a:cs typeface="Arial" panose="020B0604020202020204" pitchFamily="34" charset="0"/>
+              </a:rPr>
+              <a:t>Setting1</a:t>
+            </a:r>
+          </a:p>
+        </p:txBody>
+      </p:sp>
+      <p:sp>
+        <p:nvSpPr>
+          <p:cNvPr id="113" name="Rectangle: Rounded Corners 112">
+            <a:extLst>
+              <a:ext uri="{FF2B5EF4-FFF2-40B4-BE49-F238E27FC236}">
+                <a16:creationId xmlns:a16="http://schemas.microsoft.com/office/drawing/2014/main" id="{04C8A6F0-4B43-6B1B-FE82-0C5648F20DB7}"/>
+              </a:ext>
+            </a:extLst>
+          </p:cNvPr>
+          <p:cNvSpPr/>
+          <p:nvPr/>
+        </p:nvSpPr>
+        <p:spPr>
+          <a:xfrm>
+            <a:off x="7154780" y="4034817"/>
+            <a:ext cx="822960" cy="393192"/>
+          </a:xfrm>
+          <a:prstGeom prst="roundRect">
+            <a:avLst>
+              <a:gd name="adj" fmla="val 50000"/>
+            </a:avLst>
+          </a:prstGeom>
+          <a:solidFill>
+            <a:schemeClr val="accent6"/>
+          </a:solidFill>
+          <a:ln w="28575">
+            <a:solidFill>
+              <a:schemeClr val="tx1"/>
+            </a:solidFill>
+          </a:ln>
+        </p:spPr>
+        <p:style>
+          <a:lnRef idx="2">
+            <a:schemeClr val="accent1">
+              <a:shade val="15000"/>
+            </a:schemeClr>
+          </a:lnRef>
+          <a:fillRef idx="1">
+            <a:schemeClr val="accent1"/>
+          </a:fillRef>
+          <a:effectRef idx="0">
+            <a:schemeClr val="accent1"/>
+          </a:effectRef>
+          <a:fontRef idx="minor">
+            <a:schemeClr val="lt1"/>
+          </a:fontRef>
+        </p:style>
+        <p:txBody>
+          <a:bodyPr rtlCol="0" anchor="ctr"/>
+          <a:lstStyle/>
+          <a:p>
+            <a:pPr algn="r"/>
+            <a:r>
+              <a:rPr lang="en-US" dirty="0"/>
+              <a:t>On</a:t>
+            </a:r>
+          </a:p>
+        </p:txBody>
+      </p:sp>
+      <p:sp>
+        <p:nvSpPr>
+          <p:cNvPr id="114" name="Oval 113">
+            <a:extLst>
+              <a:ext uri="{FF2B5EF4-FFF2-40B4-BE49-F238E27FC236}">
+                <a16:creationId xmlns:a16="http://schemas.microsoft.com/office/drawing/2014/main" id="{57F77368-2FBD-4F6B-47BF-414AAB1511F8}"/>
+              </a:ext>
+            </a:extLst>
+          </p:cNvPr>
+          <p:cNvSpPr/>
+          <p:nvPr/>
+        </p:nvSpPr>
+        <p:spPr>
+          <a:xfrm>
+            <a:off x="7171923" y="4049205"/>
+            <a:ext cx="365760" cy="365760"/>
+          </a:xfrm>
+          <a:prstGeom prst="ellipse">
+            <a:avLst/>
+          </a:prstGeom>
+          <a:solidFill>
+            <a:srgbClr val="9EABAE"/>
+          </a:solidFill>
+          <a:ln>
+            <a:noFill/>
+          </a:ln>
+        </p:spPr>
+        <p:style>
+          <a:lnRef idx="2">
+            <a:schemeClr val="accent1">
+              <a:shade val="15000"/>
+            </a:schemeClr>
+          </a:lnRef>
+          <a:fillRef idx="1">
+            <a:schemeClr val="accent1"/>
+          </a:fillRef>
+          <a:effectRef idx="0">
+            <a:schemeClr val="accent1"/>
+          </a:effectRef>
+          <a:fontRef idx="minor">
+            <a:schemeClr val="lt1"/>
+          </a:fontRef>
+        </p:style>
+        <p:txBody>
+          <a:bodyPr rtlCol="0" anchor="ctr"/>
+          <a:lstStyle/>
+          <a:p>
+            <a:pPr algn="ctr"/>
+            <a:endParaRPr lang="en-US"/>
+          </a:p>
+        </p:txBody>
+      </p:sp>
+      <p:sp>
+        <p:nvSpPr>
+          <p:cNvPr id="115" name="TextBox 114">
+            <a:extLst>
+              <a:ext uri="{FF2B5EF4-FFF2-40B4-BE49-F238E27FC236}">
+                <a16:creationId xmlns:a16="http://schemas.microsoft.com/office/drawing/2014/main" id="{6376C0D0-A77F-FC5A-F69C-E973AFC38E2F}"/>
+              </a:ext>
+            </a:extLst>
+          </p:cNvPr>
+          <p:cNvSpPr txBox="1"/>
+          <p:nvPr/>
+        </p:nvSpPr>
+        <p:spPr>
+          <a:xfrm>
+            <a:off x="2903621" y="6222333"/>
+            <a:ext cx="3834061" cy="646331"/>
+          </a:xfrm>
+          <a:prstGeom prst="rect">
+            <a:avLst/>
+          </a:prstGeom>
+          <a:noFill/>
+        </p:spPr>
+        <p:txBody>
+          <a:bodyPr wrap="square" rtlCol="0">
+            <a:spAutoFit/>
+          </a:bodyPr>
+          <a:lstStyle/>
+          <a:p>
+            <a:r>
+              <a:rPr lang="en-US" dirty="0"/>
+              <a:t>We could also add feedback and terms somewhere </a:t>
             </a:r>
           </a:p>
         </p:txBody>
@@ -8821,6 +13237,1522 @@
           </a:p>
         </p:txBody>
       </p:sp>
+      <p:sp>
+        <p:nvSpPr>
+          <p:cNvPr id="6" name="Rectangle 5">
+            <a:extLst>
+              <a:ext uri="{FF2B5EF4-FFF2-40B4-BE49-F238E27FC236}">
+                <a16:creationId xmlns:a16="http://schemas.microsoft.com/office/drawing/2014/main" id="{88C4220B-6311-27F4-17C2-CB420F77C803}"/>
+              </a:ext>
+            </a:extLst>
+          </p:cNvPr>
+          <p:cNvSpPr>
+            <a:spLocks noGrp="1" noRot="1" noMove="1" noResize="1" noEditPoints="1" noAdjustHandles="1" noChangeArrowheads="1" noChangeShapeType="1"/>
+          </p:cNvSpPr>
+          <p:nvPr/>
+        </p:nvSpPr>
+        <p:spPr>
+          <a:xfrm>
+            <a:off x="0" y="573015"/>
+            <a:ext cx="2061204" cy="6309360"/>
+          </a:xfrm>
+          <a:prstGeom prst="rect">
+            <a:avLst/>
+          </a:prstGeom>
+          <a:solidFill>
+            <a:srgbClr val="0C234B"/>
+          </a:solidFill>
+          <a:ln>
+            <a:noFill/>
+          </a:ln>
+          <a:effectLst>
+            <a:outerShdw blurRad="50800" dist="38100" dir="18900000" algn="bl" rotWithShape="0">
+              <a:prstClr val="black">
+                <a:alpha val="40000"/>
+              </a:prstClr>
+            </a:outerShdw>
+          </a:effectLst>
+        </p:spPr>
+        <p:style>
+          <a:lnRef idx="2">
+            <a:schemeClr val="accent1">
+              <a:shade val="15000"/>
+            </a:schemeClr>
+          </a:lnRef>
+          <a:fillRef idx="1">
+            <a:schemeClr val="accent1"/>
+          </a:fillRef>
+          <a:effectRef idx="0">
+            <a:schemeClr val="accent1"/>
+          </a:effectRef>
+          <a:fontRef idx="minor">
+            <a:schemeClr val="lt1"/>
+          </a:fontRef>
+        </p:style>
+        <p:txBody>
+          <a:bodyPr rtlCol="0" anchor="ctr"/>
+          <a:lstStyle/>
+          <a:p>
+            <a:pPr algn="ctr"/>
+            <a:endParaRPr lang="en-US"/>
+          </a:p>
+        </p:txBody>
+      </p:sp>
+      <p:sp>
+        <p:nvSpPr>
+          <p:cNvPr id="7" name="Rectangle 6">
+            <a:extLst>
+              <a:ext uri="{FF2B5EF4-FFF2-40B4-BE49-F238E27FC236}">
+                <a16:creationId xmlns:a16="http://schemas.microsoft.com/office/drawing/2014/main" id="{973281D7-EA37-9427-7224-C4ACF56F79EF}"/>
+              </a:ext>
+            </a:extLst>
+          </p:cNvPr>
+          <p:cNvSpPr>
+            <a:spLocks noGrp="1" noRot="1" noMove="1" noResize="1" noEditPoints="1" noAdjustHandles="1" noChangeArrowheads="1" noChangeShapeType="1"/>
+          </p:cNvSpPr>
+          <p:nvPr/>
+        </p:nvSpPr>
+        <p:spPr>
+          <a:xfrm>
+            <a:off x="116202" y="742169"/>
+            <a:ext cx="1828800" cy="5971051"/>
+          </a:xfrm>
+          <a:prstGeom prst="rect">
+            <a:avLst/>
+          </a:prstGeom>
+          <a:solidFill>
+            <a:srgbClr val="AB0520"/>
+          </a:solidFill>
+          <a:effectLst>
+            <a:outerShdw blurRad="63500" sx="102000" sy="102000" algn="ctr" rotWithShape="0">
+              <a:prstClr val="black">
+                <a:alpha val="40000"/>
+              </a:prstClr>
+            </a:outerShdw>
+          </a:effectLst>
+        </p:spPr>
+        <p:style>
+          <a:lnRef idx="2">
+            <a:schemeClr val="accent1">
+              <a:shade val="15000"/>
+            </a:schemeClr>
+          </a:lnRef>
+          <a:fillRef idx="1">
+            <a:schemeClr val="accent1"/>
+          </a:fillRef>
+          <a:effectRef idx="0">
+            <a:schemeClr val="accent1"/>
+          </a:effectRef>
+          <a:fontRef idx="minor">
+            <a:schemeClr val="lt1"/>
+          </a:fontRef>
+        </p:style>
+        <p:txBody>
+          <a:bodyPr rtlCol="0" anchor="ctr"/>
+          <a:lstStyle/>
+          <a:p>
+            <a:pPr algn="ctr"/>
+            <a:endParaRPr lang="en-US"/>
+          </a:p>
+        </p:txBody>
+      </p:sp>
+      <p:sp>
+        <p:nvSpPr>
+          <p:cNvPr id="8" name="Rectangle 7">
+            <a:extLst>
+              <a:ext uri="{FF2B5EF4-FFF2-40B4-BE49-F238E27FC236}">
+                <a16:creationId xmlns:a16="http://schemas.microsoft.com/office/drawing/2014/main" id="{F408EA15-C68A-F5AF-28FE-8F7CB510FE91}"/>
+              </a:ext>
+            </a:extLst>
+          </p:cNvPr>
+          <p:cNvSpPr>
+            <a:spLocks noGrp="1" noRot="1" noMove="1" noResize="1" noEditPoints="1" noAdjustHandles="1" noChangeArrowheads="1" noChangeShapeType="1"/>
+          </p:cNvSpPr>
+          <p:nvPr/>
+        </p:nvSpPr>
+        <p:spPr>
+          <a:xfrm>
+            <a:off x="0" y="0"/>
+            <a:ext cx="12192000" cy="610416"/>
+          </a:xfrm>
+          <a:prstGeom prst="rect">
+            <a:avLst/>
+          </a:prstGeom>
+          <a:solidFill>
+            <a:srgbClr val="9EABAE"/>
+          </a:solidFill>
+          <a:ln>
+            <a:noFill/>
+          </a:ln>
+          <a:effectLst>
+            <a:outerShdw blurRad="50800" dist="38100" dir="2700000" algn="tl" rotWithShape="0">
+              <a:prstClr val="black">
+                <a:alpha val="40000"/>
+              </a:prstClr>
+            </a:outerShdw>
+          </a:effectLst>
+        </p:spPr>
+        <p:style>
+          <a:lnRef idx="2">
+            <a:schemeClr val="accent1">
+              <a:shade val="15000"/>
+            </a:schemeClr>
+          </a:lnRef>
+          <a:fillRef idx="1">
+            <a:schemeClr val="accent1"/>
+          </a:fillRef>
+          <a:effectRef idx="0">
+            <a:schemeClr val="accent1"/>
+          </a:effectRef>
+          <a:fontRef idx="minor">
+            <a:schemeClr val="lt1"/>
+          </a:fontRef>
+        </p:style>
+        <p:txBody>
+          <a:bodyPr rtlCol="0" anchor="ctr"/>
+          <a:lstStyle/>
+          <a:p>
+            <a:pPr algn="ctr"/>
+            <a:endParaRPr lang="en-US"/>
+          </a:p>
+        </p:txBody>
+      </p:sp>
+      <p:sp>
+        <p:nvSpPr>
+          <p:cNvPr id="23" name="Rectangle 22">
+            <a:extLst>
+              <a:ext uri="{FF2B5EF4-FFF2-40B4-BE49-F238E27FC236}">
+                <a16:creationId xmlns:a16="http://schemas.microsoft.com/office/drawing/2014/main" id="{7903464C-0D80-A53C-DBEB-1BC6E2CCDFF9}"/>
+              </a:ext>
+            </a:extLst>
+          </p:cNvPr>
+          <p:cNvSpPr/>
+          <p:nvPr/>
+        </p:nvSpPr>
+        <p:spPr>
+          <a:xfrm>
+            <a:off x="11991977" y="656213"/>
+            <a:ext cx="200023" cy="6226162"/>
+          </a:xfrm>
+          <a:prstGeom prst="rect">
+            <a:avLst/>
+          </a:prstGeom>
+          <a:solidFill>
+            <a:schemeClr val="bg1">
+              <a:lumMod val="50000"/>
+            </a:schemeClr>
+          </a:solidFill>
+          <a:ln>
+            <a:noFill/>
+          </a:ln>
+        </p:spPr>
+        <p:style>
+          <a:lnRef idx="2">
+            <a:schemeClr val="accent1">
+              <a:shade val="15000"/>
+            </a:schemeClr>
+          </a:lnRef>
+          <a:fillRef idx="1">
+            <a:schemeClr val="accent1"/>
+          </a:fillRef>
+          <a:effectRef idx="0">
+            <a:schemeClr val="accent1"/>
+          </a:effectRef>
+          <a:fontRef idx="minor">
+            <a:schemeClr val="lt1"/>
+          </a:fontRef>
+        </p:style>
+        <p:txBody>
+          <a:bodyPr rtlCol="0" anchor="ctr"/>
+          <a:lstStyle/>
+          <a:p>
+            <a:pPr algn="ctr"/>
+            <a:endParaRPr lang="en-US"/>
+          </a:p>
+        </p:txBody>
+      </p:sp>
+      <p:sp>
+        <p:nvSpPr>
+          <p:cNvPr id="52" name="Rectangle 51">
+            <a:extLst>
+              <a:ext uri="{FF2B5EF4-FFF2-40B4-BE49-F238E27FC236}">
+                <a16:creationId xmlns:a16="http://schemas.microsoft.com/office/drawing/2014/main" id="{54E2C8EB-CDB9-1789-A54D-40E7D8D81913}"/>
+              </a:ext>
+            </a:extLst>
+          </p:cNvPr>
+          <p:cNvSpPr/>
+          <p:nvPr/>
+        </p:nvSpPr>
+        <p:spPr>
+          <a:xfrm>
+            <a:off x="11991978" y="1220832"/>
+            <a:ext cx="200022" cy="2027675"/>
+          </a:xfrm>
+          <a:prstGeom prst="rect">
+            <a:avLst/>
+          </a:prstGeom>
+          <a:solidFill>
+            <a:schemeClr val="bg1">
+              <a:lumMod val="75000"/>
+            </a:schemeClr>
+          </a:solidFill>
+          <a:ln>
+            <a:noFill/>
+          </a:ln>
+        </p:spPr>
+        <p:style>
+          <a:lnRef idx="2">
+            <a:schemeClr val="accent1">
+              <a:shade val="15000"/>
+            </a:schemeClr>
+          </a:lnRef>
+          <a:fillRef idx="1">
+            <a:schemeClr val="accent1"/>
+          </a:fillRef>
+          <a:effectRef idx="0">
+            <a:schemeClr val="accent1"/>
+          </a:effectRef>
+          <a:fontRef idx="minor">
+            <a:schemeClr val="lt1"/>
+          </a:fontRef>
+        </p:style>
+        <p:txBody>
+          <a:bodyPr rtlCol="0" anchor="ctr"/>
+          <a:lstStyle/>
+          <a:p>
+            <a:pPr algn="ctr"/>
+            <a:endParaRPr lang="en-US"/>
+          </a:p>
+        </p:txBody>
+      </p:sp>
+      <p:grpSp>
+        <p:nvGrpSpPr>
+          <p:cNvPr id="57" name="Group 56">
+            <a:extLst>
+              <a:ext uri="{FF2B5EF4-FFF2-40B4-BE49-F238E27FC236}">
+                <a16:creationId xmlns:a16="http://schemas.microsoft.com/office/drawing/2014/main" id="{F9D78735-FE5D-383A-5BE0-6CC40ABA5360}"/>
+              </a:ext>
+            </a:extLst>
+          </p:cNvPr>
+          <p:cNvGrpSpPr/>
+          <p:nvPr/>
+        </p:nvGrpSpPr>
+        <p:grpSpPr>
+          <a:xfrm>
+            <a:off x="11994463" y="610416"/>
+            <a:ext cx="197537" cy="225276"/>
+            <a:chOff x="2862612" y="1773144"/>
+            <a:chExt cx="197537" cy="225276"/>
+          </a:xfrm>
+        </p:grpSpPr>
+        <p:sp>
+          <p:nvSpPr>
+            <p:cNvPr id="54" name="Rectangle 53">
+              <a:extLst>
+                <a:ext uri="{FF2B5EF4-FFF2-40B4-BE49-F238E27FC236}">
+                  <a16:creationId xmlns:a16="http://schemas.microsoft.com/office/drawing/2014/main" id="{4CB062A1-72CE-9BF4-3086-84D7AB217525}"/>
+                </a:ext>
+              </a:extLst>
+            </p:cNvPr>
+            <p:cNvSpPr/>
+            <p:nvPr/>
+          </p:nvSpPr>
+          <p:spPr>
+            <a:xfrm>
+              <a:off x="2862612" y="1773144"/>
+              <a:ext cx="197537" cy="225276"/>
+            </a:xfrm>
+            <a:prstGeom prst="rect">
+              <a:avLst/>
+            </a:prstGeom>
+            <a:solidFill>
+              <a:schemeClr val="bg1">
+                <a:lumMod val="50000"/>
+              </a:schemeClr>
+            </a:solidFill>
+            <a:ln>
+              <a:solidFill>
+                <a:schemeClr val="tx1"/>
+              </a:solidFill>
+            </a:ln>
+          </p:spPr>
+          <p:style>
+            <a:lnRef idx="2">
+              <a:schemeClr val="accent1">
+                <a:shade val="15000"/>
+              </a:schemeClr>
+            </a:lnRef>
+            <a:fillRef idx="1">
+              <a:schemeClr val="accent1"/>
+            </a:fillRef>
+            <a:effectRef idx="0">
+              <a:schemeClr val="accent1"/>
+            </a:effectRef>
+            <a:fontRef idx="minor">
+              <a:schemeClr val="lt1"/>
+            </a:fontRef>
+          </p:style>
+          <p:txBody>
+            <a:bodyPr rtlCol="0" anchor="ctr"/>
+            <a:lstStyle/>
+            <a:p>
+              <a:pPr algn="ctr"/>
+              <a:endParaRPr lang="en-US"/>
+            </a:p>
+          </p:txBody>
+        </p:sp>
+        <p:sp>
+          <p:nvSpPr>
+            <p:cNvPr id="56" name="Arrow: Right 55">
+              <a:extLst>
+                <a:ext uri="{FF2B5EF4-FFF2-40B4-BE49-F238E27FC236}">
+                  <a16:creationId xmlns:a16="http://schemas.microsoft.com/office/drawing/2014/main" id="{8C29BD31-8CF5-3728-D5D4-9DA1905109CA}"/>
+                </a:ext>
+              </a:extLst>
+            </p:cNvPr>
+            <p:cNvSpPr/>
+            <p:nvPr/>
+          </p:nvSpPr>
+          <p:spPr>
+            <a:xfrm rot="16200000">
+              <a:off x="2891169" y="1824036"/>
+              <a:ext cx="133682" cy="123493"/>
+            </a:xfrm>
+            <a:prstGeom prst="rightArrow">
+              <a:avLst/>
+            </a:prstGeom>
+            <a:solidFill>
+              <a:schemeClr val="bg1">
+                <a:lumMod val="50000"/>
+              </a:schemeClr>
+            </a:solidFill>
+            <a:ln w="19050">
+              <a:solidFill>
+                <a:schemeClr val="tx1"/>
+              </a:solidFill>
+            </a:ln>
+          </p:spPr>
+          <p:style>
+            <a:lnRef idx="2">
+              <a:schemeClr val="accent1">
+                <a:shade val="15000"/>
+              </a:schemeClr>
+            </a:lnRef>
+            <a:fillRef idx="1">
+              <a:schemeClr val="accent1"/>
+            </a:fillRef>
+            <a:effectRef idx="0">
+              <a:schemeClr val="accent1"/>
+            </a:effectRef>
+            <a:fontRef idx="minor">
+              <a:schemeClr val="lt1"/>
+            </a:fontRef>
+          </p:style>
+          <p:txBody>
+            <a:bodyPr rtlCol="0" anchor="ctr"/>
+            <a:lstStyle/>
+            <a:p>
+              <a:pPr algn="ctr"/>
+              <a:endParaRPr lang="en-US"/>
+            </a:p>
+          </p:txBody>
+        </p:sp>
+      </p:grpSp>
+      <p:grpSp>
+        <p:nvGrpSpPr>
+          <p:cNvPr id="58" name="Group 57">
+            <a:extLst>
+              <a:ext uri="{FF2B5EF4-FFF2-40B4-BE49-F238E27FC236}">
+                <a16:creationId xmlns:a16="http://schemas.microsoft.com/office/drawing/2014/main" id="{3671ED0B-A4E6-3F4C-8149-4F59D3F1B5E9}"/>
+              </a:ext>
+            </a:extLst>
+          </p:cNvPr>
+          <p:cNvGrpSpPr/>
+          <p:nvPr/>
+        </p:nvGrpSpPr>
+        <p:grpSpPr>
+          <a:xfrm rot="10800000">
+            <a:off x="11994463" y="6657099"/>
+            <a:ext cx="197537" cy="225276"/>
+            <a:chOff x="2862612" y="1773144"/>
+            <a:chExt cx="197537" cy="225276"/>
+          </a:xfrm>
+        </p:grpSpPr>
+        <p:sp>
+          <p:nvSpPr>
+            <p:cNvPr id="59" name="Rectangle 58">
+              <a:extLst>
+                <a:ext uri="{FF2B5EF4-FFF2-40B4-BE49-F238E27FC236}">
+                  <a16:creationId xmlns:a16="http://schemas.microsoft.com/office/drawing/2014/main" id="{BD47F4B1-6A44-6E2D-4A49-F59CEBD4E682}"/>
+                </a:ext>
+              </a:extLst>
+            </p:cNvPr>
+            <p:cNvSpPr/>
+            <p:nvPr/>
+          </p:nvSpPr>
+          <p:spPr>
+            <a:xfrm>
+              <a:off x="2862612" y="1773144"/>
+              <a:ext cx="197537" cy="225276"/>
+            </a:xfrm>
+            <a:prstGeom prst="rect">
+              <a:avLst/>
+            </a:prstGeom>
+            <a:solidFill>
+              <a:schemeClr val="bg1">
+                <a:lumMod val="50000"/>
+              </a:schemeClr>
+            </a:solidFill>
+            <a:ln>
+              <a:solidFill>
+                <a:schemeClr val="tx1"/>
+              </a:solidFill>
+            </a:ln>
+          </p:spPr>
+          <p:style>
+            <a:lnRef idx="2">
+              <a:schemeClr val="accent1">
+                <a:shade val="15000"/>
+              </a:schemeClr>
+            </a:lnRef>
+            <a:fillRef idx="1">
+              <a:schemeClr val="accent1"/>
+            </a:fillRef>
+            <a:effectRef idx="0">
+              <a:schemeClr val="accent1"/>
+            </a:effectRef>
+            <a:fontRef idx="minor">
+              <a:schemeClr val="lt1"/>
+            </a:fontRef>
+          </p:style>
+          <p:txBody>
+            <a:bodyPr rtlCol="0" anchor="ctr"/>
+            <a:lstStyle/>
+            <a:p>
+              <a:pPr algn="ctr"/>
+              <a:endParaRPr lang="en-US"/>
+            </a:p>
+          </p:txBody>
+        </p:sp>
+        <p:sp>
+          <p:nvSpPr>
+            <p:cNvPr id="60" name="Arrow: Right 59">
+              <a:extLst>
+                <a:ext uri="{FF2B5EF4-FFF2-40B4-BE49-F238E27FC236}">
+                  <a16:creationId xmlns:a16="http://schemas.microsoft.com/office/drawing/2014/main" id="{508E2F9A-900D-F01F-1A9C-87203D45AFEE}"/>
+                </a:ext>
+              </a:extLst>
+            </p:cNvPr>
+            <p:cNvSpPr/>
+            <p:nvPr/>
+          </p:nvSpPr>
+          <p:spPr>
+            <a:xfrm rot="16200000">
+              <a:off x="2891169" y="1824036"/>
+              <a:ext cx="133682" cy="123493"/>
+            </a:xfrm>
+            <a:prstGeom prst="rightArrow">
+              <a:avLst/>
+            </a:prstGeom>
+            <a:solidFill>
+              <a:schemeClr val="bg1">
+                <a:lumMod val="50000"/>
+              </a:schemeClr>
+            </a:solidFill>
+            <a:ln w="19050">
+              <a:solidFill>
+                <a:schemeClr val="tx1"/>
+              </a:solidFill>
+            </a:ln>
+          </p:spPr>
+          <p:style>
+            <a:lnRef idx="2">
+              <a:schemeClr val="accent1">
+                <a:shade val="15000"/>
+              </a:schemeClr>
+            </a:lnRef>
+            <a:fillRef idx="1">
+              <a:schemeClr val="accent1"/>
+            </a:fillRef>
+            <a:effectRef idx="0">
+              <a:schemeClr val="accent1"/>
+            </a:effectRef>
+            <a:fontRef idx="minor">
+              <a:schemeClr val="lt1"/>
+            </a:fontRef>
+          </p:style>
+          <p:txBody>
+            <a:bodyPr rtlCol="0" anchor="ctr"/>
+            <a:lstStyle/>
+            <a:p>
+              <a:pPr algn="ctr"/>
+              <a:endParaRPr lang="en-US"/>
+            </a:p>
+          </p:txBody>
+        </p:sp>
+      </p:grpSp>
+      <p:sp>
+        <p:nvSpPr>
+          <p:cNvPr id="72" name="TextBox 71">
+            <a:extLst>
+              <a:ext uri="{FF2B5EF4-FFF2-40B4-BE49-F238E27FC236}">
+                <a16:creationId xmlns:a16="http://schemas.microsoft.com/office/drawing/2014/main" id="{233674F2-1ECA-0477-F176-CD0C859E2555}"/>
+              </a:ext>
+            </a:extLst>
+          </p:cNvPr>
+          <p:cNvSpPr txBox="1"/>
+          <p:nvPr/>
+        </p:nvSpPr>
+        <p:spPr>
+          <a:xfrm>
+            <a:off x="46704" y="855276"/>
+            <a:ext cx="1967797" cy="338554"/>
+          </a:xfrm>
+          <a:prstGeom prst="rect">
+            <a:avLst/>
+          </a:prstGeom>
+          <a:noFill/>
+        </p:spPr>
+        <p:txBody>
+          <a:bodyPr wrap="square" rtlCol="0">
+            <a:spAutoFit/>
+          </a:bodyPr>
+          <a:lstStyle/>
+          <a:p>
+            <a:pPr algn="ctr"/>
+            <a:r>
+              <a:rPr lang="en-US" sz="1600" b="1" dirty="0">
+                <a:latin typeface="Arial" panose="020B0604020202020204" pitchFamily="34" charset="0"/>
+                <a:cs typeface="Arial" panose="020B0604020202020204" pitchFamily="34" charset="0"/>
+              </a:rPr>
+              <a:t>Team members</a:t>
+            </a:r>
+          </a:p>
+        </p:txBody>
+      </p:sp>
+      <p:sp>
+        <p:nvSpPr>
+          <p:cNvPr id="81" name="TextBox 80">
+            <a:extLst>
+              <a:ext uri="{FF2B5EF4-FFF2-40B4-BE49-F238E27FC236}">
+                <a16:creationId xmlns:a16="http://schemas.microsoft.com/office/drawing/2014/main" id="{43FE1A92-9878-C76B-80A0-C6F08A811919}"/>
+              </a:ext>
+            </a:extLst>
+          </p:cNvPr>
+          <p:cNvSpPr txBox="1"/>
+          <p:nvPr/>
+        </p:nvSpPr>
+        <p:spPr>
+          <a:xfrm>
+            <a:off x="209609" y="1224298"/>
+            <a:ext cx="1641987" cy="276999"/>
+          </a:xfrm>
+          <a:prstGeom prst="rect">
+            <a:avLst/>
+          </a:prstGeom>
+          <a:noFill/>
+        </p:spPr>
+        <p:txBody>
+          <a:bodyPr wrap="square" rtlCol="0">
+            <a:spAutoFit/>
+          </a:bodyPr>
+          <a:lstStyle/>
+          <a:p>
+            <a:pPr algn="ctr"/>
+            <a:r>
+              <a:rPr lang="en-US" sz="1200" dirty="0">
+                <a:latin typeface="Arial" panose="020B0604020202020204" pitchFamily="34" charset="0"/>
+                <a:cs typeface="Arial" panose="020B0604020202020204" pitchFamily="34" charset="0"/>
+              </a:rPr>
+              <a:t>Hunter </a:t>
+            </a:r>
+            <a:r>
+              <a:rPr lang="en-US" sz="1200" dirty="0" err="1">
+                <a:latin typeface="Arial" panose="020B0604020202020204" pitchFamily="34" charset="0"/>
+                <a:cs typeface="Arial" panose="020B0604020202020204" pitchFamily="34" charset="0"/>
+              </a:rPr>
+              <a:t>Copening</a:t>
+            </a:r>
+            <a:endParaRPr lang="en-US" sz="1200" dirty="0">
+              <a:latin typeface="Arial" panose="020B0604020202020204" pitchFamily="34" charset="0"/>
+              <a:cs typeface="Arial" panose="020B0604020202020204" pitchFamily="34" charset="0"/>
+            </a:endParaRPr>
+          </a:p>
+        </p:txBody>
+      </p:sp>
+      <p:grpSp>
+        <p:nvGrpSpPr>
+          <p:cNvPr id="106" name="Group 105">
+            <a:extLst>
+              <a:ext uri="{FF2B5EF4-FFF2-40B4-BE49-F238E27FC236}">
+                <a16:creationId xmlns:a16="http://schemas.microsoft.com/office/drawing/2014/main" id="{FFBFA6C5-C7A3-2D50-321F-D8183F4604CE}"/>
+              </a:ext>
+            </a:extLst>
+          </p:cNvPr>
+          <p:cNvGrpSpPr/>
+          <p:nvPr/>
+        </p:nvGrpSpPr>
+        <p:grpSpPr>
+          <a:xfrm>
+            <a:off x="18192" y="-35096"/>
+            <a:ext cx="2043012" cy="640080"/>
+            <a:chOff x="1966424" y="684932"/>
+            <a:chExt cx="2172807" cy="864463"/>
+          </a:xfrm>
+        </p:grpSpPr>
+        <p:pic>
+          <p:nvPicPr>
+            <p:cNvPr id="107" name="Picture 106" descr="A computer with a logo on it&#10;&#10;Description automatically generated">
+              <a:extLst>
+                <a:ext uri="{FF2B5EF4-FFF2-40B4-BE49-F238E27FC236}">
+                  <a16:creationId xmlns:a16="http://schemas.microsoft.com/office/drawing/2014/main" id="{D29B8629-ADAF-FFF9-D1C7-AC3121CBC5D7}"/>
+                </a:ext>
+              </a:extLst>
+            </p:cNvPr>
+            <p:cNvPicPr/>
+            <p:nvPr/>
+          </p:nvPicPr>
+          <p:blipFill>
+            <a:blip r:embed="rId2">
+              <a:extLst>
+                <a:ext uri="{28A0092B-C50C-407E-A947-70E740481C1C}">
+                  <a14:useLocalDpi xmlns:a14="http://schemas.microsoft.com/office/drawing/2010/main" val="0"/>
+                </a:ext>
+              </a:extLst>
+            </a:blip>
+            <a:stretch>
+              <a:fillRect/>
+            </a:stretch>
+          </p:blipFill>
+          <p:spPr>
+            <a:xfrm>
+              <a:off x="1966424" y="684932"/>
+              <a:ext cx="680745" cy="864463"/>
+            </a:xfrm>
+            <a:prstGeom prst="rect">
+              <a:avLst/>
+            </a:prstGeom>
+          </p:spPr>
+        </p:pic>
+        <p:sp>
+          <p:nvSpPr>
+            <p:cNvPr id="108" name="TextBox 107">
+              <a:extLst>
+                <a:ext uri="{FF2B5EF4-FFF2-40B4-BE49-F238E27FC236}">
+                  <a16:creationId xmlns:a16="http://schemas.microsoft.com/office/drawing/2014/main" id="{460ECBDB-787A-F9A5-CED6-2A31E5DF3C03}"/>
+                </a:ext>
+              </a:extLst>
+            </p:cNvPr>
+            <p:cNvSpPr txBox="1"/>
+            <p:nvPr/>
+          </p:nvSpPr>
+          <p:spPr>
+            <a:xfrm>
+              <a:off x="2525533" y="926488"/>
+              <a:ext cx="1613698" cy="415670"/>
+            </a:xfrm>
+            <a:prstGeom prst="rect">
+              <a:avLst/>
+            </a:prstGeom>
+            <a:noFill/>
+          </p:spPr>
+          <p:txBody>
+            <a:bodyPr wrap="square" rtlCol="0">
+              <a:spAutoFit/>
+            </a:bodyPr>
+            <a:lstStyle/>
+            <a:p>
+              <a:pPr algn="ctr"/>
+              <a:r>
+                <a:rPr lang="en-US" sz="1400" dirty="0">
+                  <a:solidFill>
+                    <a:schemeClr val="bg1"/>
+                  </a:solidFill>
+                  <a:latin typeface="Arial" panose="020B0604020202020204" pitchFamily="34" charset="0"/>
+                  <a:cs typeface="Arial" panose="020B0604020202020204" pitchFamily="34" charset="0"/>
+                </a:rPr>
+                <a:t>Website name</a:t>
+              </a:r>
+            </a:p>
+          </p:txBody>
+        </p:sp>
+      </p:grpSp>
+      <p:sp>
+        <p:nvSpPr>
+          <p:cNvPr id="20" name="TextBox 19">
+            <a:extLst>
+              <a:ext uri="{FF2B5EF4-FFF2-40B4-BE49-F238E27FC236}">
+                <a16:creationId xmlns:a16="http://schemas.microsoft.com/office/drawing/2014/main" id="{2BEB1305-29CD-1768-8CA4-1798BF104365}"/>
+              </a:ext>
+            </a:extLst>
+          </p:cNvPr>
+          <p:cNvSpPr txBox="1"/>
+          <p:nvPr/>
+        </p:nvSpPr>
+        <p:spPr>
+          <a:xfrm>
+            <a:off x="209609" y="1528939"/>
+            <a:ext cx="1641987" cy="276999"/>
+          </a:xfrm>
+          <a:prstGeom prst="rect">
+            <a:avLst/>
+          </a:prstGeom>
+          <a:noFill/>
+        </p:spPr>
+        <p:txBody>
+          <a:bodyPr wrap="square" rtlCol="0">
+            <a:spAutoFit/>
+          </a:bodyPr>
+          <a:lstStyle/>
+          <a:p>
+            <a:pPr algn="ctr"/>
+            <a:r>
+              <a:rPr lang="en-US" sz="1200" dirty="0">
+                <a:latin typeface="Arial" panose="020B0604020202020204" pitchFamily="34" charset="0"/>
+                <a:cs typeface="Arial" panose="020B0604020202020204" pitchFamily="34" charset="0"/>
+              </a:rPr>
+              <a:t>Jacob Cohen</a:t>
+            </a:r>
+          </a:p>
+        </p:txBody>
+      </p:sp>
+      <p:sp>
+        <p:nvSpPr>
+          <p:cNvPr id="21" name="TextBox 20">
+            <a:extLst>
+              <a:ext uri="{FF2B5EF4-FFF2-40B4-BE49-F238E27FC236}">
+                <a16:creationId xmlns:a16="http://schemas.microsoft.com/office/drawing/2014/main" id="{C3E044B1-DE97-8172-F017-58E0A34ACB03}"/>
+              </a:ext>
+            </a:extLst>
+          </p:cNvPr>
+          <p:cNvSpPr txBox="1"/>
+          <p:nvPr/>
+        </p:nvSpPr>
+        <p:spPr>
+          <a:xfrm>
+            <a:off x="209609" y="1797313"/>
+            <a:ext cx="1641987" cy="276999"/>
+          </a:xfrm>
+          <a:prstGeom prst="rect">
+            <a:avLst/>
+          </a:prstGeom>
+          <a:noFill/>
+        </p:spPr>
+        <p:txBody>
+          <a:bodyPr wrap="square" rtlCol="0">
+            <a:spAutoFit/>
+          </a:bodyPr>
+          <a:lstStyle/>
+          <a:p>
+            <a:pPr algn="ctr"/>
+            <a:r>
+              <a:rPr lang="en-US" sz="1200" dirty="0">
+                <a:latin typeface="Arial" panose="020B0604020202020204" pitchFamily="34" charset="0"/>
+                <a:cs typeface="Arial" panose="020B0604020202020204" pitchFamily="34" charset="0"/>
+              </a:rPr>
+              <a:t>Josh </a:t>
+            </a:r>
+            <a:r>
+              <a:rPr lang="en-US" sz="1200" dirty="0" err="1">
+                <a:latin typeface="Arial" panose="020B0604020202020204" pitchFamily="34" charset="0"/>
+                <a:cs typeface="Arial" panose="020B0604020202020204" pitchFamily="34" charset="0"/>
+              </a:rPr>
+              <a:t>Puhala</a:t>
+            </a:r>
+            <a:endParaRPr lang="en-US" sz="1200" dirty="0">
+              <a:latin typeface="Arial" panose="020B0604020202020204" pitchFamily="34" charset="0"/>
+              <a:cs typeface="Arial" panose="020B0604020202020204" pitchFamily="34" charset="0"/>
+            </a:endParaRPr>
+          </a:p>
+        </p:txBody>
+      </p:sp>
+      <p:sp>
+        <p:nvSpPr>
+          <p:cNvPr id="22" name="TextBox 21">
+            <a:extLst>
+              <a:ext uri="{FF2B5EF4-FFF2-40B4-BE49-F238E27FC236}">
+                <a16:creationId xmlns:a16="http://schemas.microsoft.com/office/drawing/2014/main" id="{D871D24E-71F7-F9AD-E945-A9132E04601A}"/>
+              </a:ext>
+            </a:extLst>
+          </p:cNvPr>
+          <p:cNvSpPr txBox="1"/>
+          <p:nvPr/>
+        </p:nvSpPr>
+        <p:spPr>
+          <a:xfrm>
+            <a:off x="209608" y="2101954"/>
+            <a:ext cx="1641987" cy="276999"/>
+          </a:xfrm>
+          <a:prstGeom prst="rect">
+            <a:avLst/>
+          </a:prstGeom>
+          <a:noFill/>
+        </p:spPr>
+        <p:txBody>
+          <a:bodyPr wrap="square" rtlCol="0">
+            <a:spAutoFit/>
+          </a:bodyPr>
+          <a:lstStyle/>
+          <a:p>
+            <a:pPr algn="ctr"/>
+            <a:r>
+              <a:rPr lang="en-US" sz="1200" dirty="0">
+                <a:latin typeface="Arial" panose="020B0604020202020204" pitchFamily="34" charset="0"/>
+                <a:cs typeface="Arial" panose="020B0604020202020204" pitchFamily="34" charset="0"/>
+              </a:rPr>
+              <a:t>Seth Perritt</a:t>
+            </a:r>
+          </a:p>
+        </p:txBody>
+      </p:sp>
+      <p:sp>
+        <p:nvSpPr>
+          <p:cNvPr id="69" name="Rectangle: Rounded Corners 68">
+            <a:extLst>
+              <a:ext uri="{FF2B5EF4-FFF2-40B4-BE49-F238E27FC236}">
+                <a16:creationId xmlns:a16="http://schemas.microsoft.com/office/drawing/2014/main" id="{33FE4CBE-5AB6-6B2D-7E5F-2ED4D0C0E834}"/>
+              </a:ext>
+            </a:extLst>
+          </p:cNvPr>
+          <p:cNvSpPr/>
+          <p:nvPr/>
+        </p:nvSpPr>
+        <p:spPr>
+          <a:xfrm>
+            <a:off x="4281714" y="1501296"/>
+            <a:ext cx="1371600" cy="1371600"/>
+          </a:xfrm>
+          <a:prstGeom prst="roundRect">
+            <a:avLst/>
+          </a:prstGeom>
+          <a:solidFill>
+            <a:srgbClr val="0C234B"/>
+          </a:solidFill>
+          <a:ln>
+            <a:noFill/>
+          </a:ln>
+        </p:spPr>
+        <p:style>
+          <a:lnRef idx="2">
+            <a:schemeClr val="accent1">
+              <a:shade val="15000"/>
+            </a:schemeClr>
+          </a:lnRef>
+          <a:fillRef idx="1">
+            <a:schemeClr val="accent1"/>
+          </a:fillRef>
+          <a:effectRef idx="0">
+            <a:schemeClr val="accent1"/>
+          </a:effectRef>
+          <a:fontRef idx="minor">
+            <a:schemeClr val="lt1"/>
+          </a:fontRef>
+        </p:style>
+        <p:txBody>
+          <a:bodyPr rtlCol="0" anchor="ctr"/>
+          <a:lstStyle/>
+          <a:p>
+            <a:pPr algn="ctr"/>
+            <a:endParaRPr lang="en-US"/>
+          </a:p>
+        </p:txBody>
+      </p:sp>
+      <p:sp>
+        <p:nvSpPr>
+          <p:cNvPr id="70" name="Rectangle: Rounded Corners 69">
+            <a:extLst>
+              <a:ext uri="{FF2B5EF4-FFF2-40B4-BE49-F238E27FC236}">
+                <a16:creationId xmlns:a16="http://schemas.microsoft.com/office/drawing/2014/main" id="{2A285EB5-6428-D5BB-6CDF-9F06217765F5}"/>
+              </a:ext>
+            </a:extLst>
+          </p:cNvPr>
+          <p:cNvSpPr/>
+          <p:nvPr/>
+        </p:nvSpPr>
+        <p:spPr>
+          <a:xfrm>
+            <a:off x="4405832" y="1615596"/>
+            <a:ext cx="1143000" cy="1143000"/>
+          </a:xfrm>
+          <a:prstGeom prst="roundRect">
+            <a:avLst/>
+          </a:prstGeom>
+          <a:solidFill>
+            <a:srgbClr val="AB0520"/>
+          </a:solidFill>
+          <a:ln>
+            <a:noFill/>
+          </a:ln>
+        </p:spPr>
+        <p:style>
+          <a:lnRef idx="2">
+            <a:schemeClr val="accent1">
+              <a:shade val="15000"/>
+            </a:schemeClr>
+          </a:lnRef>
+          <a:fillRef idx="1">
+            <a:schemeClr val="accent1"/>
+          </a:fillRef>
+          <a:effectRef idx="0">
+            <a:schemeClr val="accent1"/>
+          </a:effectRef>
+          <a:fontRef idx="minor">
+            <a:schemeClr val="lt1"/>
+          </a:fontRef>
+        </p:style>
+        <p:txBody>
+          <a:bodyPr rtlCol="0" anchor="ctr"/>
+          <a:lstStyle/>
+          <a:p>
+            <a:pPr algn="ctr"/>
+            <a:r>
+              <a:rPr lang="en-US" dirty="0"/>
+              <a:t>Our image</a:t>
+            </a:r>
+          </a:p>
+        </p:txBody>
+      </p:sp>
+      <p:sp>
+        <p:nvSpPr>
+          <p:cNvPr id="71" name="TextBox 70">
+            <a:extLst>
+              <a:ext uri="{FF2B5EF4-FFF2-40B4-BE49-F238E27FC236}">
+                <a16:creationId xmlns:a16="http://schemas.microsoft.com/office/drawing/2014/main" id="{5FB97B55-78F2-460D-3D1F-0F94279A2FA5}"/>
+              </a:ext>
+            </a:extLst>
+          </p:cNvPr>
+          <p:cNvSpPr txBox="1"/>
+          <p:nvPr/>
+        </p:nvSpPr>
+        <p:spPr>
+          <a:xfrm>
+            <a:off x="5643263" y="1501296"/>
+            <a:ext cx="2264229" cy="369332"/>
+          </a:xfrm>
+          <a:prstGeom prst="rect">
+            <a:avLst/>
+          </a:prstGeom>
+          <a:noFill/>
+        </p:spPr>
+        <p:txBody>
+          <a:bodyPr wrap="square" rtlCol="0">
+            <a:spAutoFit/>
+          </a:bodyPr>
+          <a:lstStyle/>
+          <a:p>
+            <a:r>
+              <a:rPr lang="en-US" dirty="0"/>
+              <a:t>Our bio about us </a:t>
+            </a:r>
+            <a:r>
+              <a:rPr lang="en-US" dirty="0" err="1"/>
+              <a:t>ect</a:t>
+            </a:r>
+            <a:endParaRPr lang="en-US" dirty="0"/>
+          </a:p>
+        </p:txBody>
+      </p:sp>
+      <p:cxnSp>
+        <p:nvCxnSpPr>
+          <p:cNvPr id="76" name="Straight Connector 75">
+            <a:extLst>
+              <a:ext uri="{FF2B5EF4-FFF2-40B4-BE49-F238E27FC236}">
+                <a16:creationId xmlns:a16="http://schemas.microsoft.com/office/drawing/2014/main" id="{41794EDF-B047-D1D6-606E-73FBB9CB425F}"/>
+              </a:ext>
+            </a:extLst>
+          </p:cNvPr>
+          <p:cNvCxnSpPr/>
+          <p:nvPr/>
+        </p:nvCxnSpPr>
+        <p:spPr>
+          <a:xfrm>
+            <a:off x="4281713" y="3248507"/>
+            <a:ext cx="5547548" cy="0"/>
+          </a:xfrm>
+          <a:prstGeom prst="line">
+            <a:avLst/>
+          </a:prstGeom>
+          <a:ln w="28575">
+            <a:solidFill>
+              <a:schemeClr val="tx1"/>
+            </a:solidFill>
+          </a:ln>
+        </p:spPr>
+        <p:style>
+          <a:lnRef idx="1">
+            <a:schemeClr val="accent1"/>
+          </a:lnRef>
+          <a:fillRef idx="0">
+            <a:schemeClr val="accent1"/>
+          </a:fillRef>
+          <a:effectRef idx="0">
+            <a:schemeClr val="accent1"/>
+          </a:effectRef>
+          <a:fontRef idx="minor">
+            <a:schemeClr val="tx1"/>
+          </a:fontRef>
+        </p:style>
+      </p:cxnSp>
+      <p:sp>
+        <p:nvSpPr>
+          <p:cNvPr id="77" name="Rectangle: Rounded Corners 76">
+            <a:extLst>
+              <a:ext uri="{FF2B5EF4-FFF2-40B4-BE49-F238E27FC236}">
+                <a16:creationId xmlns:a16="http://schemas.microsoft.com/office/drawing/2014/main" id="{AC8811EF-30CC-0C74-59A7-C26C78E0C81B}"/>
+              </a:ext>
+            </a:extLst>
+          </p:cNvPr>
+          <p:cNvSpPr/>
+          <p:nvPr/>
+        </p:nvSpPr>
+        <p:spPr>
+          <a:xfrm>
+            <a:off x="4281714" y="3598719"/>
+            <a:ext cx="1371600" cy="1371600"/>
+          </a:xfrm>
+          <a:prstGeom prst="roundRect">
+            <a:avLst/>
+          </a:prstGeom>
+          <a:solidFill>
+            <a:srgbClr val="0C234B"/>
+          </a:solidFill>
+          <a:ln>
+            <a:noFill/>
+          </a:ln>
+        </p:spPr>
+        <p:style>
+          <a:lnRef idx="2">
+            <a:schemeClr val="accent1">
+              <a:shade val="15000"/>
+            </a:schemeClr>
+          </a:lnRef>
+          <a:fillRef idx="1">
+            <a:schemeClr val="accent1"/>
+          </a:fillRef>
+          <a:effectRef idx="0">
+            <a:schemeClr val="accent1"/>
+          </a:effectRef>
+          <a:fontRef idx="minor">
+            <a:schemeClr val="lt1"/>
+          </a:fontRef>
+        </p:style>
+        <p:txBody>
+          <a:bodyPr rtlCol="0" anchor="ctr"/>
+          <a:lstStyle/>
+          <a:p>
+            <a:pPr algn="ctr"/>
+            <a:endParaRPr lang="en-US"/>
+          </a:p>
+        </p:txBody>
+      </p:sp>
+      <p:sp>
+        <p:nvSpPr>
+          <p:cNvPr id="84" name="Rectangle: Rounded Corners 83">
+            <a:extLst>
+              <a:ext uri="{FF2B5EF4-FFF2-40B4-BE49-F238E27FC236}">
+                <a16:creationId xmlns:a16="http://schemas.microsoft.com/office/drawing/2014/main" id="{1B9CE89E-DF9B-8334-7894-B3CA6D32E784}"/>
+              </a:ext>
+            </a:extLst>
+          </p:cNvPr>
+          <p:cNvSpPr/>
+          <p:nvPr/>
+        </p:nvSpPr>
+        <p:spPr>
+          <a:xfrm>
+            <a:off x="4405832" y="3713019"/>
+            <a:ext cx="1143000" cy="1143000"/>
+          </a:xfrm>
+          <a:prstGeom prst="roundRect">
+            <a:avLst/>
+          </a:prstGeom>
+          <a:solidFill>
+            <a:srgbClr val="AB0520"/>
+          </a:solidFill>
+          <a:ln>
+            <a:noFill/>
+          </a:ln>
+        </p:spPr>
+        <p:style>
+          <a:lnRef idx="2">
+            <a:schemeClr val="accent1">
+              <a:shade val="15000"/>
+            </a:schemeClr>
+          </a:lnRef>
+          <a:fillRef idx="1">
+            <a:schemeClr val="accent1"/>
+          </a:fillRef>
+          <a:effectRef idx="0">
+            <a:schemeClr val="accent1"/>
+          </a:effectRef>
+          <a:fontRef idx="minor">
+            <a:schemeClr val="lt1"/>
+          </a:fontRef>
+        </p:style>
+        <p:txBody>
+          <a:bodyPr rtlCol="0" anchor="ctr"/>
+          <a:lstStyle/>
+          <a:p>
+            <a:pPr algn="ctr"/>
+            <a:r>
+              <a:rPr lang="en-US" dirty="0"/>
+              <a:t>Our image</a:t>
+            </a:r>
+          </a:p>
+        </p:txBody>
+      </p:sp>
+      <p:sp>
+        <p:nvSpPr>
+          <p:cNvPr id="86" name="TextBox 85">
+            <a:extLst>
+              <a:ext uri="{FF2B5EF4-FFF2-40B4-BE49-F238E27FC236}">
+                <a16:creationId xmlns:a16="http://schemas.microsoft.com/office/drawing/2014/main" id="{034A3A93-17BB-9983-1C51-E557162377E5}"/>
+              </a:ext>
+            </a:extLst>
+          </p:cNvPr>
+          <p:cNvSpPr txBox="1"/>
+          <p:nvPr/>
+        </p:nvSpPr>
+        <p:spPr>
+          <a:xfrm>
+            <a:off x="5643263" y="3598719"/>
+            <a:ext cx="2264229" cy="369332"/>
+          </a:xfrm>
+          <a:prstGeom prst="rect">
+            <a:avLst/>
+          </a:prstGeom>
+          <a:noFill/>
+        </p:spPr>
+        <p:txBody>
+          <a:bodyPr wrap="square" rtlCol="0">
+            <a:spAutoFit/>
+          </a:bodyPr>
+          <a:lstStyle/>
+          <a:p>
+            <a:r>
+              <a:rPr lang="en-US" dirty="0"/>
+              <a:t>Our bio about us </a:t>
+            </a:r>
+            <a:r>
+              <a:rPr lang="en-US" dirty="0" err="1"/>
+              <a:t>ect</a:t>
+            </a:r>
+            <a:endParaRPr lang="en-US" dirty="0"/>
+          </a:p>
+        </p:txBody>
+      </p:sp>
+      <p:cxnSp>
+        <p:nvCxnSpPr>
+          <p:cNvPr id="99" name="Straight Connector 98">
+            <a:extLst>
+              <a:ext uri="{FF2B5EF4-FFF2-40B4-BE49-F238E27FC236}">
+                <a16:creationId xmlns:a16="http://schemas.microsoft.com/office/drawing/2014/main" id="{9AFF52AF-CA0E-D904-5A68-42C04F9BFE26}"/>
+              </a:ext>
+            </a:extLst>
+          </p:cNvPr>
+          <p:cNvCxnSpPr/>
+          <p:nvPr/>
+        </p:nvCxnSpPr>
+        <p:spPr>
+          <a:xfrm>
+            <a:off x="4281713" y="5345930"/>
+            <a:ext cx="5547548" cy="0"/>
+          </a:xfrm>
+          <a:prstGeom prst="line">
+            <a:avLst/>
+          </a:prstGeom>
+          <a:ln w="28575">
+            <a:solidFill>
+              <a:schemeClr val="tx1"/>
+            </a:solidFill>
+          </a:ln>
+        </p:spPr>
+        <p:style>
+          <a:lnRef idx="1">
+            <a:schemeClr val="accent1"/>
+          </a:lnRef>
+          <a:fillRef idx="0">
+            <a:schemeClr val="accent1"/>
+          </a:fillRef>
+          <a:effectRef idx="0">
+            <a:schemeClr val="accent1"/>
+          </a:effectRef>
+          <a:fontRef idx="minor">
+            <a:schemeClr val="tx1"/>
+          </a:fontRef>
+        </p:style>
+      </p:cxnSp>
+      <p:sp>
+        <p:nvSpPr>
+          <p:cNvPr id="104" name="Rectangle: Rounded Corners 103">
+            <a:extLst>
+              <a:ext uri="{FF2B5EF4-FFF2-40B4-BE49-F238E27FC236}">
+                <a16:creationId xmlns:a16="http://schemas.microsoft.com/office/drawing/2014/main" id="{EBFBDFF6-64DE-7EE2-1E57-990A0EC51242}"/>
+              </a:ext>
+            </a:extLst>
+          </p:cNvPr>
+          <p:cNvSpPr/>
+          <p:nvPr/>
+        </p:nvSpPr>
+        <p:spPr>
+          <a:xfrm>
+            <a:off x="4271663" y="5671231"/>
+            <a:ext cx="1371600" cy="1371600"/>
+          </a:xfrm>
+          <a:prstGeom prst="roundRect">
+            <a:avLst/>
+          </a:prstGeom>
+          <a:solidFill>
+            <a:srgbClr val="0C234B"/>
+          </a:solidFill>
+          <a:ln>
+            <a:noFill/>
+          </a:ln>
+        </p:spPr>
+        <p:style>
+          <a:lnRef idx="2">
+            <a:schemeClr val="accent1">
+              <a:shade val="15000"/>
+            </a:schemeClr>
+          </a:lnRef>
+          <a:fillRef idx="1">
+            <a:schemeClr val="accent1"/>
+          </a:fillRef>
+          <a:effectRef idx="0">
+            <a:schemeClr val="accent1"/>
+          </a:effectRef>
+          <a:fontRef idx="minor">
+            <a:schemeClr val="lt1"/>
+          </a:fontRef>
+        </p:style>
+        <p:txBody>
+          <a:bodyPr rtlCol="0" anchor="ctr"/>
+          <a:lstStyle/>
+          <a:p>
+            <a:pPr algn="ctr"/>
+            <a:endParaRPr lang="en-US"/>
+          </a:p>
+        </p:txBody>
+      </p:sp>
+      <p:sp>
+        <p:nvSpPr>
+          <p:cNvPr id="110" name="Rectangle: Rounded Corners 109">
+            <a:extLst>
+              <a:ext uri="{FF2B5EF4-FFF2-40B4-BE49-F238E27FC236}">
+                <a16:creationId xmlns:a16="http://schemas.microsoft.com/office/drawing/2014/main" id="{C492FEB7-712D-AAEE-AB4B-B95891A3131A}"/>
+              </a:ext>
+            </a:extLst>
+          </p:cNvPr>
+          <p:cNvSpPr/>
+          <p:nvPr/>
+        </p:nvSpPr>
+        <p:spPr>
+          <a:xfrm>
+            <a:off x="4395781" y="5785531"/>
+            <a:ext cx="1143000" cy="1143000"/>
+          </a:xfrm>
+          <a:prstGeom prst="roundRect">
+            <a:avLst/>
+          </a:prstGeom>
+          <a:solidFill>
+            <a:srgbClr val="AB0520"/>
+          </a:solidFill>
+          <a:ln>
+            <a:noFill/>
+          </a:ln>
+        </p:spPr>
+        <p:style>
+          <a:lnRef idx="2">
+            <a:schemeClr val="accent1">
+              <a:shade val="15000"/>
+            </a:schemeClr>
+          </a:lnRef>
+          <a:fillRef idx="1">
+            <a:schemeClr val="accent1"/>
+          </a:fillRef>
+          <a:effectRef idx="0">
+            <a:schemeClr val="accent1"/>
+          </a:effectRef>
+          <a:fontRef idx="minor">
+            <a:schemeClr val="lt1"/>
+          </a:fontRef>
+        </p:style>
+        <p:txBody>
+          <a:bodyPr rtlCol="0" anchor="ctr"/>
+          <a:lstStyle/>
+          <a:p>
+            <a:pPr algn="ctr"/>
+            <a:r>
+              <a:rPr lang="en-US" dirty="0"/>
+              <a:t>Our image</a:t>
+            </a:r>
+          </a:p>
+        </p:txBody>
+      </p:sp>
+      <p:sp>
+        <p:nvSpPr>
+          <p:cNvPr id="111" name="TextBox 110">
+            <a:extLst>
+              <a:ext uri="{FF2B5EF4-FFF2-40B4-BE49-F238E27FC236}">
+                <a16:creationId xmlns:a16="http://schemas.microsoft.com/office/drawing/2014/main" id="{2FEE11FA-D535-9174-0E87-0A18898F834B}"/>
+              </a:ext>
+            </a:extLst>
+          </p:cNvPr>
+          <p:cNvSpPr txBox="1"/>
+          <p:nvPr/>
+        </p:nvSpPr>
+        <p:spPr>
+          <a:xfrm>
+            <a:off x="5633212" y="5671231"/>
+            <a:ext cx="2264229" cy="369332"/>
+          </a:xfrm>
+          <a:prstGeom prst="rect">
+            <a:avLst/>
+          </a:prstGeom>
+          <a:noFill/>
+        </p:spPr>
+        <p:txBody>
+          <a:bodyPr wrap="square" rtlCol="0">
+            <a:spAutoFit/>
+          </a:bodyPr>
+          <a:lstStyle/>
+          <a:p>
+            <a:r>
+              <a:rPr lang="en-US" dirty="0"/>
+              <a:t>Our bio about us </a:t>
+            </a:r>
+            <a:r>
+              <a:rPr lang="en-US" dirty="0" err="1"/>
+              <a:t>ect</a:t>
+            </a:r>
+            <a:endParaRPr lang="en-US" dirty="0"/>
+          </a:p>
+        </p:txBody>
+      </p:sp>
+      <p:cxnSp>
+        <p:nvCxnSpPr>
+          <p:cNvPr id="112" name="Straight Connector 111">
+            <a:extLst>
+              <a:ext uri="{FF2B5EF4-FFF2-40B4-BE49-F238E27FC236}">
+                <a16:creationId xmlns:a16="http://schemas.microsoft.com/office/drawing/2014/main" id="{9074834F-8250-DD0A-6F75-B32DDD4162E7}"/>
+              </a:ext>
+            </a:extLst>
+          </p:cNvPr>
+          <p:cNvCxnSpPr/>
+          <p:nvPr/>
+        </p:nvCxnSpPr>
+        <p:spPr>
+          <a:xfrm>
+            <a:off x="4271662" y="7418442"/>
+            <a:ext cx="5547548" cy="0"/>
+          </a:xfrm>
+          <a:prstGeom prst="line">
+            <a:avLst/>
+          </a:prstGeom>
+          <a:ln w="28575">
+            <a:solidFill>
+              <a:schemeClr val="tx1"/>
+            </a:solidFill>
+          </a:ln>
+        </p:spPr>
+        <p:style>
+          <a:lnRef idx="1">
+            <a:schemeClr val="accent1"/>
+          </a:lnRef>
+          <a:fillRef idx="0">
+            <a:schemeClr val="accent1"/>
+          </a:fillRef>
+          <a:effectRef idx="0">
+            <a:schemeClr val="accent1"/>
+          </a:effectRef>
+          <a:fontRef idx="minor">
+            <a:schemeClr val="tx1"/>
+          </a:fontRef>
+        </p:style>
+      </p:cxnSp>
+    </p:spTree>
+    <p:extLst>
+      <p:ext uri="{BB962C8B-B14F-4D97-AF65-F5344CB8AC3E}">
+        <p14:creationId xmlns:p14="http://schemas.microsoft.com/office/powerpoint/2010/main" val="2155038707"/>
+      </p:ext>
+    </p:extLst>
+  </p:cSld>
+  <p:clrMapOvr>
+    <a:masterClrMapping/>
+  </p:clrMapOvr>
+</p:sld>
+</file>
+
+<file path=ppt/slides/slide8.xml><?xml version="1.0" encoding="utf-8"?>
+<p:sld xmlns:a="http://schemas.openxmlformats.org/drawingml/2006/main" xmlns:r="http://schemas.openxmlformats.org/officeDocument/2006/relationships" xmlns:p="http://schemas.openxmlformats.org/presentationml/2006/main">
+  <p:cSld>
+    <p:spTree>
+      <p:nvGrpSpPr>
+        <p:cNvPr id="1" name=""/>
+        <p:cNvGrpSpPr/>
+        <p:nvPr/>
+      </p:nvGrpSpPr>
+      <p:grpSpPr>
+        <a:xfrm>
+          <a:off x="0" y="0"/>
+          <a:ext cx="0" cy="0"/>
+          <a:chOff x="0" y="0"/>
+          <a:chExt cx="0" cy="0"/>
+        </a:xfrm>
+      </p:grpSpPr>
+      <p:sp>
+        <p:nvSpPr>
+          <p:cNvPr id="5" name="Rectangle 4">
+            <a:extLst>
+              <a:ext uri="{FF2B5EF4-FFF2-40B4-BE49-F238E27FC236}">
+                <a16:creationId xmlns:a16="http://schemas.microsoft.com/office/drawing/2014/main" id="{56AFF878-8A16-FB81-3CA2-022256BFC2F5}"/>
+              </a:ext>
+            </a:extLst>
+          </p:cNvPr>
+          <p:cNvSpPr>
+            <a:spLocks noGrp="1" noRot="1" noMove="1" noResize="1" noEditPoints="1" noAdjustHandles="1" noChangeArrowheads="1" noChangeShapeType="1"/>
+          </p:cNvSpPr>
+          <p:nvPr/>
+        </p:nvSpPr>
+        <p:spPr>
+          <a:xfrm>
+            <a:off x="2061204" y="635667"/>
+            <a:ext cx="10130796" cy="6246708"/>
+          </a:xfrm>
+          <a:prstGeom prst="rect">
+            <a:avLst/>
+          </a:prstGeom>
+          <a:solidFill>
+            <a:srgbClr val="F4EDE5"/>
+          </a:solidFill>
+          <a:ln>
+            <a:noFill/>
+          </a:ln>
+        </p:spPr>
+        <p:style>
+          <a:lnRef idx="2">
+            <a:schemeClr val="accent1">
+              <a:shade val="15000"/>
+            </a:schemeClr>
+          </a:lnRef>
+          <a:fillRef idx="1">
+            <a:schemeClr val="accent1"/>
+          </a:fillRef>
+          <a:effectRef idx="0">
+            <a:schemeClr val="accent1"/>
+          </a:effectRef>
+          <a:fontRef idx="minor">
+            <a:schemeClr val="lt1"/>
+          </a:fontRef>
+        </p:style>
+        <p:txBody>
+          <a:bodyPr rtlCol="0" anchor="ctr"/>
+          <a:lstStyle/>
+          <a:p>
+            <a:pPr algn="ctr"/>
+            <a:endParaRPr lang="en-US"/>
+          </a:p>
+        </p:txBody>
+      </p:sp>
       <p:grpSp>
         <p:nvGrpSpPr>
           <p:cNvPr id="11" name="Group 10">
@@ -12877,6 +18809,88 @@
           </a:p>
         </p:txBody>
       </p:sp>
+      <p:sp>
+        <p:nvSpPr>
+          <p:cNvPr id="13" name="TextBox 12">
+            <a:extLst>
+              <a:ext uri="{FF2B5EF4-FFF2-40B4-BE49-F238E27FC236}">
+                <a16:creationId xmlns:a16="http://schemas.microsoft.com/office/drawing/2014/main" id="{885EA489-8887-5FA6-5CEF-DA3C836DF944}"/>
+              </a:ext>
+            </a:extLst>
+          </p:cNvPr>
+          <p:cNvSpPr txBox="1"/>
+          <p:nvPr/>
+        </p:nvSpPr>
+        <p:spPr>
+          <a:xfrm>
+            <a:off x="10148357" y="2334924"/>
+            <a:ext cx="1611363" cy="2031325"/>
+          </a:xfrm>
+          <a:prstGeom prst="rect">
+            <a:avLst/>
+          </a:prstGeom>
+          <a:noFill/>
+        </p:spPr>
+        <p:txBody>
+          <a:bodyPr wrap="square" rtlCol="0">
+            <a:spAutoFit/>
+          </a:bodyPr>
+          <a:lstStyle/>
+          <a:p>
+            <a:r>
+              <a:rPr lang="en-US" dirty="0"/>
+              <a:t>Drop down menu when profile is clicked would contain settings and more</a:t>
+            </a:r>
+          </a:p>
+        </p:txBody>
+      </p:sp>
+      <p:cxnSp>
+        <p:nvCxnSpPr>
+          <p:cNvPr id="15" name="Straight Arrow Connector 14">
+            <a:extLst>
+              <a:ext uri="{FF2B5EF4-FFF2-40B4-BE49-F238E27FC236}">
+                <a16:creationId xmlns:a16="http://schemas.microsoft.com/office/drawing/2014/main" id="{BEB53E43-9A7F-4A4B-3DA1-8DB7B8449855}"/>
+              </a:ext>
+            </a:extLst>
+          </p:cNvPr>
+          <p:cNvCxnSpPr>
+            <a:stCxn id="13" idx="0"/>
+          </p:cNvCxnSpPr>
+          <p:nvPr/>
+        </p:nvCxnSpPr>
+        <p:spPr>
+          <a:xfrm flipV="1">
+            <a:off x="10954039" y="562188"/>
+            <a:ext cx="627408" cy="1772736"/>
+          </a:xfrm>
+          <a:prstGeom prst="straightConnector1">
+            <a:avLst/>
+          </a:prstGeom>
+          <a:ln w="38100">
+            <a:solidFill>
+              <a:schemeClr val="tx1">
+                <a:lumMod val="95000"/>
+                <a:lumOff val="5000"/>
+              </a:schemeClr>
+            </a:solidFill>
+            <a:tailEnd type="triangle"/>
+          </a:ln>
+        </p:spPr>
+        <p:style>
+          <a:lnRef idx="1">
+            <a:schemeClr val="accent1"/>
+          </a:lnRef>
+          <a:fillRef idx="0">
+            <a:schemeClr val="accent1"/>
+          </a:fillRef>
+          <a:effectRef idx="0">
+            <a:schemeClr val="accent1"/>
+          </a:effectRef>
+          <a:fontRef idx="minor">
+            <a:schemeClr val="tx1"/>
+          </a:fontRef>
+        </p:style>
+      </p:cxnSp>
     </p:spTree>
     <p:extLst>
       <p:ext uri="{BB962C8B-B14F-4D97-AF65-F5344CB8AC3E}">
@@ -12895,7 +18909,7 @@
 </p:sld>
 </file>
 
-<file path=ppt/slides/slide8.xml><?xml version="1.0" encoding="utf-8"?>
+<file path=ppt/slides/slide9.xml><?xml version="1.0" encoding="utf-8"?>
 <p:sld xmlns:a="http://schemas.openxmlformats.org/drawingml/2006/main" xmlns:r="http://schemas.openxmlformats.org/officeDocument/2006/relationships" xmlns:p="http://schemas.openxmlformats.org/presentationml/2006/main">
   <p:cSld>
     <p:spTree>
@@ -15804,245 +21818,93 @@
           </a:p>
         </p:txBody>
       </p:sp>
+      <p:sp>
+        <p:nvSpPr>
+          <p:cNvPr id="2" name="TextBox 1">
+            <a:extLst>
+              <a:ext uri="{FF2B5EF4-FFF2-40B4-BE49-F238E27FC236}">
+                <a16:creationId xmlns:a16="http://schemas.microsoft.com/office/drawing/2014/main" id="{D7C99670-D3E7-8CAE-BD66-C7FCB574D5E9}"/>
+              </a:ext>
+            </a:extLst>
+          </p:cNvPr>
+          <p:cNvSpPr txBox="1"/>
+          <p:nvPr/>
+        </p:nvSpPr>
+        <p:spPr>
+          <a:xfrm>
+            <a:off x="10148357" y="2334924"/>
+            <a:ext cx="1611363" cy="2031325"/>
+          </a:xfrm>
+          <a:prstGeom prst="rect">
+            <a:avLst/>
+          </a:prstGeom>
+          <a:noFill/>
+        </p:spPr>
+        <p:txBody>
+          <a:bodyPr wrap="square" rtlCol="0">
+            <a:spAutoFit/>
+          </a:bodyPr>
+          <a:lstStyle/>
+          <a:p>
+            <a:r>
+              <a:rPr lang="en-US" dirty="0"/>
+              <a:t>Drop down menu when profile is clicked would contain settings and more</a:t>
+            </a:r>
+          </a:p>
+        </p:txBody>
+      </p:sp>
+      <p:cxnSp>
+        <p:nvCxnSpPr>
+          <p:cNvPr id="4" name="Straight Arrow Connector 3">
+            <a:extLst>
+              <a:ext uri="{FF2B5EF4-FFF2-40B4-BE49-F238E27FC236}">
+                <a16:creationId xmlns:a16="http://schemas.microsoft.com/office/drawing/2014/main" id="{6EB2B0C5-C8C9-8C14-BA64-5E70FC03A4A8}"/>
+              </a:ext>
+            </a:extLst>
+          </p:cNvPr>
+          <p:cNvCxnSpPr>
+            <a:stCxn id="2" idx="0"/>
+            <a:endCxn id="9" idx="4"/>
+          </p:cNvCxnSpPr>
+          <p:nvPr/>
+        </p:nvCxnSpPr>
+        <p:spPr>
+          <a:xfrm flipV="1">
+            <a:off x="10954039" y="562188"/>
+            <a:ext cx="627408" cy="1772736"/>
+          </a:xfrm>
+          <a:prstGeom prst="straightConnector1">
+            <a:avLst/>
+          </a:prstGeom>
+          <a:ln w="38100">
+            <a:solidFill>
+              <a:schemeClr val="tx1">
+                <a:lumMod val="95000"/>
+                <a:lumOff val="5000"/>
+              </a:schemeClr>
+            </a:solidFill>
+            <a:tailEnd type="triangle"/>
+          </a:ln>
+        </p:spPr>
+        <p:style>
+          <a:lnRef idx="1">
+            <a:schemeClr val="accent1"/>
+          </a:lnRef>
+          <a:fillRef idx="0">
+            <a:schemeClr val="accent1"/>
+          </a:fillRef>
+          <a:effectRef idx="0">
+            <a:schemeClr val="accent1"/>
+          </a:effectRef>
+          <a:fontRef idx="minor">
+            <a:schemeClr val="tx1"/>
+          </a:fontRef>
+        </p:style>
+      </p:cxnSp>
     </p:spTree>
     <p:extLst>
       <p:ext uri="{BB962C8B-B14F-4D97-AF65-F5344CB8AC3E}">
         <p14:creationId xmlns:p14="http://schemas.microsoft.com/office/powerpoint/2010/main" val="732887852"/>
-      </p:ext>
-    </p:extLst>
-  </p:cSld>
-  <p:clrMapOvr>
-    <a:masterClrMapping/>
-  </p:clrMapOvr>
-</p:sld>
-</file>
-
-<file path=ppt/slides/slide9.xml><?xml version="1.0" encoding="utf-8"?>
-<p:sld xmlns:a="http://schemas.openxmlformats.org/drawingml/2006/main" xmlns:r="http://schemas.openxmlformats.org/officeDocument/2006/relationships" xmlns:p="http://schemas.openxmlformats.org/presentationml/2006/main">
-  <p:cSld>
-    <p:spTree>
-      <p:nvGrpSpPr>
-        <p:cNvPr id="1" name=""/>
-        <p:cNvGrpSpPr/>
-        <p:nvPr/>
-      </p:nvGrpSpPr>
-      <p:grpSpPr>
-        <a:xfrm>
-          <a:off x="0" y="0"/>
-          <a:ext cx="0" cy="0"/>
-          <a:chOff x="0" y="0"/>
-          <a:chExt cx="0" cy="0"/>
-        </a:xfrm>
-      </p:grpSpPr>
-      <p:sp>
-        <p:nvSpPr>
-          <p:cNvPr id="2" name="Rectangle: Rounded Corners 1">
-            <a:extLst>
-              <a:ext uri="{FF2B5EF4-FFF2-40B4-BE49-F238E27FC236}">
-                <a16:creationId xmlns:a16="http://schemas.microsoft.com/office/drawing/2014/main" id="{5137054E-F375-255C-7BE4-34C99CCBB086}"/>
-              </a:ext>
-            </a:extLst>
-          </p:cNvPr>
-          <p:cNvSpPr/>
-          <p:nvPr/>
-        </p:nvSpPr>
-        <p:spPr>
-          <a:xfrm>
-            <a:off x="323850" y="971550"/>
-            <a:ext cx="1962150" cy="5467350"/>
-          </a:xfrm>
-          <a:prstGeom prst="roundRect">
-            <a:avLst>
-              <a:gd name="adj" fmla="val 12784"/>
-            </a:avLst>
-          </a:prstGeom>
-          <a:solidFill>
-            <a:srgbClr val="9EABAE"/>
-          </a:solidFill>
-          <a:ln>
-            <a:noFill/>
-          </a:ln>
-        </p:spPr>
-        <p:style>
-          <a:lnRef idx="2">
-            <a:schemeClr val="accent1">
-              <a:shade val="15000"/>
-            </a:schemeClr>
-          </a:lnRef>
-          <a:fillRef idx="1">
-            <a:schemeClr val="accent1"/>
-          </a:fillRef>
-          <a:effectRef idx="0">
-            <a:schemeClr val="accent1"/>
-          </a:effectRef>
-          <a:fontRef idx="minor">
-            <a:schemeClr val="lt1"/>
-          </a:fontRef>
-        </p:style>
-        <p:txBody>
-          <a:bodyPr rtlCol="0" anchor="ctr"/>
-          <a:lstStyle/>
-          <a:p>
-            <a:pPr algn="ctr"/>
-            <a:endParaRPr lang="en-US"/>
-          </a:p>
-        </p:txBody>
-      </p:sp>
-      <p:sp>
-        <p:nvSpPr>
-          <p:cNvPr id="3" name="TextBox 2">
-            <a:extLst>
-              <a:ext uri="{FF2B5EF4-FFF2-40B4-BE49-F238E27FC236}">
-                <a16:creationId xmlns:a16="http://schemas.microsoft.com/office/drawing/2014/main" id="{BAC6CAA4-2D15-A548-BC2A-D920EDAE9DF2}"/>
-              </a:ext>
-            </a:extLst>
-          </p:cNvPr>
-          <p:cNvSpPr txBox="1"/>
-          <p:nvPr/>
-        </p:nvSpPr>
-        <p:spPr>
-          <a:xfrm>
-            <a:off x="609600" y="1285875"/>
-            <a:ext cx="1390650" cy="369332"/>
-          </a:xfrm>
-          <a:prstGeom prst="rect">
-            <a:avLst/>
-          </a:prstGeom>
-          <a:noFill/>
-        </p:spPr>
-        <p:txBody>
-          <a:bodyPr wrap="square" rtlCol="0">
-            <a:spAutoFit/>
-          </a:bodyPr>
-          <a:lstStyle/>
-          <a:p>
-            <a:pPr algn="ctr"/>
-            <a:r>
-              <a:rPr lang="en-US" b="1" dirty="0">
-                <a:latin typeface="Arial" panose="020B0604020202020204" pitchFamily="34" charset="0"/>
-                <a:cs typeface="Arial" panose="020B0604020202020204" pitchFamily="34" charset="0"/>
-              </a:rPr>
-              <a:t>Shapes</a:t>
-            </a:r>
-          </a:p>
-        </p:txBody>
-      </p:sp>
-      <p:grpSp>
-        <p:nvGrpSpPr>
-          <p:cNvPr id="7" name="Group 6">
-            <a:extLst>
-              <a:ext uri="{FF2B5EF4-FFF2-40B4-BE49-F238E27FC236}">
-                <a16:creationId xmlns:a16="http://schemas.microsoft.com/office/drawing/2014/main" id="{4846B549-F308-26F4-C53F-A020E7AAF44D}"/>
-              </a:ext>
-            </a:extLst>
-          </p:cNvPr>
-          <p:cNvGrpSpPr/>
-          <p:nvPr/>
-        </p:nvGrpSpPr>
-        <p:grpSpPr>
-          <a:xfrm>
-            <a:off x="1009650" y="971550"/>
-            <a:ext cx="590550" cy="438150"/>
-            <a:chOff x="1004887" y="909638"/>
-            <a:chExt cx="590550" cy="438150"/>
-          </a:xfrm>
-        </p:grpSpPr>
-        <p:sp>
-          <p:nvSpPr>
-            <p:cNvPr id="6" name="Rectangle 5">
-              <a:extLst>
-                <a:ext uri="{FF2B5EF4-FFF2-40B4-BE49-F238E27FC236}">
-                  <a16:creationId xmlns:a16="http://schemas.microsoft.com/office/drawing/2014/main" id="{E1E01715-684A-DEFE-C734-58B7ECEDCBAB}"/>
-                </a:ext>
-              </a:extLst>
-            </p:cNvPr>
-            <p:cNvSpPr/>
-            <p:nvPr/>
-          </p:nvSpPr>
-          <p:spPr>
-            <a:xfrm>
-              <a:off x="1004887" y="1009650"/>
-              <a:ext cx="590550" cy="247650"/>
-            </a:xfrm>
-            <a:prstGeom prst="rect">
-              <a:avLst/>
-            </a:prstGeom>
-            <a:solidFill>
-              <a:srgbClr val="E2E9EB"/>
-            </a:solidFill>
-            <a:ln>
-              <a:noFill/>
-            </a:ln>
-          </p:spPr>
-          <p:style>
-            <a:lnRef idx="2">
-              <a:schemeClr val="accent1">
-                <a:shade val="15000"/>
-              </a:schemeClr>
-            </a:lnRef>
-            <a:fillRef idx="1">
-              <a:schemeClr val="accent1"/>
-            </a:fillRef>
-            <a:effectRef idx="0">
-              <a:schemeClr val="accent1"/>
-            </a:effectRef>
-            <a:fontRef idx="minor">
-              <a:schemeClr val="lt1"/>
-            </a:fontRef>
-          </p:style>
-          <p:txBody>
-            <a:bodyPr rtlCol="0" anchor="ctr"/>
-            <a:lstStyle/>
-            <a:p>
-              <a:pPr algn="ctr"/>
-              <a:endParaRPr lang="en-US"/>
-            </a:p>
-          </p:txBody>
-        </p:sp>
-        <p:pic>
-          <p:nvPicPr>
-            <p:cNvPr id="5" name="Graphic 4" descr="Miscellaneous with solid fill">
-              <a:extLst>
-                <a:ext uri="{FF2B5EF4-FFF2-40B4-BE49-F238E27FC236}">
-                  <a16:creationId xmlns:a16="http://schemas.microsoft.com/office/drawing/2014/main" id="{A066ECC3-9286-8E8F-7E6B-5E17F530A3EF}"/>
-                </a:ext>
-              </a:extLst>
-            </p:cNvPr>
-            <p:cNvPicPr>
-              <a:picLocks noChangeAspect="1"/>
-            </p:cNvPicPr>
-            <p:nvPr/>
-          </p:nvPicPr>
-          <p:blipFill>
-            <a:blip r:embed="rId2">
-              <a:extLst>
-                <a:ext uri="{28A0092B-C50C-407E-A947-70E740481C1C}">
-                  <a14:useLocalDpi xmlns:a14="http://schemas.microsoft.com/office/drawing/2010/main" val="0"/>
-                </a:ext>
-                <a:ext uri="{96DAC541-7B7A-43D3-8B79-37D633B846F1}">
-                  <asvg:svgBlip xmlns:asvg="http://schemas.microsoft.com/office/drawing/2016/SVG/main" r:embed="rId3"/>
-                </a:ext>
-              </a:extLst>
-            </a:blip>
-            <a:stretch>
-              <a:fillRect/>
-            </a:stretch>
-          </p:blipFill>
-          <p:spPr>
-            <a:xfrm>
-              <a:off x="1085850" y="909638"/>
-              <a:ext cx="438150" cy="438150"/>
-            </a:xfrm>
-            <a:prstGeom prst="rect">
-              <a:avLst/>
-            </a:prstGeom>
-          </p:spPr>
-        </p:pic>
-      </p:grpSp>
-    </p:spTree>
-    <p:extLst>
-      <p:ext uri="{BB962C8B-B14F-4D97-AF65-F5344CB8AC3E}">
-        <p14:creationId xmlns:p14="http://schemas.microsoft.com/office/powerpoint/2010/main" val="2743508851"/>
       </p:ext>
     </p:extLst>
   </p:cSld>

--- a/Sitemap ect.pptx
+++ b/Sitemap ect.pptx
@@ -335,7 +335,7 @@
           <a:p>
             <a:fld id="{4DAFBDD3-A15C-4955-8CA3-3D8B5691D9F0}" type="datetimeFigureOut">
               <a:rPr lang="en-US" smtClean="0"/>
-              <a:t>10/25/2023</a:t>
+              <a:t>11/17/2023</a:t>
             </a:fld>
             <a:endParaRPr lang="en-US"/>
           </a:p>
@@ -533,7 +533,7 @@
           <a:p>
             <a:fld id="{4DAFBDD3-A15C-4955-8CA3-3D8B5691D9F0}" type="datetimeFigureOut">
               <a:rPr lang="en-US" smtClean="0"/>
-              <a:t>10/25/2023</a:t>
+              <a:t>11/17/2023</a:t>
             </a:fld>
             <a:endParaRPr lang="en-US"/>
           </a:p>
@@ -741,7 +741,7 @@
           <a:p>
             <a:fld id="{4DAFBDD3-A15C-4955-8CA3-3D8B5691D9F0}" type="datetimeFigureOut">
               <a:rPr lang="en-US" smtClean="0"/>
-              <a:t>10/25/2023</a:t>
+              <a:t>11/17/2023</a:t>
             </a:fld>
             <a:endParaRPr lang="en-US"/>
           </a:p>
@@ -939,7 +939,7 @@
           <a:p>
             <a:fld id="{4DAFBDD3-A15C-4955-8CA3-3D8B5691D9F0}" type="datetimeFigureOut">
               <a:rPr lang="en-US" smtClean="0"/>
-              <a:t>10/25/2023</a:t>
+              <a:t>11/17/2023</a:t>
             </a:fld>
             <a:endParaRPr lang="en-US"/>
           </a:p>
@@ -1214,7 +1214,7 @@
           <a:p>
             <a:fld id="{4DAFBDD3-A15C-4955-8CA3-3D8B5691D9F0}" type="datetimeFigureOut">
               <a:rPr lang="en-US" smtClean="0"/>
-              <a:t>10/25/2023</a:t>
+              <a:t>11/17/2023</a:t>
             </a:fld>
             <a:endParaRPr lang="en-US"/>
           </a:p>
@@ -1479,7 +1479,7 @@
           <a:p>
             <a:fld id="{4DAFBDD3-A15C-4955-8CA3-3D8B5691D9F0}" type="datetimeFigureOut">
               <a:rPr lang="en-US" smtClean="0"/>
-              <a:t>10/25/2023</a:t>
+              <a:t>11/17/2023</a:t>
             </a:fld>
             <a:endParaRPr lang="en-US"/>
           </a:p>
@@ -1891,7 +1891,7 @@
           <a:p>
             <a:fld id="{4DAFBDD3-A15C-4955-8CA3-3D8B5691D9F0}" type="datetimeFigureOut">
               <a:rPr lang="en-US" smtClean="0"/>
-              <a:t>10/25/2023</a:t>
+              <a:t>11/17/2023</a:t>
             </a:fld>
             <a:endParaRPr lang="en-US"/>
           </a:p>
@@ -2032,7 +2032,7 @@
           <a:p>
             <a:fld id="{4DAFBDD3-A15C-4955-8CA3-3D8B5691D9F0}" type="datetimeFigureOut">
               <a:rPr lang="en-US" smtClean="0"/>
-              <a:t>10/25/2023</a:t>
+              <a:t>11/17/2023</a:t>
             </a:fld>
             <a:endParaRPr lang="en-US"/>
           </a:p>
@@ -2145,7 +2145,7 @@
           <a:p>
             <a:fld id="{4DAFBDD3-A15C-4955-8CA3-3D8B5691D9F0}" type="datetimeFigureOut">
               <a:rPr lang="en-US" smtClean="0"/>
-              <a:t>10/25/2023</a:t>
+              <a:t>11/17/2023</a:t>
             </a:fld>
             <a:endParaRPr lang="en-US"/>
           </a:p>
@@ -2456,7 +2456,7 @@
           <a:p>
             <a:fld id="{4DAFBDD3-A15C-4955-8CA3-3D8B5691D9F0}" type="datetimeFigureOut">
               <a:rPr lang="en-US" smtClean="0"/>
-              <a:t>10/25/2023</a:t>
+              <a:t>11/17/2023</a:t>
             </a:fld>
             <a:endParaRPr lang="en-US"/>
           </a:p>
@@ -2744,7 +2744,7 @@
           <a:p>
             <a:fld id="{4DAFBDD3-A15C-4955-8CA3-3D8B5691D9F0}" type="datetimeFigureOut">
               <a:rPr lang="en-US" smtClean="0"/>
-              <a:t>10/25/2023</a:t>
+              <a:t>11/17/2023</a:t>
             </a:fld>
             <a:endParaRPr lang="en-US"/>
           </a:p>
@@ -2985,7 +2985,7 @@
           <a:p>
             <a:fld id="{4DAFBDD3-A15C-4955-8CA3-3D8B5691D9F0}" type="datetimeFigureOut">
               <a:rPr lang="en-US" smtClean="0"/>
-              <a:t>10/25/2023</a:t>
+              <a:t>11/17/2023</a:t>
             </a:fld>
             <a:endParaRPr lang="en-US"/>
           </a:p>
@@ -9360,7 +9360,7 @@
             <a:avLst/>
           </a:prstGeom>
           <a:solidFill>
-            <a:srgbClr val="EF4056"/>
+            <a:srgbClr val="8B0015"/>
           </a:solidFill>
           <a:ln>
             <a:noFill/>
@@ -9464,7 +9464,7 @@
         <p:spPr>
           <a:xfrm>
             <a:off x="4385349" y="2842183"/>
-            <a:ext cx="1459685" cy="369332"/>
+            <a:ext cx="1570837" cy="369332"/>
           </a:xfrm>
           <a:prstGeom prst="rect">
             <a:avLst/>
@@ -9480,7 +9480,7 @@
             <a:pPr algn="ctr"/>
             <a:r>
               <a:rPr lang="en-US" dirty="0"/>
-              <a:t>Hex: #EF4056</a:t>
+              <a:t>Hex: #8B0015</a:t>
             </a:r>
           </a:p>
         </p:txBody>

--- a/Sitemap ect.pptx
+++ b/Sitemap ect.pptx
@@ -335,7 +335,7 @@
           <a:p>
             <a:fld id="{4DAFBDD3-A15C-4955-8CA3-3D8B5691D9F0}" type="datetimeFigureOut">
               <a:rPr lang="en-US" smtClean="0"/>
-              <a:t>10/25/2023</a:t>
+              <a:t>11/19/2023</a:t>
             </a:fld>
             <a:endParaRPr lang="en-US"/>
           </a:p>
@@ -533,7 +533,7 @@
           <a:p>
             <a:fld id="{4DAFBDD3-A15C-4955-8CA3-3D8B5691D9F0}" type="datetimeFigureOut">
               <a:rPr lang="en-US" smtClean="0"/>
-              <a:t>10/25/2023</a:t>
+              <a:t>11/19/2023</a:t>
             </a:fld>
             <a:endParaRPr lang="en-US"/>
           </a:p>
@@ -741,7 +741,7 @@
           <a:p>
             <a:fld id="{4DAFBDD3-A15C-4955-8CA3-3D8B5691D9F0}" type="datetimeFigureOut">
               <a:rPr lang="en-US" smtClean="0"/>
-              <a:t>10/25/2023</a:t>
+              <a:t>11/19/2023</a:t>
             </a:fld>
             <a:endParaRPr lang="en-US"/>
           </a:p>
@@ -939,7 +939,7 @@
           <a:p>
             <a:fld id="{4DAFBDD3-A15C-4955-8CA3-3D8B5691D9F0}" type="datetimeFigureOut">
               <a:rPr lang="en-US" smtClean="0"/>
-              <a:t>10/25/2023</a:t>
+              <a:t>11/19/2023</a:t>
             </a:fld>
             <a:endParaRPr lang="en-US"/>
           </a:p>
@@ -1214,7 +1214,7 @@
           <a:p>
             <a:fld id="{4DAFBDD3-A15C-4955-8CA3-3D8B5691D9F0}" type="datetimeFigureOut">
               <a:rPr lang="en-US" smtClean="0"/>
-              <a:t>10/25/2023</a:t>
+              <a:t>11/19/2023</a:t>
             </a:fld>
             <a:endParaRPr lang="en-US"/>
           </a:p>
@@ -1479,7 +1479,7 @@
           <a:p>
             <a:fld id="{4DAFBDD3-A15C-4955-8CA3-3D8B5691D9F0}" type="datetimeFigureOut">
               <a:rPr lang="en-US" smtClean="0"/>
-              <a:t>10/25/2023</a:t>
+              <a:t>11/19/2023</a:t>
             </a:fld>
             <a:endParaRPr lang="en-US"/>
           </a:p>
@@ -1891,7 +1891,7 @@
           <a:p>
             <a:fld id="{4DAFBDD3-A15C-4955-8CA3-3D8B5691D9F0}" type="datetimeFigureOut">
               <a:rPr lang="en-US" smtClean="0"/>
-              <a:t>10/25/2023</a:t>
+              <a:t>11/19/2023</a:t>
             </a:fld>
             <a:endParaRPr lang="en-US"/>
           </a:p>
@@ -2032,7 +2032,7 @@
           <a:p>
             <a:fld id="{4DAFBDD3-A15C-4955-8CA3-3D8B5691D9F0}" type="datetimeFigureOut">
               <a:rPr lang="en-US" smtClean="0"/>
-              <a:t>10/25/2023</a:t>
+              <a:t>11/19/2023</a:t>
             </a:fld>
             <a:endParaRPr lang="en-US"/>
           </a:p>
@@ -2145,7 +2145,7 @@
           <a:p>
             <a:fld id="{4DAFBDD3-A15C-4955-8CA3-3D8B5691D9F0}" type="datetimeFigureOut">
               <a:rPr lang="en-US" smtClean="0"/>
-              <a:t>10/25/2023</a:t>
+              <a:t>11/19/2023</a:t>
             </a:fld>
             <a:endParaRPr lang="en-US"/>
           </a:p>
@@ -2456,7 +2456,7 @@
           <a:p>
             <a:fld id="{4DAFBDD3-A15C-4955-8CA3-3D8B5691D9F0}" type="datetimeFigureOut">
               <a:rPr lang="en-US" smtClean="0"/>
-              <a:t>10/25/2023</a:t>
+              <a:t>11/19/2023</a:t>
             </a:fld>
             <a:endParaRPr lang="en-US"/>
           </a:p>
@@ -2744,7 +2744,7 @@
           <a:p>
             <a:fld id="{4DAFBDD3-A15C-4955-8CA3-3D8B5691D9F0}" type="datetimeFigureOut">
               <a:rPr lang="en-US" smtClean="0"/>
-              <a:t>10/25/2023</a:t>
+              <a:t>11/19/2023</a:t>
             </a:fld>
             <a:endParaRPr lang="en-US"/>
           </a:p>
@@ -2985,7 +2985,7 @@
           <a:p>
             <a:fld id="{4DAFBDD3-A15C-4955-8CA3-3D8B5691D9F0}" type="datetimeFigureOut">
               <a:rPr lang="en-US" smtClean="0"/>
-              <a:t>10/25/2023</a:t>
+              <a:t>11/19/2023</a:t>
             </a:fld>
             <a:endParaRPr lang="en-US"/>
           </a:p>
@@ -10898,9 +10898,12 @@
             <a:pPr algn="ctr"/>
             <a:r>
               <a:rPr lang="en-US"/>
-              <a:t>Login Page</a:t>
-            </a:r>
-            <a:endParaRPr lang="en-US" dirty="0"/>
+              <a:t>index </a:t>
+            </a:r>
+            <a:r>
+              <a:rPr lang="en-US" dirty="0"/>
+              <a:t>Page</a:t>
+            </a:r>
           </a:p>
         </p:txBody>
       </p:sp>
